--- a/sample.pptx
+++ b/sample.pptx
@@ -3560,7 +3560,7 @@
         <p:spPr>
           <a:xfrm>
             <a:off x="457200" y="5577840"/>
-            <a:ext cx="6858000" cy="2194560"/>
+            <a:ext cx="5486400" cy="2194560"/>
           </a:xfrm>
           <a:prstGeom prst="rect">
             <a:avLst/>
@@ -3623,8 +3623,8 @@
         </p:nvSpPr>
         <p:spPr>
           <a:xfrm>
-            <a:off x="7315200" y="5577840"/>
-            <a:ext cx="6858000" cy="2194560"/>
+            <a:off x="5943600" y="5577840"/>
+            <a:ext cx="8229600" cy="2194560"/>
           </a:xfrm>
           <a:prstGeom prst="rect">
             <a:avLst/>
@@ -4154,7 +4154,7 @@
         <p:spPr>
           <a:xfrm>
             <a:off x="457200" y="5577840"/>
-            <a:ext cx="6858000" cy="2194560"/>
+            <a:ext cx="5486400" cy="2194560"/>
           </a:xfrm>
           <a:prstGeom prst="rect">
             <a:avLst/>
@@ -4217,8 +4217,8 @@
         </p:nvSpPr>
         <p:spPr>
           <a:xfrm>
-            <a:off x="7315200" y="5577840"/>
-            <a:ext cx="6858000" cy="2194560"/>
+            <a:off x="5943600" y="5577840"/>
+            <a:ext cx="8229600" cy="2194560"/>
           </a:xfrm>
           <a:prstGeom prst="rect">
             <a:avLst/>
@@ -4716,7 +4716,7 @@
         <p:spPr>
           <a:xfrm>
             <a:off x="457200" y="5577840"/>
-            <a:ext cx="6858000" cy="2194560"/>
+            <a:ext cx="5486400" cy="2194560"/>
           </a:xfrm>
           <a:prstGeom prst="rect">
             <a:avLst/>
@@ -4779,8 +4779,8 @@
         </p:nvSpPr>
         <p:spPr>
           <a:xfrm>
-            <a:off x="7315200" y="5577840"/>
-            <a:ext cx="6858000" cy="2194560"/>
+            <a:off x="5943600" y="5577840"/>
+            <a:ext cx="8229600" cy="2194560"/>
           </a:xfrm>
           <a:prstGeom prst="rect">
             <a:avLst/>
@@ -5286,7 +5286,7 @@
         <p:spPr>
           <a:xfrm>
             <a:off x="457200" y="5577840"/>
-            <a:ext cx="6858000" cy="2194560"/>
+            <a:ext cx="5486400" cy="2194560"/>
           </a:xfrm>
           <a:prstGeom prst="rect">
             <a:avLst/>
@@ -5349,8 +5349,8 @@
         </p:nvSpPr>
         <p:spPr>
           <a:xfrm>
-            <a:off x="7315200" y="5577840"/>
-            <a:ext cx="6858000" cy="2194560"/>
+            <a:off x="5943600" y="5577840"/>
+            <a:ext cx="8229600" cy="2194560"/>
           </a:xfrm>
           <a:prstGeom prst="rect">
             <a:avLst/>
@@ -5872,7 +5872,7 @@
         <p:spPr>
           <a:xfrm>
             <a:off x="457200" y="5577840"/>
-            <a:ext cx="6858000" cy="2194560"/>
+            <a:ext cx="5486400" cy="2194560"/>
           </a:xfrm>
           <a:prstGeom prst="rect">
             <a:avLst/>
@@ -5935,8 +5935,8 @@
         </p:nvSpPr>
         <p:spPr>
           <a:xfrm>
-            <a:off x="7315200" y="5577840"/>
-            <a:ext cx="6858000" cy="2194560"/>
+            <a:off x="5943600" y="5577840"/>
+            <a:ext cx="8229600" cy="2194560"/>
           </a:xfrm>
           <a:prstGeom prst="rect">
             <a:avLst/>
@@ -6466,7 +6466,7 @@
         <p:spPr>
           <a:xfrm>
             <a:off x="457200" y="5577840"/>
-            <a:ext cx="6858000" cy="2194560"/>
+            <a:ext cx="5486400" cy="2194560"/>
           </a:xfrm>
           <a:prstGeom prst="rect">
             <a:avLst/>
@@ -6529,8 +6529,8 @@
         </p:nvSpPr>
         <p:spPr>
           <a:xfrm>
-            <a:off x="7315200" y="5577840"/>
-            <a:ext cx="6858000" cy="2194560"/>
+            <a:off x="5943600" y="5577840"/>
+            <a:ext cx="8229600" cy="2194560"/>
           </a:xfrm>
           <a:prstGeom prst="rect">
             <a:avLst/>
@@ -7100,7 +7100,7 @@
         <p:spPr>
           <a:xfrm>
             <a:off x="457200" y="5577840"/>
-            <a:ext cx="6858000" cy="2194560"/>
+            <a:ext cx="5486400" cy="2194560"/>
           </a:xfrm>
           <a:prstGeom prst="rect">
             <a:avLst/>
@@ -7163,8 +7163,8 @@
         </p:nvSpPr>
         <p:spPr>
           <a:xfrm>
-            <a:off x="7315200" y="5577840"/>
-            <a:ext cx="6858000" cy="2194560"/>
+            <a:off x="5943600" y="5577840"/>
+            <a:ext cx="8229600" cy="2194560"/>
           </a:xfrm>
           <a:prstGeom prst="rect">
             <a:avLst/>
@@ -7686,7 +7686,7 @@
         <p:spPr>
           <a:xfrm>
             <a:off x="457200" y="5577840"/>
-            <a:ext cx="6858000" cy="2194560"/>
+            <a:ext cx="5486400" cy="2194560"/>
           </a:xfrm>
           <a:prstGeom prst="rect">
             <a:avLst/>
@@ -7749,8 +7749,8 @@
         </p:nvSpPr>
         <p:spPr>
           <a:xfrm>
-            <a:off x="7315200" y="5577840"/>
-            <a:ext cx="6858000" cy="2194560"/>
+            <a:off x="5943600" y="5577840"/>
+            <a:ext cx="8229600" cy="2194560"/>
           </a:xfrm>
           <a:prstGeom prst="rect">
             <a:avLst/>

--- a/sample.pptx
+++ b/sample.pptx
@@ -3560,7 +3560,7 @@
         <p:spPr>
           <a:xfrm>
             <a:off x="457200" y="5577840"/>
-            <a:ext cx="5486400" cy="2194560"/>
+            <a:ext cx="6858000" cy="2194560"/>
           </a:xfrm>
           <a:prstGeom prst="rect">
             <a:avLst/>
@@ -3623,8 +3623,8 @@
         </p:nvSpPr>
         <p:spPr>
           <a:xfrm>
-            <a:off x="5943600" y="5577840"/>
-            <a:ext cx="8229600" cy="2194560"/>
+            <a:off x="7315200" y="5577840"/>
+            <a:ext cx="6858000" cy="2194560"/>
           </a:xfrm>
           <a:prstGeom prst="rect">
             <a:avLst/>
@@ -4154,7 +4154,7 @@
         <p:spPr>
           <a:xfrm>
             <a:off x="457200" y="5577840"/>
-            <a:ext cx="5486400" cy="2194560"/>
+            <a:ext cx="6858000" cy="2194560"/>
           </a:xfrm>
           <a:prstGeom prst="rect">
             <a:avLst/>
@@ -4217,8 +4217,8 @@
         </p:nvSpPr>
         <p:spPr>
           <a:xfrm>
-            <a:off x="5943600" y="5577840"/>
-            <a:ext cx="8229600" cy="2194560"/>
+            <a:off x="7315200" y="5577840"/>
+            <a:ext cx="6858000" cy="2194560"/>
           </a:xfrm>
           <a:prstGeom prst="rect">
             <a:avLst/>
@@ -4716,7 +4716,7 @@
         <p:spPr>
           <a:xfrm>
             <a:off x="457200" y="5577840"/>
-            <a:ext cx="5486400" cy="2194560"/>
+            <a:ext cx="6858000" cy="2194560"/>
           </a:xfrm>
           <a:prstGeom prst="rect">
             <a:avLst/>
@@ -4779,8 +4779,8 @@
         </p:nvSpPr>
         <p:spPr>
           <a:xfrm>
-            <a:off x="5943600" y="5577840"/>
-            <a:ext cx="8229600" cy="2194560"/>
+            <a:off x="7315200" y="5577840"/>
+            <a:ext cx="6858000" cy="2194560"/>
           </a:xfrm>
           <a:prstGeom prst="rect">
             <a:avLst/>
@@ -5286,7 +5286,7 @@
         <p:spPr>
           <a:xfrm>
             <a:off x="457200" y="5577840"/>
-            <a:ext cx="5486400" cy="2194560"/>
+            <a:ext cx="6858000" cy="2194560"/>
           </a:xfrm>
           <a:prstGeom prst="rect">
             <a:avLst/>
@@ -5349,8 +5349,8 @@
         </p:nvSpPr>
         <p:spPr>
           <a:xfrm>
-            <a:off x="5943600" y="5577840"/>
-            <a:ext cx="8229600" cy="2194560"/>
+            <a:off x="7315200" y="5577840"/>
+            <a:ext cx="6858000" cy="2194560"/>
           </a:xfrm>
           <a:prstGeom prst="rect">
             <a:avLst/>
@@ -5872,7 +5872,7 @@
         <p:spPr>
           <a:xfrm>
             <a:off x="457200" y="5577840"/>
-            <a:ext cx="5486400" cy="2194560"/>
+            <a:ext cx="6858000" cy="2194560"/>
           </a:xfrm>
           <a:prstGeom prst="rect">
             <a:avLst/>
@@ -5935,8 +5935,8 @@
         </p:nvSpPr>
         <p:spPr>
           <a:xfrm>
-            <a:off x="5943600" y="5577840"/>
-            <a:ext cx="8229600" cy="2194560"/>
+            <a:off x="7315200" y="5577840"/>
+            <a:ext cx="6858000" cy="2194560"/>
           </a:xfrm>
           <a:prstGeom prst="rect">
             <a:avLst/>
@@ -6466,7 +6466,7 @@
         <p:spPr>
           <a:xfrm>
             <a:off x="457200" y="5577840"/>
-            <a:ext cx="5486400" cy="2194560"/>
+            <a:ext cx="6858000" cy="2194560"/>
           </a:xfrm>
           <a:prstGeom prst="rect">
             <a:avLst/>
@@ -6529,8 +6529,8 @@
         </p:nvSpPr>
         <p:spPr>
           <a:xfrm>
-            <a:off x="5943600" y="5577840"/>
-            <a:ext cx="8229600" cy="2194560"/>
+            <a:off x="7315200" y="5577840"/>
+            <a:ext cx="6858000" cy="2194560"/>
           </a:xfrm>
           <a:prstGeom prst="rect">
             <a:avLst/>
@@ -7100,7 +7100,7 @@
         <p:spPr>
           <a:xfrm>
             <a:off x="457200" y="5577840"/>
-            <a:ext cx="5486400" cy="2194560"/>
+            <a:ext cx="6858000" cy="2194560"/>
           </a:xfrm>
           <a:prstGeom prst="rect">
             <a:avLst/>
@@ -7163,8 +7163,8 @@
         </p:nvSpPr>
         <p:spPr>
           <a:xfrm>
-            <a:off x="5943600" y="5577840"/>
-            <a:ext cx="8229600" cy="2194560"/>
+            <a:off x="7315200" y="5577840"/>
+            <a:ext cx="6858000" cy="2194560"/>
           </a:xfrm>
           <a:prstGeom prst="rect">
             <a:avLst/>
@@ -7686,7 +7686,7 @@
         <p:spPr>
           <a:xfrm>
             <a:off x="457200" y="5577840"/>
-            <a:ext cx="5486400" cy="2194560"/>
+            <a:ext cx="6858000" cy="2194560"/>
           </a:xfrm>
           <a:prstGeom prst="rect">
             <a:avLst/>
@@ -7749,8 +7749,8 @@
         </p:nvSpPr>
         <p:spPr>
           <a:xfrm>
-            <a:off x="5943600" y="5577840"/>
-            <a:ext cx="8229600" cy="2194560"/>
+            <a:off x="7315200" y="5577840"/>
+            <a:ext cx="6858000" cy="2194560"/>
           </a:xfrm>
           <a:prstGeom prst="rect">
             <a:avLst/>

--- a/sample.pptx
+++ b/sample.pptx
@@ -13,6 +13,12 @@
     <p:sldId id="261" r:id="rId12"/>
     <p:sldId id="262" r:id="rId13"/>
     <p:sldId id="263" r:id="rId14"/>
+    <p:sldId id="264" r:id="rId15"/>
+    <p:sldId id="265" r:id="rId16"/>
+    <p:sldId id="266" r:id="rId17"/>
+    <p:sldId id="267" r:id="rId18"/>
+    <p:sldId id="268" r:id="rId19"/>
+    <p:sldId id="269" r:id="rId20"/>
   </p:sldIdLst>
   <p:sldSz cx="14630400" cy="8229600" type="screen4x3"/>
   <p:notesSz cx="6858000" cy="9144000"/>
@@ -3671,6 +3677,2936 @@
 </p:sld>
 </file>
 
+<file path=ppt/slides/slide10.xml><?xml version="1.0" encoding="utf-8"?>
+<p:sld xmlns:a="http://schemas.openxmlformats.org/drawingml/2006/main" xmlns:p="http://schemas.openxmlformats.org/presentationml/2006/main" xmlns:r="http://schemas.openxmlformats.org/officeDocument/2006/relationships">
+  <p:cSld>
+    <p:spTree>
+      <p:nvGrpSpPr>
+        <p:cNvPr id="1" name=""/>
+        <p:cNvGrpSpPr/>
+        <p:nvPr/>
+      </p:nvGrpSpPr>
+      <p:grpSpPr/>
+      <p:sp>
+        <p:nvSpPr>
+          <p:cNvPr id="2" name="TextBox 1"/>
+          <p:cNvSpPr txBox="1"/>
+          <p:nvPr/>
+        </p:nvSpPr>
+        <p:spPr>
+          <a:xfrm>
+            <a:off x="457200" y="457200"/>
+            <a:ext cx="13258800" cy="457200"/>
+          </a:xfrm>
+          <a:prstGeom prst="rect">
+            <a:avLst/>
+          </a:prstGeom>
+          <a:noFill/>
+        </p:spPr>
+        <p:txBody>
+          <a:bodyPr wrap="none">
+            <a:spAutoFit/>
+          </a:bodyPr>
+          <a:lstStyle/>
+          <a:p/>
+          <a:p>
+            <a:pPr algn="ctr">
+              <a:defRPr sz="2000"/>
+            </a:pPr>
+            <a:r>
+              <a:t>NANOX (2016-01-01)</a:t>
+            </a:r>
+          </a:p>
+        </p:txBody>
+      </p:sp>
+      <p:sp>
+        <p:nvSpPr>
+          <p:cNvPr id="3" name="TextBox 2"/>
+          <p:cNvSpPr txBox="1"/>
+          <p:nvPr/>
+        </p:nvSpPr>
+        <p:spPr>
+          <a:xfrm>
+            <a:off x="457200" y="1188720"/>
+            <a:ext cx="2743200" cy="4389120"/>
+          </a:xfrm>
+          <a:prstGeom prst="rect">
+            <a:avLst/>
+          </a:prstGeom>
+          <a:noFill/>
+          <a:ln w="12700">
+            <a:solidFill>
+              <a:srgbClr val="000000"/>
+            </a:solidFill>
+          </a:ln>
+        </p:spPr>
+        <p:txBody>
+          <a:bodyPr wrap="square">
+            <a:noAutofit/>
+          </a:bodyPr>
+          <a:lstStyle/>
+          <a:p>
+            <a:pPr>
+              <a:defRPr sz="1600" u="sng">
+                <a:solidFill>
+                  <a:srgbClr val="008000"/>
+                </a:solidFill>
+              </a:defRPr>
+            </a:pPr>
+            <a:r>
+              <a:t>Problem</a:t>
+            </a:r>
+          </a:p>
+          <a:p>
+            <a:pPr>
+              <a:defRPr sz="900"/>
+            </a:pPr>
+            <a:r>
+              <a:t>・X線装置の高コスト</a:t>
+            </a:r>
+          </a:p>
+          <a:p>
+            <a:pPr>
+              <a:defRPr sz="900"/>
+            </a:pPr>
+            <a:r>
+              <a:t>・アクセス困難な地域での医療診断の限定性</a:t>
+            </a:r>
+          </a:p>
+          <a:p>
+            <a:pPr>
+              <a:defRPr sz="900"/>
+            </a:pPr>
+            <a:r>
+              <a:t>・診断結果の待ち時間</a:t>
+            </a:r>
+          </a:p>
+        </p:txBody>
+      </p:sp>
+      <p:sp>
+        <p:nvSpPr>
+          <p:cNvPr id="4" name="TextBox 3"/>
+          <p:cNvSpPr txBox="1"/>
+          <p:nvPr/>
+        </p:nvSpPr>
+        <p:spPr>
+          <a:xfrm>
+            <a:off x="3200400" y="1188720"/>
+            <a:ext cx="2743200" cy="2194560"/>
+          </a:xfrm>
+          <a:prstGeom prst="rect">
+            <a:avLst/>
+          </a:prstGeom>
+          <a:noFill/>
+          <a:ln w="12700">
+            <a:solidFill>
+              <a:srgbClr val="000000"/>
+            </a:solidFill>
+          </a:ln>
+        </p:spPr>
+        <p:txBody>
+          <a:bodyPr wrap="square">
+            <a:noAutofit/>
+          </a:bodyPr>
+          <a:lstStyle/>
+          <a:p>
+            <a:pPr>
+              <a:defRPr sz="1600" u="sng">
+                <a:solidFill>
+                  <a:srgbClr val="008000"/>
+                </a:solidFill>
+              </a:defRPr>
+            </a:pPr>
+            <a:r>
+              <a:t>Solution</a:t>
+            </a:r>
+          </a:p>
+          <a:p>
+            <a:pPr>
+              <a:defRPr sz="900"/>
+            </a:pPr>
+            <a:r>
+              <a:t>・低コストで小型のX線機器 (Nanox.ARC)</a:t>
+            </a:r>
+          </a:p>
+          <a:p>
+            <a:pPr>
+              <a:defRPr sz="900"/>
+            </a:pPr>
+            <a:r>
+              <a:t>・クラウドベースの診断ネットワーク (Nanox.Cloud)</a:t>
+            </a:r>
+          </a:p>
+          <a:p>
+            <a:pPr>
+              <a:defRPr sz="900"/>
+            </a:pPr>
+            <a:r>
+              <a:t>・AIを使用した即時の診断サポート</a:t>
+            </a:r>
+          </a:p>
+        </p:txBody>
+      </p:sp>
+      <p:sp>
+        <p:nvSpPr>
+          <p:cNvPr id="5" name="TextBox 4"/>
+          <p:cNvSpPr txBox="1"/>
+          <p:nvPr/>
+        </p:nvSpPr>
+        <p:spPr>
+          <a:xfrm>
+            <a:off x="3200400" y="3383280"/>
+            <a:ext cx="2743200" cy="2194560"/>
+          </a:xfrm>
+          <a:prstGeom prst="rect">
+            <a:avLst/>
+          </a:prstGeom>
+          <a:noFill/>
+          <a:ln w="12700">
+            <a:solidFill>
+              <a:srgbClr val="000000"/>
+            </a:solidFill>
+          </a:ln>
+        </p:spPr>
+        <p:txBody>
+          <a:bodyPr wrap="square">
+            <a:noAutofit/>
+          </a:bodyPr>
+          <a:lstStyle/>
+          <a:p>
+            <a:pPr>
+              <a:defRPr sz="1600" u="sng">
+                <a:solidFill>
+                  <a:srgbClr val="008000"/>
+                </a:solidFill>
+              </a:defRPr>
+            </a:pPr>
+            <a:r>
+              <a:t>Key Metrics</a:t>
+            </a:r>
+          </a:p>
+          <a:p>
+            <a:pPr>
+              <a:defRPr sz="900"/>
+            </a:pPr>
+            <a:r>
+              <a:t>・Nanox.ARCの出荷数</a:t>
+            </a:r>
+          </a:p>
+          <a:p>
+            <a:pPr>
+              <a:defRPr sz="900"/>
+            </a:pPr>
+            <a:r>
+              <a:t>・Nanox.Cloudへの接続数</a:t>
+            </a:r>
+          </a:p>
+          <a:p>
+            <a:pPr>
+              <a:defRPr sz="900"/>
+            </a:pPr>
+            <a:r>
+              <a:t>・AIによる診断処理量</a:t>
+            </a:r>
+          </a:p>
+        </p:txBody>
+      </p:sp>
+      <p:sp>
+        <p:nvSpPr>
+          <p:cNvPr id="6" name="TextBox 5"/>
+          <p:cNvSpPr txBox="1"/>
+          <p:nvPr/>
+        </p:nvSpPr>
+        <p:spPr>
+          <a:xfrm>
+            <a:off x="5943600" y="1188720"/>
+            <a:ext cx="2743200" cy="4389120"/>
+          </a:xfrm>
+          <a:prstGeom prst="rect">
+            <a:avLst/>
+          </a:prstGeom>
+          <a:noFill/>
+          <a:ln w="12700">
+            <a:solidFill>
+              <a:srgbClr val="000000"/>
+            </a:solidFill>
+          </a:ln>
+        </p:spPr>
+        <p:txBody>
+          <a:bodyPr wrap="square">
+            <a:noAutofit/>
+          </a:bodyPr>
+          <a:lstStyle/>
+          <a:p>
+            <a:pPr>
+              <a:defRPr sz="1600" u="sng">
+                <a:solidFill>
+                  <a:srgbClr val="008000"/>
+                </a:solidFill>
+              </a:defRPr>
+            </a:pPr>
+            <a:r>
+              <a:t>Unique Value Proposition</a:t>
+            </a:r>
+          </a:p>
+          <a:p>
+            <a:pPr>
+              <a:defRPr sz="900"/>
+            </a:pPr>
+            <a:r>
+              <a:t>・低コストでアクセス可能なX線診断技術の提供</a:t>
+            </a:r>
+          </a:p>
+        </p:txBody>
+      </p:sp>
+      <p:sp>
+        <p:nvSpPr>
+          <p:cNvPr id="7" name="TextBox 6"/>
+          <p:cNvSpPr txBox="1"/>
+          <p:nvPr/>
+        </p:nvSpPr>
+        <p:spPr>
+          <a:xfrm>
+            <a:off x="8686800" y="1188720"/>
+            <a:ext cx="2743200" cy="2194560"/>
+          </a:xfrm>
+          <a:prstGeom prst="rect">
+            <a:avLst/>
+          </a:prstGeom>
+          <a:noFill/>
+          <a:ln w="12700">
+            <a:solidFill>
+              <a:srgbClr val="000000"/>
+            </a:solidFill>
+          </a:ln>
+        </p:spPr>
+        <p:txBody>
+          <a:bodyPr wrap="square">
+            <a:noAutofit/>
+          </a:bodyPr>
+          <a:lstStyle/>
+          <a:p>
+            <a:pPr>
+              <a:defRPr sz="1600" u="sng">
+                <a:solidFill>
+                  <a:srgbClr val="008000"/>
+                </a:solidFill>
+              </a:defRPr>
+            </a:pPr>
+            <a:r>
+              <a:t>Unfair Advantage</a:t>
+            </a:r>
+          </a:p>
+          <a:p>
+            <a:pPr>
+              <a:defRPr sz="900"/>
+            </a:pPr>
+            <a:r>
+              <a:t>・革新的な低コストX線装置の開発</a:t>
+            </a:r>
+          </a:p>
+          <a:p>
+            <a:pPr>
+              <a:defRPr sz="900"/>
+            </a:pPr>
+            <a:r>
+              <a:t>・クラウドベースの診断プラットフォームを組み合わせた統合ソリューション</a:t>
+            </a:r>
+          </a:p>
+        </p:txBody>
+      </p:sp>
+      <p:sp>
+        <p:nvSpPr>
+          <p:cNvPr id="8" name="TextBox 7"/>
+          <p:cNvSpPr txBox="1"/>
+          <p:nvPr/>
+        </p:nvSpPr>
+        <p:spPr>
+          <a:xfrm>
+            <a:off x="8686800" y="3383280"/>
+            <a:ext cx="2743200" cy="2194560"/>
+          </a:xfrm>
+          <a:prstGeom prst="rect">
+            <a:avLst/>
+          </a:prstGeom>
+          <a:noFill/>
+          <a:ln w="12700">
+            <a:solidFill>
+              <a:srgbClr val="000000"/>
+            </a:solidFill>
+          </a:ln>
+        </p:spPr>
+        <p:txBody>
+          <a:bodyPr wrap="square">
+            <a:noAutofit/>
+          </a:bodyPr>
+          <a:lstStyle/>
+          <a:p>
+            <a:pPr>
+              <a:defRPr sz="1600" u="sng">
+                <a:solidFill>
+                  <a:srgbClr val="008000"/>
+                </a:solidFill>
+              </a:defRPr>
+            </a:pPr>
+            <a:r>
+              <a:t>Channels</a:t>
+            </a:r>
+          </a:p>
+          <a:p>
+            <a:pPr>
+              <a:defRPr sz="900"/>
+            </a:pPr>
+            <a:r>
+              <a:t>・医療機関へのダイレクトセールス</a:t>
+            </a:r>
+          </a:p>
+          <a:p>
+            <a:pPr>
+              <a:defRPr sz="900"/>
+            </a:pPr>
+            <a:r>
+              <a:t>・医療関連のイベントやカンファレンス</a:t>
+            </a:r>
+          </a:p>
+          <a:p>
+            <a:pPr>
+              <a:defRPr sz="900"/>
+            </a:pPr>
+            <a:r>
+              <a:t>・オンライン（ウェブサイト、ソーシャルメディア）</a:t>
+            </a:r>
+          </a:p>
+        </p:txBody>
+      </p:sp>
+      <p:sp>
+        <p:nvSpPr>
+          <p:cNvPr id="9" name="TextBox 8"/>
+          <p:cNvSpPr txBox="1"/>
+          <p:nvPr/>
+        </p:nvSpPr>
+        <p:spPr>
+          <a:xfrm>
+            <a:off x="11430000" y="1188720"/>
+            <a:ext cx="2743200" cy="4389120"/>
+          </a:xfrm>
+          <a:prstGeom prst="rect">
+            <a:avLst/>
+          </a:prstGeom>
+          <a:noFill/>
+          <a:ln w="12700">
+            <a:solidFill>
+              <a:srgbClr val="000000"/>
+            </a:solidFill>
+          </a:ln>
+        </p:spPr>
+        <p:txBody>
+          <a:bodyPr wrap="square">
+            <a:noAutofit/>
+          </a:bodyPr>
+          <a:lstStyle/>
+          <a:p>
+            <a:pPr>
+              <a:defRPr sz="1600" u="sng">
+                <a:solidFill>
+                  <a:srgbClr val="008000"/>
+                </a:solidFill>
+              </a:defRPr>
+            </a:pPr>
+            <a:r>
+              <a:t>Customer Segments</a:t>
+            </a:r>
+          </a:p>
+          <a:p>
+            <a:pPr>
+              <a:defRPr sz="900"/>
+            </a:pPr>
+            <a:r>
+              <a:t>・開発途上国の医療機関</a:t>
+            </a:r>
+          </a:p>
+          <a:p>
+            <a:pPr>
+              <a:defRPr sz="900"/>
+            </a:pPr>
+            <a:r>
+              <a:t>・地方のクリニックや小規模な病院</a:t>
+            </a:r>
+          </a:p>
+          <a:p>
+            <a:pPr>
+              <a:defRPr sz="900"/>
+            </a:pPr>
+            <a:r>
+              <a:t>・大規模な医療機関や病院</a:t>
+            </a:r>
+          </a:p>
+        </p:txBody>
+      </p:sp>
+      <p:sp>
+        <p:nvSpPr>
+          <p:cNvPr id="10" name="TextBox 9"/>
+          <p:cNvSpPr txBox="1"/>
+          <p:nvPr/>
+        </p:nvSpPr>
+        <p:spPr>
+          <a:xfrm>
+            <a:off x="457200" y="5577840"/>
+            <a:ext cx="6858000" cy="2194560"/>
+          </a:xfrm>
+          <a:prstGeom prst="rect">
+            <a:avLst/>
+          </a:prstGeom>
+          <a:noFill/>
+          <a:ln w="12700">
+            <a:solidFill>
+              <a:srgbClr val="000000"/>
+            </a:solidFill>
+          </a:ln>
+        </p:spPr>
+        <p:txBody>
+          <a:bodyPr wrap="square">
+            <a:noAutofit/>
+          </a:bodyPr>
+          <a:lstStyle/>
+          <a:p>
+            <a:pPr>
+              <a:defRPr sz="1600" u="sng">
+                <a:solidFill>
+                  <a:srgbClr val="008000"/>
+                </a:solidFill>
+              </a:defRPr>
+            </a:pPr>
+            <a:r>
+              <a:t>Cost Structure</a:t>
+            </a:r>
+          </a:p>
+          <a:p>
+            <a:pPr>
+              <a:defRPr sz="900"/>
+            </a:pPr>
+            <a:r>
+              <a:t>・研究開発費用</a:t>
+            </a:r>
+          </a:p>
+          <a:p>
+            <a:pPr>
+              <a:defRPr sz="900"/>
+            </a:pPr>
+            <a:r>
+              <a:t>・生産コスト</a:t>
+            </a:r>
+          </a:p>
+          <a:p>
+            <a:pPr>
+              <a:defRPr sz="900"/>
+            </a:pPr>
+            <a:r>
+              <a:t>・マーケティングと営業のコスト</a:t>
+            </a:r>
+          </a:p>
+        </p:txBody>
+      </p:sp>
+      <p:sp>
+        <p:nvSpPr>
+          <p:cNvPr id="11" name="TextBox 10"/>
+          <p:cNvSpPr txBox="1"/>
+          <p:nvPr/>
+        </p:nvSpPr>
+        <p:spPr>
+          <a:xfrm>
+            <a:off x="7315200" y="5577840"/>
+            <a:ext cx="6858000" cy="2194560"/>
+          </a:xfrm>
+          <a:prstGeom prst="rect">
+            <a:avLst/>
+          </a:prstGeom>
+          <a:noFill/>
+          <a:ln w="12700">
+            <a:solidFill>
+              <a:srgbClr val="000000"/>
+            </a:solidFill>
+          </a:ln>
+        </p:spPr>
+        <p:txBody>
+          <a:bodyPr wrap="square">
+            <a:noAutofit/>
+          </a:bodyPr>
+          <a:lstStyle/>
+          <a:p>
+            <a:pPr>
+              <a:defRPr sz="1600" u="sng">
+                <a:solidFill>
+                  <a:srgbClr val="008000"/>
+                </a:solidFill>
+              </a:defRPr>
+            </a:pPr>
+            <a:r>
+              <a:t>Revenue Streams</a:t>
+            </a:r>
+          </a:p>
+          <a:p>
+            <a:pPr>
+              <a:defRPr sz="900"/>
+            </a:pPr>
+            <a:r>
+              <a:t>・Nanox.ARCの販売</a:t>
+            </a:r>
+          </a:p>
+          <a:p>
+            <a:pPr>
+              <a:defRPr sz="900"/>
+            </a:pPr>
+            <a:r>
+              <a:t>・Nanox.Cloudのサービス利用料</a:t>
+            </a:r>
+          </a:p>
+          <a:p>
+            <a:pPr>
+              <a:defRPr sz="900"/>
+            </a:pPr>
+            <a:r>
+              <a:t>・AI診断サポートの利用料</a:t>
+            </a:r>
+          </a:p>
+        </p:txBody>
+      </p:sp>
+    </p:spTree>
+  </p:cSld>
+  <p:clrMapOvr>
+    <a:masterClrMapping/>
+  </p:clrMapOvr>
+</p:sld>
+</file>
+
+<file path=ppt/slides/slide11.xml><?xml version="1.0" encoding="utf-8"?>
+<p:sld xmlns:a="http://schemas.openxmlformats.org/drawingml/2006/main" xmlns:p="http://schemas.openxmlformats.org/presentationml/2006/main" xmlns:r="http://schemas.openxmlformats.org/officeDocument/2006/relationships">
+  <p:cSld>
+    <p:spTree>
+      <p:nvGrpSpPr>
+        <p:cNvPr id="1" name=""/>
+        <p:cNvGrpSpPr/>
+        <p:nvPr/>
+      </p:nvGrpSpPr>
+      <p:grpSpPr/>
+      <p:sp>
+        <p:nvSpPr>
+          <p:cNvPr id="2" name="TextBox 1"/>
+          <p:cNvSpPr txBox="1"/>
+          <p:nvPr/>
+        </p:nvSpPr>
+        <p:spPr>
+          <a:xfrm>
+            <a:off x="457200" y="457200"/>
+            <a:ext cx="13258800" cy="457200"/>
+          </a:xfrm>
+          <a:prstGeom prst="rect">
+            <a:avLst/>
+          </a:prstGeom>
+          <a:noFill/>
+        </p:spPr>
+        <p:txBody>
+          <a:bodyPr wrap="none">
+            <a:spAutoFit/>
+          </a:bodyPr>
+          <a:lstStyle/>
+          <a:p/>
+          <a:p>
+            <a:pPr algn="ctr">
+              <a:defRPr sz="2000"/>
+            </a:pPr>
+            <a:r>
+              <a:t>Snowflake (2012-07-01)</a:t>
+            </a:r>
+          </a:p>
+        </p:txBody>
+      </p:sp>
+      <p:sp>
+        <p:nvSpPr>
+          <p:cNvPr id="3" name="TextBox 2"/>
+          <p:cNvSpPr txBox="1"/>
+          <p:nvPr/>
+        </p:nvSpPr>
+        <p:spPr>
+          <a:xfrm>
+            <a:off x="457200" y="1188720"/>
+            <a:ext cx="2743200" cy="4389120"/>
+          </a:xfrm>
+          <a:prstGeom prst="rect">
+            <a:avLst/>
+          </a:prstGeom>
+          <a:noFill/>
+          <a:ln w="12700">
+            <a:solidFill>
+              <a:srgbClr val="000000"/>
+            </a:solidFill>
+          </a:ln>
+        </p:spPr>
+        <p:txBody>
+          <a:bodyPr wrap="square">
+            <a:noAutofit/>
+          </a:bodyPr>
+          <a:lstStyle/>
+          <a:p>
+            <a:pPr>
+              <a:defRPr sz="1600" u="sng">
+                <a:solidFill>
+                  <a:srgbClr val="008000"/>
+                </a:solidFill>
+              </a:defRPr>
+            </a:pPr>
+            <a:r>
+              <a:t>Problem</a:t>
+            </a:r>
+          </a:p>
+          <a:p>
+            <a:pPr>
+              <a:defRPr sz="900"/>
+            </a:pPr>
+            <a:r>
+              <a:t>・既存のデータウェアハウスのスケーリング問題</a:t>
+            </a:r>
+          </a:p>
+          <a:p>
+            <a:pPr>
+              <a:defRPr sz="900"/>
+            </a:pPr>
+            <a:r>
+              <a:t>・データの一貫性とセキュリティの問題</a:t>
+            </a:r>
+          </a:p>
+          <a:p>
+            <a:pPr>
+              <a:defRPr sz="900"/>
+            </a:pPr>
+            <a:r>
+              <a:t>・データの処理速度の遅さ</a:t>
+            </a:r>
+          </a:p>
+        </p:txBody>
+      </p:sp>
+      <p:sp>
+        <p:nvSpPr>
+          <p:cNvPr id="4" name="TextBox 3"/>
+          <p:cNvSpPr txBox="1"/>
+          <p:nvPr/>
+        </p:nvSpPr>
+        <p:spPr>
+          <a:xfrm>
+            <a:off x="3200400" y="1188720"/>
+            <a:ext cx="2743200" cy="2194560"/>
+          </a:xfrm>
+          <a:prstGeom prst="rect">
+            <a:avLst/>
+          </a:prstGeom>
+          <a:noFill/>
+          <a:ln w="12700">
+            <a:solidFill>
+              <a:srgbClr val="000000"/>
+            </a:solidFill>
+          </a:ln>
+        </p:spPr>
+        <p:txBody>
+          <a:bodyPr wrap="square">
+            <a:noAutofit/>
+          </a:bodyPr>
+          <a:lstStyle/>
+          <a:p>
+            <a:pPr>
+              <a:defRPr sz="1600" u="sng">
+                <a:solidFill>
+                  <a:srgbClr val="008000"/>
+                </a:solidFill>
+              </a:defRPr>
+            </a:pPr>
+            <a:r>
+              <a:t>Solution</a:t>
+            </a:r>
+          </a:p>
+          <a:p>
+            <a:pPr>
+              <a:defRPr sz="900"/>
+            </a:pPr>
+            <a:r>
+              <a:t>・クラウドネイティブのデータウェアハウス</a:t>
+            </a:r>
+          </a:p>
+          <a:p>
+            <a:pPr>
+              <a:defRPr sz="900"/>
+            </a:pPr>
+            <a:r>
+              <a:t>・オンデマンドでスケーリング可能なストレージとコンピューティングリソース</a:t>
+            </a:r>
+          </a:p>
+          <a:p>
+            <a:pPr>
+              <a:defRPr sz="900"/>
+            </a:pPr>
+            <a:r>
+              <a:t>・データの一元管理と高速なクエリ処理</a:t>
+            </a:r>
+          </a:p>
+        </p:txBody>
+      </p:sp>
+      <p:sp>
+        <p:nvSpPr>
+          <p:cNvPr id="5" name="TextBox 4"/>
+          <p:cNvSpPr txBox="1"/>
+          <p:nvPr/>
+        </p:nvSpPr>
+        <p:spPr>
+          <a:xfrm>
+            <a:off x="3200400" y="3383280"/>
+            <a:ext cx="2743200" cy="2194560"/>
+          </a:xfrm>
+          <a:prstGeom prst="rect">
+            <a:avLst/>
+          </a:prstGeom>
+          <a:noFill/>
+          <a:ln w="12700">
+            <a:solidFill>
+              <a:srgbClr val="000000"/>
+            </a:solidFill>
+          </a:ln>
+        </p:spPr>
+        <p:txBody>
+          <a:bodyPr wrap="square">
+            <a:noAutofit/>
+          </a:bodyPr>
+          <a:lstStyle/>
+          <a:p>
+            <a:pPr>
+              <a:defRPr sz="1600" u="sng">
+                <a:solidFill>
+                  <a:srgbClr val="008000"/>
+                </a:solidFill>
+              </a:defRPr>
+            </a:pPr>
+            <a:r>
+              <a:t>Key Metrics</a:t>
+            </a:r>
+          </a:p>
+          <a:p>
+            <a:pPr>
+              <a:defRPr sz="900"/>
+            </a:pPr>
+            <a:r>
+              <a:t>・アクティブユーザー数</a:t>
+            </a:r>
+          </a:p>
+          <a:p>
+            <a:pPr>
+              <a:defRPr sz="900"/>
+            </a:pPr>
+            <a:r>
+              <a:t>・使用されるストレージとコンピューティングリソースの量</a:t>
+            </a:r>
+          </a:p>
+          <a:p>
+            <a:pPr>
+              <a:defRPr sz="900"/>
+            </a:pPr>
+            <a:r>
+              <a:t>・データウェアハウスへのクエリ数</a:t>
+            </a:r>
+          </a:p>
+        </p:txBody>
+      </p:sp>
+      <p:sp>
+        <p:nvSpPr>
+          <p:cNvPr id="6" name="TextBox 5"/>
+          <p:cNvSpPr txBox="1"/>
+          <p:nvPr/>
+        </p:nvSpPr>
+        <p:spPr>
+          <a:xfrm>
+            <a:off x="5943600" y="1188720"/>
+            <a:ext cx="2743200" cy="4389120"/>
+          </a:xfrm>
+          <a:prstGeom prst="rect">
+            <a:avLst/>
+          </a:prstGeom>
+          <a:noFill/>
+          <a:ln w="12700">
+            <a:solidFill>
+              <a:srgbClr val="000000"/>
+            </a:solidFill>
+          </a:ln>
+        </p:spPr>
+        <p:txBody>
+          <a:bodyPr wrap="square">
+            <a:noAutofit/>
+          </a:bodyPr>
+          <a:lstStyle/>
+          <a:p>
+            <a:pPr>
+              <a:defRPr sz="1600" u="sng">
+                <a:solidFill>
+                  <a:srgbClr val="008000"/>
+                </a:solidFill>
+              </a:defRPr>
+            </a:pPr>
+            <a:r>
+              <a:t>Unique Value Proposition</a:t>
+            </a:r>
+          </a:p>
+          <a:p>
+            <a:pPr>
+              <a:defRPr sz="900"/>
+            </a:pPr>
+            <a:r>
+              <a:t>・クラウド上で高速かつスケーラブルなデータウェアハウスの提供</a:t>
+            </a:r>
+          </a:p>
+        </p:txBody>
+      </p:sp>
+      <p:sp>
+        <p:nvSpPr>
+          <p:cNvPr id="7" name="TextBox 6"/>
+          <p:cNvSpPr txBox="1"/>
+          <p:nvPr/>
+        </p:nvSpPr>
+        <p:spPr>
+          <a:xfrm>
+            <a:off x="8686800" y="1188720"/>
+            <a:ext cx="2743200" cy="2194560"/>
+          </a:xfrm>
+          <a:prstGeom prst="rect">
+            <a:avLst/>
+          </a:prstGeom>
+          <a:noFill/>
+          <a:ln w="12700">
+            <a:solidFill>
+              <a:srgbClr val="000000"/>
+            </a:solidFill>
+          </a:ln>
+        </p:spPr>
+        <p:txBody>
+          <a:bodyPr wrap="square">
+            <a:noAutofit/>
+          </a:bodyPr>
+          <a:lstStyle/>
+          <a:p>
+            <a:pPr>
+              <a:defRPr sz="1600" u="sng">
+                <a:solidFill>
+                  <a:srgbClr val="008000"/>
+                </a:solidFill>
+              </a:defRPr>
+            </a:pPr>
+            <a:r>
+              <a:t>Unfair Advantage</a:t>
+            </a:r>
+          </a:p>
+          <a:p>
+            <a:pPr>
+              <a:defRPr sz="900"/>
+            </a:pPr>
+            <a:r>
+              <a:t>・データウェアハウスのスケーリングとクエリ性能を両立したクラウドネイティブ設計</a:t>
+            </a:r>
+          </a:p>
+          <a:p>
+            <a:pPr>
+              <a:defRPr sz="900"/>
+            </a:pPr>
+            <a:r>
+              <a:t>・オンデマンドでのスケーリングと料金体系</a:t>
+            </a:r>
+          </a:p>
+        </p:txBody>
+      </p:sp>
+      <p:sp>
+        <p:nvSpPr>
+          <p:cNvPr id="8" name="TextBox 7"/>
+          <p:cNvSpPr txBox="1"/>
+          <p:nvPr/>
+        </p:nvSpPr>
+        <p:spPr>
+          <a:xfrm>
+            <a:off x="8686800" y="3383280"/>
+            <a:ext cx="2743200" cy="2194560"/>
+          </a:xfrm>
+          <a:prstGeom prst="rect">
+            <a:avLst/>
+          </a:prstGeom>
+          <a:noFill/>
+          <a:ln w="12700">
+            <a:solidFill>
+              <a:srgbClr val="000000"/>
+            </a:solidFill>
+          </a:ln>
+        </p:spPr>
+        <p:txBody>
+          <a:bodyPr wrap="square">
+            <a:noAutofit/>
+          </a:bodyPr>
+          <a:lstStyle/>
+          <a:p>
+            <a:pPr>
+              <a:defRPr sz="1600" u="sng">
+                <a:solidFill>
+                  <a:srgbClr val="008000"/>
+                </a:solidFill>
+              </a:defRPr>
+            </a:pPr>
+            <a:r>
+              <a:t>Channels</a:t>
+            </a:r>
+          </a:p>
+          <a:p>
+            <a:pPr>
+              <a:defRPr sz="900"/>
+            </a:pPr>
+            <a:r>
+              <a:t>・ウェブサイト</a:t>
+            </a:r>
+          </a:p>
+          <a:p>
+            <a:pPr>
+              <a:defRPr sz="900"/>
+            </a:pPr>
+            <a:r>
+              <a:t>・クラウドマーケットプレイス</a:t>
+            </a:r>
+          </a:p>
+          <a:p>
+            <a:pPr>
+              <a:defRPr sz="900"/>
+            </a:pPr>
+            <a:r>
+              <a:t>・ダイレクトセールスとパートナーシップ</a:t>
+            </a:r>
+          </a:p>
+        </p:txBody>
+      </p:sp>
+      <p:sp>
+        <p:nvSpPr>
+          <p:cNvPr id="9" name="TextBox 8"/>
+          <p:cNvSpPr txBox="1"/>
+          <p:nvPr/>
+        </p:nvSpPr>
+        <p:spPr>
+          <a:xfrm>
+            <a:off x="11430000" y="1188720"/>
+            <a:ext cx="2743200" cy="4389120"/>
+          </a:xfrm>
+          <a:prstGeom prst="rect">
+            <a:avLst/>
+          </a:prstGeom>
+          <a:noFill/>
+          <a:ln w="12700">
+            <a:solidFill>
+              <a:srgbClr val="000000"/>
+            </a:solidFill>
+          </a:ln>
+        </p:spPr>
+        <p:txBody>
+          <a:bodyPr wrap="square">
+            <a:noAutofit/>
+          </a:bodyPr>
+          <a:lstStyle/>
+          <a:p>
+            <a:pPr>
+              <a:defRPr sz="1600" u="sng">
+                <a:solidFill>
+                  <a:srgbClr val="008000"/>
+                </a:solidFill>
+              </a:defRPr>
+            </a:pPr>
+            <a:r>
+              <a:t>Customer Segments</a:t>
+            </a:r>
+          </a:p>
+          <a:p>
+            <a:pPr>
+              <a:defRPr sz="900"/>
+            </a:pPr>
+            <a:r>
+              <a:t>・大企業</a:t>
+            </a:r>
+          </a:p>
+          <a:p>
+            <a:pPr>
+              <a:defRPr sz="900"/>
+            </a:pPr>
+            <a:r>
+              <a:t>・テックスタートアップ</a:t>
+            </a:r>
+          </a:p>
+          <a:p>
+            <a:pPr>
+              <a:defRPr sz="900"/>
+            </a:pPr>
+            <a:r>
+              <a:t>・データ分析を必要とする各種業界</a:t>
+            </a:r>
+          </a:p>
+        </p:txBody>
+      </p:sp>
+      <p:sp>
+        <p:nvSpPr>
+          <p:cNvPr id="10" name="TextBox 9"/>
+          <p:cNvSpPr txBox="1"/>
+          <p:nvPr/>
+        </p:nvSpPr>
+        <p:spPr>
+          <a:xfrm>
+            <a:off x="457200" y="5577840"/>
+            <a:ext cx="6858000" cy="2194560"/>
+          </a:xfrm>
+          <a:prstGeom prst="rect">
+            <a:avLst/>
+          </a:prstGeom>
+          <a:noFill/>
+          <a:ln w="12700">
+            <a:solidFill>
+              <a:srgbClr val="000000"/>
+            </a:solidFill>
+          </a:ln>
+        </p:spPr>
+        <p:txBody>
+          <a:bodyPr wrap="square">
+            <a:noAutofit/>
+          </a:bodyPr>
+          <a:lstStyle/>
+          <a:p>
+            <a:pPr>
+              <a:defRPr sz="1600" u="sng">
+                <a:solidFill>
+                  <a:srgbClr val="008000"/>
+                </a:solidFill>
+              </a:defRPr>
+            </a:pPr>
+            <a:r>
+              <a:t>Cost Structure</a:t>
+            </a:r>
+          </a:p>
+          <a:p>
+            <a:pPr>
+              <a:defRPr sz="900"/>
+            </a:pPr>
+            <a:r>
+              <a:t>・プラットフォームの開発とメンテナンス</a:t>
+            </a:r>
+          </a:p>
+          <a:p>
+            <a:pPr>
+              <a:defRPr sz="900"/>
+            </a:pPr>
+            <a:r>
+              <a:t>・クラウドサービスの利用費用</a:t>
+            </a:r>
+          </a:p>
+          <a:p>
+            <a:pPr>
+              <a:defRPr sz="900"/>
+            </a:pPr>
+            <a:r>
+              <a:t>・マーケティングとセールスのコスト</a:t>
+            </a:r>
+          </a:p>
+        </p:txBody>
+      </p:sp>
+      <p:sp>
+        <p:nvSpPr>
+          <p:cNvPr id="11" name="TextBox 10"/>
+          <p:cNvSpPr txBox="1"/>
+          <p:nvPr/>
+        </p:nvSpPr>
+        <p:spPr>
+          <a:xfrm>
+            <a:off x="7315200" y="5577840"/>
+            <a:ext cx="6858000" cy="2194560"/>
+          </a:xfrm>
+          <a:prstGeom prst="rect">
+            <a:avLst/>
+          </a:prstGeom>
+          <a:noFill/>
+          <a:ln w="12700">
+            <a:solidFill>
+              <a:srgbClr val="000000"/>
+            </a:solidFill>
+          </a:ln>
+        </p:spPr>
+        <p:txBody>
+          <a:bodyPr wrap="square">
+            <a:noAutofit/>
+          </a:bodyPr>
+          <a:lstStyle/>
+          <a:p>
+            <a:pPr>
+              <a:defRPr sz="1600" u="sng">
+                <a:solidFill>
+                  <a:srgbClr val="008000"/>
+                </a:solidFill>
+              </a:defRPr>
+            </a:pPr>
+            <a:r>
+              <a:t>Revenue Streams</a:t>
+            </a:r>
+          </a:p>
+          <a:p>
+            <a:pPr>
+              <a:defRPr sz="900"/>
+            </a:pPr>
+            <a:r>
+              <a:t>・利用量に応じた課金</a:t>
+            </a:r>
+          </a:p>
+          <a:p>
+            <a:pPr>
+              <a:defRPr sz="900"/>
+            </a:pPr>
+            <a:r>
+              <a:t>・長期利用向けの料金プラン</a:t>
+            </a:r>
+          </a:p>
+          <a:p>
+            <a:pPr>
+              <a:defRPr sz="900"/>
+            </a:pPr>
+            <a:r>
+              <a:t>・データ移行やコンサルティングサービスの費用</a:t>
+            </a:r>
+          </a:p>
+        </p:txBody>
+      </p:sp>
+    </p:spTree>
+  </p:cSld>
+  <p:clrMapOvr>
+    <a:masterClrMapping/>
+  </p:clrMapOvr>
+</p:sld>
+</file>
+
+<file path=ppt/slides/slide12.xml><?xml version="1.0" encoding="utf-8"?>
+<p:sld xmlns:a="http://schemas.openxmlformats.org/drawingml/2006/main" xmlns:p="http://schemas.openxmlformats.org/presentationml/2006/main" xmlns:r="http://schemas.openxmlformats.org/officeDocument/2006/relationships">
+  <p:cSld>
+    <p:spTree>
+      <p:nvGrpSpPr>
+        <p:cNvPr id="1" name=""/>
+        <p:cNvGrpSpPr/>
+        <p:nvPr/>
+      </p:nvGrpSpPr>
+      <p:grpSpPr/>
+      <p:sp>
+        <p:nvSpPr>
+          <p:cNvPr id="2" name="TextBox 1"/>
+          <p:cNvSpPr txBox="1"/>
+          <p:nvPr/>
+        </p:nvSpPr>
+        <p:spPr>
+          <a:xfrm>
+            <a:off x="457200" y="457200"/>
+            <a:ext cx="13258800" cy="457200"/>
+          </a:xfrm>
+          <a:prstGeom prst="rect">
+            <a:avLst/>
+          </a:prstGeom>
+          <a:noFill/>
+        </p:spPr>
+        <p:txBody>
+          <a:bodyPr wrap="none">
+            <a:spAutoFit/>
+          </a:bodyPr>
+          <a:lstStyle/>
+          <a:p/>
+          <a:p>
+            <a:pPr algn="ctr">
+              <a:defRPr sz="2000"/>
+            </a:pPr>
+            <a:r>
+              <a:t>C3.AI (2009-01-01)</a:t>
+            </a:r>
+          </a:p>
+        </p:txBody>
+      </p:sp>
+      <p:sp>
+        <p:nvSpPr>
+          <p:cNvPr id="3" name="TextBox 2"/>
+          <p:cNvSpPr txBox="1"/>
+          <p:nvPr/>
+        </p:nvSpPr>
+        <p:spPr>
+          <a:xfrm>
+            <a:off x="457200" y="1188720"/>
+            <a:ext cx="2743200" cy="4389120"/>
+          </a:xfrm>
+          <a:prstGeom prst="rect">
+            <a:avLst/>
+          </a:prstGeom>
+          <a:noFill/>
+          <a:ln w="12700">
+            <a:solidFill>
+              <a:srgbClr val="000000"/>
+            </a:solidFill>
+          </a:ln>
+        </p:spPr>
+        <p:txBody>
+          <a:bodyPr wrap="square">
+            <a:noAutofit/>
+          </a:bodyPr>
+          <a:lstStyle/>
+          <a:p>
+            <a:pPr>
+              <a:defRPr sz="1600" u="sng">
+                <a:solidFill>
+                  <a:srgbClr val="008000"/>
+                </a:solidFill>
+              </a:defRPr>
+            </a:pPr>
+            <a:r>
+              <a:t>Problem</a:t>
+            </a:r>
+          </a:p>
+          <a:p>
+            <a:pPr>
+              <a:defRPr sz="900"/>
+            </a:pPr>
+            <a:r>
+              <a:t>・AIとビッグデータの活用が困難</a:t>
+            </a:r>
+          </a:p>
+          <a:p>
+            <a:pPr>
+              <a:defRPr sz="900"/>
+            </a:pPr>
+            <a:r>
+              <a:t>・既存のエンタープライズシステムとの統合が難しい</a:t>
+            </a:r>
+          </a:p>
+          <a:p>
+            <a:pPr>
+              <a:defRPr sz="900"/>
+            </a:pPr>
+            <a:r>
+              <a:t>・スケーラブルなAIソリューションが不足</a:t>
+            </a:r>
+          </a:p>
+        </p:txBody>
+      </p:sp>
+      <p:sp>
+        <p:nvSpPr>
+          <p:cNvPr id="4" name="TextBox 3"/>
+          <p:cNvSpPr txBox="1"/>
+          <p:nvPr/>
+        </p:nvSpPr>
+        <p:spPr>
+          <a:xfrm>
+            <a:off x="3200400" y="1188720"/>
+            <a:ext cx="2743200" cy="2194560"/>
+          </a:xfrm>
+          <a:prstGeom prst="rect">
+            <a:avLst/>
+          </a:prstGeom>
+          <a:noFill/>
+          <a:ln w="12700">
+            <a:solidFill>
+              <a:srgbClr val="000000"/>
+            </a:solidFill>
+          </a:ln>
+        </p:spPr>
+        <p:txBody>
+          <a:bodyPr wrap="square">
+            <a:noAutofit/>
+          </a:bodyPr>
+          <a:lstStyle/>
+          <a:p>
+            <a:pPr>
+              <a:defRPr sz="1600" u="sng">
+                <a:solidFill>
+                  <a:srgbClr val="008000"/>
+                </a:solidFill>
+              </a:defRPr>
+            </a:pPr>
+            <a:r>
+              <a:t>Solution</a:t>
+            </a:r>
+          </a:p>
+          <a:p>
+            <a:pPr>
+              <a:defRPr sz="900"/>
+            </a:pPr>
+            <a:r>
+              <a:t>・AIとビッグデータ向けの統合プラットフォーム</a:t>
+            </a:r>
+          </a:p>
+          <a:p>
+            <a:pPr>
+              <a:defRPr sz="900"/>
+            </a:pPr>
+            <a:r>
+              <a:t>・エンタープライズシステムとの簡単な統合</a:t>
+            </a:r>
+          </a:p>
+          <a:p>
+            <a:pPr>
+              <a:defRPr sz="900"/>
+            </a:pPr>
+            <a:r>
+              <a:t>・高度にスケーラブルなAIアプリケーション</a:t>
+            </a:r>
+          </a:p>
+        </p:txBody>
+      </p:sp>
+      <p:sp>
+        <p:nvSpPr>
+          <p:cNvPr id="5" name="TextBox 4"/>
+          <p:cNvSpPr txBox="1"/>
+          <p:nvPr/>
+        </p:nvSpPr>
+        <p:spPr>
+          <a:xfrm>
+            <a:off x="3200400" y="3383280"/>
+            <a:ext cx="2743200" cy="2194560"/>
+          </a:xfrm>
+          <a:prstGeom prst="rect">
+            <a:avLst/>
+          </a:prstGeom>
+          <a:noFill/>
+          <a:ln w="12700">
+            <a:solidFill>
+              <a:srgbClr val="000000"/>
+            </a:solidFill>
+          </a:ln>
+        </p:spPr>
+        <p:txBody>
+          <a:bodyPr wrap="square">
+            <a:noAutofit/>
+          </a:bodyPr>
+          <a:lstStyle/>
+          <a:p>
+            <a:pPr>
+              <a:defRPr sz="1600" u="sng">
+                <a:solidFill>
+                  <a:srgbClr val="008000"/>
+                </a:solidFill>
+              </a:defRPr>
+            </a:pPr>
+            <a:r>
+              <a:t>Key Metrics</a:t>
+            </a:r>
+          </a:p>
+          <a:p>
+            <a:pPr>
+              <a:defRPr sz="900"/>
+            </a:pPr>
+            <a:r>
+              <a:t>・プラットフォーム上で動作するAIアプリケーション数</a:t>
+            </a:r>
+          </a:p>
+          <a:p>
+            <a:pPr>
+              <a:defRPr sz="900"/>
+            </a:pPr>
+            <a:r>
+              <a:t>・データ処理量</a:t>
+            </a:r>
+          </a:p>
+          <a:p>
+            <a:pPr>
+              <a:defRPr sz="900"/>
+            </a:pPr>
+            <a:r>
+              <a:t>・顧客満足度とリピート率</a:t>
+            </a:r>
+          </a:p>
+        </p:txBody>
+      </p:sp>
+      <p:sp>
+        <p:nvSpPr>
+          <p:cNvPr id="6" name="TextBox 5"/>
+          <p:cNvSpPr txBox="1"/>
+          <p:nvPr/>
+        </p:nvSpPr>
+        <p:spPr>
+          <a:xfrm>
+            <a:off x="5943600" y="1188720"/>
+            <a:ext cx="2743200" cy="4389120"/>
+          </a:xfrm>
+          <a:prstGeom prst="rect">
+            <a:avLst/>
+          </a:prstGeom>
+          <a:noFill/>
+          <a:ln w="12700">
+            <a:solidFill>
+              <a:srgbClr val="000000"/>
+            </a:solidFill>
+          </a:ln>
+        </p:spPr>
+        <p:txBody>
+          <a:bodyPr wrap="square">
+            <a:noAutofit/>
+          </a:bodyPr>
+          <a:lstStyle/>
+          <a:p>
+            <a:pPr>
+              <a:defRPr sz="1600" u="sng">
+                <a:solidFill>
+                  <a:srgbClr val="008000"/>
+                </a:solidFill>
+              </a:defRPr>
+            </a:pPr>
+            <a:r>
+              <a:t>Unique Value Proposition</a:t>
+            </a:r>
+          </a:p>
+          <a:p>
+            <a:pPr>
+              <a:defRPr sz="900"/>
+            </a:pPr>
+            <a:r>
+              <a:t>・AIを活用したビジネス変革を可能にするプラットフォーム</a:t>
+            </a:r>
+          </a:p>
+        </p:txBody>
+      </p:sp>
+      <p:sp>
+        <p:nvSpPr>
+          <p:cNvPr id="7" name="TextBox 6"/>
+          <p:cNvSpPr txBox="1"/>
+          <p:nvPr/>
+        </p:nvSpPr>
+        <p:spPr>
+          <a:xfrm>
+            <a:off x="8686800" y="1188720"/>
+            <a:ext cx="2743200" cy="2194560"/>
+          </a:xfrm>
+          <a:prstGeom prst="rect">
+            <a:avLst/>
+          </a:prstGeom>
+          <a:noFill/>
+          <a:ln w="12700">
+            <a:solidFill>
+              <a:srgbClr val="000000"/>
+            </a:solidFill>
+          </a:ln>
+        </p:spPr>
+        <p:txBody>
+          <a:bodyPr wrap="square">
+            <a:noAutofit/>
+          </a:bodyPr>
+          <a:lstStyle/>
+          <a:p>
+            <a:pPr>
+              <a:defRPr sz="1600" u="sng">
+                <a:solidFill>
+                  <a:srgbClr val="008000"/>
+                </a:solidFill>
+              </a:defRPr>
+            </a:pPr>
+            <a:r>
+              <a:t>Unfair Advantage</a:t>
+            </a:r>
+          </a:p>
+          <a:p>
+            <a:pPr>
+              <a:defRPr sz="900"/>
+            </a:pPr>
+            <a:r>
+              <a:t>・一貫したAIソリューションの提供</a:t>
+            </a:r>
+          </a:p>
+          <a:p>
+            <a:pPr>
+              <a:defRPr sz="900"/>
+            </a:pPr>
+            <a:r>
+              <a:t>・既存システムとの高度な統合能力</a:t>
+            </a:r>
+          </a:p>
+        </p:txBody>
+      </p:sp>
+      <p:sp>
+        <p:nvSpPr>
+          <p:cNvPr id="8" name="TextBox 7"/>
+          <p:cNvSpPr txBox="1"/>
+          <p:nvPr/>
+        </p:nvSpPr>
+        <p:spPr>
+          <a:xfrm>
+            <a:off x="8686800" y="3383280"/>
+            <a:ext cx="2743200" cy="2194560"/>
+          </a:xfrm>
+          <a:prstGeom prst="rect">
+            <a:avLst/>
+          </a:prstGeom>
+          <a:noFill/>
+          <a:ln w="12700">
+            <a:solidFill>
+              <a:srgbClr val="000000"/>
+            </a:solidFill>
+          </a:ln>
+        </p:spPr>
+        <p:txBody>
+          <a:bodyPr wrap="square">
+            <a:noAutofit/>
+          </a:bodyPr>
+          <a:lstStyle/>
+          <a:p>
+            <a:pPr>
+              <a:defRPr sz="1600" u="sng">
+                <a:solidFill>
+                  <a:srgbClr val="008000"/>
+                </a:solidFill>
+              </a:defRPr>
+            </a:pPr>
+            <a:r>
+              <a:t>Channels</a:t>
+            </a:r>
+          </a:p>
+          <a:p>
+            <a:pPr>
+              <a:defRPr sz="900"/>
+            </a:pPr>
+            <a:r>
+              <a:t>・ウェブサイト</a:t>
+            </a:r>
+          </a:p>
+          <a:p>
+            <a:pPr>
+              <a:defRPr sz="900"/>
+            </a:pPr>
+            <a:r>
+              <a:t>・ダイレクトセールス</a:t>
+            </a:r>
+          </a:p>
+          <a:p>
+            <a:pPr>
+              <a:defRPr sz="900"/>
+            </a:pPr>
+            <a:r>
+              <a:t>・パートナーシップ</a:t>
+            </a:r>
+          </a:p>
+        </p:txBody>
+      </p:sp>
+      <p:sp>
+        <p:nvSpPr>
+          <p:cNvPr id="9" name="TextBox 8"/>
+          <p:cNvSpPr txBox="1"/>
+          <p:nvPr/>
+        </p:nvSpPr>
+        <p:spPr>
+          <a:xfrm>
+            <a:off x="11430000" y="1188720"/>
+            <a:ext cx="2743200" cy="4389120"/>
+          </a:xfrm>
+          <a:prstGeom prst="rect">
+            <a:avLst/>
+          </a:prstGeom>
+          <a:noFill/>
+          <a:ln w="12700">
+            <a:solidFill>
+              <a:srgbClr val="000000"/>
+            </a:solidFill>
+          </a:ln>
+        </p:spPr>
+        <p:txBody>
+          <a:bodyPr wrap="square">
+            <a:noAutofit/>
+          </a:bodyPr>
+          <a:lstStyle/>
+          <a:p>
+            <a:pPr>
+              <a:defRPr sz="1600" u="sng">
+                <a:solidFill>
+                  <a:srgbClr val="008000"/>
+                </a:solidFill>
+              </a:defRPr>
+            </a:pPr>
+            <a:r>
+              <a:t>Customer Segments</a:t>
+            </a:r>
+          </a:p>
+          <a:p>
+            <a:pPr>
+              <a:defRPr sz="900"/>
+            </a:pPr>
+            <a:r>
+              <a:t>・大企業</a:t>
+            </a:r>
+          </a:p>
+          <a:p>
+            <a:pPr>
+              <a:defRPr sz="900"/>
+            </a:pPr>
+            <a:r>
+              <a:t>・エンタープライズ向けソフトウェア開発者</a:t>
+            </a:r>
+          </a:p>
+        </p:txBody>
+      </p:sp>
+      <p:sp>
+        <p:nvSpPr>
+          <p:cNvPr id="10" name="TextBox 9"/>
+          <p:cNvSpPr txBox="1"/>
+          <p:nvPr/>
+        </p:nvSpPr>
+        <p:spPr>
+          <a:xfrm>
+            <a:off x="457200" y="5577840"/>
+            <a:ext cx="6858000" cy="2194560"/>
+          </a:xfrm>
+          <a:prstGeom prst="rect">
+            <a:avLst/>
+          </a:prstGeom>
+          <a:noFill/>
+          <a:ln w="12700">
+            <a:solidFill>
+              <a:srgbClr val="000000"/>
+            </a:solidFill>
+          </a:ln>
+        </p:spPr>
+        <p:txBody>
+          <a:bodyPr wrap="square">
+            <a:noAutofit/>
+          </a:bodyPr>
+          <a:lstStyle/>
+          <a:p>
+            <a:pPr>
+              <a:defRPr sz="1600" u="sng">
+                <a:solidFill>
+                  <a:srgbClr val="008000"/>
+                </a:solidFill>
+              </a:defRPr>
+            </a:pPr>
+            <a:r>
+              <a:t>Cost Structure</a:t>
+            </a:r>
+          </a:p>
+          <a:p>
+            <a:pPr>
+              <a:defRPr sz="900"/>
+            </a:pPr>
+            <a:r>
+              <a:t>・プラットフォームの開発とメンテナンス</a:t>
+            </a:r>
+          </a:p>
+          <a:p>
+            <a:pPr>
+              <a:defRPr sz="900"/>
+            </a:pPr>
+            <a:r>
+              <a:t>・営業とマーケティングのコスト</a:t>
+            </a:r>
+          </a:p>
+          <a:p>
+            <a:pPr>
+              <a:defRPr sz="900"/>
+            </a:pPr>
+            <a:r>
+              <a:t>・顧客サポートとトレーニングのコスト</a:t>
+            </a:r>
+          </a:p>
+        </p:txBody>
+      </p:sp>
+      <p:sp>
+        <p:nvSpPr>
+          <p:cNvPr id="11" name="TextBox 10"/>
+          <p:cNvSpPr txBox="1"/>
+          <p:nvPr/>
+        </p:nvSpPr>
+        <p:spPr>
+          <a:xfrm>
+            <a:off x="7315200" y="5577840"/>
+            <a:ext cx="6858000" cy="2194560"/>
+          </a:xfrm>
+          <a:prstGeom prst="rect">
+            <a:avLst/>
+          </a:prstGeom>
+          <a:noFill/>
+          <a:ln w="12700">
+            <a:solidFill>
+              <a:srgbClr val="000000"/>
+            </a:solidFill>
+          </a:ln>
+        </p:spPr>
+        <p:txBody>
+          <a:bodyPr wrap="square">
+            <a:noAutofit/>
+          </a:bodyPr>
+          <a:lstStyle/>
+          <a:p>
+            <a:pPr>
+              <a:defRPr sz="1600" u="sng">
+                <a:solidFill>
+                  <a:srgbClr val="008000"/>
+                </a:solidFill>
+              </a:defRPr>
+            </a:pPr>
+            <a:r>
+              <a:t>Revenue Streams</a:t>
+            </a:r>
+          </a:p>
+          <a:p>
+            <a:pPr>
+              <a:defRPr sz="900"/>
+            </a:pPr>
+            <a:r>
+              <a:t>・プラットフォームの利用料</a:t>
+            </a:r>
+          </a:p>
+          <a:p>
+            <a:pPr>
+              <a:defRPr sz="900"/>
+            </a:pPr>
+            <a:r>
+              <a:t>・ソリューション提供に伴うコンサルティング料</a:t>
+            </a:r>
+          </a:p>
+          <a:p>
+            <a:pPr>
+              <a:defRPr sz="900"/>
+            </a:pPr>
+            <a:r>
+              <a:t>・カスタマイズと開発支援の費用</a:t>
+            </a:r>
+          </a:p>
+        </p:txBody>
+      </p:sp>
+    </p:spTree>
+  </p:cSld>
+  <p:clrMapOvr>
+    <a:masterClrMapping/>
+  </p:clrMapOvr>
+</p:sld>
+</file>
+
+<file path=ppt/slides/slide13.xml><?xml version="1.0" encoding="utf-8"?>
+<p:sld xmlns:a="http://schemas.openxmlformats.org/drawingml/2006/main" xmlns:p="http://schemas.openxmlformats.org/presentationml/2006/main" xmlns:r="http://schemas.openxmlformats.org/officeDocument/2006/relationships">
+  <p:cSld>
+    <p:spTree>
+      <p:nvGrpSpPr>
+        <p:cNvPr id="1" name=""/>
+        <p:cNvGrpSpPr/>
+        <p:nvPr/>
+      </p:nvGrpSpPr>
+      <p:grpSpPr/>
+      <p:sp>
+        <p:nvSpPr>
+          <p:cNvPr id="2" name="TextBox 1"/>
+          <p:cNvSpPr txBox="1"/>
+          <p:nvPr/>
+        </p:nvSpPr>
+        <p:spPr>
+          <a:xfrm>
+            <a:off x="457200" y="457200"/>
+            <a:ext cx="13258800" cy="457200"/>
+          </a:xfrm>
+          <a:prstGeom prst="rect">
+            <a:avLst/>
+          </a:prstGeom>
+          <a:noFill/>
+        </p:spPr>
+        <p:txBody>
+          <a:bodyPr wrap="none">
+            <a:spAutoFit/>
+          </a:bodyPr>
+          <a:lstStyle/>
+          <a:p/>
+          <a:p>
+            <a:pPr algn="ctr">
+              <a:defRPr sz="2000"/>
+            </a:pPr>
+            <a:r>
+              <a:t>Unity (2004-08-02)</a:t>
+            </a:r>
+          </a:p>
+        </p:txBody>
+      </p:sp>
+      <p:sp>
+        <p:nvSpPr>
+          <p:cNvPr id="3" name="TextBox 2"/>
+          <p:cNvSpPr txBox="1"/>
+          <p:nvPr/>
+        </p:nvSpPr>
+        <p:spPr>
+          <a:xfrm>
+            <a:off x="457200" y="1188720"/>
+            <a:ext cx="2743200" cy="4389120"/>
+          </a:xfrm>
+          <a:prstGeom prst="rect">
+            <a:avLst/>
+          </a:prstGeom>
+          <a:noFill/>
+          <a:ln w="12700">
+            <a:solidFill>
+              <a:srgbClr val="000000"/>
+            </a:solidFill>
+          </a:ln>
+        </p:spPr>
+        <p:txBody>
+          <a:bodyPr wrap="square">
+            <a:noAutofit/>
+          </a:bodyPr>
+          <a:lstStyle/>
+          <a:p>
+            <a:pPr>
+              <a:defRPr sz="1600" u="sng">
+                <a:solidFill>
+                  <a:srgbClr val="008000"/>
+                </a:solidFill>
+              </a:defRPr>
+            </a:pPr>
+            <a:r>
+              <a:t>Problem</a:t>
+            </a:r>
+          </a:p>
+          <a:p>
+            <a:pPr>
+              <a:defRPr sz="900"/>
+            </a:pPr>
+            <a:r>
+              <a:t>・ゲーム開発の高度なスキルとリソース要件</a:t>
+            </a:r>
+          </a:p>
+          <a:p>
+            <a:pPr>
+              <a:defRPr sz="900"/>
+            </a:pPr>
+            <a:r>
+              <a:t>・複数のプラットフォームへの移植が困難</a:t>
+            </a:r>
+          </a:p>
+        </p:txBody>
+      </p:sp>
+      <p:sp>
+        <p:nvSpPr>
+          <p:cNvPr id="4" name="TextBox 3"/>
+          <p:cNvSpPr txBox="1"/>
+          <p:nvPr/>
+        </p:nvSpPr>
+        <p:spPr>
+          <a:xfrm>
+            <a:off x="3200400" y="1188720"/>
+            <a:ext cx="2743200" cy="2194560"/>
+          </a:xfrm>
+          <a:prstGeom prst="rect">
+            <a:avLst/>
+          </a:prstGeom>
+          <a:noFill/>
+          <a:ln w="12700">
+            <a:solidFill>
+              <a:srgbClr val="000000"/>
+            </a:solidFill>
+          </a:ln>
+        </p:spPr>
+        <p:txBody>
+          <a:bodyPr wrap="square">
+            <a:noAutofit/>
+          </a:bodyPr>
+          <a:lstStyle/>
+          <a:p>
+            <a:pPr>
+              <a:defRPr sz="1600" u="sng">
+                <a:solidFill>
+                  <a:srgbClr val="008000"/>
+                </a:solidFill>
+              </a:defRPr>
+            </a:pPr>
+            <a:r>
+              <a:t>Solution</a:t>
+            </a:r>
+          </a:p>
+          <a:p>
+            <a:pPr>
+              <a:defRPr sz="900"/>
+            </a:pPr>
+            <a:r>
+              <a:t>・ゲーム開発を簡易化する統合開発環境の提供</a:t>
+            </a:r>
+          </a:p>
+          <a:p>
+            <a:pPr>
+              <a:defRPr sz="900"/>
+            </a:pPr>
+            <a:r>
+              <a:t>・ワンクリックで複数のプラットフォームに対応</a:t>
+            </a:r>
+          </a:p>
+        </p:txBody>
+      </p:sp>
+      <p:sp>
+        <p:nvSpPr>
+          <p:cNvPr id="5" name="TextBox 4"/>
+          <p:cNvSpPr txBox="1"/>
+          <p:nvPr/>
+        </p:nvSpPr>
+        <p:spPr>
+          <a:xfrm>
+            <a:off x="3200400" y="3383280"/>
+            <a:ext cx="2743200" cy="2194560"/>
+          </a:xfrm>
+          <a:prstGeom prst="rect">
+            <a:avLst/>
+          </a:prstGeom>
+          <a:noFill/>
+          <a:ln w="12700">
+            <a:solidFill>
+              <a:srgbClr val="000000"/>
+            </a:solidFill>
+          </a:ln>
+        </p:spPr>
+        <p:txBody>
+          <a:bodyPr wrap="square">
+            <a:noAutofit/>
+          </a:bodyPr>
+          <a:lstStyle/>
+          <a:p>
+            <a:pPr>
+              <a:defRPr sz="1600" u="sng">
+                <a:solidFill>
+                  <a:srgbClr val="008000"/>
+                </a:solidFill>
+              </a:defRPr>
+            </a:pPr>
+            <a:r>
+              <a:t>Key Metrics</a:t>
+            </a:r>
+          </a:p>
+          <a:p>
+            <a:pPr>
+              <a:defRPr sz="900"/>
+            </a:pPr>
+            <a:r>
+              <a:t>・使用者数</a:t>
+            </a:r>
+          </a:p>
+          <a:p>
+            <a:pPr>
+              <a:defRPr sz="900"/>
+            </a:pPr>
+            <a:r>
+              <a:t>・開発されたゲーム数</a:t>
+            </a:r>
+          </a:p>
+          <a:p>
+            <a:pPr>
+              <a:defRPr sz="900"/>
+            </a:pPr>
+            <a:r>
+              <a:t>・利用時間</a:t>
+            </a:r>
+          </a:p>
+        </p:txBody>
+      </p:sp>
+      <p:sp>
+        <p:nvSpPr>
+          <p:cNvPr id="6" name="TextBox 5"/>
+          <p:cNvSpPr txBox="1"/>
+          <p:nvPr/>
+        </p:nvSpPr>
+        <p:spPr>
+          <a:xfrm>
+            <a:off x="5943600" y="1188720"/>
+            <a:ext cx="2743200" cy="4389120"/>
+          </a:xfrm>
+          <a:prstGeom prst="rect">
+            <a:avLst/>
+          </a:prstGeom>
+          <a:noFill/>
+          <a:ln w="12700">
+            <a:solidFill>
+              <a:srgbClr val="000000"/>
+            </a:solidFill>
+          </a:ln>
+        </p:spPr>
+        <p:txBody>
+          <a:bodyPr wrap="square">
+            <a:noAutofit/>
+          </a:bodyPr>
+          <a:lstStyle/>
+          <a:p>
+            <a:pPr>
+              <a:defRPr sz="1600" u="sng">
+                <a:solidFill>
+                  <a:srgbClr val="008000"/>
+                </a:solidFill>
+              </a:defRPr>
+            </a:pPr>
+            <a:r>
+              <a:t>Unique Value Proposition</a:t>
+            </a:r>
+          </a:p>
+          <a:p>
+            <a:pPr>
+              <a:defRPr sz="900"/>
+            </a:pPr>
+            <a:r>
+              <a:t>・ゲーム開発を誰でも簡単に</a:t>
+            </a:r>
+          </a:p>
+        </p:txBody>
+      </p:sp>
+      <p:sp>
+        <p:nvSpPr>
+          <p:cNvPr id="7" name="TextBox 6"/>
+          <p:cNvSpPr txBox="1"/>
+          <p:nvPr/>
+        </p:nvSpPr>
+        <p:spPr>
+          <a:xfrm>
+            <a:off x="8686800" y="1188720"/>
+            <a:ext cx="2743200" cy="2194560"/>
+          </a:xfrm>
+          <a:prstGeom prst="rect">
+            <a:avLst/>
+          </a:prstGeom>
+          <a:noFill/>
+          <a:ln w="12700">
+            <a:solidFill>
+              <a:srgbClr val="000000"/>
+            </a:solidFill>
+          </a:ln>
+        </p:spPr>
+        <p:txBody>
+          <a:bodyPr wrap="square">
+            <a:noAutofit/>
+          </a:bodyPr>
+          <a:lstStyle/>
+          <a:p>
+            <a:pPr>
+              <a:defRPr sz="1600" u="sng">
+                <a:solidFill>
+                  <a:srgbClr val="008000"/>
+                </a:solidFill>
+              </a:defRPr>
+            </a:pPr>
+            <a:r>
+              <a:t>Unfair Advantage</a:t>
+            </a:r>
+          </a:p>
+          <a:p>
+            <a:pPr>
+              <a:defRPr sz="900"/>
+            </a:pPr>
+            <a:r>
+              <a:t>・初心者からプロまで使えるユーザーフレンドリーなインターフェース</a:t>
+            </a:r>
+          </a:p>
+          <a:p>
+            <a:pPr>
+              <a:defRPr sz="900"/>
+            </a:pPr>
+            <a:r>
+              <a:t>・広範囲のプラットフォームサポート</a:t>
+            </a:r>
+          </a:p>
+        </p:txBody>
+      </p:sp>
+      <p:sp>
+        <p:nvSpPr>
+          <p:cNvPr id="8" name="TextBox 7"/>
+          <p:cNvSpPr txBox="1"/>
+          <p:nvPr/>
+        </p:nvSpPr>
+        <p:spPr>
+          <a:xfrm>
+            <a:off x="8686800" y="3383280"/>
+            <a:ext cx="2743200" cy="2194560"/>
+          </a:xfrm>
+          <a:prstGeom prst="rect">
+            <a:avLst/>
+          </a:prstGeom>
+          <a:noFill/>
+          <a:ln w="12700">
+            <a:solidFill>
+              <a:srgbClr val="000000"/>
+            </a:solidFill>
+          </a:ln>
+        </p:spPr>
+        <p:txBody>
+          <a:bodyPr wrap="square">
+            <a:noAutofit/>
+          </a:bodyPr>
+          <a:lstStyle/>
+          <a:p>
+            <a:pPr>
+              <a:defRPr sz="1600" u="sng">
+                <a:solidFill>
+                  <a:srgbClr val="008000"/>
+                </a:solidFill>
+              </a:defRPr>
+            </a:pPr>
+            <a:r>
+              <a:t>Channels</a:t>
+            </a:r>
+          </a:p>
+          <a:p>
+            <a:pPr>
+              <a:defRPr sz="900"/>
+            </a:pPr>
+            <a:r>
+              <a:t>・ウェブサイト</a:t>
+            </a:r>
+          </a:p>
+          <a:p>
+            <a:pPr>
+              <a:defRPr sz="900"/>
+            </a:pPr>
+            <a:r>
+              <a:t>・教育機関とのパートナーシップ</a:t>
+            </a:r>
+          </a:p>
+        </p:txBody>
+      </p:sp>
+      <p:sp>
+        <p:nvSpPr>
+          <p:cNvPr id="9" name="TextBox 8"/>
+          <p:cNvSpPr txBox="1"/>
+          <p:nvPr/>
+        </p:nvSpPr>
+        <p:spPr>
+          <a:xfrm>
+            <a:off x="11430000" y="1188720"/>
+            <a:ext cx="2743200" cy="4389120"/>
+          </a:xfrm>
+          <a:prstGeom prst="rect">
+            <a:avLst/>
+          </a:prstGeom>
+          <a:noFill/>
+          <a:ln w="12700">
+            <a:solidFill>
+              <a:srgbClr val="000000"/>
+            </a:solidFill>
+          </a:ln>
+        </p:spPr>
+        <p:txBody>
+          <a:bodyPr wrap="square">
+            <a:noAutofit/>
+          </a:bodyPr>
+          <a:lstStyle/>
+          <a:p>
+            <a:pPr>
+              <a:defRPr sz="1600" u="sng">
+                <a:solidFill>
+                  <a:srgbClr val="008000"/>
+                </a:solidFill>
+              </a:defRPr>
+            </a:pPr>
+            <a:r>
+              <a:t>Customer Segments</a:t>
+            </a:r>
+          </a:p>
+          <a:p>
+            <a:pPr>
+              <a:defRPr sz="900"/>
+            </a:pPr>
+            <a:r>
+              <a:t>・ゲーム開発者</a:t>
+            </a:r>
+          </a:p>
+          <a:p>
+            <a:pPr>
+              <a:defRPr sz="900"/>
+            </a:pPr>
+            <a:r>
+              <a:t>・教育機関</a:t>
+            </a:r>
+          </a:p>
+        </p:txBody>
+      </p:sp>
+      <p:sp>
+        <p:nvSpPr>
+          <p:cNvPr id="10" name="TextBox 9"/>
+          <p:cNvSpPr txBox="1"/>
+          <p:nvPr/>
+        </p:nvSpPr>
+        <p:spPr>
+          <a:xfrm>
+            <a:off x="457200" y="5577840"/>
+            <a:ext cx="6858000" cy="2194560"/>
+          </a:xfrm>
+          <a:prstGeom prst="rect">
+            <a:avLst/>
+          </a:prstGeom>
+          <a:noFill/>
+          <a:ln w="12700">
+            <a:solidFill>
+              <a:srgbClr val="000000"/>
+            </a:solidFill>
+          </a:ln>
+        </p:spPr>
+        <p:txBody>
+          <a:bodyPr wrap="square">
+            <a:noAutofit/>
+          </a:bodyPr>
+          <a:lstStyle/>
+          <a:p>
+            <a:pPr>
+              <a:defRPr sz="1600" u="sng">
+                <a:solidFill>
+                  <a:srgbClr val="008000"/>
+                </a:solidFill>
+              </a:defRPr>
+            </a:pPr>
+            <a:r>
+              <a:t>Cost Structure</a:t>
+            </a:r>
+          </a:p>
+          <a:p>
+            <a:pPr>
+              <a:defRPr sz="900"/>
+            </a:pPr>
+            <a:r>
+              <a:t>・開発とメンテナンスのコスト</a:t>
+            </a:r>
+          </a:p>
+          <a:p>
+            <a:pPr>
+              <a:defRPr sz="900"/>
+            </a:pPr>
+            <a:r>
+              <a:t>・マーケティングコスト</a:t>
+            </a:r>
+          </a:p>
+        </p:txBody>
+      </p:sp>
+      <p:sp>
+        <p:nvSpPr>
+          <p:cNvPr id="11" name="TextBox 10"/>
+          <p:cNvSpPr txBox="1"/>
+          <p:nvPr/>
+        </p:nvSpPr>
+        <p:spPr>
+          <a:xfrm>
+            <a:off x="7315200" y="5577840"/>
+            <a:ext cx="6858000" cy="2194560"/>
+          </a:xfrm>
+          <a:prstGeom prst="rect">
+            <a:avLst/>
+          </a:prstGeom>
+          <a:noFill/>
+          <a:ln w="12700">
+            <a:solidFill>
+              <a:srgbClr val="000000"/>
+            </a:solidFill>
+          </a:ln>
+        </p:spPr>
+        <p:txBody>
+          <a:bodyPr wrap="square">
+            <a:noAutofit/>
+          </a:bodyPr>
+          <a:lstStyle/>
+          <a:p>
+            <a:pPr>
+              <a:defRPr sz="1600" u="sng">
+                <a:solidFill>
+                  <a:srgbClr val="008000"/>
+                </a:solidFill>
+              </a:defRPr>
+            </a:pPr>
+            <a:r>
+              <a:t>Revenue Streams</a:t>
+            </a:r>
+          </a:p>
+          <a:p>
+            <a:pPr>
+              <a:defRPr sz="900"/>
+            </a:pPr>
+            <a:r>
+              <a:t>・プロ版のライセンス販売</a:t>
+            </a:r>
+          </a:p>
+          <a:p>
+            <a:pPr>
+              <a:defRPr sz="900"/>
+            </a:pPr>
+            <a:r>
+              <a:t>・サービスのサブスクリプション料金</a:t>
+            </a:r>
+          </a:p>
+          <a:p>
+            <a:pPr>
+              <a:defRPr sz="900"/>
+            </a:pPr>
+            <a:r>
+              <a:t>・Unity Asset Storeからの収益</a:t>
+            </a:r>
+          </a:p>
+        </p:txBody>
+      </p:sp>
+    </p:spTree>
+  </p:cSld>
+  <p:clrMapOvr>
+    <a:masterClrMapping/>
+  </p:clrMapOvr>
+</p:sld>
+</file>
+
+<file path=ppt/slides/slide14.xml><?xml version="1.0" encoding="utf-8"?>
+<p:sld xmlns:a="http://schemas.openxmlformats.org/drawingml/2006/main" xmlns:p="http://schemas.openxmlformats.org/presentationml/2006/main" xmlns:r="http://schemas.openxmlformats.org/officeDocument/2006/relationships">
+  <p:cSld>
+    <p:spTree>
+      <p:nvGrpSpPr>
+        <p:cNvPr id="1" name=""/>
+        <p:cNvGrpSpPr/>
+        <p:nvPr/>
+      </p:nvGrpSpPr>
+      <p:grpSpPr/>
+      <p:sp>
+        <p:nvSpPr>
+          <p:cNvPr id="2" name="TextBox 1"/>
+          <p:cNvSpPr txBox="1"/>
+          <p:nvPr/>
+        </p:nvSpPr>
+        <p:spPr>
+          <a:xfrm>
+            <a:off x="457200" y="457200"/>
+            <a:ext cx="13258800" cy="457200"/>
+          </a:xfrm>
+          <a:prstGeom prst="rect">
+            <a:avLst/>
+          </a:prstGeom>
+          <a:noFill/>
+        </p:spPr>
+        <p:txBody>
+          <a:bodyPr wrap="none">
+            <a:spAutoFit/>
+          </a:bodyPr>
+          <a:lstStyle/>
+          <a:p/>
+          <a:p>
+            <a:pPr algn="ctr">
+              <a:defRPr sz="2000"/>
+            </a:pPr>
+            <a:r>
+              <a:t>Roblox (2006-09-01)</a:t>
+            </a:r>
+          </a:p>
+        </p:txBody>
+      </p:sp>
+      <p:sp>
+        <p:nvSpPr>
+          <p:cNvPr id="3" name="TextBox 2"/>
+          <p:cNvSpPr txBox="1"/>
+          <p:nvPr/>
+        </p:nvSpPr>
+        <p:spPr>
+          <a:xfrm>
+            <a:off x="457200" y="1188720"/>
+            <a:ext cx="2743200" cy="4389120"/>
+          </a:xfrm>
+          <a:prstGeom prst="rect">
+            <a:avLst/>
+          </a:prstGeom>
+          <a:noFill/>
+          <a:ln w="12700">
+            <a:solidFill>
+              <a:srgbClr val="000000"/>
+            </a:solidFill>
+          </a:ln>
+        </p:spPr>
+        <p:txBody>
+          <a:bodyPr wrap="square">
+            <a:noAutofit/>
+          </a:bodyPr>
+          <a:lstStyle/>
+          <a:p>
+            <a:pPr>
+              <a:defRPr sz="1600" u="sng">
+                <a:solidFill>
+                  <a:srgbClr val="008000"/>
+                </a:solidFill>
+              </a:defRPr>
+            </a:pPr>
+            <a:r>
+              <a:t>Problem</a:t>
+            </a:r>
+          </a:p>
+          <a:p>
+            <a:pPr>
+              <a:defRPr sz="900"/>
+            </a:pPr>
+            <a:r>
+              <a:t>・自分のアイデアを形にできるプラットフォームの不足</a:t>
+            </a:r>
+          </a:p>
+          <a:p>
+            <a:pPr>
+              <a:defRPr sz="900"/>
+            </a:pPr>
+            <a:r>
+              <a:t>・安全な子供向けオンラインゲーム環境の不足</a:t>
+            </a:r>
+          </a:p>
+        </p:txBody>
+      </p:sp>
+      <p:sp>
+        <p:nvSpPr>
+          <p:cNvPr id="4" name="TextBox 3"/>
+          <p:cNvSpPr txBox="1"/>
+          <p:nvPr/>
+        </p:nvSpPr>
+        <p:spPr>
+          <a:xfrm>
+            <a:off x="3200400" y="1188720"/>
+            <a:ext cx="2743200" cy="2194560"/>
+          </a:xfrm>
+          <a:prstGeom prst="rect">
+            <a:avLst/>
+          </a:prstGeom>
+          <a:noFill/>
+          <a:ln w="12700">
+            <a:solidFill>
+              <a:srgbClr val="000000"/>
+            </a:solidFill>
+          </a:ln>
+        </p:spPr>
+        <p:txBody>
+          <a:bodyPr wrap="square">
+            <a:noAutofit/>
+          </a:bodyPr>
+          <a:lstStyle/>
+          <a:p>
+            <a:pPr>
+              <a:defRPr sz="1600" u="sng">
+                <a:solidFill>
+                  <a:srgbClr val="008000"/>
+                </a:solidFill>
+              </a:defRPr>
+            </a:pPr>
+            <a:r>
+              <a:t>Solution</a:t>
+            </a:r>
+          </a:p>
+          <a:p>
+            <a:pPr>
+              <a:defRPr sz="900"/>
+            </a:pPr>
+            <a:r>
+              <a:t>・ユーザーが自分自身でゲームを作成・共有できるプラットフォーム</a:t>
+            </a:r>
+          </a:p>
+          <a:p>
+            <a:pPr>
+              <a:defRPr sz="900"/>
+            </a:pPr>
+            <a:r>
+              <a:t>・強力な規範とモデレーションシステムによる安全な環境</a:t>
+            </a:r>
+          </a:p>
+        </p:txBody>
+      </p:sp>
+      <p:sp>
+        <p:nvSpPr>
+          <p:cNvPr id="5" name="TextBox 4"/>
+          <p:cNvSpPr txBox="1"/>
+          <p:nvPr/>
+        </p:nvSpPr>
+        <p:spPr>
+          <a:xfrm>
+            <a:off x="3200400" y="3383280"/>
+            <a:ext cx="2743200" cy="2194560"/>
+          </a:xfrm>
+          <a:prstGeom prst="rect">
+            <a:avLst/>
+          </a:prstGeom>
+          <a:noFill/>
+          <a:ln w="12700">
+            <a:solidFill>
+              <a:srgbClr val="000000"/>
+            </a:solidFill>
+          </a:ln>
+        </p:spPr>
+        <p:txBody>
+          <a:bodyPr wrap="square">
+            <a:noAutofit/>
+          </a:bodyPr>
+          <a:lstStyle/>
+          <a:p>
+            <a:pPr>
+              <a:defRPr sz="1600" u="sng">
+                <a:solidFill>
+                  <a:srgbClr val="008000"/>
+                </a:solidFill>
+              </a:defRPr>
+            </a:pPr>
+            <a:r>
+              <a:t>Key Metrics</a:t>
+            </a:r>
+          </a:p>
+          <a:p>
+            <a:pPr>
+              <a:defRPr sz="900"/>
+            </a:pPr>
+            <a:r>
+              <a:t>・登録ユーザー数</a:t>
+            </a:r>
+          </a:p>
+          <a:p>
+            <a:pPr>
+              <a:defRPr sz="900"/>
+            </a:pPr>
+            <a:r>
+              <a:t>・作成されたゲーム数</a:t>
+            </a:r>
+          </a:p>
+          <a:p>
+            <a:pPr>
+              <a:defRPr sz="900"/>
+            </a:pPr>
+            <a:r>
+              <a:t>・平均利用時間</a:t>
+            </a:r>
+          </a:p>
+        </p:txBody>
+      </p:sp>
+      <p:sp>
+        <p:nvSpPr>
+          <p:cNvPr id="6" name="TextBox 5"/>
+          <p:cNvSpPr txBox="1"/>
+          <p:nvPr/>
+        </p:nvSpPr>
+        <p:spPr>
+          <a:xfrm>
+            <a:off x="5943600" y="1188720"/>
+            <a:ext cx="2743200" cy="4389120"/>
+          </a:xfrm>
+          <a:prstGeom prst="rect">
+            <a:avLst/>
+          </a:prstGeom>
+          <a:noFill/>
+          <a:ln w="12700">
+            <a:solidFill>
+              <a:srgbClr val="000000"/>
+            </a:solidFill>
+          </a:ln>
+        </p:spPr>
+        <p:txBody>
+          <a:bodyPr wrap="square">
+            <a:noAutofit/>
+          </a:bodyPr>
+          <a:lstStyle/>
+          <a:p>
+            <a:pPr>
+              <a:defRPr sz="1600" u="sng">
+                <a:solidFill>
+                  <a:srgbClr val="008000"/>
+                </a:solidFill>
+              </a:defRPr>
+            </a:pPr>
+            <a:r>
+              <a:t>Unique Value Proposition</a:t>
+            </a:r>
+          </a:p>
+          <a:p>
+            <a:pPr>
+              <a:defRPr sz="900"/>
+            </a:pPr>
+            <a:r>
+              <a:t>・自分自身でゲームを作り、他の人と共有する体験</a:t>
+            </a:r>
+          </a:p>
+        </p:txBody>
+      </p:sp>
+      <p:sp>
+        <p:nvSpPr>
+          <p:cNvPr id="7" name="TextBox 6"/>
+          <p:cNvSpPr txBox="1"/>
+          <p:nvPr/>
+        </p:nvSpPr>
+        <p:spPr>
+          <a:xfrm>
+            <a:off x="8686800" y="1188720"/>
+            <a:ext cx="2743200" cy="2194560"/>
+          </a:xfrm>
+          <a:prstGeom prst="rect">
+            <a:avLst/>
+          </a:prstGeom>
+          <a:noFill/>
+          <a:ln w="12700">
+            <a:solidFill>
+              <a:srgbClr val="000000"/>
+            </a:solidFill>
+          </a:ln>
+        </p:spPr>
+        <p:txBody>
+          <a:bodyPr wrap="square">
+            <a:noAutofit/>
+          </a:bodyPr>
+          <a:lstStyle/>
+          <a:p>
+            <a:pPr>
+              <a:defRPr sz="1600" u="sng">
+                <a:solidFill>
+                  <a:srgbClr val="008000"/>
+                </a:solidFill>
+              </a:defRPr>
+            </a:pPr>
+            <a:r>
+              <a:t>Unfair Advantage</a:t>
+            </a:r>
+          </a:p>
+          <a:p>
+            <a:pPr>
+              <a:defRPr sz="900"/>
+            </a:pPr>
+            <a:r>
+              <a:t>・独自のユーザー生成コンテンツと社会体</a:t>
+            </a:r>
+          </a:p>
+          <a:p>
+            <a:pPr>
+              <a:defRPr sz="900"/>
+            </a:pPr>
+            <a:r>
+              <a:t>・高いブランド認知度と子供向け安全性</a:t>
+            </a:r>
+          </a:p>
+        </p:txBody>
+      </p:sp>
+      <p:sp>
+        <p:nvSpPr>
+          <p:cNvPr id="8" name="TextBox 7"/>
+          <p:cNvSpPr txBox="1"/>
+          <p:nvPr/>
+        </p:nvSpPr>
+        <p:spPr>
+          <a:xfrm>
+            <a:off x="8686800" y="3383280"/>
+            <a:ext cx="2743200" cy="2194560"/>
+          </a:xfrm>
+          <a:prstGeom prst="rect">
+            <a:avLst/>
+          </a:prstGeom>
+          <a:noFill/>
+          <a:ln w="12700">
+            <a:solidFill>
+              <a:srgbClr val="000000"/>
+            </a:solidFill>
+          </a:ln>
+        </p:spPr>
+        <p:txBody>
+          <a:bodyPr wrap="square">
+            <a:noAutofit/>
+          </a:bodyPr>
+          <a:lstStyle/>
+          <a:p>
+            <a:pPr>
+              <a:defRPr sz="1600" u="sng">
+                <a:solidFill>
+                  <a:srgbClr val="008000"/>
+                </a:solidFill>
+              </a:defRPr>
+            </a:pPr>
+            <a:r>
+              <a:t>Channels</a:t>
+            </a:r>
+          </a:p>
+          <a:p>
+            <a:pPr>
+              <a:defRPr sz="900"/>
+            </a:pPr>
+            <a:r>
+              <a:t>・ウェブサイト</a:t>
+            </a:r>
+          </a:p>
+          <a:p>
+            <a:pPr>
+              <a:defRPr sz="900"/>
+            </a:pPr>
+            <a:r>
+              <a:t>・モバイルアプリ</a:t>
+            </a:r>
+          </a:p>
+        </p:txBody>
+      </p:sp>
+      <p:sp>
+        <p:nvSpPr>
+          <p:cNvPr id="9" name="TextBox 8"/>
+          <p:cNvSpPr txBox="1"/>
+          <p:nvPr/>
+        </p:nvSpPr>
+        <p:spPr>
+          <a:xfrm>
+            <a:off x="11430000" y="1188720"/>
+            <a:ext cx="2743200" cy="4389120"/>
+          </a:xfrm>
+          <a:prstGeom prst="rect">
+            <a:avLst/>
+          </a:prstGeom>
+          <a:noFill/>
+          <a:ln w="12700">
+            <a:solidFill>
+              <a:srgbClr val="000000"/>
+            </a:solidFill>
+          </a:ln>
+        </p:spPr>
+        <p:txBody>
+          <a:bodyPr wrap="square">
+            <a:noAutofit/>
+          </a:bodyPr>
+          <a:lstStyle/>
+          <a:p>
+            <a:pPr>
+              <a:defRPr sz="1600" u="sng">
+                <a:solidFill>
+                  <a:srgbClr val="008000"/>
+                </a:solidFill>
+              </a:defRPr>
+            </a:pPr>
+            <a:r>
+              <a:t>Customer Segments</a:t>
+            </a:r>
+          </a:p>
+          <a:p>
+            <a:pPr>
+              <a:defRPr sz="900"/>
+            </a:pPr>
+            <a:r>
+              <a:t>・子供と若者</a:t>
+            </a:r>
+          </a:p>
+          <a:p>
+            <a:pPr>
+              <a:defRPr sz="900"/>
+            </a:pPr>
+            <a:r>
+              <a:t>・ゲーム開発を学びたい人々</a:t>
+            </a:r>
+          </a:p>
+        </p:txBody>
+      </p:sp>
+      <p:sp>
+        <p:nvSpPr>
+          <p:cNvPr id="10" name="TextBox 9"/>
+          <p:cNvSpPr txBox="1"/>
+          <p:nvPr/>
+        </p:nvSpPr>
+        <p:spPr>
+          <a:xfrm>
+            <a:off x="457200" y="5577840"/>
+            <a:ext cx="6858000" cy="2194560"/>
+          </a:xfrm>
+          <a:prstGeom prst="rect">
+            <a:avLst/>
+          </a:prstGeom>
+          <a:noFill/>
+          <a:ln w="12700">
+            <a:solidFill>
+              <a:srgbClr val="000000"/>
+            </a:solidFill>
+          </a:ln>
+        </p:spPr>
+        <p:txBody>
+          <a:bodyPr wrap="square">
+            <a:noAutofit/>
+          </a:bodyPr>
+          <a:lstStyle/>
+          <a:p>
+            <a:pPr>
+              <a:defRPr sz="1600" u="sng">
+                <a:solidFill>
+                  <a:srgbClr val="008000"/>
+                </a:solidFill>
+              </a:defRPr>
+            </a:pPr>
+            <a:r>
+              <a:t>Cost Structure</a:t>
+            </a:r>
+          </a:p>
+          <a:p>
+            <a:pPr>
+              <a:defRPr sz="900"/>
+            </a:pPr>
+            <a:r>
+              <a:t>・プラットフォームの開発とメンテナンス</a:t>
+            </a:r>
+          </a:p>
+          <a:p>
+            <a:pPr>
+              <a:defRPr sz="900"/>
+            </a:pPr>
+            <a:r>
+              <a:t>・モデレーションと規範の強化</a:t>
+            </a:r>
+          </a:p>
+          <a:p>
+            <a:pPr>
+              <a:defRPr sz="900"/>
+            </a:pPr>
+            <a:r>
+              <a:t>・マーケティングコスト</a:t>
+            </a:r>
+          </a:p>
+        </p:txBody>
+      </p:sp>
+      <p:sp>
+        <p:nvSpPr>
+          <p:cNvPr id="11" name="TextBox 10"/>
+          <p:cNvSpPr txBox="1"/>
+          <p:nvPr/>
+        </p:nvSpPr>
+        <p:spPr>
+          <a:xfrm>
+            <a:off x="7315200" y="5577840"/>
+            <a:ext cx="6858000" cy="2194560"/>
+          </a:xfrm>
+          <a:prstGeom prst="rect">
+            <a:avLst/>
+          </a:prstGeom>
+          <a:noFill/>
+          <a:ln w="12700">
+            <a:solidFill>
+              <a:srgbClr val="000000"/>
+            </a:solidFill>
+          </a:ln>
+        </p:spPr>
+        <p:txBody>
+          <a:bodyPr wrap="square">
+            <a:noAutofit/>
+          </a:bodyPr>
+          <a:lstStyle/>
+          <a:p>
+            <a:pPr>
+              <a:defRPr sz="1600" u="sng">
+                <a:solidFill>
+                  <a:srgbClr val="008000"/>
+                </a:solidFill>
+              </a:defRPr>
+            </a:pPr>
+            <a:r>
+              <a:t>Revenue Streams</a:t>
+            </a:r>
+          </a:p>
+          <a:p>
+            <a:pPr>
+              <a:defRPr sz="900"/>
+            </a:pPr>
+            <a:r>
+              <a:t>・仮想通貨"Robux"の販売</a:t>
+            </a:r>
+          </a:p>
+          <a:p>
+            <a:pPr>
+              <a:defRPr sz="900"/>
+            </a:pPr>
+            <a:r>
+              <a:t>・サブスクリプション料金</a:t>
+            </a:r>
+          </a:p>
+          <a:p>
+            <a:pPr>
+              <a:defRPr sz="900"/>
+            </a:pPr>
+            <a:r>
+              <a:t>・アドバタイジング収益</a:t>
+            </a:r>
+          </a:p>
+        </p:txBody>
+      </p:sp>
+    </p:spTree>
+  </p:cSld>
+  <p:clrMapOvr>
+    <a:masterClrMapping/>
+  </p:clrMapOvr>
+</p:sld>
+</file>
+
 <file path=ppt/slides/slide2.xml><?xml version="1.0" encoding="utf-8"?>
 <p:sld xmlns:a="http://schemas.openxmlformats.org/drawingml/2006/main" xmlns:p="http://schemas.openxmlformats.org/presentationml/2006/main" xmlns:r="http://schemas.openxmlformats.org/officeDocument/2006/relationships">
   <p:cSld>
@@ -7801,6 +10737,584 @@
             </a:pPr>
             <a:r>
               <a:t>・コンサルティング料</a:t>
+            </a:r>
+          </a:p>
+        </p:txBody>
+      </p:sp>
+    </p:spTree>
+  </p:cSld>
+  <p:clrMapOvr>
+    <a:masterClrMapping/>
+  </p:clrMapOvr>
+</p:sld>
+</file>
+
+<file path=ppt/slides/slide9.xml><?xml version="1.0" encoding="utf-8"?>
+<p:sld xmlns:a="http://schemas.openxmlformats.org/drawingml/2006/main" xmlns:p="http://schemas.openxmlformats.org/presentationml/2006/main" xmlns:r="http://schemas.openxmlformats.org/officeDocument/2006/relationships">
+  <p:cSld>
+    <p:spTree>
+      <p:nvGrpSpPr>
+        <p:cNvPr id="1" name=""/>
+        <p:cNvGrpSpPr/>
+        <p:nvPr/>
+      </p:nvGrpSpPr>
+      <p:grpSpPr/>
+      <p:sp>
+        <p:nvSpPr>
+          <p:cNvPr id="2" name="TextBox 1"/>
+          <p:cNvSpPr txBox="1"/>
+          <p:nvPr/>
+        </p:nvSpPr>
+        <p:spPr>
+          <a:xfrm>
+            <a:off x="457200" y="457200"/>
+            <a:ext cx="13258800" cy="457200"/>
+          </a:xfrm>
+          <a:prstGeom prst="rect">
+            <a:avLst/>
+          </a:prstGeom>
+          <a:noFill/>
+        </p:spPr>
+        <p:txBody>
+          <a:bodyPr wrap="none">
+            <a:spAutoFit/>
+          </a:bodyPr>
+          <a:lstStyle/>
+          <a:p/>
+          <a:p>
+            <a:pPr algn="ctr">
+              <a:defRPr sz="2000"/>
+            </a:pPr>
+            <a:r>
+              <a:t>nCino (2012-07-12)</a:t>
+            </a:r>
+          </a:p>
+        </p:txBody>
+      </p:sp>
+      <p:sp>
+        <p:nvSpPr>
+          <p:cNvPr id="3" name="TextBox 2"/>
+          <p:cNvSpPr txBox="1"/>
+          <p:nvPr/>
+        </p:nvSpPr>
+        <p:spPr>
+          <a:xfrm>
+            <a:off x="457200" y="1188720"/>
+            <a:ext cx="2743200" cy="4389120"/>
+          </a:xfrm>
+          <a:prstGeom prst="rect">
+            <a:avLst/>
+          </a:prstGeom>
+          <a:noFill/>
+          <a:ln w="12700">
+            <a:solidFill>
+              <a:srgbClr val="000000"/>
+            </a:solidFill>
+          </a:ln>
+        </p:spPr>
+        <p:txBody>
+          <a:bodyPr wrap="square">
+            <a:noAutofit/>
+          </a:bodyPr>
+          <a:lstStyle/>
+          <a:p>
+            <a:pPr>
+              <a:defRPr sz="1600" u="sng">
+                <a:solidFill>
+                  <a:srgbClr val="008000"/>
+                </a:solidFill>
+              </a:defRPr>
+            </a:pPr>
+            <a:r>
+              <a:t>Problem</a:t>
+            </a:r>
+          </a:p>
+          <a:p>
+            <a:pPr>
+              <a:defRPr sz="900"/>
+            </a:pPr>
+            <a:r>
+              <a:t>・銀行業界のレガシーシステムによる効率の悪さと手続きの遅さ</a:t>
+            </a:r>
+          </a:p>
+          <a:p>
+            <a:pPr>
+              <a:defRPr sz="900"/>
+            </a:pPr>
+            <a:r>
+              <a:t>・顧客体験の低下と満足度の低さ</a:t>
+            </a:r>
+          </a:p>
+          <a:p>
+            <a:pPr>
+              <a:defRPr sz="900"/>
+            </a:pPr>
+            <a:r>
+              <a:t>・規制遵守の困難さ</a:t>
+            </a:r>
+          </a:p>
+        </p:txBody>
+      </p:sp>
+      <p:sp>
+        <p:nvSpPr>
+          <p:cNvPr id="4" name="TextBox 3"/>
+          <p:cNvSpPr txBox="1"/>
+          <p:nvPr/>
+        </p:nvSpPr>
+        <p:spPr>
+          <a:xfrm>
+            <a:off x="3200400" y="1188720"/>
+            <a:ext cx="2743200" cy="2194560"/>
+          </a:xfrm>
+          <a:prstGeom prst="rect">
+            <a:avLst/>
+          </a:prstGeom>
+          <a:noFill/>
+          <a:ln w="12700">
+            <a:solidFill>
+              <a:srgbClr val="000000"/>
+            </a:solidFill>
+          </a:ln>
+        </p:spPr>
+        <p:txBody>
+          <a:bodyPr wrap="square">
+            <a:noAutofit/>
+          </a:bodyPr>
+          <a:lstStyle/>
+          <a:p>
+            <a:pPr>
+              <a:defRPr sz="1600" u="sng">
+                <a:solidFill>
+                  <a:srgbClr val="008000"/>
+                </a:solidFill>
+              </a:defRPr>
+            </a:pPr>
+            <a:r>
+              <a:t>Solution</a:t>
+            </a:r>
+          </a:p>
+          <a:p>
+            <a:pPr>
+              <a:defRPr sz="900"/>
+            </a:pPr>
+            <a:r>
+              <a:t>・クラウドベースの一元化された銀行オペレーティングシステム</a:t>
+            </a:r>
+          </a:p>
+          <a:p>
+            <a:pPr>
+              <a:defRPr sz="900"/>
+            </a:pPr>
+            <a:r>
+              <a:t>・顧客対応を改善するためのデジタル化</a:t>
+            </a:r>
+          </a:p>
+          <a:p>
+            <a:pPr>
+              <a:defRPr sz="900"/>
+            </a:pPr>
+            <a:r>
+              <a:t>・リアルタイムでの監視とリポーティングを可能にするダッシュボード</a:t>
+            </a:r>
+          </a:p>
+        </p:txBody>
+      </p:sp>
+      <p:sp>
+        <p:nvSpPr>
+          <p:cNvPr id="5" name="TextBox 4"/>
+          <p:cNvSpPr txBox="1"/>
+          <p:nvPr/>
+        </p:nvSpPr>
+        <p:spPr>
+          <a:xfrm>
+            <a:off x="3200400" y="3383280"/>
+            <a:ext cx="2743200" cy="2194560"/>
+          </a:xfrm>
+          <a:prstGeom prst="rect">
+            <a:avLst/>
+          </a:prstGeom>
+          <a:noFill/>
+          <a:ln w="12700">
+            <a:solidFill>
+              <a:srgbClr val="000000"/>
+            </a:solidFill>
+          </a:ln>
+        </p:spPr>
+        <p:txBody>
+          <a:bodyPr wrap="square">
+            <a:noAutofit/>
+          </a:bodyPr>
+          <a:lstStyle/>
+          <a:p>
+            <a:pPr>
+              <a:defRPr sz="1600" u="sng">
+                <a:solidFill>
+                  <a:srgbClr val="008000"/>
+                </a:solidFill>
+              </a:defRPr>
+            </a:pPr>
+            <a:r>
+              <a:t>Key Metrics</a:t>
+            </a:r>
+          </a:p>
+          <a:p>
+            <a:pPr>
+              <a:defRPr sz="900"/>
+            </a:pPr>
+            <a:r>
+              <a:t>・プラットフォームへの新規登録銀行数</a:t>
+            </a:r>
+          </a:p>
+          <a:p>
+            <a:pPr>
+              <a:defRPr sz="900"/>
+            </a:pPr>
+            <a:r>
+              <a:t>・銀行による取引量</a:t>
+            </a:r>
+          </a:p>
+          <a:p>
+            <a:pPr>
+              <a:defRPr sz="900"/>
+            </a:pPr>
+            <a:r>
+              <a:t>・顧客満足度</a:t>
+            </a:r>
+          </a:p>
+        </p:txBody>
+      </p:sp>
+      <p:sp>
+        <p:nvSpPr>
+          <p:cNvPr id="6" name="TextBox 5"/>
+          <p:cNvSpPr txBox="1"/>
+          <p:nvPr/>
+        </p:nvSpPr>
+        <p:spPr>
+          <a:xfrm>
+            <a:off x="5943600" y="1188720"/>
+            <a:ext cx="2743200" cy="4389120"/>
+          </a:xfrm>
+          <a:prstGeom prst="rect">
+            <a:avLst/>
+          </a:prstGeom>
+          <a:noFill/>
+          <a:ln w="12700">
+            <a:solidFill>
+              <a:srgbClr val="000000"/>
+            </a:solidFill>
+          </a:ln>
+        </p:spPr>
+        <p:txBody>
+          <a:bodyPr wrap="square">
+            <a:noAutofit/>
+          </a:bodyPr>
+          <a:lstStyle/>
+          <a:p>
+            <a:pPr>
+              <a:defRPr sz="1600" u="sng">
+                <a:solidFill>
+                  <a:srgbClr val="008000"/>
+                </a:solidFill>
+              </a:defRPr>
+            </a:pPr>
+            <a:r>
+              <a:t>Unique Value Proposition</a:t>
+            </a:r>
+          </a:p>
+          <a:p>
+            <a:pPr>
+              <a:defRPr sz="900"/>
+            </a:pPr>
+            <a:r>
+              <a:t>・銀行のビジネスプロセスをデジタル化し、効率化する一元化されたシステム</a:t>
+            </a:r>
+          </a:p>
+        </p:txBody>
+      </p:sp>
+      <p:sp>
+        <p:nvSpPr>
+          <p:cNvPr id="7" name="TextBox 6"/>
+          <p:cNvSpPr txBox="1"/>
+          <p:nvPr/>
+        </p:nvSpPr>
+        <p:spPr>
+          <a:xfrm>
+            <a:off x="8686800" y="1188720"/>
+            <a:ext cx="2743200" cy="2194560"/>
+          </a:xfrm>
+          <a:prstGeom prst="rect">
+            <a:avLst/>
+          </a:prstGeom>
+          <a:noFill/>
+          <a:ln w="12700">
+            <a:solidFill>
+              <a:srgbClr val="000000"/>
+            </a:solidFill>
+          </a:ln>
+        </p:spPr>
+        <p:txBody>
+          <a:bodyPr wrap="square">
+            <a:noAutofit/>
+          </a:bodyPr>
+          <a:lstStyle/>
+          <a:p>
+            <a:pPr>
+              <a:defRPr sz="1600" u="sng">
+                <a:solidFill>
+                  <a:srgbClr val="008000"/>
+                </a:solidFill>
+              </a:defRPr>
+            </a:pPr>
+            <a:r>
+              <a:t>Unfair Advantage</a:t>
+            </a:r>
+          </a:p>
+          <a:p>
+            <a:pPr>
+              <a:defRPr sz="900"/>
+            </a:pPr>
+            <a:r>
+              <a:t>・既存の銀行のレガシーシステムとは異なり、最初からクラウドベースで開発されたプラットフォーム</a:t>
+            </a:r>
+          </a:p>
+          <a:p>
+            <a:pPr>
+              <a:defRPr sz="900"/>
+            </a:pPr>
+            <a:r>
+              <a:t>・Salesforceのエコシステム内に組み込まれたサービス</a:t>
+            </a:r>
+          </a:p>
+        </p:txBody>
+      </p:sp>
+      <p:sp>
+        <p:nvSpPr>
+          <p:cNvPr id="8" name="TextBox 7"/>
+          <p:cNvSpPr txBox="1"/>
+          <p:nvPr/>
+        </p:nvSpPr>
+        <p:spPr>
+          <a:xfrm>
+            <a:off x="8686800" y="3383280"/>
+            <a:ext cx="2743200" cy="2194560"/>
+          </a:xfrm>
+          <a:prstGeom prst="rect">
+            <a:avLst/>
+          </a:prstGeom>
+          <a:noFill/>
+          <a:ln w="12700">
+            <a:solidFill>
+              <a:srgbClr val="000000"/>
+            </a:solidFill>
+          </a:ln>
+        </p:spPr>
+        <p:txBody>
+          <a:bodyPr wrap="square">
+            <a:noAutofit/>
+          </a:bodyPr>
+          <a:lstStyle/>
+          <a:p>
+            <a:pPr>
+              <a:defRPr sz="1600" u="sng">
+                <a:solidFill>
+                  <a:srgbClr val="008000"/>
+                </a:solidFill>
+              </a:defRPr>
+            </a:pPr>
+            <a:r>
+              <a:t>Channels</a:t>
+            </a:r>
+          </a:p>
+          <a:p>
+            <a:pPr>
+              <a:defRPr sz="900"/>
+            </a:pPr>
+            <a:r>
+              <a:t>・インターネット（ウェブサイト、ブログ、ソーシャルメディア）</a:t>
+            </a:r>
+          </a:p>
+          <a:p>
+            <a:pPr>
+              <a:defRPr sz="900"/>
+            </a:pPr>
+            <a:r>
+              <a:t>・銀行との直接的なパートナーシップ</a:t>
+            </a:r>
+          </a:p>
+        </p:txBody>
+      </p:sp>
+      <p:sp>
+        <p:nvSpPr>
+          <p:cNvPr id="9" name="TextBox 8"/>
+          <p:cNvSpPr txBox="1"/>
+          <p:nvPr/>
+        </p:nvSpPr>
+        <p:spPr>
+          <a:xfrm>
+            <a:off x="11430000" y="1188720"/>
+            <a:ext cx="2743200" cy="4389120"/>
+          </a:xfrm>
+          <a:prstGeom prst="rect">
+            <a:avLst/>
+          </a:prstGeom>
+          <a:noFill/>
+          <a:ln w="12700">
+            <a:solidFill>
+              <a:srgbClr val="000000"/>
+            </a:solidFill>
+          </a:ln>
+        </p:spPr>
+        <p:txBody>
+          <a:bodyPr wrap="square">
+            <a:noAutofit/>
+          </a:bodyPr>
+          <a:lstStyle/>
+          <a:p>
+            <a:pPr>
+              <a:defRPr sz="1600" u="sng">
+                <a:solidFill>
+                  <a:srgbClr val="008000"/>
+                </a:solidFill>
+              </a:defRPr>
+            </a:pPr>
+            <a:r>
+              <a:t>Customer Segments</a:t>
+            </a:r>
+          </a:p>
+          <a:p>
+            <a:pPr>
+              <a:defRPr sz="900"/>
+            </a:pPr>
+            <a:r>
+              <a:t>・レガシーシステムからの移行を検討している銀行</a:t>
+            </a:r>
+          </a:p>
+          <a:p>
+            <a:pPr>
+              <a:defRPr sz="900"/>
+            </a:pPr>
+            <a:r>
+              <a:t>・顧客体験の改善を求める銀行</a:t>
+            </a:r>
+          </a:p>
+        </p:txBody>
+      </p:sp>
+      <p:sp>
+        <p:nvSpPr>
+          <p:cNvPr id="10" name="TextBox 9"/>
+          <p:cNvSpPr txBox="1"/>
+          <p:nvPr/>
+        </p:nvSpPr>
+        <p:spPr>
+          <a:xfrm>
+            <a:off x="457200" y="5577840"/>
+            <a:ext cx="6858000" cy="2194560"/>
+          </a:xfrm>
+          <a:prstGeom prst="rect">
+            <a:avLst/>
+          </a:prstGeom>
+          <a:noFill/>
+          <a:ln w="12700">
+            <a:solidFill>
+              <a:srgbClr val="000000"/>
+            </a:solidFill>
+          </a:ln>
+        </p:spPr>
+        <p:txBody>
+          <a:bodyPr wrap="square">
+            <a:noAutofit/>
+          </a:bodyPr>
+          <a:lstStyle/>
+          <a:p>
+            <a:pPr>
+              <a:defRPr sz="1600" u="sng">
+                <a:solidFill>
+                  <a:srgbClr val="008000"/>
+                </a:solidFill>
+              </a:defRPr>
+            </a:pPr>
+            <a:r>
+              <a:t>Cost Structure</a:t>
+            </a:r>
+          </a:p>
+          <a:p>
+            <a:pPr>
+              <a:defRPr sz="900"/>
+            </a:pPr>
+            <a:r>
+              <a:t>・エンジニアの給与</a:t>
+            </a:r>
+          </a:p>
+          <a:p>
+            <a:pPr>
+              <a:defRPr sz="900"/>
+            </a:pPr>
+            <a:r>
+              <a:t>・クラウドインフラストラクチャの維持費</a:t>
+            </a:r>
+          </a:p>
+          <a:p>
+            <a:pPr>
+              <a:defRPr sz="900"/>
+            </a:pPr>
+            <a:r>
+              <a:t>・マーケティングと営業のコスト</a:t>
+            </a:r>
+          </a:p>
+        </p:txBody>
+      </p:sp>
+      <p:sp>
+        <p:nvSpPr>
+          <p:cNvPr id="11" name="TextBox 10"/>
+          <p:cNvSpPr txBox="1"/>
+          <p:nvPr/>
+        </p:nvSpPr>
+        <p:spPr>
+          <a:xfrm>
+            <a:off x="7315200" y="5577840"/>
+            <a:ext cx="6858000" cy="2194560"/>
+          </a:xfrm>
+          <a:prstGeom prst="rect">
+            <a:avLst/>
+          </a:prstGeom>
+          <a:noFill/>
+          <a:ln w="12700">
+            <a:solidFill>
+              <a:srgbClr val="000000"/>
+            </a:solidFill>
+          </a:ln>
+        </p:spPr>
+        <p:txBody>
+          <a:bodyPr wrap="square">
+            <a:noAutofit/>
+          </a:bodyPr>
+          <a:lstStyle/>
+          <a:p>
+            <a:pPr>
+              <a:defRPr sz="1600" u="sng">
+                <a:solidFill>
+                  <a:srgbClr val="008000"/>
+                </a:solidFill>
+              </a:defRPr>
+            </a:pPr>
+            <a:r>
+              <a:t>Revenue Streams</a:t>
+            </a:r>
+          </a:p>
+          <a:p>
+            <a:pPr>
+              <a:defRPr sz="900"/>
+            </a:pPr>
+            <a:r>
+              <a:t>・ソフトウェアのサブスクリプション料</a:t>
+            </a:r>
+          </a:p>
+          <a:p>
+            <a:pPr>
+              <a:defRPr sz="900"/>
+            </a:pPr>
+            <a:r>
+              <a:t>・サポートとカスタマイズサービスの料金</a:t>
             </a:r>
           </a:p>
         </p:txBody>

--- a/sample.pptx
+++ b/sample.pptx
@@ -19,6 +19,8 @@
     <p:sldId id="267" r:id="rId18"/>
     <p:sldId id="268" r:id="rId19"/>
     <p:sldId id="269" r:id="rId20"/>
+    <p:sldId id="270" r:id="rId21"/>
+    <p:sldId id="271" r:id="rId22"/>
   </p:sldIdLst>
   <p:sldSz cx="14630400" cy="8229600" type="screen4x3"/>
   <p:notesSz cx="6858000" cy="9144000"/>
@@ -6595,6 +6597,1130 @@
             </a:pPr>
             <a:r>
               <a:t>・アドバタイジング収益</a:t>
+            </a:r>
+          </a:p>
+        </p:txBody>
+      </p:sp>
+    </p:spTree>
+  </p:cSld>
+  <p:clrMapOvr>
+    <a:masterClrMapping/>
+  </p:clrMapOvr>
+</p:sld>
+</file>
+
+<file path=ppt/slides/slide15.xml><?xml version="1.0" encoding="utf-8"?>
+<p:sld xmlns:a="http://schemas.openxmlformats.org/drawingml/2006/main" xmlns:p="http://schemas.openxmlformats.org/presentationml/2006/main" xmlns:r="http://schemas.openxmlformats.org/officeDocument/2006/relationships">
+  <p:cSld>
+    <p:spTree>
+      <p:nvGrpSpPr>
+        <p:cNvPr id="1" name=""/>
+        <p:cNvGrpSpPr/>
+        <p:nvPr/>
+      </p:nvGrpSpPr>
+      <p:grpSpPr/>
+      <p:sp>
+        <p:nvSpPr>
+          <p:cNvPr id="2" name="TextBox 1"/>
+          <p:cNvSpPr txBox="1"/>
+          <p:nvPr/>
+        </p:nvSpPr>
+        <p:spPr>
+          <a:xfrm>
+            <a:off x="457200" y="457200"/>
+            <a:ext cx="13258800" cy="457200"/>
+          </a:xfrm>
+          <a:prstGeom prst="rect">
+            <a:avLst/>
+          </a:prstGeom>
+          <a:noFill/>
+        </p:spPr>
+        <p:txBody>
+          <a:bodyPr wrap="none">
+            <a:spAutoFit/>
+          </a:bodyPr>
+          <a:lstStyle/>
+          <a:p/>
+          <a:p>
+            <a:pPr algn="ctr">
+              <a:defRPr sz="2000"/>
+            </a:pPr>
+            <a:r>
+              <a:t>Tesla (2003-07-01)</a:t>
+            </a:r>
+          </a:p>
+        </p:txBody>
+      </p:sp>
+      <p:sp>
+        <p:nvSpPr>
+          <p:cNvPr id="3" name="TextBox 2"/>
+          <p:cNvSpPr txBox="1"/>
+          <p:nvPr/>
+        </p:nvSpPr>
+        <p:spPr>
+          <a:xfrm>
+            <a:off x="457200" y="1188720"/>
+            <a:ext cx="2743200" cy="4389120"/>
+          </a:xfrm>
+          <a:prstGeom prst="rect">
+            <a:avLst/>
+          </a:prstGeom>
+          <a:noFill/>
+          <a:ln w="12700">
+            <a:solidFill>
+              <a:srgbClr val="000000"/>
+            </a:solidFill>
+          </a:ln>
+        </p:spPr>
+        <p:txBody>
+          <a:bodyPr wrap="square">
+            <a:noAutofit/>
+          </a:bodyPr>
+          <a:lstStyle/>
+          <a:p>
+            <a:pPr>
+              <a:defRPr sz="1600" u="sng">
+                <a:solidFill>
+                  <a:srgbClr val="008000"/>
+                </a:solidFill>
+              </a:defRPr>
+            </a:pPr>
+            <a:r>
+              <a:t>Problem</a:t>
+            </a:r>
+          </a:p>
+          <a:p>
+            <a:pPr>
+              <a:defRPr sz="900"/>
+            </a:pPr>
+            <a:r>
+              <a:t>・石油依存の高い車両業界</a:t>
+            </a:r>
+          </a:p>
+          <a:p>
+            <a:pPr>
+              <a:defRPr sz="900"/>
+            </a:pPr>
+            <a:r>
+              <a:t>・環境への悪影響</a:t>
+            </a:r>
+          </a:p>
+        </p:txBody>
+      </p:sp>
+      <p:sp>
+        <p:nvSpPr>
+          <p:cNvPr id="4" name="TextBox 3"/>
+          <p:cNvSpPr txBox="1"/>
+          <p:nvPr/>
+        </p:nvSpPr>
+        <p:spPr>
+          <a:xfrm>
+            <a:off x="3200400" y="1188720"/>
+            <a:ext cx="2743200" cy="2194560"/>
+          </a:xfrm>
+          <a:prstGeom prst="rect">
+            <a:avLst/>
+          </a:prstGeom>
+          <a:noFill/>
+          <a:ln w="12700">
+            <a:solidFill>
+              <a:srgbClr val="000000"/>
+            </a:solidFill>
+          </a:ln>
+        </p:spPr>
+        <p:txBody>
+          <a:bodyPr wrap="square">
+            <a:noAutofit/>
+          </a:bodyPr>
+          <a:lstStyle/>
+          <a:p>
+            <a:pPr>
+              <a:defRPr sz="1600" u="sng">
+                <a:solidFill>
+                  <a:srgbClr val="008000"/>
+                </a:solidFill>
+              </a:defRPr>
+            </a:pPr>
+            <a:r>
+              <a:t>Solution</a:t>
+            </a:r>
+          </a:p>
+          <a:p>
+            <a:pPr>
+              <a:defRPr sz="900"/>
+            </a:pPr>
+            <a:r>
+              <a:t>・高性能で環境に優しい電気自動車の製造</a:t>
+            </a:r>
+          </a:p>
+          <a:p>
+            <a:pPr>
+              <a:defRPr sz="900"/>
+            </a:pPr>
+            <a:r>
+              <a:t>・電池技術の革新</a:t>
+            </a:r>
+          </a:p>
+        </p:txBody>
+      </p:sp>
+      <p:sp>
+        <p:nvSpPr>
+          <p:cNvPr id="5" name="TextBox 4"/>
+          <p:cNvSpPr txBox="1"/>
+          <p:nvPr/>
+        </p:nvSpPr>
+        <p:spPr>
+          <a:xfrm>
+            <a:off x="3200400" y="3383280"/>
+            <a:ext cx="2743200" cy="2194560"/>
+          </a:xfrm>
+          <a:prstGeom prst="rect">
+            <a:avLst/>
+          </a:prstGeom>
+          <a:noFill/>
+          <a:ln w="12700">
+            <a:solidFill>
+              <a:srgbClr val="000000"/>
+            </a:solidFill>
+          </a:ln>
+        </p:spPr>
+        <p:txBody>
+          <a:bodyPr wrap="square">
+            <a:noAutofit/>
+          </a:bodyPr>
+          <a:lstStyle/>
+          <a:p>
+            <a:pPr>
+              <a:defRPr sz="1600" u="sng">
+                <a:solidFill>
+                  <a:srgbClr val="008000"/>
+                </a:solidFill>
+              </a:defRPr>
+            </a:pPr>
+            <a:r>
+              <a:t>Key Metrics</a:t>
+            </a:r>
+          </a:p>
+          <a:p>
+            <a:pPr>
+              <a:defRPr sz="900"/>
+            </a:pPr>
+            <a:r>
+              <a:t>・販売台数</a:t>
+            </a:r>
+          </a:p>
+          <a:p>
+            <a:pPr>
+              <a:defRPr sz="900"/>
+            </a:pPr>
+            <a:r>
+              <a:t>・ブランド認知度</a:t>
+            </a:r>
+          </a:p>
+          <a:p>
+            <a:pPr>
+              <a:defRPr sz="900"/>
+            </a:pPr>
+            <a:r>
+              <a:t>・収益</a:t>
+            </a:r>
+          </a:p>
+        </p:txBody>
+      </p:sp>
+      <p:sp>
+        <p:nvSpPr>
+          <p:cNvPr id="6" name="TextBox 5"/>
+          <p:cNvSpPr txBox="1"/>
+          <p:nvPr/>
+        </p:nvSpPr>
+        <p:spPr>
+          <a:xfrm>
+            <a:off x="5943600" y="1188720"/>
+            <a:ext cx="2743200" cy="4389120"/>
+          </a:xfrm>
+          <a:prstGeom prst="rect">
+            <a:avLst/>
+          </a:prstGeom>
+          <a:noFill/>
+          <a:ln w="12700">
+            <a:solidFill>
+              <a:srgbClr val="000000"/>
+            </a:solidFill>
+          </a:ln>
+        </p:spPr>
+        <p:txBody>
+          <a:bodyPr wrap="square">
+            <a:noAutofit/>
+          </a:bodyPr>
+          <a:lstStyle/>
+          <a:p>
+            <a:pPr>
+              <a:defRPr sz="1600" u="sng">
+                <a:solidFill>
+                  <a:srgbClr val="008000"/>
+                </a:solidFill>
+              </a:defRPr>
+            </a:pPr>
+            <a:r>
+              <a:t>Unique Value Proposition</a:t>
+            </a:r>
+          </a:p>
+          <a:p>
+            <a:pPr>
+              <a:defRPr sz="900"/>
+            </a:pPr>
+            <a:r>
+              <a:t>・高速で持続可能なエネルギー解決策</a:t>
+            </a:r>
+          </a:p>
+        </p:txBody>
+      </p:sp>
+      <p:sp>
+        <p:nvSpPr>
+          <p:cNvPr id="7" name="TextBox 6"/>
+          <p:cNvSpPr txBox="1"/>
+          <p:nvPr/>
+        </p:nvSpPr>
+        <p:spPr>
+          <a:xfrm>
+            <a:off x="8686800" y="1188720"/>
+            <a:ext cx="2743200" cy="2194560"/>
+          </a:xfrm>
+          <a:prstGeom prst="rect">
+            <a:avLst/>
+          </a:prstGeom>
+          <a:noFill/>
+          <a:ln w="12700">
+            <a:solidFill>
+              <a:srgbClr val="000000"/>
+            </a:solidFill>
+          </a:ln>
+        </p:spPr>
+        <p:txBody>
+          <a:bodyPr wrap="square">
+            <a:noAutofit/>
+          </a:bodyPr>
+          <a:lstStyle/>
+          <a:p>
+            <a:pPr>
+              <a:defRPr sz="1600" u="sng">
+                <a:solidFill>
+                  <a:srgbClr val="008000"/>
+                </a:solidFill>
+              </a:defRPr>
+            </a:pPr>
+            <a:r>
+              <a:t>Unfair Advantage</a:t>
+            </a:r>
+          </a:p>
+          <a:p>
+            <a:pPr>
+              <a:defRPr sz="900"/>
+            </a:pPr>
+            <a:r>
+              <a:t>・ブランド認知度とイノベーション</a:t>
+            </a:r>
+          </a:p>
+          <a:p>
+            <a:pPr>
+              <a:defRPr sz="900"/>
+            </a:pPr>
+            <a:r>
+              <a:t>・先進的なバッテリーテクノロジー</a:t>
+            </a:r>
+          </a:p>
+        </p:txBody>
+      </p:sp>
+      <p:sp>
+        <p:nvSpPr>
+          <p:cNvPr id="8" name="TextBox 7"/>
+          <p:cNvSpPr txBox="1"/>
+          <p:nvPr/>
+        </p:nvSpPr>
+        <p:spPr>
+          <a:xfrm>
+            <a:off x="8686800" y="3383280"/>
+            <a:ext cx="2743200" cy="2194560"/>
+          </a:xfrm>
+          <a:prstGeom prst="rect">
+            <a:avLst/>
+          </a:prstGeom>
+          <a:noFill/>
+          <a:ln w="12700">
+            <a:solidFill>
+              <a:srgbClr val="000000"/>
+            </a:solidFill>
+          </a:ln>
+        </p:spPr>
+        <p:txBody>
+          <a:bodyPr wrap="square">
+            <a:noAutofit/>
+          </a:bodyPr>
+          <a:lstStyle/>
+          <a:p>
+            <a:pPr>
+              <a:defRPr sz="1600" u="sng">
+                <a:solidFill>
+                  <a:srgbClr val="008000"/>
+                </a:solidFill>
+              </a:defRPr>
+            </a:pPr>
+            <a:r>
+              <a:t>Channels</a:t>
+            </a:r>
+          </a:p>
+          <a:p>
+            <a:pPr>
+              <a:defRPr sz="900"/>
+            </a:pPr>
+            <a:r>
+              <a:t>・直接販売店</a:t>
+            </a:r>
+          </a:p>
+          <a:p>
+            <a:pPr>
+              <a:defRPr sz="900"/>
+            </a:pPr>
+            <a:r>
+              <a:t>・オンライン販売</a:t>
+            </a:r>
+          </a:p>
+        </p:txBody>
+      </p:sp>
+      <p:sp>
+        <p:nvSpPr>
+          <p:cNvPr id="9" name="TextBox 8"/>
+          <p:cNvSpPr txBox="1"/>
+          <p:nvPr/>
+        </p:nvSpPr>
+        <p:spPr>
+          <a:xfrm>
+            <a:off x="11430000" y="1188720"/>
+            <a:ext cx="2743200" cy="4389120"/>
+          </a:xfrm>
+          <a:prstGeom prst="rect">
+            <a:avLst/>
+          </a:prstGeom>
+          <a:noFill/>
+          <a:ln w="12700">
+            <a:solidFill>
+              <a:srgbClr val="000000"/>
+            </a:solidFill>
+          </a:ln>
+        </p:spPr>
+        <p:txBody>
+          <a:bodyPr wrap="square">
+            <a:noAutofit/>
+          </a:bodyPr>
+          <a:lstStyle/>
+          <a:p>
+            <a:pPr>
+              <a:defRPr sz="1600" u="sng">
+                <a:solidFill>
+                  <a:srgbClr val="008000"/>
+                </a:solidFill>
+              </a:defRPr>
+            </a:pPr>
+            <a:r>
+              <a:t>Customer Segments</a:t>
+            </a:r>
+          </a:p>
+          <a:p>
+            <a:pPr>
+              <a:defRPr sz="900"/>
+            </a:pPr>
+            <a:r>
+              <a:t>・環境に配慮した消費者</a:t>
+            </a:r>
+          </a:p>
+          <a:p>
+            <a:pPr>
+              <a:defRPr sz="900"/>
+            </a:pPr>
+            <a:r>
+              <a:t>・プレミアムセグメントの自動車購入者</a:t>
+            </a:r>
+          </a:p>
+        </p:txBody>
+      </p:sp>
+      <p:sp>
+        <p:nvSpPr>
+          <p:cNvPr id="10" name="TextBox 9"/>
+          <p:cNvSpPr txBox="1"/>
+          <p:nvPr/>
+        </p:nvSpPr>
+        <p:spPr>
+          <a:xfrm>
+            <a:off x="457200" y="5577840"/>
+            <a:ext cx="6858000" cy="2194560"/>
+          </a:xfrm>
+          <a:prstGeom prst="rect">
+            <a:avLst/>
+          </a:prstGeom>
+          <a:noFill/>
+          <a:ln w="12700">
+            <a:solidFill>
+              <a:srgbClr val="000000"/>
+            </a:solidFill>
+          </a:ln>
+        </p:spPr>
+        <p:txBody>
+          <a:bodyPr wrap="square">
+            <a:noAutofit/>
+          </a:bodyPr>
+          <a:lstStyle/>
+          <a:p>
+            <a:pPr>
+              <a:defRPr sz="1600" u="sng">
+                <a:solidFill>
+                  <a:srgbClr val="008000"/>
+                </a:solidFill>
+              </a:defRPr>
+            </a:pPr>
+            <a:r>
+              <a:t>Cost Structure</a:t>
+            </a:r>
+          </a:p>
+          <a:p>
+            <a:pPr>
+              <a:defRPr sz="900"/>
+            </a:pPr>
+            <a:r>
+              <a:t>・製造コスト</a:t>
+            </a:r>
+          </a:p>
+          <a:p>
+            <a:pPr>
+              <a:defRPr sz="900"/>
+            </a:pPr>
+            <a:r>
+              <a:t>・研究開発</a:t>
+            </a:r>
+          </a:p>
+          <a:p>
+            <a:pPr>
+              <a:defRPr sz="900"/>
+            </a:pPr>
+            <a:r>
+              <a:t>・営業及び管理費用</a:t>
+            </a:r>
+          </a:p>
+        </p:txBody>
+      </p:sp>
+      <p:sp>
+        <p:nvSpPr>
+          <p:cNvPr id="11" name="TextBox 10"/>
+          <p:cNvSpPr txBox="1"/>
+          <p:nvPr/>
+        </p:nvSpPr>
+        <p:spPr>
+          <a:xfrm>
+            <a:off x="7315200" y="5577840"/>
+            <a:ext cx="6858000" cy="2194560"/>
+          </a:xfrm>
+          <a:prstGeom prst="rect">
+            <a:avLst/>
+          </a:prstGeom>
+          <a:noFill/>
+          <a:ln w="12700">
+            <a:solidFill>
+              <a:srgbClr val="000000"/>
+            </a:solidFill>
+          </a:ln>
+        </p:spPr>
+        <p:txBody>
+          <a:bodyPr wrap="square">
+            <a:noAutofit/>
+          </a:bodyPr>
+          <a:lstStyle/>
+          <a:p>
+            <a:pPr>
+              <a:defRPr sz="1600" u="sng">
+                <a:solidFill>
+                  <a:srgbClr val="008000"/>
+                </a:solidFill>
+              </a:defRPr>
+            </a:pPr>
+            <a:r>
+              <a:t>Revenue Streams</a:t>
+            </a:r>
+          </a:p>
+          <a:p>
+            <a:pPr>
+              <a:defRPr sz="900"/>
+            </a:pPr>
+            <a:r>
+              <a:t>・車両販売</a:t>
+            </a:r>
+          </a:p>
+          <a:p>
+            <a:pPr>
+              <a:defRPr sz="900"/>
+            </a:pPr>
+            <a:r>
+              <a:t>・サービスと付属品</a:t>
+            </a:r>
+          </a:p>
+        </p:txBody>
+      </p:sp>
+    </p:spTree>
+  </p:cSld>
+  <p:clrMapOvr>
+    <a:masterClrMapping/>
+  </p:clrMapOvr>
+</p:sld>
+</file>
+
+<file path=ppt/slides/slide16.xml><?xml version="1.0" encoding="utf-8"?>
+<p:sld xmlns:a="http://schemas.openxmlformats.org/drawingml/2006/main" xmlns:p="http://schemas.openxmlformats.org/presentationml/2006/main" xmlns:r="http://schemas.openxmlformats.org/officeDocument/2006/relationships">
+  <p:cSld>
+    <p:spTree>
+      <p:nvGrpSpPr>
+        <p:cNvPr id="1" name=""/>
+        <p:cNvGrpSpPr/>
+        <p:nvPr/>
+      </p:nvGrpSpPr>
+      <p:grpSpPr/>
+      <p:sp>
+        <p:nvSpPr>
+          <p:cNvPr id="2" name="TextBox 1"/>
+          <p:cNvSpPr txBox="1"/>
+          <p:nvPr/>
+        </p:nvSpPr>
+        <p:spPr>
+          <a:xfrm>
+            <a:off x="457200" y="457200"/>
+            <a:ext cx="13258800" cy="457200"/>
+          </a:xfrm>
+          <a:prstGeom prst="rect">
+            <a:avLst/>
+          </a:prstGeom>
+          <a:noFill/>
+        </p:spPr>
+        <p:txBody>
+          <a:bodyPr wrap="none">
+            <a:spAutoFit/>
+          </a:bodyPr>
+          <a:lstStyle/>
+          <a:p/>
+          <a:p>
+            <a:pPr algn="ctr">
+              <a:defRPr sz="2000"/>
+            </a:pPr>
+            <a:r>
+              <a:t>SpaceX (2002-03-14)</a:t>
+            </a:r>
+          </a:p>
+        </p:txBody>
+      </p:sp>
+      <p:sp>
+        <p:nvSpPr>
+          <p:cNvPr id="3" name="TextBox 2"/>
+          <p:cNvSpPr txBox="1"/>
+          <p:nvPr/>
+        </p:nvSpPr>
+        <p:spPr>
+          <a:xfrm>
+            <a:off x="457200" y="1188720"/>
+            <a:ext cx="2743200" cy="4389120"/>
+          </a:xfrm>
+          <a:prstGeom prst="rect">
+            <a:avLst/>
+          </a:prstGeom>
+          <a:noFill/>
+          <a:ln w="12700">
+            <a:solidFill>
+              <a:srgbClr val="000000"/>
+            </a:solidFill>
+          </a:ln>
+        </p:spPr>
+        <p:txBody>
+          <a:bodyPr wrap="square">
+            <a:noAutofit/>
+          </a:bodyPr>
+          <a:lstStyle/>
+          <a:p>
+            <a:pPr>
+              <a:defRPr sz="1600" u="sng">
+                <a:solidFill>
+                  <a:srgbClr val="008000"/>
+                </a:solidFill>
+              </a:defRPr>
+            </a:pPr>
+            <a:r>
+              <a:t>Problem</a:t>
+            </a:r>
+          </a:p>
+          <a:p>
+            <a:pPr>
+              <a:defRPr sz="900"/>
+            </a:pPr>
+            <a:r>
+              <a:t>・高コストの宇宙探査</a:t>
+            </a:r>
+          </a:p>
+          <a:p>
+            <a:pPr>
+              <a:defRPr sz="900"/>
+            </a:pPr>
+            <a:r>
+              <a:t>・再利用不可能なロケット</a:t>
+            </a:r>
+          </a:p>
+        </p:txBody>
+      </p:sp>
+      <p:sp>
+        <p:nvSpPr>
+          <p:cNvPr id="4" name="TextBox 3"/>
+          <p:cNvSpPr txBox="1"/>
+          <p:nvPr/>
+        </p:nvSpPr>
+        <p:spPr>
+          <a:xfrm>
+            <a:off x="3200400" y="1188720"/>
+            <a:ext cx="2743200" cy="2194560"/>
+          </a:xfrm>
+          <a:prstGeom prst="rect">
+            <a:avLst/>
+          </a:prstGeom>
+          <a:noFill/>
+          <a:ln w="12700">
+            <a:solidFill>
+              <a:srgbClr val="000000"/>
+            </a:solidFill>
+          </a:ln>
+        </p:spPr>
+        <p:txBody>
+          <a:bodyPr wrap="square">
+            <a:noAutofit/>
+          </a:bodyPr>
+          <a:lstStyle/>
+          <a:p>
+            <a:pPr>
+              <a:defRPr sz="1600" u="sng">
+                <a:solidFill>
+                  <a:srgbClr val="008000"/>
+                </a:solidFill>
+              </a:defRPr>
+            </a:pPr>
+            <a:r>
+              <a:t>Solution</a:t>
+            </a:r>
+          </a:p>
+          <a:p>
+            <a:pPr>
+              <a:defRPr sz="900"/>
+            </a:pPr>
+            <a:r>
+              <a:t>・再利用可能なロケットの開発</a:t>
+            </a:r>
+          </a:p>
+          <a:p>
+            <a:pPr>
+              <a:defRPr sz="900"/>
+            </a:pPr>
+            <a:r>
+              <a:t>・低コストの宇宙旅行の実現</a:t>
+            </a:r>
+          </a:p>
+        </p:txBody>
+      </p:sp>
+      <p:sp>
+        <p:nvSpPr>
+          <p:cNvPr id="5" name="TextBox 4"/>
+          <p:cNvSpPr txBox="1"/>
+          <p:nvPr/>
+        </p:nvSpPr>
+        <p:spPr>
+          <a:xfrm>
+            <a:off x="3200400" y="3383280"/>
+            <a:ext cx="2743200" cy="2194560"/>
+          </a:xfrm>
+          <a:prstGeom prst="rect">
+            <a:avLst/>
+          </a:prstGeom>
+          <a:noFill/>
+          <a:ln w="12700">
+            <a:solidFill>
+              <a:srgbClr val="000000"/>
+            </a:solidFill>
+          </a:ln>
+        </p:spPr>
+        <p:txBody>
+          <a:bodyPr wrap="square">
+            <a:noAutofit/>
+          </a:bodyPr>
+          <a:lstStyle/>
+          <a:p>
+            <a:pPr>
+              <a:defRPr sz="1600" u="sng">
+                <a:solidFill>
+                  <a:srgbClr val="008000"/>
+                </a:solidFill>
+              </a:defRPr>
+            </a:pPr>
+            <a:r>
+              <a:t>Key Metrics</a:t>
+            </a:r>
+          </a:p>
+          <a:p>
+            <a:pPr>
+              <a:defRPr sz="900"/>
+            </a:pPr>
+            <a:r>
+              <a:t>・打ち上げ数</a:t>
+            </a:r>
+          </a:p>
+          <a:p>
+            <a:pPr>
+              <a:defRPr sz="900"/>
+            </a:pPr>
+            <a:r>
+              <a:t>・再利用ロケットの成功回数</a:t>
+            </a:r>
+          </a:p>
+          <a:p>
+            <a:pPr>
+              <a:defRPr sz="900"/>
+            </a:pPr>
+            <a:r>
+              <a:t>・契約数</a:t>
+            </a:r>
+          </a:p>
+        </p:txBody>
+      </p:sp>
+      <p:sp>
+        <p:nvSpPr>
+          <p:cNvPr id="6" name="TextBox 5"/>
+          <p:cNvSpPr txBox="1"/>
+          <p:nvPr/>
+        </p:nvSpPr>
+        <p:spPr>
+          <a:xfrm>
+            <a:off x="5943600" y="1188720"/>
+            <a:ext cx="2743200" cy="4389120"/>
+          </a:xfrm>
+          <a:prstGeom prst="rect">
+            <a:avLst/>
+          </a:prstGeom>
+          <a:noFill/>
+          <a:ln w="12700">
+            <a:solidFill>
+              <a:srgbClr val="000000"/>
+            </a:solidFill>
+          </a:ln>
+        </p:spPr>
+        <p:txBody>
+          <a:bodyPr wrap="square">
+            <a:noAutofit/>
+          </a:bodyPr>
+          <a:lstStyle/>
+          <a:p>
+            <a:pPr>
+              <a:defRPr sz="1600" u="sng">
+                <a:solidFill>
+                  <a:srgbClr val="008000"/>
+                </a:solidFill>
+              </a:defRPr>
+            </a:pPr>
+            <a:r>
+              <a:t>Unique Value Proposition</a:t>
+            </a:r>
+          </a:p>
+          <a:p>
+            <a:pPr>
+              <a:defRPr sz="900"/>
+            </a:pPr>
+            <a:r>
+              <a:t>・人類が宇宙を探査し、他の惑星に住むことを可能にする</a:t>
+            </a:r>
+          </a:p>
+        </p:txBody>
+      </p:sp>
+      <p:sp>
+        <p:nvSpPr>
+          <p:cNvPr id="7" name="TextBox 6"/>
+          <p:cNvSpPr txBox="1"/>
+          <p:nvPr/>
+        </p:nvSpPr>
+        <p:spPr>
+          <a:xfrm>
+            <a:off x="8686800" y="1188720"/>
+            <a:ext cx="2743200" cy="2194560"/>
+          </a:xfrm>
+          <a:prstGeom prst="rect">
+            <a:avLst/>
+          </a:prstGeom>
+          <a:noFill/>
+          <a:ln w="12700">
+            <a:solidFill>
+              <a:srgbClr val="000000"/>
+            </a:solidFill>
+          </a:ln>
+        </p:spPr>
+        <p:txBody>
+          <a:bodyPr wrap="square">
+            <a:noAutofit/>
+          </a:bodyPr>
+          <a:lstStyle/>
+          <a:p>
+            <a:pPr>
+              <a:defRPr sz="1600" u="sng">
+                <a:solidFill>
+                  <a:srgbClr val="008000"/>
+                </a:solidFill>
+              </a:defRPr>
+            </a:pPr>
+            <a:r>
+              <a:t>Unfair Advantage</a:t>
+            </a:r>
+          </a:p>
+          <a:p>
+            <a:pPr>
+              <a:defRPr sz="900"/>
+            </a:pPr>
+            <a:r>
+              <a:t>・再利用可能なロケット技術</a:t>
+            </a:r>
+          </a:p>
+          <a:p>
+            <a:pPr>
+              <a:defRPr sz="900"/>
+            </a:pPr>
+            <a:r>
+              <a:t>・強力なブランドとイノベーション</a:t>
+            </a:r>
+          </a:p>
+        </p:txBody>
+      </p:sp>
+      <p:sp>
+        <p:nvSpPr>
+          <p:cNvPr id="8" name="TextBox 7"/>
+          <p:cNvSpPr txBox="1"/>
+          <p:nvPr/>
+        </p:nvSpPr>
+        <p:spPr>
+          <a:xfrm>
+            <a:off x="8686800" y="3383280"/>
+            <a:ext cx="2743200" cy="2194560"/>
+          </a:xfrm>
+          <a:prstGeom prst="rect">
+            <a:avLst/>
+          </a:prstGeom>
+          <a:noFill/>
+          <a:ln w="12700">
+            <a:solidFill>
+              <a:srgbClr val="000000"/>
+            </a:solidFill>
+          </a:ln>
+        </p:spPr>
+        <p:txBody>
+          <a:bodyPr wrap="square">
+            <a:noAutofit/>
+          </a:bodyPr>
+          <a:lstStyle/>
+          <a:p>
+            <a:pPr>
+              <a:defRPr sz="1600" u="sng">
+                <a:solidFill>
+                  <a:srgbClr val="008000"/>
+                </a:solidFill>
+              </a:defRPr>
+            </a:pPr>
+            <a:r>
+              <a:t>Channels</a:t>
+            </a:r>
+          </a:p>
+          <a:p>
+            <a:pPr>
+              <a:defRPr sz="900"/>
+            </a:pPr>
+            <a:r>
+              <a:t>・政府との契約</a:t>
+            </a:r>
+          </a:p>
+          <a:p>
+            <a:pPr>
+              <a:defRPr sz="900"/>
+            </a:pPr>
+            <a:r>
+              <a:t>・商業打ち上げ契約</a:t>
+            </a:r>
+          </a:p>
+        </p:txBody>
+      </p:sp>
+      <p:sp>
+        <p:nvSpPr>
+          <p:cNvPr id="9" name="TextBox 8"/>
+          <p:cNvSpPr txBox="1"/>
+          <p:nvPr/>
+        </p:nvSpPr>
+        <p:spPr>
+          <a:xfrm>
+            <a:off x="11430000" y="1188720"/>
+            <a:ext cx="2743200" cy="4389120"/>
+          </a:xfrm>
+          <a:prstGeom prst="rect">
+            <a:avLst/>
+          </a:prstGeom>
+          <a:noFill/>
+          <a:ln w="12700">
+            <a:solidFill>
+              <a:srgbClr val="000000"/>
+            </a:solidFill>
+          </a:ln>
+        </p:spPr>
+        <p:txBody>
+          <a:bodyPr wrap="square">
+            <a:noAutofit/>
+          </a:bodyPr>
+          <a:lstStyle/>
+          <a:p>
+            <a:pPr>
+              <a:defRPr sz="1600" u="sng">
+                <a:solidFill>
+                  <a:srgbClr val="008000"/>
+                </a:solidFill>
+              </a:defRPr>
+            </a:pPr>
+            <a:r>
+              <a:t>Customer Segments</a:t>
+            </a:r>
+          </a:p>
+          <a:p>
+            <a:pPr>
+              <a:defRPr sz="900"/>
+            </a:pPr>
+            <a:r>
+              <a:t>・政府機関</a:t>
+            </a:r>
+          </a:p>
+          <a:p>
+            <a:pPr>
+              <a:defRPr sz="900"/>
+            </a:pPr>
+            <a:r>
+              <a:t>・衛星会社</a:t>
+            </a:r>
+          </a:p>
+        </p:txBody>
+      </p:sp>
+      <p:sp>
+        <p:nvSpPr>
+          <p:cNvPr id="10" name="TextBox 9"/>
+          <p:cNvSpPr txBox="1"/>
+          <p:nvPr/>
+        </p:nvSpPr>
+        <p:spPr>
+          <a:xfrm>
+            <a:off x="457200" y="5577840"/>
+            <a:ext cx="6858000" cy="2194560"/>
+          </a:xfrm>
+          <a:prstGeom prst="rect">
+            <a:avLst/>
+          </a:prstGeom>
+          <a:noFill/>
+          <a:ln w="12700">
+            <a:solidFill>
+              <a:srgbClr val="000000"/>
+            </a:solidFill>
+          </a:ln>
+        </p:spPr>
+        <p:txBody>
+          <a:bodyPr wrap="square">
+            <a:noAutofit/>
+          </a:bodyPr>
+          <a:lstStyle/>
+          <a:p>
+            <a:pPr>
+              <a:defRPr sz="1600" u="sng">
+                <a:solidFill>
+                  <a:srgbClr val="008000"/>
+                </a:solidFill>
+              </a:defRPr>
+            </a:pPr>
+            <a:r>
+              <a:t>Cost Structure</a:t>
+            </a:r>
+          </a:p>
+          <a:p>
+            <a:pPr>
+              <a:defRPr sz="900"/>
+            </a:pPr>
+            <a:r>
+              <a:t>・ロケットの開発と製造</a:t>
+            </a:r>
+          </a:p>
+          <a:p>
+            <a:pPr>
+              <a:defRPr sz="900"/>
+            </a:pPr>
+            <a:r>
+              <a:t>・打ち上げ費用</a:t>
+            </a:r>
+          </a:p>
+          <a:p>
+            <a:pPr>
+              <a:defRPr sz="900"/>
+            </a:pPr>
+            <a:r>
+              <a:t>・研究開発</a:t>
+            </a:r>
+          </a:p>
+        </p:txBody>
+      </p:sp>
+      <p:sp>
+        <p:nvSpPr>
+          <p:cNvPr id="11" name="TextBox 10"/>
+          <p:cNvSpPr txBox="1"/>
+          <p:nvPr/>
+        </p:nvSpPr>
+        <p:spPr>
+          <a:xfrm>
+            <a:off x="7315200" y="5577840"/>
+            <a:ext cx="6858000" cy="2194560"/>
+          </a:xfrm>
+          <a:prstGeom prst="rect">
+            <a:avLst/>
+          </a:prstGeom>
+          <a:noFill/>
+          <a:ln w="12700">
+            <a:solidFill>
+              <a:srgbClr val="000000"/>
+            </a:solidFill>
+          </a:ln>
+        </p:spPr>
+        <p:txBody>
+          <a:bodyPr wrap="square">
+            <a:noAutofit/>
+          </a:bodyPr>
+          <a:lstStyle/>
+          <a:p>
+            <a:pPr>
+              <a:defRPr sz="1600" u="sng">
+                <a:solidFill>
+                  <a:srgbClr val="008000"/>
+                </a:solidFill>
+              </a:defRPr>
+            </a:pPr>
+            <a:r>
+              <a:t>Revenue Streams</a:t>
+            </a:r>
+          </a:p>
+          <a:p>
+            <a:pPr>
+              <a:defRPr sz="900"/>
+            </a:pPr>
+            <a:r>
+              <a:t>・打ち上げ契約</a:t>
+            </a:r>
+          </a:p>
+          <a:p>
+            <a:pPr>
+              <a:defRPr sz="900"/>
+            </a:pPr>
+            <a:r>
+              <a:t>・宇宙旅行の収入</a:t>
             </a:r>
           </a:p>
         </p:txBody>

--- a/sample.pptx
+++ b/sample.pptx
@@ -3112,7 +3112,7 @@
         <p:spPr>
           <a:xfrm>
             <a:off x="457200" y="457200"/>
-            <a:ext cx="13258800" cy="457200"/>
+            <a:ext cx="11887200" cy="457200"/>
           </a:xfrm>
           <a:prstGeom prst="rect">
             <a:avLst/>
@@ -3126,11 +3126,11 @@
           <a:lstStyle/>
           <a:p/>
           <a:p>
-            <a:pPr algn="ctr">
+            <a:pPr algn="l">
               <a:defRPr sz="2000"/>
             </a:pPr>
             <a:r>
-              <a:t>Google (at the beginning) (1998-09-04)</a:t>
+              <a:t>Google (at the beginning)</a:t>
             </a:r>
           </a:p>
         </p:txBody>
@@ -3138,6 +3138,38 @@
       <p:sp>
         <p:nvSpPr>
           <p:cNvPr id="3" name="TextBox 2"/>
+          <p:cNvSpPr txBox="1"/>
+          <p:nvPr/>
+        </p:nvSpPr>
+        <p:spPr>
+          <a:xfrm>
+            <a:off x="12801600" y="457200"/>
+            <a:ext cx="914400" cy="457200"/>
+          </a:xfrm>
+          <a:prstGeom prst="rect">
+            <a:avLst/>
+          </a:prstGeom>
+          <a:noFill/>
+        </p:spPr>
+        <p:txBody>
+          <a:bodyPr wrap="none">
+            <a:spAutoFit/>
+          </a:bodyPr>
+          <a:lstStyle/>
+          <a:p/>
+          <a:p>
+            <a:pPr algn="r">
+              <a:defRPr sz="2000"/>
+            </a:pPr>
+            <a:r>
+              <a:t>1998-09-04</a:t>
+            </a:r>
+          </a:p>
+        </p:txBody>
+      </p:sp>
+      <p:sp>
+        <p:nvSpPr>
+          <p:cNvPr id="4" name="TextBox 3"/>
           <p:cNvSpPr txBox="1"/>
           <p:nvPr/>
         </p:nvSpPr>
@@ -3201,7 +3233,7 @@
       </p:sp>
       <p:sp>
         <p:nvSpPr>
-          <p:cNvPr id="4" name="TextBox 3"/>
+          <p:cNvPr id="5" name="TextBox 4"/>
           <p:cNvSpPr txBox="1"/>
           <p:nvPr/>
         </p:nvSpPr>
@@ -3265,7 +3297,7 @@
       </p:sp>
       <p:sp>
         <p:nvSpPr>
-          <p:cNvPr id="5" name="TextBox 4"/>
+          <p:cNvPr id="6" name="TextBox 5"/>
           <p:cNvSpPr txBox="1"/>
           <p:nvPr/>
         </p:nvSpPr>
@@ -3329,7 +3361,7 @@
       </p:sp>
       <p:sp>
         <p:nvSpPr>
-          <p:cNvPr id="6" name="TextBox 5"/>
+          <p:cNvPr id="7" name="TextBox 6"/>
           <p:cNvSpPr txBox="1"/>
           <p:nvPr/>
         </p:nvSpPr>
@@ -3385,7 +3417,7 @@
       </p:sp>
       <p:sp>
         <p:nvSpPr>
-          <p:cNvPr id="7" name="TextBox 6"/>
+          <p:cNvPr id="8" name="TextBox 7"/>
           <p:cNvSpPr txBox="1"/>
           <p:nvPr/>
         </p:nvSpPr>
@@ -3441,7 +3473,7 @@
       </p:sp>
       <p:sp>
         <p:nvSpPr>
-          <p:cNvPr id="8" name="TextBox 7"/>
+          <p:cNvPr id="9" name="TextBox 8"/>
           <p:cNvSpPr txBox="1"/>
           <p:nvPr/>
         </p:nvSpPr>
@@ -3505,7 +3537,7 @@
       </p:sp>
       <p:sp>
         <p:nvSpPr>
-          <p:cNvPr id="9" name="TextBox 8"/>
+          <p:cNvPr id="10" name="TextBox 9"/>
           <p:cNvSpPr txBox="1"/>
           <p:nvPr/>
         </p:nvSpPr>
@@ -3561,7 +3593,7 @@
       </p:sp>
       <p:sp>
         <p:nvSpPr>
-          <p:cNvPr id="10" name="TextBox 9"/>
+          <p:cNvPr id="11" name="TextBox 10"/>
           <p:cNvSpPr txBox="1"/>
           <p:nvPr/>
         </p:nvSpPr>
@@ -3625,7 +3657,7 @@
       </p:sp>
       <p:sp>
         <p:nvSpPr>
-          <p:cNvPr id="11" name="TextBox 10"/>
+          <p:cNvPr id="12" name="TextBox 11"/>
           <p:cNvSpPr txBox="1"/>
           <p:nvPr/>
         </p:nvSpPr>
@@ -3698,7 +3730,7 @@
         <p:spPr>
           <a:xfrm>
             <a:off x="457200" y="457200"/>
-            <a:ext cx="13258800" cy="457200"/>
+            <a:ext cx="11887200" cy="457200"/>
           </a:xfrm>
           <a:prstGeom prst="rect">
             <a:avLst/>
@@ -3712,11 +3744,11 @@
           <a:lstStyle/>
           <a:p/>
           <a:p>
-            <a:pPr algn="ctr">
+            <a:pPr algn="l">
               <a:defRPr sz="2000"/>
             </a:pPr>
             <a:r>
-              <a:t>NANOX (2016-01-01)</a:t>
+              <a:t>NANOX</a:t>
             </a:r>
           </a:p>
         </p:txBody>
@@ -3724,6 +3756,38 @@
       <p:sp>
         <p:nvSpPr>
           <p:cNvPr id="3" name="TextBox 2"/>
+          <p:cNvSpPr txBox="1"/>
+          <p:nvPr/>
+        </p:nvSpPr>
+        <p:spPr>
+          <a:xfrm>
+            <a:off x="12801600" y="457200"/>
+            <a:ext cx="914400" cy="457200"/>
+          </a:xfrm>
+          <a:prstGeom prst="rect">
+            <a:avLst/>
+          </a:prstGeom>
+          <a:noFill/>
+        </p:spPr>
+        <p:txBody>
+          <a:bodyPr wrap="none">
+            <a:spAutoFit/>
+          </a:bodyPr>
+          <a:lstStyle/>
+          <a:p/>
+          <a:p>
+            <a:pPr algn="r">
+              <a:defRPr sz="2000"/>
+            </a:pPr>
+            <a:r>
+              <a:t>2016-01-01</a:t>
+            </a:r>
+          </a:p>
+        </p:txBody>
+      </p:sp>
+      <p:sp>
+        <p:nvSpPr>
+          <p:cNvPr id="4" name="TextBox 3"/>
           <p:cNvSpPr txBox="1"/>
           <p:nvPr/>
         </p:nvSpPr>
@@ -3787,7 +3851,7 @@
       </p:sp>
       <p:sp>
         <p:nvSpPr>
-          <p:cNvPr id="4" name="TextBox 3"/>
+          <p:cNvPr id="5" name="TextBox 4"/>
           <p:cNvSpPr txBox="1"/>
           <p:nvPr/>
         </p:nvSpPr>
@@ -3851,7 +3915,7 @@
       </p:sp>
       <p:sp>
         <p:nvSpPr>
-          <p:cNvPr id="5" name="TextBox 4"/>
+          <p:cNvPr id="6" name="TextBox 5"/>
           <p:cNvSpPr txBox="1"/>
           <p:nvPr/>
         </p:nvSpPr>
@@ -3915,7 +3979,7 @@
       </p:sp>
       <p:sp>
         <p:nvSpPr>
-          <p:cNvPr id="6" name="TextBox 5"/>
+          <p:cNvPr id="7" name="TextBox 6"/>
           <p:cNvSpPr txBox="1"/>
           <p:nvPr/>
         </p:nvSpPr>
@@ -3963,7 +4027,7 @@
       </p:sp>
       <p:sp>
         <p:nvSpPr>
-          <p:cNvPr id="7" name="TextBox 6"/>
+          <p:cNvPr id="8" name="TextBox 7"/>
           <p:cNvSpPr txBox="1"/>
           <p:nvPr/>
         </p:nvSpPr>
@@ -4019,7 +4083,7 @@
       </p:sp>
       <p:sp>
         <p:nvSpPr>
-          <p:cNvPr id="8" name="TextBox 7"/>
+          <p:cNvPr id="9" name="TextBox 8"/>
           <p:cNvSpPr txBox="1"/>
           <p:nvPr/>
         </p:nvSpPr>
@@ -4083,7 +4147,7 @@
       </p:sp>
       <p:sp>
         <p:nvSpPr>
-          <p:cNvPr id="9" name="TextBox 8"/>
+          <p:cNvPr id="10" name="TextBox 9"/>
           <p:cNvSpPr txBox="1"/>
           <p:nvPr/>
         </p:nvSpPr>
@@ -4147,7 +4211,7 @@
       </p:sp>
       <p:sp>
         <p:nvSpPr>
-          <p:cNvPr id="10" name="TextBox 9"/>
+          <p:cNvPr id="11" name="TextBox 10"/>
           <p:cNvSpPr txBox="1"/>
           <p:nvPr/>
         </p:nvSpPr>
@@ -4211,7 +4275,7 @@
       </p:sp>
       <p:sp>
         <p:nvSpPr>
-          <p:cNvPr id="11" name="TextBox 10"/>
+          <p:cNvPr id="12" name="TextBox 11"/>
           <p:cNvSpPr txBox="1"/>
           <p:nvPr/>
         </p:nvSpPr>
@@ -4300,7 +4364,7 @@
         <p:spPr>
           <a:xfrm>
             <a:off x="457200" y="457200"/>
-            <a:ext cx="13258800" cy="457200"/>
+            <a:ext cx="11887200" cy="457200"/>
           </a:xfrm>
           <a:prstGeom prst="rect">
             <a:avLst/>
@@ -4314,11 +4378,11 @@
           <a:lstStyle/>
           <a:p/>
           <a:p>
-            <a:pPr algn="ctr">
+            <a:pPr algn="l">
               <a:defRPr sz="2000"/>
             </a:pPr>
             <a:r>
-              <a:t>Snowflake (2012-07-01)</a:t>
+              <a:t>Snowflake</a:t>
             </a:r>
           </a:p>
         </p:txBody>
@@ -4326,6 +4390,38 @@
       <p:sp>
         <p:nvSpPr>
           <p:cNvPr id="3" name="TextBox 2"/>
+          <p:cNvSpPr txBox="1"/>
+          <p:nvPr/>
+        </p:nvSpPr>
+        <p:spPr>
+          <a:xfrm>
+            <a:off x="12801600" y="457200"/>
+            <a:ext cx="914400" cy="457200"/>
+          </a:xfrm>
+          <a:prstGeom prst="rect">
+            <a:avLst/>
+          </a:prstGeom>
+          <a:noFill/>
+        </p:spPr>
+        <p:txBody>
+          <a:bodyPr wrap="none">
+            <a:spAutoFit/>
+          </a:bodyPr>
+          <a:lstStyle/>
+          <a:p/>
+          <a:p>
+            <a:pPr algn="r">
+              <a:defRPr sz="2000"/>
+            </a:pPr>
+            <a:r>
+              <a:t>2012-07-01</a:t>
+            </a:r>
+          </a:p>
+        </p:txBody>
+      </p:sp>
+      <p:sp>
+        <p:nvSpPr>
+          <p:cNvPr id="4" name="TextBox 3"/>
           <p:cNvSpPr txBox="1"/>
           <p:nvPr/>
         </p:nvSpPr>
@@ -4389,7 +4485,7 @@
       </p:sp>
       <p:sp>
         <p:nvSpPr>
-          <p:cNvPr id="4" name="TextBox 3"/>
+          <p:cNvPr id="5" name="TextBox 4"/>
           <p:cNvSpPr txBox="1"/>
           <p:nvPr/>
         </p:nvSpPr>
@@ -4453,7 +4549,7 @@
       </p:sp>
       <p:sp>
         <p:nvSpPr>
-          <p:cNvPr id="5" name="TextBox 4"/>
+          <p:cNvPr id="6" name="TextBox 5"/>
           <p:cNvSpPr txBox="1"/>
           <p:nvPr/>
         </p:nvSpPr>
@@ -4517,7 +4613,7 @@
       </p:sp>
       <p:sp>
         <p:nvSpPr>
-          <p:cNvPr id="6" name="TextBox 5"/>
+          <p:cNvPr id="7" name="TextBox 6"/>
           <p:cNvSpPr txBox="1"/>
           <p:nvPr/>
         </p:nvSpPr>
@@ -4565,7 +4661,7 @@
       </p:sp>
       <p:sp>
         <p:nvSpPr>
-          <p:cNvPr id="7" name="TextBox 6"/>
+          <p:cNvPr id="8" name="TextBox 7"/>
           <p:cNvSpPr txBox="1"/>
           <p:nvPr/>
         </p:nvSpPr>
@@ -4621,7 +4717,7 @@
       </p:sp>
       <p:sp>
         <p:nvSpPr>
-          <p:cNvPr id="8" name="TextBox 7"/>
+          <p:cNvPr id="9" name="TextBox 8"/>
           <p:cNvSpPr txBox="1"/>
           <p:nvPr/>
         </p:nvSpPr>
@@ -4685,7 +4781,7 @@
       </p:sp>
       <p:sp>
         <p:nvSpPr>
-          <p:cNvPr id="9" name="TextBox 8"/>
+          <p:cNvPr id="10" name="TextBox 9"/>
           <p:cNvSpPr txBox="1"/>
           <p:nvPr/>
         </p:nvSpPr>
@@ -4749,7 +4845,7 @@
       </p:sp>
       <p:sp>
         <p:nvSpPr>
-          <p:cNvPr id="10" name="TextBox 9"/>
+          <p:cNvPr id="11" name="TextBox 10"/>
           <p:cNvSpPr txBox="1"/>
           <p:nvPr/>
         </p:nvSpPr>
@@ -4813,7 +4909,7 @@
       </p:sp>
       <p:sp>
         <p:nvSpPr>
-          <p:cNvPr id="11" name="TextBox 10"/>
+          <p:cNvPr id="12" name="TextBox 11"/>
           <p:cNvSpPr txBox="1"/>
           <p:nvPr/>
         </p:nvSpPr>
@@ -4902,7 +4998,7 @@
         <p:spPr>
           <a:xfrm>
             <a:off x="457200" y="457200"/>
-            <a:ext cx="13258800" cy="457200"/>
+            <a:ext cx="11887200" cy="457200"/>
           </a:xfrm>
           <a:prstGeom prst="rect">
             <a:avLst/>
@@ -4916,11 +5012,11 @@
           <a:lstStyle/>
           <a:p/>
           <a:p>
-            <a:pPr algn="ctr">
+            <a:pPr algn="l">
               <a:defRPr sz="2000"/>
             </a:pPr>
             <a:r>
-              <a:t>C3.AI (2009-01-01)</a:t>
+              <a:t>C3.AI</a:t>
             </a:r>
           </a:p>
         </p:txBody>
@@ -4928,6 +5024,38 @@
       <p:sp>
         <p:nvSpPr>
           <p:cNvPr id="3" name="TextBox 2"/>
+          <p:cNvSpPr txBox="1"/>
+          <p:nvPr/>
+        </p:nvSpPr>
+        <p:spPr>
+          <a:xfrm>
+            <a:off x="12801600" y="457200"/>
+            <a:ext cx="914400" cy="457200"/>
+          </a:xfrm>
+          <a:prstGeom prst="rect">
+            <a:avLst/>
+          </a:prstGeom>
+          <a:noFill/>
+        </p:spPr>
+        <p:txBody>
+          <a:bodyPr wrap="none">
+            <a:spAutoFit/>
+          </a:bodyPr>
+          <a:lstStyle/>
+          <a:p/>
+          <a:p>
+            <a:pPr algn="r">
+              <a:defRPr sz="2000"/>
+            </a:pPr>
+            <a:r>
+              <a:t>2009-01-01</a:t>
+            </a:r>
+          </a:p>
+        </p:txBody>
+      </p:sp>
+      <p:sp>
+        <p:nvSpPr>
+          <p:cNvPr id="4" name="TextBox 3"/>
           <p:cNvSpPr txBox="1"/>
           <p:nvPr/>
         </p:nvSpPr>
@@ -4991,7 +5119,7 @@
       </p:sp>
       <p:sp>
         <p:nvSpPr>
-          <p:cNvPr id="4" name="TextBox 3"/>
+          <p:cNvPr id="5" name="TextBox 4"/>
           <p:cNvSpPr txBox="1"/>
           <p:nvPr/>
         </p:nvSpPr>
@@ -5055,7 +5183,7 @@
       </p:sp>
       <p:sp>
         <p:nvSpPr>
-          <p:cNvPr id="5" name="TextBox 4"/>
+          <p:cNvPr id="6" name="TextBox 5"/>
           <p:cNvSpPr txBox="1"/>
           <p:nvPr/>
         </p:nvSpPr>
@@ -5119,7 +5247,7 @@
       </p:sp>
       <p:sp>
         <p:nvSpPr>
-          <p:cNvPr id="6" name="TextBox 5"/>
+          <p:cNvPr id="7" name="TextBox 6"/>
           <p:cNvSpPr txBox="1"/>
           <p:nvPr/>
         </p:nvSpPr>
@@ -5167,7 +5295,7 @@
       </p:sp>
       <p:sp>
         <p:nvSpPr>
-          <p:cNvPr id="7" name="TextBox 6"/>
+          <p:cNvPr id="8" name="TextBox 7"/>
           <p:cNvSpPr txBox="1"/>
           <p:nvPr/>
         </p:nvSpPr>
@@ -5223,7 +5351,7 @@
       </p:sp>
       <p:sp>
         <p:nvSpPr>
-          <p:cNvPr id="8" name="TextBox 7"/>
+          <p:cNvPr id="9" name="TextBox 8"/>
           <p:cNvSpPr txBox="1"/>
           <p:nvPr/>
         </p:nvSpPr>
@@ -5287,7 +5415,7 @@
       </p:sp>
       <p:sp>
         <p:nvSpPr>
-          <p:cNvPr id="9" name="TextBox 8"/>
+          <p:cNvPr id="10" name="TextBox 9"/>
           <p:cNvSpPr txBox="1"/>
           <p:nvPr/>
         </p:nvSpPr>
@@ -5343,7 +5471,7 @@
       </p:sp>
       <p:sp>
         <p:nvSpPr>
-          <p:cNvPr id="10" name="TextBox 9"/>
+          <p:cNvPr id="11" name="TextBox 10"/>
           <p:cNvSpPr txBox="1"/>
           <p:nvPr/>
         </p:nvSpPr>
@@ -5407,7 +5535,7 @@
       </p:sp>
       <p:sp>
         <p:nvSpPr>
-          <p:cNvPr id="11" name="TextBox 10"/>
+          <p:cNvPr id="12" name="TextBox 11"/>
           <p:cNvSpPr txBox="1"/>
           <p:nvPr/>
         </p:nvSpPr>
@@ -5496,7 +5624,7 @@
         <p:spPr>
           <a:xfrm>
             <a:off x="457200" y="457200"/>
-            <a:ext cx="13258800" cy="457200"/>
+            <a:ext cx="11887200" cy="457200"/>
           </a:xfrm>
           <a:prstGeom prst="rect">
             <a:avLst/>
@@ -5510,11 +5638,11 @@
           <a:lstStyle/>
           <a:p/>
           <a:p>
-            <a:pPr algn="ctr">
+            <a:pPr algn="l">
               <a:defRPr sz="2000"/>
             </a:pPr>
             <a:r>
-              <a:t>Unity (2004-08-02)</a:t>
+              <a:t>Unity</a:t>
             </a:r>
           </a:p>
         </p:txBody>
@@ -5522,6 +5650,38 @@
       <p:sp>
         <p:nvSpPr>
           <p:cNvPr id="3" name="TextBox 2"/>
+          <p:cNvSpPr txBox="1"/>
+          <p:nvPr/>
+        </p:nvSpPr>
+        <p:spPr>
+          <a:xfrm>
+            <a:off x="12801600" y="457200"/>
+            <a:ext cx="914400" cy="457200"/>
+          </a:xfrm>
+          <a:prstGeom prst="rect">
+            <a:avLst/>
+          </a:prstGeom>
+          <a:noFill/>
+        </p:spPr>
+        <p:txBody>
+          <a:bodyPr wrap="none">
+            <a:spAutoFit/>
+          </a:bodyPr>
+          <a:lstStyle/>
+          <a:p/>
+          <a:p>
+            <a:pPr algn="r">
+              <a:defRPr sz="2000"/>
+            </a:pPr>
+            <a:r>
+              <a:t>2004-08-02</a:t>
+            </a:r>
+          </a:p>
+        </p:txBody>
+      </p:sp>
+      <p:sp>
+        <p:nvSpPr>
+          <p:cNvPr id="4" name="TextBox 3"/>
           <p:cNvSpPr txBox="1"/>
           <p:nvPr/>
         </p:nvSpPr>
@@ -5577,7 +5737,7 @@
       </p:sp>
       <p:sp>
         <p:nvSpPr>
-          <p:cNvPr id="4" name="TextBox 3"/>
+          <p:cNvPr id="5" name="TextBox 4"/>
           <p:cNvSpPr txBox="1"/>
           <p:nvPr/>
         </p:nvSpPr>
@@ -5633,7 +5793,7 @@
       </p:sp>
       <p:sp>
         <p:nvSpPr>
-          <p:cNvPr id="5" name="TextBox 4"/>
+          <p:cNvPr id="6" name="TextBox 5"/>
           <p:cNvSpPr txBox="1"/>
           <p:nvPr/>
         </p:nvSpPr>
@@ -5697,7 +5857,7 @@
       </p:sp>
       <p:sp>
         <p:nvSpPr>
-          <p:cNvPr id="6" name="TextBox 5"/>
+          <p:cNvPr id="7" name="TextBox 6"/>
           <p:cNvSpPr txBox="1"/>
           <p:nvPr/>
         </p:nvSpPr>
@@ -5745,7 +5905,7 @@
       </p:sp>
       <p:sp>
         <p:nvSpPr>
-          <p:cNvPr id="7" name="TextBox 6"/>
+          <p:cNvPr id="8" name="TextBox 7"/>
           <p:cNvSpPr txBox="1"/>
           <p:nvPr/>
         </p:nvSpPr>
@@ -5801,7 +5961,7 @@
       </p:sp>
       <p:sp>
         <p:nvSpPr>
-          <p:cNvPr id="8" name="TextBox 7"/>
+          <p:cNvPr id="9" name="TextBox 8"/>
           <p:cNvSpPr txBox="1"/>
           <p:nvPr/>
         </p:nvSpPr>
@@ -5857,7 +6017,7 @@
       </p:sp>
       <p:sp>
         <p:nvSpPr>
-          <p:cNvPr id="9" name="TextBox 8"/>
+          <p:cNvPr id="10" name="TextBox 9"/>
           <p:cNvSpPr txBox="1"/>
           <p:nvPr/>
         </p:nvSpPr>
@@ -5913,7 +6073,7 @@
       </p:sp>
       <p:sp>
         <p:nvSpPr>
-          <p:cNvPr id="10" name="TextBox 9"/>
+          <p:cNvPr id="11" name="TextBox 10"/>
           <p:cNvSpPr txBox="1"/>
           <p:nvPr/>
         </p:nvSpPr>
@@ -5969,7 +6129,7 @@
       </p:sp>
       <p:sp>
         <p:nvSpPr>
-          <p:cNvPr id="11" name="TextBox 10"/>
+          <p:cNvPr id="12" name="TextBox 11"/>
           <p:cNvSpPr txBox="1"/>
           <p:nvPr/>
         </p:nvSpPr>
@@ -6058,7 +6218,7 @@
         <p:spPr>
           <a:xfrm>
             <a:off x="457200" y="457200"/>
-            <a:ext cx="13258800" cy="457200"/>
+            <a:ext cx="11887200" cy="457200"/>
           </a:xfrm>
           <a:prstGeom prst="rect">
             <a:avLst/>
@@ -6072,11 +6232,11 @@
           <a:lstStyle/>
           <a:p/>
           <a:p>
-            <a:pPr algn="ctr">
+            <a:pPr algn="l">
               <a:defRPr sz="2000"/>
             </a:pPr>
             <a:r>
-              <a:t>Roblox (2006-09-01)</a:t>
+              <a:t>Roblox</a:t>
             </a:r>
           </a:p>
         </p:txBody>
@@ -6084,6 +6244,38 @@
       <p:sp>
         <p:nvSpPr>
           <p:cNvPr id="3" name="TextBox 2"/>
+          <p:cNvSpPr txBox="1"/>
+          <p:nvPr/>
+        </p:nvSpPr>
+        <p:spPr>
+          <a:xfrm>
+            <a:off x="12801600" y="457200"/>
+            <a:ext cx="914400" cy="457200"/>
+          </a:xfrm>
+          <a:prstGeom prst="rect">
+            <a:avLst/>
+          </a:prstGeom>
+          <a:noFill/>
+        </p:spPr>
+        <p:txBody>
+          <a:bodyPr wrap="none">
+            <a:spAutoFit/>
+          </a:bodyPr>
+          <a:lstStyle/>
+          <a:p/>
+          <a:p>
+            <a:pPr algn="r">
+              <a:defRPr sz="2000"/>
+            </a:pPr>
+            <a:r>
+              <a:t>2006-09-01</a:t>
+            </a:r>
+          </a:p>
+        </p:txBody>
+      </p:sp>
+      <p:sp>
+        <p:nvSpPr>
+          <p:cNvPr id="4" name="TextBox 3"/>
           <p:cNvSpPr txBox="1"/>
           <p:nvPr/>
         </p:nvSpPr>
@@ -6139,7 +6331,7 @@
       </p:sp>
       <p:sp>
         <p:nvSpPr>
-          <p:cNvPr id="4" name="TextBox 3"/>
+          <p:cNvPr id="5" name="TextBox 4"/>
           <p:cNvSpPr txBox="1"/>
           <p:nvPr/>
         </p:nvSpPr>
@@ -6195,7 +6387,7 @@
       </p:sp>
       <p:sp>
         <p:nvSpPr>
-          <p:cNvPr id="5" name="TextBox 4"/>
+          <p:cNvPr id="6" name="TextBox 5"/>
           <p:cNvSpPr txBox="1"/>
           <p:nvPr/>
         </p:nvSpPr>
@@ -6259,7 +6451,7 @@
       </p:sp>
       <p:sp>
         <p:nvSpPr>
-          <p:cNvPr id="6" name="TextBox 5"/>
+          <p:cNvPr id="7" name="TextBox 6"/>
           <p:cNvSpPr txBox="1"/>
           <p:nvPr/>
         </p:nvSpPr>
@@ -6307,7 +6499,7 @@
       </p:sp>
       <p:sp>
         <p:nvSpPr>
-          <p:cNvPr id="7" name="TextBox 6"/>
+          <p:cNvPr id="8" name="TextBox 7"/>
           <p:cNvSpPr txBox="1"/>
           <p:nvPr/>
         </p:nvSpPr>
@@ -6363,7 +6555,7 @@
       </p:sp>
       <p:sp>
         <p:nvSpPr>
-          <p:cNvPr id="8" name="TextBox 7"/>
+          <p:cNvPr id="9" name="TextBox 8"/>
           <p:cNvSpPr txBox="1"/>
           <p:nvPr/>
         </p:nvSpPr>
@@ -6419,7 +6611,7 @@
       </p:sp>
       <p:sp>
         <p:nvSpPr>
-          <p:cNvPr id="9" name="TextBox 8"/>
+          <p:cNvPr id="10" name="TextBox 9"/>
           <p:cNvSpPr txBox="1"/>
           <p:nvPr/>
         </p:nvSpPr>
@@ -6475,7 +6667,7 @@
       </p:sp>
       <p:sp>
         <p:nvSpPr>
-          <p:cNvPr id="10" name="TextBox 9"/>
+          <p:cNvPr id="11" name="TextBox 10"/>
           <p:cNvSpPr txBox="1"/>
           <p:nvPr/>
         </p:nvSpPr>
@@ -6539,7 +6731,7 @@
       </p:sp>
       <p:sp>
         <p:nvSpPr>
-          <p:cNvPr id="11" name="TextBox 10"/>
+          <p:cNvPr id="12" name="TextBox 11"/>
           <p:cNvSpPr txBox="1"/>
           <p:nvPr/>
         </p:nvSpPr>
@@ -6628,7 +6820,7 @@
         <p:spPr>
           <a:xfrm>
             <a:off x="457200" y="457200"/>
-            <a:ext cx="13258800" cy="457200"/>
+            <a:ext cx="11887200" cy="457200"/>
           </a:xfrm>
           <a:prstGeom prst="rect">
             <a:avLst/>
@@ -6642,11 +6834,11 @@
           <a:lstStyle/>
           <a:p/>
           <a:p>
-            <a:pPr algn="ctr">
+            <a:pPr algn="l">
               <a:defRPr sz="2000"/>
             </a:pPr>
             <a:r>
-              <a:t>Tesla (2003-07-01)</a:t>
+              <a:t>Tesla</a:t>
             </a:r>
           </a:p>
         </p:txBody>
@@ -6654,6 +6846,38 @@
       <p:sp>
         <p:nvSpPr>
           <p:cNvPr id="3" name="TextBox 2"/>
+          <p:cNvSpPr txBox="1"/>
+          <p:nvPr/>
+        </p:nvSpPr>
+        <p:spPr>
+          <a:xfrm>
+            <a:off x="12801600" y="457200"/>
+            <a:ext cx="914400" cy="457200"/>
+          </a:xfrm>
+          <a:prstGeom prst="rect">
+            <a:avLst/>
+          </a:prstGeom>
+          <a:noFill/>
+        </p:spPr>
+        <p:txBody>
+          <a:bodyPr wrap="none">
+            <a:spAutoFit/>
+          </a:bodyPr>
+          <a:lstStyle/>
+          <a:p/>
+          <a:p>
+            <a:pPr algn="r">
+              <a:defRPr sz="2000"/>
+            </a:pPr>
+            <a:r>
+              <a:t>2003-07-01</a:t>
+            </a:r>
+          </a:p>
+        </p:txBody>
+      </p:sp>
+      <p:sp>
+        <p:nvSpPr>
+          <p:cNvPr id="4" name="TextBox 3"/>
           <p:cNvSpPr txBox="1"/>
           <p:nvPr/>
         </p:nvSpPr>
@@ -6709,7 +6933,7 @@
       </p:sp>
       <p:sp>
         <p:nvSpPr>
-          <p:cNvPr id="4" name="TextBox 3"/>
+          <p:cNvPr id="5" name="TextBox 4"/>
           <p:cNvSpPr txBox="1"/>
           <p:nvPr/>
         </p:nvSpPr>
@@ -6765,7 +6989,7 @@
       </p:sp>
       <p:sp>
         <p:nvSpPr>
-          <p:cNvPr id="5" name="TextBox 4"/>
+          <p:cNvPr id="6" name="TextBox 5"/>
           <p:cNvSpPr txBox="1"/>
           <p:nvPr/>
         </p:nvSpPr>
@@ -6829,7 +7053,7 @@
       </p:sp>
       <p:sp>
         <p:nvSpPr>
-          <p:cNvPr id="6" name="TextBox 5"/>
+          <p:cNvPr id="7" name="TextBox 6"/>
           <p:cNvSpPr txBox="1"/>
           <p:nvPr/>
         </p:nvSpPr>
@@ -6877,7 +7101,7 @@
       </p:sp>
       <p:sp>
         <p:nvSpPr>
-          <p:cNvPr id="7" name="TextBox 6"/>
+          <p:cNvPr id="8" name="TextBox 7"/>
           <p:cNvSpPr txBox="1"/>
           <p:nvPr/>
         </p:nvSpPr>
@@ -6933,7 +7157,7 @@
       </p:sp>
       <p:sp>
         <p:nvSpPr>
-          <p:cNvPr id="8" name="TextBox 7"/>
+          <p:cNvPr id="9" name="TextBox 8"/>
           <p:cNvSpPr txBox="1"/>
           <p:nvPr/>
         </p:nvSpPr>
@@ -6989,7 +7213,7 @@
       </p:sp>
       <p:sp>
         <p:nvSpPr>
-          <p:cNvPr id="9" name="TextBox 8"/>
+          <p:cNvPr id="10" name="TextBox 9"/>
           <p:cNvSpPr txBox="1"/>
           <p:nvPr/>
         </p:nvSpPr>
@@ -7045,7 +7269,7 @@
       </p:sp>
       <p:sp>
         <p:nvSpPr>
-          <p:cNvPr id="10" name="TextBox 9"/>
+          <p:cNvPr id="11" name="TextBox 10"/>
           <p:cNvSpPr txBox="1"/>
           <p:nvPr/>
         </p:nvSpPr>
@@ -7109,7 +7333,7 @@
       </p:sp>
       <p:sp>
         <p:nvSpPr>
-          <p:cNvPr id="11" name="TextBox 10"/>
+          <p:cNvPr id="12" name="TextBox 11"/>
           <p:cNvSpPr txBox="1"/>
           <p:nvPr/>
         </p:nvSpPr>
@@ -7190,7 +7414,7 @@
         <p:spPr>
           <a:xfrm>
             <a:off x="457200" y="457200"/>
-            <a:ext cx="13258800" cy="457200"/>
+            <a:ext cx="11887200" cy="457200"/>
           </a:xfrm>
           <a:prstGeom prst="rect">
             <a:avLst/>
@@ -7204,11 +7428,11 @@
           <a:lstStyle/>
           <a:p/>
           <a:p>
-            <a:pPr algn="ctr">
+            <a:pPr algn="l">
               <a:defRPr sz="2000"/>
             </a:pPr>
             <a:r>
-              <a:t>SpaceX (2002-03-14)</a:t>
+              <a:t>SpaceX</a:t>
             </a:r>
           </a:p>
         </p:txBody>
@@ -7216,6 +7440,38 @@
       <p:sp>
         <p:nvSpPr>
           <p:cNvPr id="3" name="TextBox 2"/>
+          <p:cNvSpPr txBox="1"/>
+          <p:nvPr/>
+        </p:nvSpPr>
+        <p:spPr>
+          <a:xfrm>
+            <a:off x="12801600" y="457200"/>
+            <a:ext cx="914400" cy="457200"/>
+          </a:xfrm>
+          <a:prstGeom prst="rect">
+            <a:avLst/>
+          </a:prstGeom>
+          <a:noFill/>
+        </p:spPr>
+        <p:txBody>
+          <a:bodyPr wrap="none">
+            <a:spAutoFit/>
+          </a:bodyPr>
+          <a:lstStyle/>
+          <a:p/>
+          <a:p>
+            <a:pPr algn="r">
+              <a:defRPr sz="2000"/>
+            </a:pPr>
+            <a:r>
+              <a:t>2002-03-14</a:t>
+            </a:r>
+          </a:p>
+        </p:txBody>
+      </p:sp>
+      <p:sp>
+        <p:nvSpPr>
+          <p:cNvPr id="4" name="TextBox 3"/>
           <p:cNvSpPr txBox="1"/>
           <p:nvPr/>
         </p:nvSpPr>
@@ -7271,7 +7527,7 @@
       </p:sp>
       <p:sp>
         <p:nvSpPr>
-          <p:cNvPr id="4" name="TextBox 3"/>
+          <p:cNvPr id="5" name="TextBox 4"/>
           <p:cNvSpPr txBox="1"/>
           <p:nvPr/>
         </p:nvSpPr>
@@ -7327,7 +7583,7 @@
       </p:sp>
       <p:sp>
         <p:nvSpPr>
-          <p:cNvPr id="5" name="TextBox 4"/>
+          <p:cNvPr id="6" name="TextBox 5"/>
           <p:cNvSpPr txBox="1"/>
           <p:nvPr/>
         </p:nvSpPr>
@@ -7391,7 +7647,7 @@
       </p:sp>
       <p:sp>
         <p:nvSpPr>
-          <p:cNvPr id="6" name="TextBox 5"/>
+          <p:cNvPr id="7" name="TextBox 6"/>
           <p:cNvSpPr txBox="1"/>
           <p:nvPr/>
         </p:nvSpPr>
@@ -7439,7 +7695,7 @@
       </p:sp>
       <p:sp>
         <p:nvSpPr>
-          <p:cNvPr id="7" name="TextBox 6"/>
+          <p:cNvPr id="8" name="TextBox 7"/>
           <p:cNvSpPr txBox="1"/>
           <p:nvPr/>
         </p:nvSpPr>
@@ -7495,7 +7751,7 @@
       </p:sp>
       <p:sp>
         <p:nvSpPr>
-          <p:cNvPr id="8" name="TextBox 7"/>
+          <p:cNvPr id="9" name="TextBox 8"/>
           <p:cNvSpPr txBox="1"/>
           <p:nvPr/>
         </p:nvSpPr>
@@ -7551,7 +7807,7 @@
       </p:sp>
       <p:sp>
         <p:nvSpPr>
-          <p:cNvPr id="9" name="TextBox 8"/>
+          <p:cNvPr id="10" name="TextBox 9"/>
           <p:cNvSpPr txBox="1"/>
           <p:nvPr/>
         </p:nvSpPr>
@@ -7607,7 +7863,7 @@
       </p:sp>
       <p:sp>
         <p:nvSpPr>
-          <p:cNvPr id="10" name="TextBox 9"/>
+          <p:cNvPr id="11" name="TextBox 10"/>
           <p:cNvSpPr txBox="1"/>
           <p:nvPr/>
         </p:nvSpPr>
@@ -7671,7 +7927,7 @@
       </p:sp>
       <p:sp>
         <p:nvSpPr>
-          <p:cNvPr id="11" name="TextBox 10"/>
+          <p:cNvPr id="12" name="TextBox 11"/>
           <p:cNvSpPr txBox="1"/>
           <p:nvPr/>
         </p:nvSpPr>
@@ -7752,7 +8008,7 @@
         <p:spPr>
           <a:xfrm>
             <a:off x="457200" y="457200"/>
-            <a:ext cx="13258800" cy="457200"/>
+            <a:ext cx="11887200" cy="457200"/>
           </a:xfrm>
           <a:prstGeom prst="rect">
             <a:avLst/>
@@ -7766,11 +8022,11 @@
           <a:lstStyle/>
           <a:p/>
           <a:p>
-            <a:pPr algn="ctr">
+            <a:pPr algn="l">
               <a:defRPr sz="2000"/>
             </a:pPr>
             <a:r>
-              <a:t>Uber (at the beginning) (2009-03-01)</a:t>
+              <a:t>Uber (at the beginning)</a:t>
             </a:r>
           </a:p>
         </p:txBody>
@@ -7778,6 +8034,38 @@
       <p:sp>
         <p:nvSpPr>
           <p:cNvPr id="3" name="TextBox 2"/>
+          <p:cNvSpPr txBox="1"/>
+          <p:nvPr/>
+        </p:nvSpPr>
+        <p:spPr>
+          <a:xfrm>
+            <a:off x="12801600" y="457200"/>
+            <a:ext cx="914400" cy="457200"/>
+          </a:xfrm>
+          <a:prstGeom prst="rect">
+            <a:avLst/>
+          </a:prstGeom>
+          <a:noFill/>
+        </p:spPr>
+        <p:txBody>
+          <a:bodyPr wrap="none">
+            <a:spAutoFit/>
+          </a:bodyPr>
+          <a:lstStyle/>
+          <a:p/>
+          <a:p>
+            <a:pPr algn="r">
+              <a:defRPr sz="2000"/>
+            </a:pPr>
+            <a:r>
+              <a:t>2009-03-01</a:t>
+            </a:r>
+          </a:p>
+        </p:txBody>
+      </p:sp>
+      <p:sp>
+        <p:nvSpPr>
+          <p:cNvPr id="4" name="TextBox 3"/>
           <p:cNvSpPr txBox="1"/>
           <p:nvPr/>
         </p:nvSpPr>
@@ -7841,7 +8129,7 @@
       </p:sp>
       <p:sp>
         <p:nvSpPr>
-          <p:cNvPr id="4" name="TextBox 3"/>
+          <p:cNvPr id="5" name="TextBox 4"/>
           <p:cNvSpPr txBox="1"/>
           <p:nvPr/>
         </p:nvSpPr>
@@ -7905,7 +8193,7 @@
       </p:sp>
       <p:sp>
         <p:nvSpPr>
-          <p:cNvPr id="5" name="TextBox 4"/>
+          <p:cNvPr id="6" name="TextBox 5"/>
           <p:cNvSpPr txBox="1"/>
           <p:nvPr/>
         </p:nvSpPr>
@@ -7969,7 +8257,7 @@
       </p:sp>
       <p:sp>
         <p:nvSpPr>
-          <p:cNvPr id="6" name="TextBox 5"/>
+          <p:cNvPr id="7" name="TextBox 6"/>
           <p:cNvSpPr txBox="1"/>
           <p:nvPr/>
         </p:nvSpPr>
@@ -8033,7 +8321,7 @@
       </p:sp>
       <p:sp>
         <p:nvSpPr>
-          <p:cNvPr id="7" name="TextBox 6"/>
+          <p:cNvPr id="8" name="TextBox 7"/>
           <p:cNvSpPr txBox="1"/>
           <p:nvPr/>
         </p:nvSpPr>
@@ -8089,7 +8377,7 @@
       </p:sp>
       <p:sp>
         <p:nvSpPr>
-          <p:cNvPr id="8" name="TextBox 7"/>
+          <p:cNvPr id="9" name="TextBox 8"/>
           <p:cNvSpPr txBox="1"/>
           <p:nvPr/>
         </p:nvSpPr>
@@ -8153,7 +8441,7 @@
       </p:sp>
       <p:sp>
         <p:nvSpPr>
-          <p:cNvPr id="9" name="TextBox 8"/>
+          <p:cNvPr id="10" name="TextBox 9"/>
           <p:cNvSpPr txBox="1"/>
           <p:nvPr/>
         </p:nvSpPr>
@@ -8209,7 +8497,7 @@
       </p:sp>
       <p:sp>
         <p:nvSpPr>
-          <p:cNvPr id="10" name="TextBox 9"/>
+          <p:cNvPr id="11" name="TextBox 10"/>
           <p:cNvSpPr txBox="1"/>
           <p:nvPr/>
         </p:nvSpPr>
@@ -8273,7 +8561,7 @@
       </p:sp>
       <p:sp>
         <p:nvSpPr>
-          <p:cNvPr id="11" name="TextBox 10"/>
+          <p:cNvPr id="12" name="TextBox 11"/>
           <p:cNvSpPr txBox="1"/>
           <p:nvPr/>
         </p:nvSpPr>
@@ -8354,7 +8642,7 @@
         <p:spPr>
           <a:xfrm>
             <a:off x="457200" y="457200"/>
-            <a:ext cx="13258800" cy="457200"/>
+            <a:ext cx="11887200" cy="457200"/>
           </a:xfrm>
           <a:prstGeom prst="rect">
             <a:avLst/>
@@ -8368,11 +8656,11 @@
           <a:lstStyle/>
           <a:p/>
           <a:p>
-            <a:pPr algn="ctr">
+            <a:pPr algn="l">
               <a:defRPr sz="2000"/>
             </a:pPr>
             <a:r>
-              <a:t>Pure Storage (at the beginning) (2009-10-01)</a:t>
+              <a:t>Pure Storage (at the beginning)</a:t>
             </a:r>
           </a:p>
         </p:txBody>
@@ -8380,6 +8668,38 @@
       <p:sp>
         <p:nvSpPr>
           <p:cNvPr id="3" name="TextBox 2"/>
+          <p:cNvSpPr txBox="1"/>
+          <p:nvPr/>
+        </p:nvSpPr>
+        <p:spPr>
+          <a:xfrm>
+            <a:off x="12801600" y="457200"/>
+            <a:ext cx="914400" cy="457200"/>
+          </a:xfrm>
+          <a:prstGeom prst="rect">
+            <a:avLst/>
+          </a:prstGeom>
+          <a:noFill/>
+        </p:spPr>
+        <p:txBody>
+          <a:bodyPr wrap="none">
+            <a:spAutoFit/>
+          </a:bodyPr>
+          <a:lstStyle/>
+          <a:p/>
+          <a:p>
+            <a:pPr algn="r">
+              <a:defRPr sz="2000"/>
+            </a:pPr>
+            <a:r>
+              <a:t>2009-10-01</a:t>
+            </a:r>
+          </a:p>
+        </p:txBody>
+      </p:sp>
+      <p:sp>
+        <p:nvSpPr>
+          <p:cNvPr id="4" name="TextBox 3"/>
           <p:cNvSpPr txBox="1"/>
           <p:nvPr/>
         </p:nvSpPr>
@@ -8435,7 +8755,7 @@
       </p:sp>
       <p:sp>
         <p:nvSpPr>
-          <p:cNvPr id="4" name="TextBox 3"/>
+          <p:cNvPr id="5" name="TextBox 4"/>
           <p:cNvSpPr txBox="1"/>
           <p:nvPr/>
         </p:nvSpPr>
@@ -8491,7 +8811,7 @@
       </p:sp>
       <p:sp>
         <p:nvSpPr>
-          <p:cNvPr id="5" name="TextBox 4"/>
+          <p:cNvPr id="6" name="TextBox 5"/>
           <p:cNvSpPr txBox="1"/>
           <p:nvPr/>
         </p:nvSpPr>
@@ -8555,7 +8875,7 @@
       </p:sp>
       <p:sp>
         <p:nvSpPr>
-          <p:cNvPr id="6" name="TextBox 5"/>
+          <p:cNvPr id="7" name="TextBox 6"/>
           <p:cNvSpPr txBox="1"/>
           <p:nvPr/>
         </p:nvSpPr>
@@ -8603,7 +8923,7 @@
       </p:sp>
       <p:sp>
         <p:nvSpPr>
-          <p:cNvPr id="7" name="TextBox 6"/>
+          <p:cNvPr id="8" name="TextBox 7"/>
           <p:cNvSpPr txBox="1"/>
           <p:nvPr/>
         </p:nvSpPr>
@@ -8659,7 +8979,7 @@
       </p:sp>
       <p:sp>
         <p:nvSpPr>
-          <p:cNvPr id="8" name="TextBox 7"/>
+          <p:cNvPr id="9" name="TextBox 8"/>
           <p:cNvSpPr txBox="1"/>
           <p:nvPr/>
         </p:nvSpPr>
@@ -8715,7 +9035,7 @@
       </p:sp>
       <p:sp>
         <p:nvSpPr>
-          <p:cNvPr id="9" name="TextBox 8"/>
+          <p:cNvPr id="10" name="TextBox 9"/>
           <p:cNvSpPr txBox="1"/>
           <p:nvPr/>
         </p:nvSpPr>
@@ -8771,7 +9091,7 @@
       </p:sp>
       <p:sp>
         <p:nvSpPr>
-          <p:cNvPr id="10" name="TextBox 9"/>
+          <p:cNvPr id="11" name="TextBox 10"/>
           <p:cNvSpPr txBox="1"/>
           <p:nvPr/>
         </p:nvSpPr>
@@ -8835,7 +9155,7 @@
       </p:sp>
       <p:sp>
         <p:nvSpPr>
-          <p:cNvPr id="11" name="TextBox 10"/>
+          <p:cNvPr id="12" name="TextBox 11"/>
           <p:cNvSpPr txBox="1"/>
           <p:nvPr/>
         </p:nvSpPr>
@@ -8916,7 +9236,7 @@
         <p:spPr>
           <a:xfrm>
             <a:off x="457200" y="457200"/>
-            <a:ext cx="13258800" cy="457200"/>
+            <a:ext cx="11887200" cy="457200"/>
           </a:xfrm>
           <a:prstGeom prst="rect">
             <a:avLst/>
@@ -8930,11 +9250,11 @@
           <a:lstStyle/>
           <a:p/>
           <a:p>
-            <a:pPr algn="ctr">
+            <a:pPr algn="l">
               <a:defRPr sz="2000"/>
             </a:pPr>
             <a:r>
-              <a:t>Pure Storage (current) (2023-07-08)</a:t>
+              <a:t>Pure Storage (current)</a:t>
             </a:r>
           </a:p>
         </p:txBody>
@@ -8942,6 +9262,38 @@
       <p:sp>
         <p:nvSpPr>
           <p:cNvPr id="3" name="TextBox 2"/>
+          <p:cNvSpPr txBox="1"/>
+          <p:nvPr/>
+        </p:nvSpPr>
+        <p:spPr>
+          <a:xfrm>
+            <a:off x="12801600" y="457200"/>
+            <a:ext cx="914400" cy="457200"/>
+          </a:xfrm>
+          <a:prstGeom prst="rect">
+            <a:avLst/>
+          </a:prstGeom>
+          <a:noFill/>
+        </p:spPr>
+        <p:txBody>
+          <a:bodyPr wrap="none">
+            <a:spAutoFit/>
+          </a:bodyPr>
+          <a:lstStyle/>
+          <a:p/>
+          <a:p>
+            <a:pPr algn="r">
+              <a:defRPr sz="2000"/>
+            </a:pPr>
+            <a:r>
+              <a:t>2023-07-08</a:t>
+            </a:r>
+          </a:p>
+        </p:txBody>
+      </p:sp>
+      <p:sp>
+        <p:nvSpPr>
+          <p:cNvPr id="4" name="TextBox 3"/>
           <p:cNvSpPr txBox="1"/>
           <p:nvPr/>
         </p:nvSpPr>
@@ -8997,7 +9349,7 @@
       </p:sp>
       <p:sp>
         <p:nvSpPr>
-          <p:cNvPr id="4" name="TextBox 3"/>
+          <p:cNvPr id="5" name="TextBox 4"/>
           <p:cNvSpPr txBox="1"/>
           <p:nvPr/>
         </p:nvSpPr>
@@ -9053,7 +9405,7 @@
       </p:sp>
       <p:sp>
         <p:nvSpPr>
-          <p:cNvPr id="5" name="TextBox 4"/>
+          <p:cNvPr id="6" name="TextBox 5"/>
           <p:cNvSpPr txBox="1"/>
           <p:nvPr/>
         </p:nvSpPr>
@@ -9117,7 +9469,7 @@
       </p:sp>
       <p:sp>
         <p:nvSpPr>
-          <p:cNvPr id="6" name="TextBox 5"/>
+          <p:cNvPr id="7" name="TextBox 6"/>
           <p:cNvSpPr txBox="1"/>
           <p:nvPr/>
         </p:nvSpPr>
@@ -9165,7 +9517,7 @@
       </p:sp>
       <p:sp>
         <p:nvSpPr>
-          <p:cNvPr id="7" name="TextBox 6"/>
+          <p:cNvPr id="8" name="TextBox 7"/>
           <p:cNvSpPr txBox="1"/>
           <p:nvPr/>
         </p:nvSpPr>
@@ -9221,7 +9573,7 @@
       </p:sp>
       <p:sp>
         <p:nvSpPr>
-          <p:cNvPr id="8" name="TextBox 7"/>
+          <p:cNvPr id="9" name="TextBox 8"/>
           <p:cNvSpPr txBox="1"/>
           <p:nvPr/>
         </p:nvSpPr>
@@ -9285,7 +9637,7 @@
       </p:sp>
       <p:sp>
         <p:nvSpPr>
-          <p:cNvPr id="9" name="TextBox 8"/>
+          <p:cNvPr id="10" name="TextBox 9"/>
           <p:cNvSpPr txBox="1"/>
           <p:nvPr/>
         </p:nvSpPr>
@@ -9341,7 +9693,7 @@
       </p:sp>
       <p:sp>
         <p:nvSpPr>
-          <p:cNvPr id="10" name="TextBox 9"/>
+          <p:cNvPr id="11" name="TextBox 10"/>
           <p:cNvSpPr txBox="1"/>
           <p:nvPr/>
         </p:nvSpPr>
@@ -9405,7 +9757,7 @@
       </p:sp>
       <p:sp>
         <p:nvSpPr>
-          <p:cNvPr id="11" name="TextBox 10"/>
+          <p:cNvPr id="12" name="TextBox 11"/>
           <p:cNvSpPr txBox="1"/>
           <p:nvPr/>
         </p:nvSpPr>
@@ -9494,7 +9846,7 @@
         <p:spPr>
           <a:xfrm>
             <a:off x="457200" y="457200"/>
-            <a:ext cx="13258800" cy="457200"/>
+            <a:ext cx="11887200" cy="457200"/>
           </a:xfrm>
           <a:prstGeom prst="rect">
             <a:avLst/>
@@ -9508,11 +9860,11 @@
           <a:lstStyle/>
           <a:p/>
           <a:p>
-            <a:pPr algn="ctr">
+            <a:pPr algn="l">
               <a:defRPr sz="2000"/>
             </a:pPr>
             <a:r>
-              <a:t>Dell EMC APEX (at the beginning) (2021-10-01)</a:t>
+              <a:t>Dell EMC APEX (at the beginning)</a:t>
             </a:r>
           </a:p>
         </p:txBody>
@@ -9520,6 +9872,38 @@
       <p:sp>
         <p:nvSpPr>
           <p:cNvPr id="3" name="TextBox 2"/>
+          <p:cNvSpPr txBox="1"/>
+          <p:nvPr/>
+        </p:nvSpPr>
+        <p:spPr>
+          <a:xfrm>
+            <a:off x="12801600" y="457200"/>
+            <a:ext cx="914400" cy="457200"/>
+          </a:xfrm>
+          <a:prstGeom prst="rect">
+            <a:avLst/>
+          </a:prstGeom>
+          <a:noFill/>
+        </p:spPr>
+        <p:txBody>
+          <a:bodyPr wrap="none">
+            <a:spAutoFit/>
+          </a:bodyPr>
+          <a:lstStyle/>
+          <a:p/>
+          <a:p>
+            <a:pPr algn="r">
+              <a:defRPr sz="2000"/>
+            </a:pPr>
+            <a:r>
+              <a:t>2021-10-01</a:t>
+            </a:r>
+          </a:p>
+        </p:txBody>
+      </p:sp>
+      <p:sp>
+        <p:nvSpPr>
+          <p:cNvPr id="4" name="TextBox 3"/>
           <p:cNvSpPr txBox="1"/>
           <p:nvPr/>
         </p:nvSpPr>
@@ -9583,7 +9967,7 @@
       </p:sp>
       <p:sp>
         <p:nvSpPr>
-          <p:cNvPr id="4" name="TextBox 3"/>
+          <p:cNvPr id="5" name="TextBox 4"/>
           <p:cNvSpPr txBox="1"/>
           <p:nvPr/>
         </p:nvSpPr>
@@ -9647,7 +10031,7 @@
       </p:sp>
       <p:sp>
         <p:nvSpPr>
-          <p:cNvPr id="5" name="TextBox 4"/>
+          <p:cNvPr id="6" name="TextBox 5"/>
           <p:cNvSpPr txBox="1"/>
           <p:nvPr/>
         </p:nvSpPr>
@@ -9711,7 +10095,7 @@
       </p:sp>
       <p:sp>
         <p:nvSpPr>
-          <p:cNvPr id="6" name="TextBox 5"/>
+          <p:cNvPr id="7" name="TextBox 6"/>
           <p:cNvSpPr txBox="1"/>
           <p:nvPr/>
         </p:nvSpPr>
@@ -9759,7 +10143,7 @@
       </p:sp>
       <p:sp>
         <p:nvSpPr>
-          <p:cNvPr id="7" name="TextBox 6"/>
+          <p:cNvPr id="8" name="TextBox 7"/>
           <p:cNvSpPr txBox="1"/>
           <p:nvPr/>
         </p:nvSpPr>
@@ -9815,7 +10199,7 @@
       </p:sp>
       <p:sp>
         <p:nvSpPr>
-          <p:cNvPr id="8" name="TextBox 7"/>
+          <p:cNvPr id="9" name="TextBox 8"/>
           <p:cNvSpPr txBox="1"/>
           <p:nvPr/>
         </p:nvSpPr>
@@ -9871,7 +10255,7 @@
       </p:sp>
       <p:sp>
         <p:nvSpPr>
-          <p:cNvPr id="9" name="TextBox 8"/>
+          <p:cNvPr id="10" name="TextBox 9"/>
           <p:cNvSpPr txBox="1"/>
           <p:nvPr/>
         </p:nvSpPr>
@@ -9927,7 +10311,7 @@
       </p:sp>
       <p:sp>
         <p:nvSpPr>
-          <p:cNvPr id="10" name="TextBox 9"/>
+          <p:cNvPr id="11" name="TextBox 10"/>
           <p:cNvSpPr txBox="1"/>
           <p:nvPr/>
         </p:nvSpPr>
@@ -9991,7 +10375,7 @@
       </p:sp>
       <p:sp>
         <p:nvSpPr>
-          <p:cNvPr id="11" name="TextBox 10"/>
+          <p:cNvPr id="12" name="TextBox 11"/>
           <p:cNvSpPr txBox="1"/>
           <p:nvPr/>
         </p:nvSpPr>
@@ -10072,7 +10456,7 @@
         <p:spPr>
           <a:xfrm>
             <a:off x="457200" y="457200"/>
-            <a:ext cx="13258800" cy="457200"/>
+            <a:ext cx="11887200" cy="457200"/>
           </a:xfrm>
           <a:prstGeom prst="rect">
             <a:avLst/>
@@ -10086,11 +10470,11 @@
           <a:lstStyle/>
           <a:p/>
           <a:p>
-            <a:pPr algn="ctr">
+            <a:pPr algn="l">
               <a:defRPr sz="2000"/>
             </a:pPr>
             <a:r>
-              <a:t>OpenShift (at the beginning) (2011-05-04)</a:t>
+              <a:t>OpenShift (at the beginning)</a:t>
             </a:r>
           </a:p>
         </p:txBody>
@@ -10098,6 +10482,38 @@
       <p:sp>
         <p:nvSpPr>
           <p:cNvPr id="3" name="TextBox 2"/>
+          <p:cNvSpPr txBox="1"/>
+          <p:nvPr/>
+        </p:nvSpPr>
+        <p:spPr>
+          <a:xfrm>
+            <a:off x="12801600" y="457200"/>
+            <a:ext cx="914400" cy="457200"/>
+          </a:xfrm>
+          <a:prstGeom prst="rect">
+            <a:avLst/>
+          </a:prstGeom>
+          <a:noFill/>
+        </p:spPr>
+        <p:txBody>
+          <a:bodyPr wrap="none">
+            <a:spAutoFit/>
+          </a:bodyPr>
+          <a:lstStyle/>
+          <a:p/>
+          <a:p>
+            <a:pPr algn="r">
+              <a:defRPr sz="2000"/>
+            </a:pPr>
+            <a:r>
+              <a:t>2011-05-04</a:t>
+            </a:r>
+          </a:p>
+        </p:txBody>
+      </p:sp>
+      <p:sp>
+        <p:nvSpPr>
+          <p:cNvPr id="4" name="TextBox 3"/>
           <p:cNvSpPr txBox="1"/>
           <p:nvPr/>
         </p:nvSpPr>
@@ -10161,7 +10577,7 @@
       </p:sp>
       <p:sp>
         <p:nvSpPr>
-          <p:cNvPr id="4" name="TextBox 3"/>
+          <p:cNvPr id="5" name="TextBox 4"/>
           <p:cNvSpPr txBox="1"/>
           <p:nvPr/>
         </p:nvSpPr>
@@ -10225,7 +10641,7 @@
       </p:sp>
       <p:sp>
         <p:nvSpPr>
-          <p:cNvPr id="5" name="TextBox 4"/>
+          <p:cNvPr id="6" name="TextBox 5"/>
           <p:cNvSpPr txBox="1"/>
           <p:nvPr/>
         </p:nvSpPr>
@@ -10289,7 +10705,7 @@
       </p:sp>
       <p:sp>
         <p:nvSpPr>
-          <p:cNvPr id="6" name="TextBox 5"/>
+          <p:cNvPr id="7" name="TextBox 6"/>
           <p:cNvSpPr txBox="1"/>
           <p:nvPr/>
         </p:nvSpPr>
@@ -10337,7 +10753,7 @@
       </p:sp>
       <p:sp>
         <p:nvSpPr>
-          <p:cNvPr id="7" name="TextBox 6"/>
+          <p:cNvPr id="8" name="TextBox 7"/>
           <p:cNvSpPr txBox="1"/>
           <p:nvPr/>
         </p:nvSpPr>
@@ -10393,7 +10809,7 @@
       </p:sp>
       <p:sp>
         <p:nvSpPr>
-          <p:cNvPr id="8" name="TextBox 7"/>
+          <p:cNvPr id="9" name="TextBox 8"/>
           <p:cNvSpPr txBox="1"/>
           <p:nvPr/>
         </p:nvSpPr>
@@ -10457,7 +10873,7 @@
       </p:sp>
       <p:sp>
         <p:nvSpPr>
-          <p:cNvPr id="9" name="TextBox 8"/>
+          <p:cNvPr id="10" name="TextBox 9"/>
           <p:cNvSpPr txBox="1"/>
           <p:nvPr/>
         </p:nvSpPr>
@@ -10521,7 +10937,7 @@
       </p:sp>
       <p:sp>
         <p:nvSpPr>
-          <p:cNvPr id="10" name="TextBox 9"/>
+          <p:cNvPr id="11" name="TextBox 10"/>
           <p:cNvSpPr txBox="1"/>
           <p:nvPr/>
         </p:nvSpPr>
@@ -10585,7 +11001,7 @@
       </p:sp>
       <p:sp>
         <p:nvSpPr>
-          <p:cNvPr id="11" name="TextBox 10"/>
+          <p:cNvPr id="12" name="TextBox 11"/>
           <p:cNvSpPr txBox="1"/>
           <p:nvPr/>
         </p:nvSpPr>
@@ -10666,7 +11082,7 @@
         <p:spPr>
           <a:xfrm>
             <a:off x="457200" y="457200"/>
-            <a:ext cx="13258800" cy="457200"/>
+            <a:ext cx="11887200" cy="457200"/>
           </a:xfrm>
           <a:prstGeom prst="rect">
             <a:avLst/>
@@ -10680,11 +11096,11 @@
           <a:lstStyle/>
           <a:p/>
           <a:p>
-            <a:pPr algn="ctr">
+            <a:pPr algn="l">
               <a:defRPr sz="2000"/>
             </a:pPr>
             <a:r>
-              <a:t>Kubernetesが存在しない想定でKubernetesを考案しビジネス化 (2023-07-08)</a:t>
+              <a:t>Kubernetesが存在しない想定でKubernetesを考案しビジネス化</a:t>
             </a:r>
           </a:p>
         </p:txBody>
@@ -10692,6 +11108,38 @@
       <p:sp>
         <p:nvSpPr>
           <p:cNvPr id="3" name="TextBox 2"/>
+          <p:cNvSpPr txBox="1"/>
+          <p:nvPr/>
+        </p:nvSpPr>
+        <p:spPr>
+          <a:xfrm>
+            <a:off x="12801600" y="457200"/>
+            <a:ext cx="914400" cy="457200"/>
+          </a:xfrm>
+          <a:prstGeom prst="rect">
+            <a:avLst/>
+          </a:prstGeom>
+          <a:noFill/>
+        </p:spPr>
+        <p:txBody>
+          <a:bodyPr wrap="none">
+            <a:spAutoFit/>
+          </a:bodyPr>
+          <a:lstStyle/>
+          <a:p/>
+          <a:p>
+            <a:pPr algn="r">
+              <a:defRPr sz="2000"/>
+            </a:pPr>
+            <a:r>
+              <a:t>2023-07-08</a:t>
+            </a:r>
+          </a:p>
+        </p:txBody>
+      </p:sp>
+      <p:sp>
+        <p:nvSpPr>
+          <p:cNvPr id="4" name="TextBox 3"/>
           <p:cNvSpPr txBox="1"/>
           <p:nvPr/>
         </p:nvSpPr>
@@ -10763,7 +11211,7 @@
       </p:sp>
       <p:sp>
         <p:nvSpPr>
-          <p:cNvPr id="4" name="TextBox 3"/>
+          <p:cNvPr id="5" name="TextBox 4"/>
           <p:cNvSpPr txBox="1"/>
           <p:nvPr/>
         </p:nvSpPr>
@@ -10843,7 +11291,7 @@
       </p:sp>
       <p:sp>
         <p:nvSpPr>
-          <p:cNvPr id="5" name="TextBox 4"/>
+          <p:cNvPr id="6" name="TextBox 5"/>
           <p:cNvSpPr txBox="1"/>
           <p:nvPr/>
         </p:nvSpPr>
@@ -10907,7 +11355,7 @@
       </p:sp>
       <p:sp>
         <p:nvSpPr>
-          <p:cNvPr id="6" name="TextBox 5"/>
+          <p:cNvPr id="7" name="TextBox 6"/>
           <p:cNvSpPr txBox="1"/>
           <p:nvPr/>
         </p:nvSpPr>
@@ -10971,7 +11419,7 @@
       </p:sp>
       <p:sp>
         <p:nvSpPr>
-          <p:cNvPr id="7" name="TextBox 6"/>
+          <p:cNvPr id="8" name="TextBox 7"/>
           <p:cNvSpPr txBox="1"/>
           <p:nvPr/>
         </p:nvSpPr>
@@ -11027,7 +11475,7 @@
       </p:sp>
       <p:sp>
         <p:nvSpPr>
-          <p:cNvPr id="8" name="TextBox 7"/>
+          <p:cNvPr id="9" name="TextBox 8"/>
           <p:cNvSpPr txBox="1"/>
           <p:nvPr/>
         </p:nvSpPr>
@@ -11091,7 +11539,7 @@
       </p:sp>
       <p:sp>
         <p:nvSpPr>
-          <p:cNvPr id="9" name="TextBox 8"/>
+          <p:cNvPr id="10" name="TextBox 9"/>
           <p:cNvSpPr txBox="1"/>
           <p:nvPr/>
         </p:nvSpPr>
@@ -11155,7 +11603,7 @@
       </p:sp>
       <p:sp>
         <p:nvSpPr>
-          <p:cNvPr id="10" name="TextBox 9"/>
+          <p:cNvPr id="11" name="TextBox 10"/>
           <p:cNvSpPr txBox="1"/>
           <p:nvPr/>
         </p:nvSpPr>
@@ -11219,7 +11667,7 @@
       </p:sp>
       <p:sp>
         <p:nvSpPr>
-          <p:cNvPr id="11" name="TextBox 10"/>
+          <p:cNvPr id="12" name="TextBox 11"/>
           <p:cNvSpPr txBox="1"/>
           <p:nvPr/>
         </p:nvSpPr>
@@ -11300,7 +11748,7 @@
         <p:spPr>
           <a:xfrm>
             <a:off x="457200" y="457200"/>
-            <a:ext cx="13258800" cy="457200"/>
+            <a:ext cx="11887200" cy="457200"/>
           </a:xfrm>
           <a:prstGeom prst="rect">
             <a:avLst/>
@@ -11314,11 +11762,11 @@
           <a:lstStyle/>
           <a:p/>
           <a:p>
-            <a:pPr algn="ctr">
+            <a:pPr algn="l">
               <a:defRPr sz="2000"/>
             </a:pPr>
             <a:r>
-              <a:t>SREという概念が存在しない想定でSREを考案しビジネス化 (2003-08-01)</a:t>
+              <a:t>SREという概念が存在しない想定でSREを考案しビジネス化</a:t>
             </a:r>
           </a:p>
         </p:txBody>
@@ -11326,6 +11774,38 @@
       <p:sp>
         <p:nvSpPr>
           <p:cNvPr id="3" name="TextBox 2"/>
+          <p:cNvSpPr txBox="1"/>
+          <p:nvPr/>
+        </p:nvSpPr>
+        <p:spPr>
+          <a:xfrm>
+            <a:off x="12801600" y="457200"/>
+            <a:ext cx="914400" cy="457200"/>
+          </a:xfrm>
+          <a:prstGeom prst="rect">
+            <a:avLst/>
+          </a:prstGeom>
+          <a:noFill/>
+        </p:spPr>
+        <p:txBody>
+          <a:bodyPr wrap="none">
+            <a:spAutoFit/>
+          </a:bodyPr>
+          <a:lstStyle/>
+          <a:p/>
+          <a:p>
+            <a:pPr algn="r">
+              <a:defRPr sz="2000"/>
+            </a:pPr>
+            <a:r>
+              <a:t>2003-08-01</a:t>
+            </a:r>
+          </a:p>
+        </p:txBody>
+      </p:sp>
+      <p:sp>
+        <p:nvSpPr>
+          <p:cNvPr id="4" name="TextBox 3"/>
           <p:cNvSpPr txBox="1"/>
           <p:nvPr/>
         </p:nvSpPr>
@@ -11389,7 +11869,7 @@
       </p:sp>
       <p:sp>
         <p:nvSpPr>
-          <p:cNvPr id="4" name="TextBox 3"/>
+          <p:cNvPr id="5" name="TextBox 4"/>
           <p:cNvSpPr txBox="1"/>
           <p:nvPr/>
         </p:nvSpPr>
@@ -11453,7 +11933,7 @@
       </p:sp>
       <p:sp>
         <p:nvSpPr>
-          <p:cNvPr id="5" name="TextBox 4"/>
+          <p:cNvPr id="6" name="TextBox 5"/>
           <p:cNvSpPr txBox="1"/>
           <p:nvPr/>
         </p:nvSpPr>
@@ -11517,7 +11997,7 @@
       </p:sp>
       <p:sp>
         <p:nvSpPr>
-          <p:cNvPr id="6" name="TextBox 5"/>
+          <p:cNvPr id="7" name="TextBox 6"/>
           <p:cNvSpPr txBox="1"/>
           <p:nvPr/>
         </p:nvSpPr>
@@ -11565,7 +12045,7 @@
       </p:sp>
       <p:sp>
         <p:nvSpPr>
-          <p:cNvPr id="7" name="TextBox 6"/>
+          <p:cNvPr id="8" name="TextBox 7"/>
           <p:cNvSpPr txBox="1"/>
           <p:nvPr/>
         </p:nvSpPr>
@@ -11621,7 +12101,7 @@
       </p:sp>
       <p:sp>
         <p:nvSpPr>
-          <p:cNvPr id="8" name="TextBox 7"/>
+          <p:cNvPr id="9" name="TextBox 8"/>
           <p:cNvSpPr txBox="1"/>
           <p:nvPr/>
         </p:nvSpPr>
@@ -11685,7 +12165,7 @@
       </p:sp>
       <p:sp>
         <p:nvSpPr>
-          <p:cNvPr id="9" name="TextBox 8"/>
+          <p:cNvPr id="10" name="TextBox 9"/>
           <p:cNvSpPr txBox="1"/>
           <p:nvPr/>
         </p:nvSpPr>
@@ -11741,7 +12221,7 @@
       </p:sp>
       <p:sp>
         <p:nvSpPr>
-          <p:cNvPr id="10" name="TextBox 9"/>
+          <p:cNvPr id="11" name="TextBox 10"/>
           <p:cNvSpPr txBox="1"/>
           <p:nvPr/>
         </p:nvSpPr>
@@ -11805,7 +12285,7 @@
       </p:sp>
       <p:sp>
         <p:nvSpPr>
-          <p:cNvPr id="11" name="TextBox 10"/>
+          <p:cNvPr id="12" name="TextBox 11"/>
           <p:cNvSpPr txBox="1"/>
           <p:nvPr/>
         </p:nvSpPr>
@@ -11894,7 +12374,7 @@
         <p:spPr>
           <a:xfrm>
             <a:off x="457200" y="457200"/>
-            <a:ext cx="13258800" cy="457200"/>
+            <a:ext cx="11887200" cy="457200"/>
           </a:xfrm>
           <a:prstGeom prst="rect">
             <a:avLst/>
@@ -11908,11 +12388,11 @@
           <a:lstStyle/>
           <a:p/>
           <a:p>
-            <a:pPr algn="ctr">
+            <a:pPr algn="l">
               <a:defRPr sz="2000"/>
             </a:pPr>
             <a:r>
-              <a:t>nCino (2012-07-12)</a:t>
+              <a:t>nCino</a:t>
             </a:r>
           </a:p>
         </p:txBody>
@@ -11920,6 +12400,38 @@
       <p:sp>
         <p:nvSpPr>
           <p:cNvPr id="3" name="TextBox 2"/>
+          <p:cNvSpPr txBox="1"/>
+          <p:nvPr/>
+        </p:nvSpPr>
+        <p:spPr>
+          <a:xfrm>
+            <a:off x="12801600" y="457200"/>
+            <a:ext cx="914400" cy="457200"/>
+          </a:xfrm>
+          <a:prstGeom prst="rect">
+            <a:avLst/>
+          </a:prstGeom>
+          <a:noFill/>
+        </p:spPr>
+        <p:txBody>
+          <a:bodyPr wrap="none">
+            <a:spAutoFit/>
+          </a:bodyPr>
+          <a:lstStyle/>
+          <a:p/>
+          <a:p>
+            <a:pPr algn="r">
+              <a:defRPr sz="2000"/>
+            </a:pPr>
+            <a:r>
+              <a:t>2012-07-12</a:t>
+            </a:r>
+          </a:p>
+        </p:txBody>
+      </p:sp>
+      <p:sp>
+        <p:nvSpPr>
+          <p:cNvPr id="4" name="TextBox 3"/>
           <p:cNvSpPr txBox="1"/>
           <p:nvPr/>
         </p:nvSpPr>
@@ -11983,7 +12495,7 @@
       </p:sp>
       <p:sp>
         <p:nvSpPr>
-          <p:cNvPr id="4" name="TextBox 3"/>
+          <p:cNvPr id="5" name="TextBox 4"/>
           <p:cNvSpPr txBox="1"/>
           <p:nvPr/>
         </p:nvSpPr>
@@ -12047,7 +12559,7 @@
       </p:sp>
       <p:sp>
         <p:nvSpPr>
-          <p:cNvPr id="5" name="TextBox 4"/>
+          <p:cNvPr id="6" name="TextBox 5"/>
           <p:cNvSpPr txBox="1"/>
           <p:nvPr/>
         </p:nvSpPr>
@@ -12111,7 +12623,7 @@
       </p:sp>
       <p:sp>
         <p:nvSpPr>
-          <p:cNvPr id="6" name="TextBox 5"/>
+          <p:cNvPr id="7" name="TextBox 6"/>
           <p:cNvSpPr txBox="1"/>
           <p:nvPr/>
         </p:nvSpPr>
@@ -12159,7 +12671,7 @@
       </p:sp>
       <p:sp>
         <p:nvSpPr>
-          <p:cNvPr id="7" name="TextBox 6"/>
+          <p:cNvPr id="8" name="TextBox 7"/>
           <p:cNvSpPr txBox="1"/>
           <p:nvPr/>
         </p:nvSpPr>
@@ -12215,7 +12727,7 @@
       </p:sp>
       <p:sp>
         <p:nvSpPr>
-          <p:cNvPr id="8" name="TextBox 7"/>
+          <p:cNvPr id="9" name="TextBox 8"/>
           <p:cNvSpPr txBox="1"/>
           <p:nvPr/>
         </p:nvSpPr>
@@ -12271,7 +12783,7 @@
       </p:sp>
       <p:sp>
         <p:nvSpPr>
-          <p:cNvPr id="9" name="TextBox 8"/>
+          <p:cNvPr id="10" name="TextBox 9"/>
           <p:cNvSpPr txBox="1"/>
           <p:nvPr/>
         </p:nvSpPr>
@@ -12327,7 +12839,7 @@
       </p:sp>
       <p:sp>
         <p:nvSpPr>
-          <p:cNvPr id="10" name="TextBox 9"/>
+          <p:cNvPr id="11" name="TextBox 10"/>
           <p:cNvSpPr txBox="1"/>
           <p:nvPr/>
         </p:nvSpPr>
@@ -12391,7 +12903,7 @@
       </p:sp>
       <p:sp>
         <p:nvSpPr>
-          <p:cNvPr id="11" name="TextBox 10"/>
+          <p:cNvPr id="12" name="TextBox 11"/>
           <p:cNvSpPr txBox="1"/>
           <p:nvPr/>
         </p:nvSpPr>

--- a/sample.pptx
+++ b/sample.pptx
@@ -3127,7 +3127,9 @@
           <a:p/>
           <a:p>
             <a:pPr algn="l">
-              <a:defRPr sz="2000"/>
+              <a:defRPr sz="2000">
+                <a:latin typeface="Yu Gothic UI"/>
+              </a:defRPr>
             </a:pPr>
             <a:r>
               <a:t>Google (at the beginning)</a:t>
@@ -3159,7 +3161,9 @@
           <a:p/>
           <a:p>
             <a:pPr algn="r">
-              <a:defRPr sz="2000"/>
+              <a:defRPr sz="2000">
+                <a:latin typeface="Yu Gothic UI"/>
+              </a:defRPr>
             </a:pPr>
             <a:r>
               <a:t>1998-09-04</a:t>
@@ -3199,6 +3203,7 @@
                 <a:solidFill>
                   <a:srgbClr val="008000"/>
                 </a:solidFill>
+                <a:latin typeface="Yu Gothic UI"/>
               </a:defRPr>
             </a:pPr>
             <a:r>
@@ -3207,26 +3212,32 @@
           </a:p>
           <a:p>
             <a:pPr>
-              <a:defRPr sz="900"/>
-            </a:pPr>
-            <a:r>
-              <a:t>・ウェブページの検索が不完全で不便</a:t>
-            </a:r>
-          </a:p>
-          <a:p>
-            <a:pPr>
-              <a:defRPr sz="900"/>
-            </a:pPr>
-            <a:r>
-              <a:t>・検索結果の品質が一定でない</a:t>
-            </a:r>
-          </a:p>
-          <a:p>
-            <a:pPr>
-              <a:defRPr sz="900"/>
-            </a:pPr>
-            <a:r>
-              <a:t>・検索結果のリレバンスが低い</a:t>
+              <a:defRPr sz="1000">
+                <a:latin typeface="Yu Gothic UI"/>
+              </a:defRPr>
+            </a:pPr>
+            <a:r>
+              <a:t>•ウェブページの検索が不完全で不便</a:t>
+            </a:r>
+          </a:p>
+          <a:p>
+            <a:pPr>
+              <a:defRPr sz="1000">
+                <a:latin typeface="Yu Gothic UI"/>
+              </a:defRPr>
+            </a:pPr>
+            <a:r>
+              <a:t>•検索結果の品質が一定でない</a:t>
+            </a:r>
+          </a:p>
+          <a:p>
+            <a:pPr>
+              <a:defRPr sz="1000">
+                <a:latin typeface="Yu Gothic UI"/>
+              </a:defRPr>
+            </a:pPr>
+            <a:r>
+              <a:t>•検索結果のリレバンスが低い</a:t>
             </a:r>
           </a:p>
         </p:txBody>
@@ -3263,6 +3274,7 @@
                 <a:solidFill>
                   <a:srgbClr val="008000"/>
                 </a:solidFill>
+                <a:latin typeface="Yu Gothic UI"/>
               </a:defRPr>
             </a:pPr>
             <a:r>
@@ -3271,26 +3283,32 @@
           </a:p>
           <a:p>
             <a:pPr>
-              <a:defRPr sz="900"/>
-            </a:pPr>
-            <a:r>
-              <a:t>・PageRankアルゴリズムを使用した高品質な検索エンジン</a:t>
-            </a:r>
-          </a:p>
-          <a:p>
-            <a:pPr>
-              <a:defRPr sz="900"/>
-            </a:pPr>
-            <a:r>
-              <a:t>・ユーザーの検索体験を改善</a:t>
-            </a:r>
-          </a:p>
-          <a:p>
-            <a:pPr>
-              <a:defRPr sz="900"/>
-            </a:pPr>
-            <a:r>
-              <a:t>・ウェブページの整理と検索の効率化</a:t>
+              <a:defRPr sz="1000">
+                <a:latin typeface="Yu Gothic UI"/>
+              </a:defRPr>
+            </a:pPr>
+            <a:r>
+              <a:t>•PageRankアルゴリズムを使用した高品質な検索エンジン</a:t>
+            </a:r>
+          </a:p>
+          <a:p>
+            <a:pPr>
+              <a:defRPr sz="1000">
+                <a:latin typeface="Yu Gothic UI"/>
+              </a:defRPr>
+            </a:pPr>
+            <a:r>
+              <a:t>•ユーザーの検索体験を改善</a:t>
+            </a:r>
+          </a:p>
+          <a:p>
+            <a:pPr>
+              <a:defRPr sz="1000">
+                <a:latin typeface="Yu Gothic UI"/>
+              </a:defRPr>
+            </a:pPr>
+            <a:r>
+              <a:t>•ウェブページの整理と検索の効率化</a:t>
             </a:r>
           </a:p>
         </p:txBody>
@@ -3327,6 +3345,7 @@
                 <a:solidFill>
                   <a:srgbClr val="008000"/>
                 </a:solidFill>
+                <a:latin typeface="Yu Gothic UI"/>
               </a:defRPr>
             </a:pPr>
             <a:r>
@@ -3335,26 +3354,32 @@
           </a:p>
           <a:p>
             <a:pPr>
-              <a:defRPr sz="900"/>
-            </a:pPr>
-            <a:r>
-              <a:t>・検索クエリ数</a:t>
-            </a:r>
-          </a:p>
-          <a:p>
-            <a:pPr>
-              <a:defRPr sz="900"/>
-            </a:pPr>
-            <a:r>
-              <a:t>・アクティブユーザー数</a:t>
-            </a:r>
-          </a:p>
-          <a:p>
-            <a:pPr>
-              <a:defRPr sz="900"/>
-            </a:pPr>
-            <a:r>
-              <a:t>・ユーザーフィードバック</a:t>
+              <a:defRPr sz="1000">
+                <a:latin typeface="Yu Gothic UI"/>
+              </a:defRPr>
+            </a:pPr>
+            <a:r>
+              <a:t>•検索クエリ数</a:t>
+            </a:r>
+          </a:p>
+          <a:p>
+            <a:pPr>
+              <a:defRPr sz="1000">
+                <a:latin typeface="Yu Gothic UI"/>
+              </a:defRPr>
+            </a:pPr>
+            <a:r>
+              <a:t>•アクティブユーザー数</a:t>
+            </a:r>
+          </a:p>
+          <a:p>
+            <a:pPr>
+              <a:defRPr sz="1000">
+                <a:latin typeface="Yu Gothic UI"/>
+              </a:defRPr>
+            </a:pPr>
+            <a:r>
+              <a:t>•ユーザーフィードバック</a:t>
             </a:r>
           </a:p>
         </p:txBody>
@@ -3391,6 +3416,7 @@
                 <a:solidFill>
                   <a:srgbClr val="008000"/>
                 </a:solidFill>
+                <a:latin typeface="Yu Gothic UI"/>
               </a:defRPr>
             </a:pPr>
             <a:r>
@@ -3399,18 +3425,22 @@
           </a:p>
           <a:p>
             <a:pPr>
-              <a:defRPr sz="900"/>
-            </a:pPr>
-            <a:r>
-              <a:t>・最も関連性の高い情報を素早く見つける</a:t>
-            </a:r>
-          </a:p>
-          <a:p>
-            <a:pPr>
-              <a:defRPr sz="900"/>
-            </a:pPr>
-            <a:r>
-              <a:t>・ウェブを効率的に探索するための強力なツール</a:t>
+              <a:defRPr sz="1000">
+                <a:latin typeface="Yu Gothic UI"/>
+              </a:defRPr>
+            </a:pPr>
+            <a:r>
+              <a:t>•最も関連性の高い情報を素早く見つける</a:t>
+            </a:r>
+          </a:p>
+          <a:p>
+            <a:pPr>
+              <a:defRPr sz="1000">
+                <a:latin typeface="Yu Gothic UI"/>
+              </a:defRPr>
+            </a:pPr>
+            <a:r>
+              <a:t>•ウェブを効率的に探索するための強力なツール</a:t>
             </a:r>
           </a:p>
         </p:txBody>
@@ -3447,6 +3477,7 @@
                 <a:solidFill>
                   <a:srgbClr val="008000"/>
                 </a:solidFill>
+                <a:latin typeface="Yu Gothic UI"/>
               </a:defRPr>
             </a:pPr>
             <a:r>
@@ -3455,18 +3486,22 @@
           </a:p>
           <a:p>
             <a:pPr>
-              <a:defRPr sz="900"/>
-            </a:pPr>
-            <a:r>
-              <a:t>・高度な検索アルゴリズム (PageRank)</a:t>
-            </a:r>
-          </a:p>
-          <a:p>
-            <a:pPr>
-              <a:defRPr sz="900"/>
-            </a:pPr>
-            <a:r>
-              <a:t>・他の検索エンジンと比べて優れた検索結果</a:t>
+              <a:defRPr sz="1000">
+                <a:latin typeface="Yu Gothic UI"/>
+              </a:defRPr>
+            </a:pPr>
+            <a:r>
+              <a:t>•高度な検索アルゴリズム (PageRank)</a:t>
+            </a:r>
+          </a:p>
+          <a:p>
+            <a:pPr>
+              <a:defRPr sz="1000">
+                <a:latin typeface="Yu Gothic UI"/>
+              </a:defRPr>
+            </a:pPr>
+            <a:r>
+              <a:t>•他の検索エンジンと比べて優れた検索結果</a:t>
             </a:r>
           </a:p>
         </p:txBody>
@@ -3503,6 +3538,7 @@
                 <a:solidFill>
                   <a:srgbClr val="008000"/>
                 </a:solidFill>
+                <a:latin typeface="Yu Gothic UI"/>
               </a:defRPr>
             </a:pPr>
             <a:r>
@@ -3511,26 +3547,32 @@
           </a:p>
           <a:p>
             <a:pPr>
-              <a:defRPr sz="900"/>
-            </a:pPr>
-            <a:r>
-              <a:t>・ウェブサイト</a:t>
-            </a:r>
-          </a:p>
-          <a:p>
-            <a:pPr>
-              <a:defRPr sz="900"/>
-            </a:pPr>
-            <a:r>
-              <a:t>・ワード・オブ・マウス</a:t>
-            </a:r>
-          </a:p>
-          <a:p>
-            <a:pPr>
-              <a:defRPr sz="900"/>
-            </a:pPr>
-            <a:r>
-              <a:t>・メディア露出</a:t>
+              <a:defRPr sz="1000">
+                <a:latin typeface="Yu Gothic UI"/>
+              </a:defRPr>
+            </a:pPr>
+            <a:r>
+              <a:t>•ウェブサイト</a:t>
+            </a:r>
+          </a:p>
+          <a:p>
+            <a:pPr>
+              <a:defRPr sz="1000">
+                <a:latin typeface="Yu Gothic UI"/>
+              </a:defRPr>
+            </a:pPr>
+            <a:r>
+              <a:t>•ワード・オブ・マウス</a:t>
+            </a:r>
+          </a:p>
+          <a:p>
+            <a:pPr>
+              <a:defRPr sz="1000">
+                <a:latin typeface="Yu Gothic UI"/>
+              </a:defRPr>
+            </a:pPr>
+            <a:r>
+              <a:t>•メディア露出</a:t>
             </a:r>
           </a:p>
         </p:txBody>
@@ -3567,6 +3609,7 @@
                 <a:solidFill>
                   <a:srgbClr val="008000"/>
                 </a:solidFill>
+                <a:latin typeface="Yu Gothic UI"/>
               </a:defRPr>
             </a:pPr>
             <a:r>
@@ -3575,18 +3618,22 @@
           </a:p>
           <a:p>
             <a:pPr>
-              <a:defRPr sz="900"/>
-            </a:pPr>
-            <a:r>
-              <a:t>・インターネットユーザー全体</a:t>
-            </a:r>
-          </a:p>
-          <a:p>
-            <a:pPr>
-              <a:defRPr sz="900"/>
-            </a:pPr>
-            <a:r>
-              <a:t>・ビジネスで情報を必要とする人々</a:t>
+              <a:defRPr sz="1000">
+                <a:latin typeface="Yu Gothic UI"/>
+              </a:defRPr>
+            </a:pPr>
+            <a:r>
+              <a:t>•インターネットユーザー全体</a:t>
+            </a:r>
+          </a:p>
+          <a:p>
+            <a:pPr>
+              <a:defRPr sz="1000">
+                <a:latin typeface="Yu Gothic UI"/>
+              </a:defRPr>
+            </a:pPr>
+            <a:r>
+              <a:t>•ビジネスで情報を必要とする人々</a:t>
             </a:r>
           </a:p>
         </p:txBody>
@@ -3623,6 +3670,7 @@
                 <a:solidFill>
                   <a:srgbClr val="008000"/>
                 </a:solidFill>
+                <a:latin typeface="Yu Gothic UI"/>
               </a:defRPr>
             </a:pPr>
             <a:r>
@@ -3631,26 +3679,32 @@
           </a:p>
           <a:p>
             <a:pPr>
-              <a:defRPr sz="900"/>
-            </a:pPr>
-            <a:r>
-              <a:t>・サーバーとインフラストラクチャの維持</a:t>
-            </a:r>
-          </a:p>
-          <a:p>
-            <a:pPr>
-              <a:defRPr sz="900"/>
-            </a:pPr>
-            <a:r>
-              <a:t>・アルゴリズムとソフトウェアの開発</a:t>
-            </a:r>
-          </a:p>
-          <a:p>
-            <a:pPr>
-              <a:defRPr sz="900"/>
-            </a:pPr>
-            <a:r>
-              <a:t>・マーケティングとブランド構築</a:t>
+              <a:defRPr sz="1000">
+                <a:latin typeface="Yu Gothic UI"/>
+              </a:defRPr>
+            </a:pPr>
+            <a:r>
+              <a:t>•サーバーとインフラストラクチャの維持</a:t>
+            </a:r>
+          </a:p>
+          <a:p>
+            <a:pPr>
+              <a:defRPr sz="1000">
+                <a:latin typeface="Yu Gothic UI"/>
+              </a:defRPr>
+            </a:pPr>
+            <a:r>
+              <a:t>•アルゴリズムとソフトウェアの開発</a:t>
+            </a:r>
+          </a:p>
+          <a:p>
+            <a:pPr>
+              <a:defRPr sz="1000">
+                <a:latin typeface="Yu Gothic UI"/>
+              </a:defRPr>
+            </a:pPr>
+            <a:r>
+              <a:t>•マーケティングとブランド構築</a:t>
             </a:r>
           </a:p>
         </p:txBody>
@@ -3687,6 +3741,7 @@
                 <a:solidFill>
                   <a:srgbClr val="008000"/>
                 </a:solidFill>
+                <a:latin typeface="Yu Gothic UI"/>
               </a:defRPr>
             </a:pPr>
             <a:r>
@@ -3695,10 +3750,12 @@
           </a:p>
           <a:p>
             <a:pPr>
-              <a:defRPr sz="900"/>
-            </a:pPr>
-            <a:r>
-              <a:t>・広告収入 (AdWordsとAdSense)</a:t>
+              <a:defRPr sz="1000">
+                <a:latin typeface="Yu Gothic UI"/>
+              </a:defRPr>
+            </a:pPr>
+            <a:r>
+              <a:t>•広告収入 (AdWordsとAdSense)</a:t>
             </a:r>
           </a:p>
         </p:txBody>
@@ -3745,7 +3802,9 @@
           <a:p/>
           <a:p>
             <a:pPr algn="l">
-              <a:defRPr sz="2000"/>
+              <a:defRPr sz="2000">
+                <a:latin typeface="Yu Gothic UI"/>
+              </a:defRPr>
             </a:pPr>
             <a:r>
               <a:t>NANOX</a:t>
@@ -3777,7 +3836,9 @@
           <a:p/>
           <a:p>
             <a:pPr algn="r">
-              <a:defRPr sz="2000"/>
+              <a:defRPr sz="2000">
+                <a:latin typeface="Yu Gothic UI"/>
+              </a:defRPr>
             </a:pPr>
             <a:r>
               <a:t>2016-01-01</a:t>
@@ -3817,6 +3878,7 @@
                 <a:solidFill>
                   <a:srgbClr val="008000"/>
                 </a:solidFill>
+                <a:latin typeface="Yu Gothic UI"/>
               </a:defRPr>
             </a:pPr>
             <a:r>
@@ -3825,26 +3887,32 @@
           </a:p>
           <a:p>
             <a:pPr>
-              <a:defRPr sz="900"/>
-            </a:pPr>
-            <a:r>
-              <a:t>・X線装置の高コスト</a:t>
-            </a:r>
-          </a:p>
-          <a:p>
-            <a:pPr>
-              <a:defRPr sz="900"/>
-            </a:pPr>
-            <a:r>
-              <a:t>・アクセス困難な地域での医療診断の限定性</a:t>
-            </a:r>
-          </a:p>
-          <a:p>
-            <a:pPr>
-              <a:defRPr sz="900"/>
-            </a:pPr>
-            <a:r>
-              <a:t>・診断結果の待ち時間</a:t>
+              <a:defRPr sz="1000">
+                <a:latin typeface="Yu Gothic UI"/>
+              </a:defRPr>
+            </a:pPr>
+            <a:r>
+              <a:t>•X線装置の高コスト</a:t>
+            </a:r>
+          </a:p>
+          <a:p>
+            <a:pPr>
+              <a:defRPr sz="1000">
+                <a:latin typeface="Yu Gothic UI"/>
+              </a:defRPr>
+            </a:pPr>
+            <a:r>
+              <a:t>•アクセス困難な地域での医療診断の限定性</a:t>
+            </a:r>
+          </a:p>
+          <a:p>
+            <a:pPr>
+              <a:defRPr sz="1000">
+                <a:latin typeface="Yu Gothic UI"/>
+              </a:defRPr>
+            </a:pPr>
+            <a:r>
+              <a:t>•診断結果の待ち時間</a:t>
             </a:r>
           </a:p>
         </p:txBody>
@@ -3881,6 +3949,7 @@
                 <a:solidFill>
                   <a:srgbClr val="008000"/>
                 </a:solidFill>
+                <a:latin typeface="Yu Gothic UI"/>
               </a:defRPr>
             </a:pPr>
             <a:r>
@@ -3889,26 +3958,32 @@
           </a:p>
           <a:p>
             <a:pPr>
-              <a:defRPr sz="900"/>
-            </a:pPr>
-            <a:r>
-              <a:t>・低コストで小型のX線機器 (Nanox.ARC)</a:t>
-            </a:r>
-          </a:p>
-          <a:p>
-            <a:pPr>
-              <a:defRPr sz="900"/>
-            </a:pPr>
-            <a:r>
-              <a:t>・クラウドベースの診断ネットワーク (Nanox.Cloud)</a:t>
-            </a:r>
-          </a:p>
-          <a:p>
-            <a:pPr>
-              <a:defRPr sz="900"/>
-            </a:pPr>
-            <a:r>
-              <a:t>・AIを使用した即時の診断サポート</a:t>
+              <a:defRPr sz="1000">
+                <a:latin typeface="Yu Gothic UI"/>
+              </a:defRPr>
+            </a:pPr>
+            <a:r>
+              <a:t>•低コストで小型のX線機器 (Nanox.ARC)</a:t>
+            </a:r>
+          </a:p>
+          <a:p>
+            <a:pPr>
+              <a:defRPr sz="1000">
+                <a:latin typeface="Yu Gothic UI"/>
+              </a:defRPr>
+            </a:pPr>
+            <a:r>
+              <a:t>•クラウドベースの診断ネットワーク (Nanox.Cloud)</a:t>
+            </a:r>
+          </a:p>
+          <a:p>
+            <a:pPr>
+              <a:defRPr sz="1000">
+                <a:latin typeface="Yu Gothic UI"/>
+              </a:defRPr>
+            </a:pPr>
+            <a:r>
+              <a:t>•AIを使用した即時の診断サポート</a:t>
             </a:r>
           </a:p>
         </p:txBody>
@@ -3945,6 +4020,7 @@
                 <a:solidFill>
                   <a:srgbClr val="008000"/>
                 </a:solidFill>
+                <a:latin typeface="Yu Gothic UI"/>
               </a:defRPr>
             </a:pPr>
             <a:r>
@@ -3953,26 +4029,32 @@
           </a:p>
           <a:p>
             <a:pPr>
-              <a:defRPr sz="900"/>
-            </a:pPr>
-            <a:r>
-              <a:t>・Nanox.ARCの出荷数</a:t>
-            </a:r>
-          </a:p>
-          <a:p>
-            <a:pPr>
-              <a:defRPr sz="900"/>
-            </a:pPr>
-            <a:r>
-              <a:t>・Nanox.Cloudへの接続数</a:t>
-            </a:r>
-          </a:p>
-          <a:p>
-            <a:pPr>
-              <a:defRPr sz="900"/>
-            </a:pPr>
-            <a:r>
-              <a:t>・AIによる診断処理量</a:t>
+              <a:defRPr sz="1000">
+                <a:latin typeface="Yu Gothic UI"/>
+              </a:defRPr>
+            </a:pPr>
+            <a:r>
+              <a:t>•Nanox.ARCの出荷数</a:t>
+            </a:r>
+          </a:p>
+          <a:p>
+            <a:pPr>
+              <a:defRPr sz="1000">
+                <a:latin typeface="Yu Gothic UI"/>
+              </a:defRPr>
+            </a:pPr>
+            <a:r>
+              <a:t>•Nanox.Cloudへの接続数</a:t>
+            </a:r>
+          </a:p>
+          <a:p>
+            <a:pPr>
+              <a:defRPr sz="1000">
+                <a:latin typeface="Yu Gothic UI"/>
+              </a:defRPr>
+            </a:pPr>
+            <a:r>
+              <a:t>•AIによる診断処理量</a:t>
             </a:r>
           </a:p>
         </p:txBody>
@@ -4009,6 +4091,7 @@
                 <a:solidFill>
                   <a:srgbClr val="008000"/>
                 </a:solidFill>
+                <a:latin typeface="Yu Gothic UI"/>
               </a:defRPr>
             </a:pPr>
             <a:r>
@@ -4017,10 +4100,12 @@
           </a:p>
           <a:p>
             <a:pPr>
-              <a:defRPr sz="900"/>
-            </a:pPr>
-            <a:r>
-              <a:t>・低コストでアクセス可能なX線診断技術の提供</a:t>
+              <a:defRPr sz="1000">
+                <a:latin typeface="Yu Gothic UI"/>
+              </a:defRPr>
+            </a:pPr>
+            <a:r>
+              <a:t>•低コストでアクセス可能なX線診断技術の提供</a:t>
             </a:r>
           </a:p>
         </p:txBody>
@@ -4057,6 +4142,7 @@
                 <a:solidFill>
                   <a:srgbClr val="008000"/>
                 </a:solidFill>
+                <a:latin typeface="Yu Gothic UI"/>
               </a:defRPr>
             </a:pPr>
             <a:r>
@@ -4065,18 +4151,22 @@
           </a:p>
           <a:p>
             <a:pPr>
-              <a:defRPr sz="900"/>
-            </a:pPr>
-            <a:r>
-              <a:t>・革新的な低コストX線装置の開発</a:t>
-            </a:r>
-          </a:p>
-          <a:p>
-            <a:pPr>
-              <a:defRPr sz="900"/>
-            </a:pPr>
-            <a:r>
-              <a:t>・クラウドベースの診断プラットフォームを組み合わせた統合ソリューション</a:t>
+              <a:defRPr sz="1000">
+                <a:latin typeface="Yu Gothic UI"/>
+              </a:defRPr>
+            </a:pPr>
+            <a:r>
+              <a:t>•革新的な低コストX線装置の開発</a:t>
+            </a:r>
+          </a:p>
+          <a:p>
+            <a:pPr>
+              <a:defRPr sz="1000">
+                <a:latin typeface="Yu Gothic UI"/>
+              </a:defRPr>
+            </a:pPr>
+            <a:r>
+              <a:t>•クラウドベースの診断プラットフォームを組み合わせた統合ソリューション</a:t>
             </a:r>
           </a:p>
         </p:txBody>
@@ -4113,6 +4203,7 @@
                 <a:solidFill>
                   <a:srgbClr val="008000"/>
                 </a:solidFill>
+                <a:latin typeface="Yu Gothic UI"/>
               </a:defRPr>
             </a:pPr>
             <a:r>
@@ -4121,26 +4212,32 @@
           </a:p>
           <a:p>
             <a:pPr>
-              <a:defRPr sz="900"/>
-            </a:pPr>
-            <a:r>
-              <a:t>・医療機関へのダイレクトセールス</a:t>
-            </a:r>
-          </a:p>
-          <a:p>
-            <a:pPr>
-              <a:defRPr sz="900"/>
-            </a:pPr>
-            <a:r>
-              <a:t>・医療関連のイベントやカンファレンス</a:t>
-            </a:r>
-          </a:p>
-          <a:p>
-            <a:pPr>
-              <a:defRPr sz="900"/>
-            </a:pPr>
-            <a:r>
-              <a:t>・オンライン（ウェブサイト、ソーシャルメディア）</a:t>
+              <a:defRPr sz="1000">
+                <a:latin typeface="Yu Gothic UI"/>
+              </a:defRPr>
+            </a:pPr>
+            <a:r>
+              <a:t>•医療機関へのダイレクトセールス</a:t>
+            </a:r>
+          </a:p>
+          <a:p>
+            <a:pPr>
+              <a:defRPr sz="1000">
+                <a:latin typeface="Yu Gothic UI"/>
+              </a:defRPr>
+            </a:pPr>
+            <a:r>
+              <a:t>•医療関連のイベントやカンファレンス</a:t>
+            </a:r>
+          </a:p>
+          <a:p>
+            <a:pPr>
+              <a:defRPr sz="1000">
+                <a:latin typeface="Yu Gothic UI"/>
+              </a:defRPr>
+            </a:pPr>
+            <a:r>
+              <a:t>•オンライン（ウェブサイト、ソーシャルメディア）</a:t>
             </a:r>
           </a:p>
         </p:txBody>
@@ -4177,6 +4274,7 @@
                 <a:solidFill>
                   <a:srgbClr val="008000"/>
                 </a:solidFill>
+                <a:latin typeface="Yu Gothic UI"/>
               </a:defRPr>
             </a:pPr>
             <a:r>
@@ -4185,26 +4283,32 @@
           </a:p>
           <a:p>
             <a:pPr>
-              <a:defRPr sz="900"/>
-            </a:pPr>
-            <a:r>
-              <a:t>・開発途上国の医療機関</a:t>
-            </a:r>
-          </a:p>
-          <a:p>
-            <a:pPr>
-              <a:defRPr sz="900"/>
-            </a:pPr>
-            <a:r>
-              <a:t>・地方のクリニックや小規模な病院</a:t>
-            </a:r>
-          </a:p>
-          <a:p>
-            <a:pPr>
-              <a:defRPr sz="900"/>
-            </a:pPr>
-            <a:r>
-              <a:t>・大規模な医療機関や病院</a:t>
+              <a:defRPr sz="1000">
+                <a:latin typeface="Yu Gothic UI"/>
+              </a:defRPr>
+            </a:pPr>
+            <a:r>
+              <a:t>•開発途上国の医療機関</a:t>
+            </a:r>
+          </a:p>
+          <a:p>
+            <a:pPr>
+              <a:defRPr sz="1000">
+                <a:latin typeface="Yu Gothic UI"/>
+              </a:defRPr>
+            </a:pPr>
+            <a:r>
+              <a:t>•地方のクリニックや小規模な病院</a:t>
+            </a:r>
+          </a:p>
+          <a:p>
+            <a:pPr>
+              <a:defRPr sz="1000">
+                <a:latin typeface="Yu Gothic UI"/>
+              </a:defRPr>
+            </a:pPr>
+            <a:r>
+              <a:t>•大規模な医療機関や病院</a:t>
             </a:r>
           </a:p>
         </p:txBody>
@@ -4241,6 +4345,7 @@
                 <a:solidFill>
                   <a:srgbClr val="008000"/>
                 </a:solidFill>
+                <a:latin typeface="Yu Gothic UI"/>
               </a:defRPr>
             </a:pPr>
             <a:r>
@@ -4249,26 +4354,32 @@
           </a:p>
           <a:p>
             <a:pPr>
-              <a:defRPr sz="900"/>
-            </a:pPr>
-            <a:r>
-              <a:t>・研究開発費用</a:t>
-            </a:r>
-          </a:p>
-          <a:p>
-            <a:pPr>
-              <a:defRPr sz="900"/>
-            </a:pPr>
-            <a:r>
-              <a:t>・生産コスト</a:t>
-            </a:r>
-          </a:p>
-          <a:p>
-            <a:pPr>
-              <a:defRPr sz="900"/>
-            </a:pPr>
-            <a:r>
-              <a:t>・マーケティングと営業のコスト</a:t>
+              <a:defRPr sz="1000">
+                <a:latin typeface="Yu Gothic UI"/>
+              </a:defRPr>
+            </a:pPr>
+            <a:r>
+              <a:t>•研究開発費用</a:t>
+            </a:r>
+          </a:p>
+          <a:p>
+            <a:pPr>
+              <a:defRPr sz="1000">
+                <a:latin typeface="Yu Gothic UI"/>
+              </a:defRPr>
+            </a:pPr>
+            <a:r>
+              <a:t>•生産コスト</a:t>
+            </a:r>
+          </a:p>
+          <a:p>
+            <a:pPr>
+              <a:defRPr sz="1000">
+                <a:latin typeface="Yu Gothic UI"/>
+              </a:defRPr>
+            </a:pPr>
+            <a:r>
+              <a:t>•マーケティングと営業のコスト</a:t>
             </a:r>
           </a:p>
         </p:txBody>
@@ -4305,6 +4416,7 @@
                 <a:solidFill>
                   <a:srgbClr val="008000"/>
                 </a:solidFill>
+                <a:latin typeface="Yu Gothic UI"/>
               </a:defRPr>
             </a:pPr>
             <a:r>
@@ -4313,26 +4425,32 @@
           </a:p>
           <a:p>
             <a:pPr>
-              <a:defRPr sz="900"/>
-            </a:pPr>
-            <a:r>
-              <a:t>・Nanox.ARCの販売</a:t>
-            </a:r>
-          </a:p>
-          <a:p>
-            <a:pPr>
-              <a:defRPr sz="900"/>
-            </a:pPr>
-            <a:r>
-              <a:t>・Nanox.Cloudのサービス利用料</a:t>
-            </a:r>
-          </a:p>
-          <a:p>
-            <a:pPr>
-              <a:defRPr sz="900"/>
-            </a:pPr>
-            <a:r>
-              <a:t>・AI診断サポートの利用料</a:t>
+              <a:defRPr sz="1000">
+                <a:latin typeface="Yu Gothic UI"/>
+              </a:defRPr>
+            </a:pPr>
+            <a:r>
+              <a:t>•Nanox.ARCの販売</a:t>
+            </a:r>
+          </a:p>
+          <a:p>
+            <a:pPr>
+              <a:defRPr sz="1000">
+                <a:latin typeface="Yu Gothic UI"/>
+              </a:defRPr>
+            </a:pPr>
+            <a:r>
+              <a:t>•Nanox.Cloudのサービス利用料</a:t>
+            </a:r>
+          </a:p>
+          <a:p>
+            <a:pPr>
+              <a:defRPr sz="1000">
+                <a:latin typeface="Yu Gothic UI"/>
+              </a:defRPr>
+            </a:pPr>
+            <a:r>
+              <a:t>•AI診断サポートの利用料</a:t>
             </a:r>
           </a:p>
         </p:txBody>
@@ -4379,7 +4497,9 @@
           <a:p/>
           <a:p>
             <a:pPr algn="l">
-              <a:defRPr sz="2000"/>
+              <a:defRPr sz="2000">
+                <a:latin typeface="Yu Gothic UI"/>
+              </a:defRPr>
             </a:pPr>
             <a:r>
               <a:t>Snowflake</a:t>
@@ -4411,7 +4531,9 @@
           <a:p/>
           <a:p>
             <a:pPr algn="r">
-              <a:defRPr sz="2000"/>
+              <a:defRPr sz="2000">
+                <a:latin typeface="Yu Gothic UI"/>
+              </a:defRPr>
             </a:pPr>
             <a:r>
               <a:t>2012-07-01</a:t>
@@ -4451,6 +4573,7 @@
                 <a:solidFill>
                   <a:srgbClr val="008000"/>
                 </a:solidFill>
+                <a:latin typeface="Yu Gothic UI"/>
               </a:defRPr>
             </a:pPr>
             <a:r>
@@ -4459,26 +4582,32 @@
           </a:p>
           <a:p>
             <a:pPr>
-              <a:defRPr sz="900"/>
-            </a:pPr>
-            <a:r>
-              <a:t>・既存のデータウェアハウスのスケーリング問題</a:t>
-            </a:r>
-          </a:p>
-          <a:p>
-            <a:pPr>
-              <a:defRPr sz="900"/>
-            </a:pPr>
-            <a:r>
-              <a:t>・データの一貫性とセキュリティの問題</a:t>
-            </a:r>
-          </a:p>
-          <a:p>
-            <a:pPr>
-              <a:defRPr sz="900"/>
-            </a:pPr>
-            <a:r>
-              <a:t>・データの処理速度の遅さ</a:t>
+              <a:defRPr sz="1000">
+                <a:latin typeface="Yu Gothic UI"/>
+              </a:defRPr>
+            </a:pPr>
+            <a:r>
+              <a:t>•既存のデータウェアハウスのスケーリング問題</a:t>
+            </a:r>
+          </a:p>
+          <a:p>
+            <a:pPr>
+              <a:defRPr sz="1000">
+                <a:latin typeface="Yu Gothic UI"/>
+              </a:defRPr>
+            </a:pPr>
+            <a:r>
+              <a:t>•データの一貫性とセキュリティの問題</a:t>
+            </a:r>
+          </a:p>
+          <a:p>
+            <a:pPr>
+              <a:defRPr sz="1000">
+                <a:latin typeface="Yu Gothic UI"/>
+              </a:defRPr>
+            </a:pPr>
+            <a:r>
+              <a:t>•データの処理速度の遅さ</a:t>
             </a:r>
           </a:p>
         </p:txBody>
@@ -4515,6 +4644,7 @@
                 <a:solidFill>
                   <a:srgbClr val="008000"/>
                 </a:solidFill>
+                <a:latin typeface="Yu Gothic UI"/>
               </a:defRPr>
             </a:pPr>
             <a:r>
@@ -4523,26 +4653,32 @@
           </a:p>
           <a:p>
             <a:pPr>
-              <a:defRPr sz="900"/>
-            </a:pPr>
-            <a:r>
-              <a:t>・クラウドネイティブのデータウェアハウス</a:t>
-            </a:r>
-          </a:p>
-          <a:p>
-            <a:pPr>
-              <a:defRPr sz="900"/>
-            </a:pPr>
-            <a:r>
-              <a:t>・オンデマンドでスケーリング可能なストレージとコンピューティングリソース</a:t>
-            </a:r>
-          </a:p>
-          <a:p>
-            <a:pPr>
-              <a:defRPr sz="900"/>
-            </a:pPr>
-            <a:r>
-              <a:t>・データの一元管理と高速なクエリ処理</a:t>
+              <a:defRPr sz="1000">
+                <a:latin typeface="Yu Gothic UI"/>
+              </a:defRPr>
+            </a:pPr>
+            <a:r>
+              <a:t>•クラウドネイティブのデータウェアハウス</a:t>
+            </a:r>
+          </a:p>
+          <a:p>
+            <a:pPr>
+              <a:defRPr sz="1000">
+                <a:latin typeface="Yu Gothic UI"/>
+              </a:defRPr>
+            </a:pPr>
+            <a:r>
+              <a:t>•オンデマンドでスケーリング可能なストレージとコンピューティングリソース</a:t>
+            </a:r>
+          </a:p>
+          <a:p>
+            <a:pPr>
+              <a:defRPr sz="1000">
+                <a:latin typeface="Yu Gothic UI"/>
+              </a:defRPr>
+            </a:pPr>
+            <a:r>
+              <a:t>•データの一元管理と高速なクエリ処理</a:t>
             </a:r>
           </a:p>
         </p:txBody>
@@ -4579,6 +4715,7 @@
                 <a:solidFill>
                   <a:srgbClr val="008000"/>
                 </a:solidFill>
+                <a:latin typeface="Yu Gothic UI"/>
               </a:defRPr>
             </a:pPr>
             <a:r>
@@ -4587,26 +4724,32 @@
           </a:p>
           <a:p>
             <a:pPr>
-              <a:defRPr sz="900"/>
-            </a:pPr>
-            <a:r>
-              <a:t>・アクティブユーザー数</a:t>
-            </a:r>
-          </a:p>
-          <a:p>
-            <a:pPr>
-              <a:defRPr sz="900"/>
-            </a:pPr>
-            <a:r>
-              <a:t>・使用されるストレージとコンピューティングリソースの量</a:t>
-            </a:r>
-          </a:p>
-          <a:p>
-            <a:pPr>
-              <a:defRPr sz="900"/>
-            </a:pPr>
-            <a:r>
-              <a:t>・データウェアハウスへのクエリ数</a:t>
+              <a:defRPr sz="1000">
+                <a:latin typeface="Yu Gothic UI"/>
+              </a:defRPr>
+            </a:pPr>
+            <a:r>
+              <a:t>•アクティブユーザー数</a:t>
+            </a:r>
+          </a:p>
+          <a:p>
+            <a:pPr>
+              <a:defRPr sz="1000">
+                <a:latin typeface="Yu Gothic UI"/>
+              </a:defRPr>
+            </a:pPr>
+            <a:r>
+              <a:t>•使用されるストレージとコンピューティングリソースの量</a:t>
+            </a:r>
+          </a:p>
+          <a:p>
+            <a:pPr>
+              <a:defRPr sz="1000">
+                <a:latin typeface="Yu Gothic UI"/>
+              </a:defRPr>
+            </a:pPr>
+            <a:r>
+              <a:t>•データウェアハウスへのクエリ数</a:t>
             </a:r>
           </a:p>
         </p:txBody>
@@ -4643,6 +4786,7 @@
                 <a:solidFill>
                   <a:srgbClr val="008000"/>
                 </a:solidFill>
+                <a:latin typeface="Yu Gothic UI"/>
               </a:defRPr>
             </a:pPr>
             <a:r>
@@ -4651,10 +4795,12 @@
           </a:p>
           <a:p>
             <a:pPr>
-              <a:defRPr sz="900"/>
-            </a:pPr>
-            <a:r>
-              <a:t>・クラウド上で高速かつスケーラブルなデータウェアハウスの提供</a:t>
+              <a:defRPr sz="1000">
+                <a:latin typeface="Yu Gothic UI"/>
+              </a:defRPr>
+            </a:pPr>
+            <a:r>
+              <a:t>•クラウド上で高速かつスケーラブルなデータウェアハウスの提供</a:t>
             </a:r>
           </a:p>
         </p:txBody>
@@ -4691,6 +4837,7 @@
                 <a:solidFill>
                   <a:srgbClr val="008000"/>
                 </a:solidFill>
+                <a:latin typeface="Yu Gothic UI"/>
               </a:defRPr>
             </a:pPr>
             <a:r>
@@ -4699,18 +4846,22 @@
           </a:p>
           <a:p>
             <a:pPr>
-              <a:defRPr sz="900"/>
-            </a:pPr>
-            <a:r>
-              <a:t>・データウェアハウスのスケーリングとクエリ性能を両立したクラウドネイティブ設計</a:t>
-            </a:r>
-          </a:p>
-          <a:p>
-            <a:pPr>
-              <a:defRPr sz="900"/>
-            </a:pPr>
-            <a:r>
-              <a:t>・オンデマンドでのスケーリングと料金体系</a:t>
+              <a:defRPr sz="1000">
+                <a:latin typeface="Yu Gothic UI"/>
+              </a:defRPr>
+            </a:pPr>
+            <a:r>
+              <a:t>•データウェアハウスのスケーリングとクエリ性能を両立したクラウドネイティブ設計</a:t>
+            </a:r>
+          </a:p>
+          <a:p>
+            <a:pPr>
+              <a:defRPr sz="1000">
+                <a:latin typeface="Yu Gothic UI"/>
+              </a:defRPr>
+            </a:pPr>
+            <a:r>
+              <a:t>•オンデマンドでのスケーリングと料金体系</a:t>
             </a:r>
           </a:p>
         </p:txBody>
@@ -4747,6 +4898,7 @@
                 <a:solidFill>
                   <a:srgbClr val="008000"/>
                 </a:solidFill>
+                <a:latin typeface="Yu Gothic UI"/>
               </a:defRPr>
             </a:pPr>
             <a:r>
@@ -4755,26 +4907,32 @@
           </a:p>
           <a:p>
             <a:pPr>
-              <a:defRPr sz="900"/>
-            </a:pPr>
-            <a:r>
-              <a:t>・ウェブサイト</a:t>
-            </a:r>
-          </a:p>
-          <a:p>
-            <a:pPr>
-              <a:defRPr sz="900"/>
-            </a:pPr>
-            <a:r>
-              <a:t>・クラウドマーケットプレイス</a:t>
-            </a:r>
-          </a:p>
-          <a:p>
-            <a:pPr>
-              <a:defRPr sz="900"/>
-            </a:pPr>
-            <a:r>
-              <a:t>・ダイレクトセールスとパートナーシップ</a:t>
+              <a:defRPr sz="1000">
+                <a:latin typeface="Yu Gothic UI"/>
+              </a:defRPr>
+            </a:pPr>
+            <a:r>
+              <a:t>•ウェブサイト</a:t>
+            </a:r>
+          </a:p>
+          <a:p>
+            <a:pPr>
+              <a:defRPr sz="1000">
+                <a:latin typeface="Yu Gothic UI"/>
+              </a:defRPr>
+            </a:pPr>
+            <a:r>
+              <a:t>•クラウドマーケットプレイス</a:t>
+            </a:r>
+          </a:p>
+          <a:p>
+            <a:pPr>
+              <a:defRPr sz="1000">
+                <a:latin typeface="Yu Gothic UI"/>
+              </a:defRPr>
+            </a:pPr>
+            <a:r>
+              <a:t>•ダイレクトセールスとパートナーシップ</a:t>
             </a:r>
           </a:p>
         </p:txBody>
@@ -4811,6 +4969,7 @@
                 <a:solidFill>
                   <a:srgbClr val="008000"/>
                 </a:solidFill>
+                <a:latin typeface="Yu Gothic UI"/>
               </a:defRPr>
             </a:pPr>
             <a:r>
@@ -4819,26 +4978,32 @@
           </a:p>
           <a:p>
             <a:pPr>
-              <a:defRPr sz="900"/>
-            </a:pPr>
-            <a:r>
-              <a:t>・大企業</a:t>
-            </a:r>
-          </a:p>
-          <a:p>
-            <a:pPr>
-              <a:defRPr sz="900"/>
-            </a:pPr>
-            <a:r>
-              <a:t>・テックスタートアップ</a:t>
-            </a:r>
-          </a:p>
-          <a:p>
-            <a:pPr>
-              <a:defRPr sz="900"/>
-            </a:pPr>
-            <a:r>
-              <a:t>・データ分析を必要とする各種業界</a:t>
+              <a:defRPr sz="1000">
+                <a:latin typeface="Yu Gothic UI"/>
+              </a:defRPr>
+            </a:pPr>
+            <a:r>
+              <a:t>•大企業</a:t>
+            </a:r>
+          </a:p>
+          <a:p>
+            <a:pPr>
+              <a:defRPr sz="1000">
+                <a:latin typeface="Yu Gothic UI"/>
+              </a:defRPr>
+            </a:pPr>
+            <a:r>
+              <a:t>•テックスタートアップ</a:t>
+            </a:r>
+          </a:p>
+          <a:p>
+            <a:pPr>
+              <a:defRPr sz="1000">
+                <a:latin typeface="Yu Gothic UI"/>
+              </a:defRPr>
+            </a:pPr>
+            <a:r>
+              <a:t>•データ分析を必要とする各種業界</a:t>
             </a:r>
           </a:p>
         </p:txBody>
@@ -4875,6 +5040,7 @@
                 <a:solidFill>
                   <a:srgbClr val="008000"/>
                 </a:solidFill>
+                <a:latin typeface="Yu Gothic UI"/>
               </a:defRPr>
             </a:pPr>
             <a:r>
@@ -4883,26 +5049,32 @@
           </a:p>
           <a:p>
             <a:pPr>
-              <a:defRPr sz="900"/>
-            </a:pPr>
-            <a:r>
-              <a:t>・プラットフォームの開発とメンテナンス</a:t>
-            </a:r>
-          </a:p>
-          <a:p>
-            <a:pPr>
-              <a:defRPr sz="900"/>
-            </a:pPr>
-            <a:r>
-              <a:t>・クラウドサービスの利用費用</a:t>
-            </a:r>
-          </a:p>
-          <a:p>
-            <a:pPr>
-              <a:defRPr sz="900"/>
-            </a:pPr>
-            <a:r>
-              <a:t>・マーケティングとセールスのコスト</a:t>
+              <a:defRPr sz="1000">
+                <a:latin typeface="Yu Gothic UI"/>
+              </a:defRPr>
+            </a:pPr>
+            <a:r>
+              <a:t>•プラットフォームの開発とメンテナンス</a:t>
+            </a:r>
+          </a:p>
+          <a:p>
+            <a:pPr>
+              <a:defRPr sz="1000">
+                <a:latin typeface="Yu Gothic UI"/>
+              </a:defRPr>
+            </a:pPr>
+            <a:r>
+              <a:t>•クラウドサービスの利用費用</a:t>
+            </a:r>
+          </a:p>
+          <a:p>
+            <a:pPr>
+              <a:defRPr sz="1000">
+                <a:latin typeface="Yu Gothic UI"/>
+              </a:defRPr>
+            </a:pPr>
+            <a:r>
+              <a:t>•マーケティングとセールスのコスト</a:t>
             </a:r>
           </a:p>
         </p:txBody>
@@ -4939,6 +5111,7 @@
                 <a:solidFill>
                   <a:srgbClr val="008000"/>
                 </a:solidFill>
+                <a:latin typeface="Yu Gothic UI"/>
               </a:defRPr>
             </a:pPr>
             <a:r>
@@ -4947,26 +5120,32 @@
           </a:p>
           <a:p>
             <a:pPr>
-              <a:defRPr sz="900"/>
-            </a:pPr>
-            <a:r>
-              <a:t>・利用量に応じた課金</a:t>
-            </a:r>
-          </a:p>
-          <a:p>
-            <a:pPr>
-              <a:defRPr sz="900"/>
-            </a:pPr>
-            <a:r>
-              <a:t>・長期利用向けの料金プラン</a:t>
-            </a:r>
-          </a:p>
-          <a:p>
-            <a:pPr>
-              <a:defRPr sz="900"/>
-            </a:pPr>
-            <a:r>
-              <a:t>・データ移行やコンサルティングサービスの費用</a:t>
+              <a:defRPr sz="1000">
+                <a:latin typeface="Yu Gothic UI"/>
+              </a:defRPr>
+            </a:pPr>
+            <a:r>
+              <a:t>•利用量に応じた課金</a:t>
+            </a:r>
+          </a:p>
+          <a:p>
+            <a:pPr>
+              <a:defRPr sz="1000">
+                <a:latin typeface="Yu Gothic UI"/>
+              </a:defRPr>
+            </a:pPr>
+            <a:r>
+              <a:t>•長期利用向けの料金プラン</a:t>
+            </a:r>
+          </a:p>
+          <a:p>
+            <a:pPr>
+              <a:defRPr sz="1000">
+                <a:latin typeface="Yu Gothic UI"/>
+              </a:defRPr>
+            </a:pPr>
+            <a:r>
+              <a:t>•データ移行やコンサルティングサービスの費用</a:t>
             </a:r>
           </a:p>
         </p:txBody>
@@ -5013,7 +5192,9 @@
           <a:p/>
           <a:p>
             <a:pPr algn="l">
-              <a:defRPr sz="2000"/>
+              <a:defRPr sz="2000">
+                <a:latin typeface="Yu Gothic UI"/>
+              </a:defRPr>
             </a:pPr>
             <a:r>
               <a:t>C3.AI</a:t>
@@ -5045,7 +5226,9 @@
           <a:p/>
           <a:p>
             <a:pPr algn="r">
-              <a:defRPr sz="2000"/>
+              <a:defRPr sz="2000">
+                <a:latin typeface="Yu Gothic UI"/>
+              </a:defRPr>
             </a:pPr>
             <a:r>
               <a:t>2009-01-01</a:t>
@@ -5085,6 +5268,7 @@
                 <a:solidFill>
                   <a:srgbClr val="008000"/>
                 </a:solidFill>
+                <a:latin typeface="Yu Gothic UI"/>
               </a:defRPr>
             </a:pPr>
             <a:r>
@@ -5093,26 +5277,32 @@
           </a:p>
           <a:p>
             <a:pPr>
-              <a:defRPr sz="900"/>
-            </a:pPr>
-            <a:r>
-              <a:t>・AIとビッグデータの活用が困難</a:t>
-            </a:r>
-          </a:p>
-          <a:p>
-            <a:pPr>
-              <a:defRPr sz="900"/>
-            </a:pPr>
-            <a:r>
-              <a:t>・既存のエンタープライズシステムとの統合が難しい</a:t>
-            </a:r>
-          </a:p>
-          <a:p>
-            <a:pPr>
-              <a:defRPr sz="900"/>
-            </a:pPr>
-            <a:r>
-              <a:t>・スケーラブルなAIソリューションが不足</a:t>
+              <a:defRPr sz="1000">
+                <a:latin typeface="Yu Gothic UI"/>
+              </a:defRPr>
+            </a:pPr>
+            <a:r>
+              <a:t>•AIとビッグデータの活用が困難</a:t>
+            </a:r>
+          </a:p>
+          <a:p>
+            <a:pPr>
+              <a:defRPr sz="1000">
+                <a:latin typeface="Yu Gothic UI"/>
+              </a:defRPr>
+            </a:pPr>
+            <a:r>
+              <a:t>•既存のエンタープライズシステムとの統合が難しい</a:t>
+            </a:r>
+          </a:p>
+          <a:p>
+            <a:pPr>
+              <a:defRPr sz="1000">
+                <a:latin typeface="Yu Gothic UI"/>
+              </a:defRPr>
+            </a:pPr>
+            <a:r>
+              <a:t>•スケーラブルなAIソリューションが不足</a:t>
             </a:r>
           </a:p>
         </p:txBody>
@@ -5149,6 +5339,7 @@
                 <a:solidFill>
                   <a:srgbClr val="008000"/>
                 </a:solidFill>
+                <a:latin typeface="Yu Gothic UI"/>
               </a:defRPr>
             </a:pPr>
             <a:r>
@@ -5157,26 +5348,32 @@
           </a:p>
           <a:p>
             <a:pPr>
-              <a:defRPr sz="900"/>
-            </a:pPr>
-            <a:r>
-              <a:t>・AIとビッグデータ向けの統合プラットフォーム</a:t>
-            </a:r>
-          </a:p>
-          <a:p>
-            <a:pPr>
-              <a:defRPr sz="900"/>
-            </a:pPr>
-            <a:r>
-              <a:t>・エンタープライズシステムとの簡単な統合</a:t>
-            </a:r>
-          </a:p>
-          <a:p>
-            <a:pPr>
-              <a:defRPr sz="900"/>
-            </a:pPr>
-            <a:r>
-              <a:t>・高度にスケーラブルなAIアプリケーション</a:t>
+              <a:defRPr sz="1000">
+                <a:latin typeface="Yu Gothic UI"/>
+              </a:defRPr>
+            </a:pPr>
+            <a:r>
+              <a:t>•AIとビッグデータ向けの統合プラットフォーム</a:t>
+            </a:r>
+          </a:p>
+          <a:p>
+            <a:pPr>
+              <a:defRPr sz="1000">
+                <a:latin typeface="Yu Gothic UI"/>
+              </a:defRPr>
+            </a:pPr>
+            <a:r>
+              <a:t>•エンタープライズシステムとの簡単な統合</a:t>
+            </a:r>
+          </a:p>
+          <a:p>
+            <a:pPr>
+              <a:defRPr sz="1000">
+                <a:latin typeface="Yu Gothic UI"/>
+              </a:defRPr>
+            </a:pPr>
+            <a:r>
+              <a:t>•高度にスケーラブルなAIアプリケーション</a:t>
             </a:r>
           </a:p>
         </p:txBody>
@@ -5213,6 +5410,7 @@
                 <a:solidFill>
                   <a:srgbClr val="008000"/>
                 </a:solidFill>
+                <a:latin typeface="Yu Gothic UI"/>
               </a:defRPr>
             </a:pPr>
             <a:r>
@@ -5221,26 +5419,32 @@
           </a:p>
           <a:p>
             <a:pPr>
-              <a:defRPr sz="900"/>
-            </a:pPr>
-            <a:r>
-              <a:t>・プラットフォーム上で動作するAIアプリケーション数</a:t>
-            </a:r>
-          </a:p>
-          <a:p>
-            <a:pPr>
-              <a:defRPr sz="900"/>
-            </a:pPr>
-            <a:r>
-              <a:t>・データ処理量</a:t>
-            </a:r>
-          </a:p>
-          <a:p>
-            <a:pPr>
-              <a:defRPr sz="900"/>
-            </a:pPr>
-            <a:r>
-              <a:t>・顧客満足度とリピート率</a:t>
+              <a:defRPr sz="1000">
+                <a:latin typeface="Yu Gothic UI"/>
+              </a:defRPr>
+            </a:pPr>
+            <a:r>
+              <a:t>•プラットフォーム上で動作するAIアプリケーション数</a:t>
+            </a:r>
+          </a:p>
+          <a:p>
+            <a:pPr>
+              <a:defRPr sz="1000">
+                <a:latin typeface="Yu Gothic UI"/>
+              </a:defRPr>
+            </a:pPr>
+            <a:r>
+              <a:t>•データ処理量</a:t>
+            </a:r>
+          </a:p>
+          <a:p>
+            <a:pPr>
+              <a:defRPr sz="1000">
+                <a:latin typeface="Yu Gothic UI"/>
+              </a:defRPr>
+            </a:pPr>
+            <a:r>
+              <a:t>•顧客満足度とリピート率</a:t>
             </a:r>
           </a:p>
         </p:txBody>
@@ -5277,6 +5481,7 @@
                 <a:solidFill>
                   <a:srgbClr val="008000"/>
                 </a:solidFill>
+                <a:latin typeface="Yu Gothic UI"/>
               </a:defRPr>
             </a:pPr>
             <a:r>
@@ -5285,10 +5490,12 @@
           </a:p>
           <a:p>
             <a:pPr>
-              <a:defRPr sz="900"/>
-            </a:pPr>
-            <a:r>
-              <a:t>・AIを活用したビジネス変革を可能にするプラットフォーム</a:t>
+              <a:defRPr sz="1000">
+                <a:latin typeface="Yu Gothic UI"/>
+              </a:defRPr>
+            </a:pPr>
+            <a:r>
+              <a:t>•AIを活用したビジネス変革を可能にするプラットフォーム</a:t>
             </a:r>
           </a:p>
         </p:txBody>
@@ -5325,6 +5532,7 @@
                 <a:solidFill>
                   <a:srgbClr val="008000"/>
                 </a:solidFill>
+                <a:latin typeface="Yu Gothic UI"/>
               </a:defRPr>
             </a:pPr>
             <a:r>
@@ -5333,18 +5541,22 @@
           </a:p>
           <a:p>
             <a:pPr>
-              <a:defRPr sz="900"/>
-            </a:pPr>
-            <a:r>
-              <a:t>・一貫したAIソリューションの提供</a:t>
-            </a:r>
-          </a:p>
-          <a:p>
-            <a:pPr>
-              <a:defRPr sz="900"/>
-            </a:pPr>
-            <a:r>
-              <a:t>・既存システムとの高度な統合能力</a:t>
+              <a:defRPr sz="1000">
+                <a:latin typeface="Yu Gothic UI"/>
+              </a:defRPr>
+            </a:pPr>
+            <a:r>
+              <a:t>•一貫したAIソリューションの提供</a:t>
+            </a:r>
+          </a:p>
+          <a:p>
+            <a:pPr>
+              <a:defRPr sz="1000">
+                <a:latin typeface="Yu Gothic UI"/>
+              </a:defRPr>
+            </a:pPr>
+            <a:r>
+              <a:t>•既存システムとの高度な統合能力</a:t>
             </a:r>
           </a:p>
         </p:txBody>
@@ -5381,6 +5593,7 @@
                 <a:solidFill>
                   <a:srgbClr val="008000"/>
                 </a:solidFill>
+                <a:latin typeface="Yu Gothic UI"/>
               </a:defRPr>
             </a:pPr>
             <a:r>
@@ -5389,26 +5602,32 @@
           </a:p>
           <a:p>
             <a:pPr>
-              <a:defRPr sz="900"/>
-            </a:pPr>
-            <a:r>
-              <a:t>・ウェブサイト</a:t>
-            </a:r>
-          </a:p>
-          <a:p>
-            <a:pPr>
-              <a:defRPr sz="900"/>
-            </a:pPr>
-            <a:r>
-              <a:t>・ダイレクトセールス</a:t>
-            </a:r>
-          </a:p>
-          <a:p>
-            <a:pPr>
-              <a:defRPr sz="900"/>
-            </a:pPr>
-            <a:r>
-              <a:t>・パートナーシップ</a:t>
+              <a:defRPr sz="1000">
+                <a:latin typeface="Yu Gothic UI"/>
+              </a:defRPr>
+            </a:pPr>
+            <a:r>
+              <a:t>•ウェブサイト</a:t>
+            </a:r>
+          </a:p>
+          <a:p>
+            <a:pPr>
+              <a:defRPr sz="1000">
+                <a:latin typeface="Yu Gothic UI"/>
+              </a:defRPr>
+            </a:pPr>
+            <a:r>
+              <a:t>•ダイレクトセールス</a:t>
+            </a:r>
+          </a:p>
+          <a:p>
+            <a:pPr>
+              <a:defRPr sz="1000">
+                <a:latin typeface="Yu Gothic UI"/>
+              </a:defRPr>
+            </a:pPr>
+            <a:r>
+              <a:t>•パートナーシップ</a:t>
             </a:r>
           </a:p>
         </p:txBody>
@@ -5445,6 +5664,7 @@
                 <a:solidFill>
                   <a:srgbClr val="008000"/>
                 </a:solidFill>
+                <a:latin typeface="Yu Gothic UI"/>
               </a:defRPr>
             </a:pPr>
             <a:r>
@@ -5453,18 +5673,22 @@
           </a:p>
           <a:p>
             <a:pPr>
-              <a:defRPr sz="900"/>
-            </a:pPr>
-            <a:r>
-              <a:t>・大企業</a:t>
-            </a:r>
-          </a:p>
-          <a:p>
-            <a:pPr>
-              <a:defRPr sz="900"/>
-            </a:pPr>
-            <a:r>
-              <a:t>・エンタープライズ向けソフトウェア開発者</a:t>
+              <a:defRPr sz="1000">
+                <a:latin typeface="Yu Gothic UI"/>
+              </a:defRPr>
+            </a:pPr>
+            <a:r>
+              <a:t>•大企業</a:t>
+            </a:r>
+          </a:p>
+          <a:p>
+            <a:pPr>
+              <a:defRPr sz="1000">
+                <a:latin typeface="Yu Gothic UI"/>
+              </a:defRPr>
+            </a:pPr>
+            <a:r>
+              <a:t>•エンタープライズ向けソフトウェア開発者</a:t>
             </a:r>
           </a:p>
         </p:txBody>
@@ -5501,6 +5725,7 @@
                 <a:solidFill>
                   <a:srgbClr val="008000"/>
                 </a:solidFill>
+                <a:latin typeface="Yu Gothic UI"/>
               </a:defRPr>
             </a:pPr>
             <a:r>
@@ -5509,26 +5734,32 @@
           </a:p>
           <a:p>
             <a:pPr>
-              <a:defRPr sz="900"/>
-            </a:pPr>
-            <a:r>
-              <a:t>・プラットフォームの開発とメンテナンス</a:t>
-            </a:r>
-          </a:p>
-          <a:p>
-            <a:pPr>
-              <a:defRPr sz="900"/>
-            </a:pPr>
-            <a:r>
-              <a:t>・営業とマーケティングのコスト</a:t>
-            </a:r>
-          </a:p>
-          <a:p>
-            <a:pPr>
-              <a:defRPr sz="900"/>
-            </a:pPr>
-            <a:r>
-              <a:t>・顧客サポートとトレーニングのコスト</a:t>
+              <a:defRPr sz="1000">
+                <a:latin typeface="Yu Gothic UI"/>
+              </a:defRPr>
+            </a:pPr>
+            <a:r>
+              <a:t>•プラットフォームの開発とメンテナンス</a:t>
+            </a:r>
+          </a:p>
+          <a:p>
+            <a:pPr>
+              <a:defRPr sz="1000">
+                <a:latin typeface="Yu Gothic UI"/>
+              </a:defRPr>
+            </a:pPr>
+            <a:r>
+              <a:t>•営業とマーケティングのコスト</a:t>
+            </a:r>
+          </a:p>
+          <a:p>
+            <a:pPr>
+              <a:defRPr sz="1000">
+                <a:latin typeface="Yu Gothic UI"/>
+              </a:defRPr>
+            </a:pPr>
+            <a:r>
+              <a:t>•顧客サポートとトレーニングのコスト</a:t>
             </a:r>
           </a:p>
         </p:txBody>
@@ -5565,6 +5796,7 @@
                 <a:solidFill>
                   <a:srgbClr val="008000"/>
                 </a:solidFill>
+                <a:latin typeface="Yu Gothic UI"/>
               </a:defRPr>
             </a:pPr>
             <a:r>
@@ -5573,26 +5805,32 @@
           </a:p>
           <a:p>
             <a:pPr>
-              <a:defRPr sz="900"/>
-            </a:pPr>
-            <a:r>
-              <a:t>・プラットフォームの利用料</a:t>
-            </a:r>
-          </a:p>
-          <a:p>
-            <a:pPr>
-              <a:defRPr sz="900"/>
-            </a:pPr>
-            <a:r>
-              <a:t>・ソリューション提供に伴うコンサルティング料</a:t>
-            </a:r>
-          </a:p>
-          <a:p>
-            <a:pPr>
-              <a:defRPr sz="900"/>
-            </a:pPr>
-            <a:r>
-              <a:t>・カスタマイズと開発支援の費用</a:t>
+              <a:defRPr sz="1000">
+                <a:latin typeface="Yu Gothic UI"/>
+              </a:defRPr>
+            </a:pPr>
+            <a:r>
+              <a:t>•プラットフォームの利用料</a:t>
+            </a:r>
+          </a:p>
+          <a:p>
+            <a:pPr>
+              <a:defRPr sz="1000">
+                <a:latin typeface="Yu Gothic UI"/>
+              </a:defRPr>
+            </a:pPr>
+            <a:r>
+              <a:t>•ソリューション提供に伴うコンサルティング料</a:t>
+            </a:r>
+          </a:p>
+          <a:p>
+            <a:pPr>
+              <a:defRPr sz="1000">
+                <a:latin typeface="Yu Gothic UI"/>
+              </a:defRPr>
+            </a:pPr>
+            <a:r>
+              <a:t>•カスタマイズと開発支援の費用</a:t>
             </a:r>
           </a:p>
         </p:txBody>
@@ -5639,7 +5877,9 @@
           <a:p/>
           <a:p>
             <a:pPr algn="l">
-              <a:defRPr sz="2000"/>
+              <a:defRPr sz="2000">
+                <a:latin typeface="Yu Gothic UI"/>
+              </a:defRPr>
             </a:pPr>
             <a:r>
               <a:t>Unity</a:t>
@@ -5671,7 +5911,9 @@
           <a:p/>
           <a:p>
             <a:pPr algn="r">
-              <a:defRPr sz="2000"/>
+              <a:defRPr sz="2000">
+                <a:latin typeface="Yu Gothic UI"/>
+              </a:defRPr>
             </a:pPr>
             <a:r>
               <a:t>2004-08-02</a:t>
@@ -5711,6 +5953,7 @@
                 <a:solidFill>
                   <a:srgbClr val="008000"/>
                 </a:solidFill>
+                <a:latin typeface="Yu Gothic UI"/>
               </a:defRPr>
             </a:pPr>
             <a:r>
@@ -5719,18 +5962,22 @@
           </a:p>
           <a:p>
             <a:pPr>
-              <a:defRPr sz="900"/>
-            </a:pPr>
-            <a:r>
-              <a:t>・ゲーム開発の高度なスキルとリソース要件</a:t>
-            </a:r>
-          </a:p>
-          <a:p>
-            <a:pPr>
-              <a:defRPr sz="900"/>
-            </a:pPr>
-            <a:r>
-              <a:t>・複数のプラットフォームへの移植が困難</a:t>
+              <a:defRPr sz="1000">
+                <a:latin typeface="Yu Gothic UI"/>
+              </a:defRPr>
+            </a:pPr>
+            <a:r>
+              <a:t>•ゲーム開発の高度なスキルとリソース要件</a:t>
+            </a:r>
+          </a:p>
+          <a:p>
+            <a:pPr>
+              <a:defRPr sz="1000">
+                <a:latin typeface="Yu Gothic UI"/>
+              </a:defRPr>
+            </a:pPr>
+            <a:r>
+              <a:t>•複数のプラットフォームへの移植が困難</a:t>
             </a:r>
           </a:p>
         </p:txBody>
@@ -5767,6 +6014,7 @@
                 <a:solidFill>
                   <a:srgbClr val="008000"/>
                 </a:solidFill>
+                <a:latin typeface="Yu Gothic UI"/>
               </a:defRPr>
             </a:pPr>
             <a:r>
@@ -5775,18 +6023,22 @@
           </a:p>
           <a:p>
             <a:pPr>
-              <a:defRPr sz="900"/>
-            </a:pPr>
-            <a:r>
-              <a:t>・ゲーム開発を簡易化する統合開発環境の提供</a:t>
-            </a:r>
-          </a:p>
-          <a:p>
-            <a:pPr>
-              <a:defRPr sz="900"/>
-            </a:pPr>
-            <a:r>
-              <a:t>・ワンクリックで複数のプラットフォームに対応</a:t>
+              <a:defRPr sz="1000">
+                <a:latin typeface="Yu Gothic UI"/>
+              </a:defRPr>
+            </a:pPr>
+            <a:r>
+              <a:t>•ゲーム開発を簡易化する統合開発環境の提供</a:t>
+            </a:r>
+          </a:p>
+          <a:p>
+            <a:pPr>
+              <a:defRPr sz="1000">
+                <a:latin typeface="Yu Gothic UI"/>
+              </a:defRPr>
+            </a:pPr>
+            <a:r>
+              <a:t>•ワンクリックで複数のプラットフォームに対応</a:t>
             </a:r>
           </a:p>
         </p:txBody>
@@ -5823,6 +6075,7 @@
                 <a:solidFill>
                   <a:srgbClr val="008000"/>
                 </a:solidFill>
+                <a:latin typeface="Yu Gothic UI"/>
               </a:defRPr>
             </a:pPr>
             <a:r>
@@ -5831,26 +6084,32 @@
           </a:p>
           <a:p>
             <a:pPr>
-              <a:defRPr sz="900"/>
-            </a:pPr>
-            <a:r>
-              <a:t>・使用者数</a:t>
-            </a:r>
-          </a:p>
-          <a:p>
-            <a:pPr>
-              <a:defRPr sz="900"/>
-            </a:pPr>
-            <a:r>
-              <a:t>・開発されたゲーム数</a:t>
-            </a:r>
-          </a:p>
-          <a:p>
-            <a:pPr>
-              <a:defRPr sz="900"/>
-            </a:pPr>
-            <a:r>
-              <a:t>・利用時間</a:t>
+              <a:defRPr sz="1000">
+                <a:latin typeface="Yu Gothic UI"/>
+              </a:defRPr>
+            </a:pPr>
+            <a:r>
+              <a:t>•使用者数</a:t>
+            </a:r>
+          </a:p>
+          <a:p>
+            <a:pPr>
+              <a:defRPr sz="1000">
+                <a:latin typeface="Yu Gothic UI"/>
+              </a:defRPr>
+            </a:pPr>
+            <a:r>
+              <a:t>•開発されたゲーム数</a:t>
+            </a:r>
+          </a:p>
+          <a:p>
+            <a:pPr>
+              <a:defRPr sz="1000">
+                <a:latin typeface="Yu Gothic UI"/>
+              </a:defRPr>
+            </a:pPr>
+            <a:r>
+              <a:t>•利用時間</a:t>
             </a:r>
           </a:p>
         </p:txBody>
@@ -5887,6 +6146,7 @@
                 <a:solidFill>
                   <a:srgbClr val="008000"/>
                 </a:solidFill>
+                <a:latin typeface="Yu Gothic UI"/>
               </a:defRPr>
             </a:pPr>
             <a:r>
@@ -5895,10 +6155,12 @@
           </a:p>
           <a:p>
             <a:pPr>
-              <a:defRPr sz="900"/>
-            </a:pPr>
-            <a:r>
-              <a:t>・ゲーム開発を誰でも簡単に</a:t>
+              <a:defRPr sz="1000">
+                <a:latin typeface="Yu Gothic UI"/>
+              </a:defRPr>
+            </a:pPr>
+            <a:r>
+              <a:t>•ゲーム開発を誰でも簡単に</a:t>
             </a:r>
           </a:p>
         </p:txBody>
@@ -5935,6 +6197,7 @@
                 <a:solidFill>
                   <a:srgbClr val="008000"/>
                 </a:solidFill>
+                <a:latin typeface="Yu Gothic UI"/>
               </a:defRPr>
             </a:pPr>
             <a:r>
@@ -5943,18 +6206,22 @@
           </a:p>
           <a:p>
             <a:pPr>
-              <a:defRPr sz="900"/>
-            </a:pPr>
-            <a:r>
-              <a:t>・初心者からプロまで使えるユーザーフレンドリーなインターフェース</a:t>
-            </a:r>
-          </a:p>
-          <a:p>
-            <a:pPr>
-              <a:defRPr sz="900"/>
-            </a:pPr>
-            <a:r>
-              <a:t>・広範囲のプラットフォームサポート</a:t>
+              <a:defRPr sz="1000">
+                <a:latin typeface="Yu Gothic UI"/>
+              </a:defRPr>
+            </a:pPr>
+            <a:r>
+              <a:t>•初心者からプロまで使えるユーザーフレンドリーなインターフェース</a:t>
+            </a:r>
+          </a:p>
+          <a:p>
+            <a:pPr>
+              <a:defRPr sz="1000">
+                <a:latin typeface="Yu Gothic UI"/>
+              </a:defRPr>
+            </a:pPr>
+            <a:r>
+              <a:t>•広範囲のプラットフォームサポート</a:t>
             </a:r>
           </a:p>
         </p:txBody>
@@ -5991,6 +6258,7 @@
                 <a:solidFill>
                   <a:srgbClr val="008000"/>
                 </a:solidFill>
+                <a:latin typeface="Yu Gothic UI"/>
               </a:defRPr>
             </a:pPr>
             <a:r>
@@ -5999,18 +6267,22 @@
           </a:p>
           <a:p>
             <a:pPr>
-              <a:defRPr sz="900"/>
-            </a:pPr>
-            <a:r>
-              <a:t>・ウェブサイト</a:t>
-            </a:r>
-          </a:p>
-          <a:p>
-            <a:pPr>
-              <a:defRPr sz="900"/>
-            </a:pPr>
-            <a:r>
-              <a:t>・教育機関とのパートナーシップ</a:t>
+              <a:defRPr sz="1000">
+                <a:latin typeface="Yu Gothic UI"/>
+              </a:defRPr>
+            </a:pPr>
+            <a:r>
+              <a:t>•ウェブサイト</a:t>
+            </a:r>
+          </a:p>
+          <a:p>
+            <a:pPr>
+              <a:defRPr sz="1000">
+                <a:latin typeface="Yu Gothic UI"/>
+              </a:defRPr>
+            </a:pPr>
+            <a:r>
+              <a:t>•教育機関とのパートナーシップ</a:t>
             </a:r>
           </a:p>
         </p:txBody>
@@ -6047,6 +6319,7 @@
                 <a:solidFill>
                   <a:srgbClr val="008000"/>
                 </a:solidFill>
+                <a:latin typeface="Yu Gothic UI"/>
               </a:defRPr>
             </a:pPr>
             <a:r>
@@ -6055,18 +6328,22 @@
           </a:p>
           <a:p>
             <a:pPr>
-              <a:defRPr sz="900"/>
-            </a:pPr>
-            <a:r>
-              <a:t>・ゲーム開発者</a:t>
-            </a:r>
-          </a:p>
-          <a:p>
-            <a:pPr>
-              <a:defRPr sz="900"/>
-            </a:pPr>
-            <a:r>
-              <a:t>・教育機関</a:t>
+              <a:defRPr sz="1000">
+                <a:latin typeface="Yu Gothic UI"/>
+              </a:defRPr>
+            </a:pPr>
+            <a:r>
+              <a:t>•ゲーム開発者</a:t>
+            </a:r>
+          </a:p>
+          <a:p>
+            <a:pPr>
+              <a:defRPr sz="1000">
+                <a:latin typeface="Yu Gothic UI"/>
+              </a:defRPr>
+            </a:pPr>
+            <a:r>
+              <a:t>•教育機関</a:t>
             </a:r>
           </a:p>
         </p:txBody>
@@ -6103,6 +6380,7 @@
                 <a:solidFill>
                   <a:srgbClr val="008000"/>
                 </a:solidFill>
+                <a:latin typeface="Yu Gothic UI"/>
               </a:defRPr>
             </a:pPr>
             <a:r>
@@ -6111,18 +6389,22 @@
           </a:p>
           <a:p>
             <a:pPr>
-              <a:defRPr sz="900"/>
-            </a:pPr>
-            <a:r>
-              <a:t>・開発とメンテナンスのコスト</a:t>
-            </a:r>
-          </a:p>
-          <a:p>
-            <a:pPr>
-              <a:defRPr sz="900"/>
-            </a:pPr>
-            <a:r>
-              <a:t>・マーケティングコスト</a:t>
+              <a:defRPr sz="1000">
+                <a:latin typeface="Yu Gothic UI"/>
+              </a:defRPr>
+            </a:pPr>
+            <a:r>
+              <a:t>•開発とメンテナンスのコスト</a:t>
+            </a:r>
+          </a:p>
+          <a:p>
+            <a:pPr>
+              <a:defRPr sz="1000">
+                <a:latin typeface="Yu Gothic UI"/>
+              </a:defRPr>
+            </a:pPr>
+            <a:r>
+              <a:t>•マーケティングコスト</a:t>
             </a:r>
           </a:p>
         </p:txBody>
@@ -6159,6 +6441,7 @@
                 <a:solidFill>
                   <a:srgbClr val="008000"/>
                 </a:solidFill>
+                <a:latin typeface="Yu Gothic UI"/>
               </a:defRPr>
             </a:pPr>
             <a:r>
@@ -6167,26 +6450,32 @@
           </a:p>
           <a:p>
             <a:pPr>
-              <a:defRPr sz="900"/>
-            </a:pPr>
-            <a:r>
-              <a:t>・プロ版のライセンス販売</a:t>
-            </a:r>
-          </a:p>
-          <a:p>
-            <a:pPr>
-              <a:defRPr sz="900"/>
-            </a:pPr>
-            <a:r>
-              <a:t>・サービスのサブスクリプション料金</a:t>
-            </a:r>
-          </a:p>
-          <a:p>
-            <a:pPr>
-              <a:defRPr sz="900"/>
-            </a:pPr>
-            <a:r>
-              <a:t>・Unity Asset Storeからの収益</a:t>
+              <a:defRPr sz="1000">
+                <a:latin typeface="Yu Gothic UI"/>
+              </a:defRPr>
+            </a:pPr>
+            <a:r>
+              <a:t>•プロ版のライセンス販売</a:t>
+            </a:r>
+          </a:p>
+          <a:p>
+            <a:pPr>
+              <a:defRPr sz="1000">
+                <a:latin typeface="Yu Gothic UI"/>
+              </a:defRPr>
+            </a:pPr>
+            <a:r>
+              <a:t>•サービスのサブスクリプション料金</a:t>
+            </a:r>
+          </a:p>
+          <a:p>
+            <a:pPr>
+              <a:defRPr sz="1000">
+                <a:latin typeface="Yu Gothic UI"/>
+              </a:defRPr>
+            </a:pPr>
+            <a:r>
+              <a:t>•Unity Asset Storeからの収益</a:t>
             </a:r>
           </a:p>
         </p:txBody>
@@ -6233,7 +6522,9 @@
           <a:p/>
           <a:p>
             <a:pPr algn="l">
-              <a:defRPr sz="2000"/>
+              <a:defRPr sz="2000">
+                <a:latin typeface="Yu Gothic UI"/>
+              </a:defRPr>
             </a:pPr>
             <a:r>
               <a:t>Roblox</a:t>
@@ -6265,7 +6556,9 @@
           <a:p/>
           <a:p>
             <a:pPr algn="r">
-              <a:defRPr sz="2000"/>
+              <a:defRPr sz="2000">
+                <a:latin typeface="Yu Gothic UI"/>
+              </a:defRPr>
             </a:pPr>
             <a:r>
               <a:t>2006-09-01</a:t>
@@ -6305,6 +6598,7 @@
                 <a:solidFill>
                   <a:srgbClr val="008000"/>
                 </a:solidFill>
+                <a:latin typeface="Yu Gothic UI"/>
               </a:defRPr>
             </a:pPr>
             <a:r>
@@ -6313,18 +6607,22 @@
           </a:p>
           <a:p>
             <a:pPr>
-              <a:defRPr sz="900"/>
-            </a:pPr>
-            <a:r>
-              <a:t>・自分のアイデアを形にできるプラットフォームの不足</a:t>
-            </a:r>
-          </a:p>
-          <a:p>
-            <a:pPr>
-              <a:defRPr sz="900"/>
-            </a:pPr>
-            <a:r>
-              <a:t>・安全な子供向けオンラインゲーム環境の不足</a:t>
+              <a:defRPr sz="1000">
+                <a:latin typeface="Yu Gothic UI"/>
+              </a:defRPr>
+            </a:pPr>
+            <a:r>
+              <a:t>•自分のアイデアを形にできるプラットフォームの不足</a:t>
+            </a:r>
+          </a:p>
+          <a:p>
+            <a:pPr>
+              <a:defRPr sz="1000">
+                <a:latin typeface="Yu Gothic UI"/>
+              </a:defRPr>
+            </a:pPr>
+            <a:r>
+              <a:t>•安全な子供向けオンラインゲーム環境の不足</a:t>
             </a:r>
           </a:p>
         </p:txBody>
@@ -6361,6 +6659,7 @@
                 <a:solidFill>
                   <a:srgbClr val="008000"/>
                 </a:solidFill>
+                <a:latin typeface="Yu Gothic UI"/>
               </a:defRPr>
             </a:pPr>
             <a:r>
@@ -6369,18 +6668,22 @@
           </a:p>
           <a:p>
             <a:pPr>
-              <a:defRPr sz="900"/>
-            </a:pPr>
-            <a:r>
-              <a:t>・ユーザーが自分自身でゲームを作成・共有できるプラットフォーム</a:t>
-            </a:r>
-          </a:p>
-          <a:p>
-            <a:pPr>
-              <a:defRPr sz="900"/>
-            </a:pPr>
-            <a:r>
-              <a:t>・強力な規範とモデレーションシステムによる安全な環境</a:t>
+              <a:defRPr sz="1000">
+                <a:latin typeface="Yu Gothic UI"/>
+              </a:defRPr>
+            </a:pPr>
+            <a:r>
+              <a:t>•ユーザーが自分自身でゲームを作成・共有できるプラットフォーム</a:t>
+            </a:r>
+          </a:p>
+          <a:p>
+            <a:pPr>
+              <a:defRPr sz="1000">
+                <a:latin typeface="Yu Gothic UI"/>
+              </a:defRPr>
+            </a:pPr>
+            <a:r>
+              <a:t>•強力な規範とモデレーションシステムによる安全な環境</a:t>
             </a:r>
           </a:p>
         </p:txBody>
@@ -6417,6 +6720,7 @@
                 <a:solidFill>
                   <a:srgbClr val="008000"/>
                 </a:solidFill>
+                <a:latin typeface="Yu Gothic UI"/>
               </a:defRPr>
             </a:pPr>
             <a:r>
@@ -6425,26 +6729,32 @@
           </a:p>
           <a:p>
             <a:pPr>
-              <a:defRPr sz="900"/>
-            </a:pPr>
-            <a:r>
-              <a:t>・登録ユーザー数</a:t>
-            </a:r>
-          </a:p>
-          <a:p>
-            <a:pPr>
-              <a:defRPr sz="900"/>
-            </a:pPr>
-            <a:r>
-              <a:t>・作成されたゲーム数</a:t>
-            </a:r>
-          </a:p>
-          <a:p>
-            <a:pPr>
-              <a:defRPr sz="900"/>
-            </a:pPr>
-            <a:r>
-              <a:t>・平均利用時間</a:t>
+              <a:defRPr sz="1000">
+                <a:latin typeface="Yu Gothic UI"/>
+              </a:defRPr>
+            </a:pPr>
+            <a:r>
+              <a:t>•登録ユーザー数</a:t>
+            </a:r>
+          </a:p>
+          <a:p>
+            <a:pPr>
+              <a:defRPr sz="1000">
+                <a:latin typeface="Yu Gothic UI"/>
+              </a:defRPr>
+            </a:pPr>
+            <a:r>
+              <a:t>•作成されたゲーム数</a:t>
+            </a:r>
+          </a:p>
+          <a:p>
+            <a:pPr>
+              <a:defRPr sz="1000">
+                <a:latin typeface="Yu Gothic UI"/>
+              </a:defRPr>
+            </a:pPr>
+            <a:r>
+              <a:t>•平均利用時間</a:t>
             </a:r>
           </a:p>
         </p:txBody>
@@ -6481,6 +6791,7 @@
                 <a:solidFill>
                   <a:srgbClr val="008000"/>
                 </a:solidFill>
+                <a:latin typeface="Yu Gothic UI"/>
               </a:defRPr>
             </a:pPr>
             <a:r>
@@ -6489,10 +6800,12 @@
           </a:p>
           <a:p>
             <a:pPr>
-              <a:defRPr sz="900"/>
-            </a:pPr>
-            <a:r>
-              <a:t>・自分自身でゲームを作り、他の人と共有する体験</a:t>
+              <a:defRPr sz="1000">
+                <a:latin typeface="Yu Gothic UI"/>
+              </a:defRPr>
+            </a:pPr>
+            <a:r>
+              <a:t>•自分自身でゲームを作り、他の人と共有する体験</a:t>
             </a:r>
           </a:p>
         </p:txBody>
@@ -6529,6 +6842,7 @@
                 <a:solidFill>
                   <a:srgbClr val="008000"/>
                 </a:solidFill>
+                <a:latin typeface="Yu Gothic UI"/>
               </a:defRPr>
             </a:pPr>
             <a:r>
@@ -6537,18 +6851,22 @@
           </a:p>
           <a:p>
             <a:pPr>
-              <a:defRPr sz="900"/>
-            </a:pPr>
-            <a:r>
-              <a:t>・独自のユーザー生成コンテンツと社会体</a:t>
-            </a:r>
-          </a:p>
-          <a:p>
-            <a:pPr>
-              <a:defRPr sz="900"/>
-            </a:pPr>
-            <a:r>
-              <a:t>・高いブランド認知度と子供向け安全性</a:t>
+              <a:defRPr sz="1000">
+                <a:latin typeface="Yu Gothic UI"/>
+              </a:defRPr>
+            </a:pPr>
+            <a:r>
+              <a:t>•独自のユーザー生成コンテンツと社会体</a:t>
+            </a:r>
+          </a:p>
+          <a:p>
+            <a:pPr>
+              <a:defRPr sz="1000">
+                <a:latin typeface="Yu Gothic UI"/>
+              </a:defRPr>
+            </a:pPr>
+            <a:r>
+              <a:t>•高いブランド認知度と子供向け安全性</a:t>
             </a:r>
           </a:p>
         </p:txBody>
@@ -6585,6 +6903,7 @@
                 <a:solidFill>
                   <a:srgbClr val="008000"/>
                 </a:solidFill>
+                <a:latin typeface="Yu Gothic UI"/>
               </a:defRPr>
             </a:pPr>
             <a:r>
@@ -6593,18 +6912,22 @@
           </a:p>
           <a:p>
             <a:pPr>
-              <a:defRPr sz="900"/>
-            </a:pPr>
-            <a:r>
-              <a:t>・ウェブサイト</a:t>
-            </a:r>
-          </a:p>
-          <a:p>
-            <a:pPr>
-              <a:defRPr sz="900"/>
-            </a:pPr>
-            <a:r>
-              <a:t>・モバイルアプリ</a:t>
+              <a:defRPr sz="1000">
+                <a:latin typeface="Yu Gothic UI"/>
+              </a:defRPr>
+            </a:pPr>
+            <a:r>
+              <a:t>•ウェブサイト</a:t>
+            </a:r>
+          </a:p>
+          <a:p>
+            <a:pPr>
+              <a:defRPr sz="1000">
+                <a:latin typeface="Yu Gothic UI"/>
+              </a:defRPr>
+            </a:pPr>
+            <a:r>
+              <a:t>•モバイルアプリ</a:t>
             </a:r>
           </a:p>
         </p:txBody>
@@ -6641,6 +6964,7 @@
                 <a:solidFill>
                   <a:srgbClr val="008000"/>
                 </a:solidFill>
+                <a:latin typeface="Yu Gothic UI"/>
               </a:defRPr>
             </a:pPr>
             <a:r>
@@ -6649,18 +6973,22 @@
           </a:p>
           <a:p>
             <a:pPr>
-              <a:defRPr sz="900"/>
-            </a:pPr>
-            <a:r>
-              <a:t>・子供と若者</a:t>
-            </a:r>
-          </a:p>
-          <a:p>
-            <a:pPr>
-              <a:defRPr sz="900"/>
-            </a:pPr>
-            <a:r>
-              <a:t>・ゲーム開発を学びたい人々</a:t>
+              <a:defRPr sz="1000">
+                <a:latin typeface="Yu Gothic UI"/>
+              </a:defRPr>
+            </a:pPr>
+            <a:r>
+              <a:t>•子供と若者</a:t>
+            </a:r>
+          </a:p>
+          <a:p>
+            <a:pPr>
+              <a:defRPr sz="1000">
+                <a:latin typeface="Yu Gothic UI"/>
+              </a:defRPr>
+            </a:pPr>
+            <a:r>
+              <a:t>•ゲーム開発を学びたい人々</a:t>
             </a:r>
           </a:p>
         </p:txBody>
@@ -6697,6 +7025,7 @@
                 <a:solidFill>
                   <a:srgbClr val="008000"/>
                 </a:solidFill>
+                <a:latin typeface="Yu Gothic UI"/>
               </a:defRPr>
             </a:pPr>
             <a:r>
@@ -6705,26 +7034,32 @@
           </a:p>
           <a:p>
             <a:pPr>
-              <a:defRPr sz="900"/>
-            </a:pPr>
-            <a:r>
-              <a:t>・プラットフォームの開発とメンテナンス</a:t>
-            </a:r>
-          </a:p>
-          <a:p>
-            <a:pPr>
-              <a:defRPr sz="900"/>
-            </a:pPr>
-            <a:r>
-              <a:t>・モデレーションと規範の強化</a:t>
-            </a:r>
-          </a:p>
-          <a:p>
-            <a:pPr>
-              <a:defRPr sz="900"/>
-            </a:pPr>
-            <a:r>
-              <a:t>・マーケティングコスト</a:t>
+              <a:defRPr sz="1000">
+                <a:latin typeface="Yu Gothic UI"/>
+              </a:defRPr>
+            </a:pPr>
+            <a:r>
+              <a:t>•プラットフォームの開発とメンテナンス</a:t>
+            </a:r>
+          </a:p>
+          <a:p>
+            <a:pPr>
+              <a:defRPr sz="1000">
+                <a:latin typeface="Yu Gothic UI"/>
+              </a:defRPr>
+            </a:pPr>
+            <a:r>
+              <a:t>•モデレーションと規範の強化</a:t>
+            </a:r>
+          </a:p>
+          <a:p>
+            <a:pPr>
+              <a:defRPr sz="1000">
+                <a:latin typeface="Yu Gothic UI"/>
+              </a:defRPr>
+            </a:pPr>
+            <a:r>
+              <a:t>•マーケティングコスト</a:t>
             </a:r>
           </a:p>
         </p:txBody>
@@ -6761,6 +7096,7 @@
                 <a:solidFill>
                   <a:srgbClr val="008000"/>
                 </a:solidFill>
+                <a:latin typeface="Yu Gothic UI"/>
               </a:defRPr>
             </a:pPr>
             <a:r>
@@ -6769,26 +7105,32 @@
           </a:p>
           <a:p>
             <a:pPr>
-              <a:defRPr sz="900"/>
-            </a:pPr>
-            <a:r>
-              <a:t>・仮想通貨"Robux"の販売</a:t>
-            </a:r>
-          </a:p>
-          <a:p>
-            <a:pPr>
-              <a:defRPr sz="900"/>
-            </a:pPr>
-            <a:r>
-              <a:t>・サブスクリプション料金</a:t>
-            </a:r>
-          </a:p>
-          <a:p>
-            <a:pPr>
-              <a:defRPr sz="900"/>
-            </a:pPr>
-            <a:r>
-              <a:t>・アドバタイジング収益</a:t>
+              <a:defRPr sz="1000">
+                <a:latin typeface="Yu Gothic UI"/>
+              </a:defRPr>
+            </a:pPr>
+            <a:r>
+              <a:t>•仮想通貨"Robux"の販売</a:t>
+            </a:r>
+          </a:p>
+          <a:p>
+            <a:pPr>
+              <a:defRPr sz="1000">
+                <a:latin typeface="Yu Gothic UI"/>
+              </a:defRPr>
+            </a:pPr>
+            <a:r>
+              <a:t>•サブスクリプション料金</a:t>
+            </a:r>
+          </a:p>
+          <a:p>
+            <a:pPr>
+              <a:defRPr sz="1000">
+                <a:latin typeface="Yu Gothic UI"/>
+              </a:defRPr>
+            </a:pPr>
+            <a:r>
+              <a:t>•アドバタイジング収益</a:t>
             </a:r>
           </a:p>
         </p:txBody>
@@ -6835,7 +7177,9 @@
           <a:p/>
           <a:p>
             <a:pPr algn="l">
-              <a:defRPr sz="2000"/>
+              <a:defRPr sz="2000">
+                <a:latin typeface="Yu Gothic UI"/>
+              </a:defRPr>
             </a:pPr>
             <a:r>
               <a:t>Tesla</a:t>
@@ -6867,7 +7211,9 @@
           <a:p/>
           <a:p>
             <a:pPr algn="r">
-              <a:defRPr sz="2000"/>
+              <a:defRPr sz="2000">
+                <a:latin typeface="Yu Gothic UI"/>
+              </a:defRPr>
             </a:pPr>
             <a:r>
               <a:t>2003-07-01</a:t>
@@ -6907,6 +7253,7 @@
                 <a:solidFill>
                   <a:srgbClr val="008000"/>
                 </a:solidFill>
+                <a:latin typeface="Yu Gothic UI"/>
               </a:defRPr>
             </a:pPr>
             <a:r>
@@ -6915,18 +7262,22 @@
           </a:p>
           <a:p>
             <a:pPr>
-              <a:defRPr sz="900"/>
-            </a:pPr>
-            <a:r>
-              <a:t>・石油依存の高い車両業界</a:t>
-            </a:r>
-          </a:p>
-          <a:p>
-            <a:pPr>
-              <a:defRPr sz="900"/>
-            </a:pPr>
-            <a:r>
-              <a:t>・環境への悪影響</a:t>
+              <a:defRPr sz="1000">
+                <a:latin typeface="Yu Gothic UI"/>
+              </a:defRPr>
+            </a:pPr>
+            <a:r>
+              <a:t>•石油依存の高い車両業界</a:t>
+            </a:r>
+          </a:p>
+          <a:p>
+            <a:pPr>
+              <a:defRPr sz="1000">
+                <a:latin typeface="Yu Gothic UI"/>
+              </a:defRPr>
+            </a:pPr>
+            <a:r>
+              <a:t>•環境への悪影響</a:t>
             </a:r>
           </a:p>
         </p:txBody>
@@ -6963,6 +7314,7 @@
                 <a:solidFill>
                   <a:srgbClr val="008000"/>
                 </a:solidFill>
+                <a:latin typeface="Yu Gothic UI"/>
               </a:defRPr>
             </a:pPr>
             <a:r>
@@ -6971,18 +7323,22 @@
           </a:p>
           <a:p>
             <a:pPr>
-              <a:defRPr sz="900"/>
-            </a:pPr>
-            <a:r>
-              <a:t>・高性能で環境に優しい電気自動車の製造</a:t>
-            </a:r>
-          </a:p>
-          <a:p>
-            <a:pPr>
-              <a:defRPr sz="900"/>
-            </a:pPr>
-            <a:r>
-              <a:t>・電池技術の革新</a:t>
+              <a:defRPr sz="1000">
+                <a:latin typeface="Yu Gothic UI"/>
+              </a:defRPr>
+            </a:pPr>
+            <a:r>
+              <a:t>•高性能で環境に優しい電気自動車の製造</a:t>
+            </a:r>
+          </a:p>
+          <a:p>
+            <a:pPr>
+              <a:defRPr sz="1000">
+                <a:latin typeface="Yu Gothic UI"/>
+              </a:defRPr>
+            </a:pPr>
+            <a:r>
+              <a:t>•電池技術の革新</a:t>
             </a:r>
           </a:p>
         </p:txBody>
@@ -7019,6 +7375,7 @@
                 <a:solidFill>
                   <a:srgbClr val="008000"/>
                 </a:solidFill>
+                <a:latin typeface="Yu Gothic UI"/>
               </a:defRPr>
             </a:pPr>
             <a:r>
@@ -7027,26 +7384,32 @@
           </a:p>
           <a:p>
             <a:pPr>
-              <a:defRPr sz="900"/>
-            </a:pPr>
-            <a:r>
-              <a:t>・販売台数</a:t>
-            </a:r>
-          </a:p>
-          <a:p>
-            <a:pPr>
-              <a:defRPr sz="900"/>
-            </a:pPr>
-            <a:r>
-              <a:t>・ブランド認知度</a:t>
-            </a:r>
-          </a:p>
-          <a:p>
-            <a:pPr>
-              <a:defRPr sz="900"/>
-            </a:pPr>
-            <a:r>
-              <a:t>・収益</a:t>
+              <a:defRPr sz="1000">
+                <a:latin typeface="Yu Gothic UI"/>
+              </a:defRPr>
+            </a:pPr>
+            <a:r>
+              <a:t>•販売台数</a:t>
+            </a:r>
+          </a:p>
+          <a:p>
+            <a:pPr>
+              <a:defRPr sz="1000">
+                <a:latin typeface="Yu Gothic UI"/>
+              </a:defRPr>
+            </a:pPr>
+            <a:r>
+              <a:t>•ブランド認知度</a:t>
+            </a:r>
+          </a:p>
+          <a:p>
+            <a:pPr>
+              <a:defRPr sz="1000">
+                <a:latin typeface="Yu Gothic UI"/>
+              </a:defRPr>
+            </a:pPr>
+            <a:r>
+              <a:t>•収益</a:t>
             </a:r>
           </a:p>
         </p:txBody>
@@ -7083,6 +7446,7 @@
                 <a:solidFill>
                   <a:srgbClr val="008000"/>
                 </a:solidFill>
+                <a:latin typeface="Yu Gothic UI"/>
               </a:defRPr>
             </a:pPr>
             <a:r>
@@ -7091,10 +7455,12 @@
           </a:p>
           <a:p>
             <a:pPr>
-              <a:defRPr sz="900"/>
-            </a:pPr>
-            <a:r>
-              <a:t>・高速で持続可能なエネルギー解決策</a:t>
+              <a:defRPr sz="1000">
+                <a:latin typeface="Yu Gothic UI"/>
+              </a:defRPr>
+            </a:pPr>
+            <a:r>
+              <a:t>•高速で持続可能なエネルギー解決策</a:t>
             </a:r>
           </a:p>
         </p:txBody>
@@ -7131,6 +7497,7 @@
                 <a:solidFill>
                   <a:srgbClr val="008000"/>
                 </a:solidFill>
+                <a:latin typeface="Yu Gothic UI"/>
               </a:defRPr>
             </a:pPr>
             <a:r>
@@ -7139,18 +7506,22 @@
           </a:p>
           <a:p>
             <a:pPr>
-              <a:defRPr sz="900"/>
-            </a:pPr>
-            <a:r>
-              <a:t>・ブランド認知度とイノベーション</a:t>
-            </a:r>
-          </a:p>
-          <a:p>
-            <a:pPr>
-              <a:defRPr sz="900"/>
-            </a:pPr>
-            <a:r>
-              <a:t>・先進的なバッテリーテクノロジー</a:t>
+              <a:defRPr sz="1000">
+                <a:latin typeface="Yu Gothic UI"/>
+              </a:defRPr>
+            </a:pPr>
+            <a:r>
+              <a:t>•ブランド認知度とイノベーション</a:t>
+            </a:r>
+          </a:p>
+          <a:p>
+            <a:pPr>
+              <a:defRPr sz="1000">
+                <a:latin typeface="Yu Gothic UI"/>
+              </a:defRPr>
+            </a:pPr>
+            <a:r>
+              <a:t>•先進的なバッテリーテクノロジー</a:t>
             </a:r>
           </a:p>
         </p:txBody>
@@ -7187,6 +7558,7 @@
                 <a:solidFill>
                   <a:srgbClr val="008000"/>
                 </a:solidFill>
+                <a:latin typeface="Yu Gothic UI"/>
               </a:defRPr>
             </a:pPr>
             <a:r>
@@ -7195,18 +7567,22 @@
           </a:p>
           <a:p>
             <a:pPr>
-              <a:defRPr sz="900"/>
-            </a:pPr>
-            <a:r>
-              <a:t>・直接販売店</a:t>
-            </a:r>
-          </a:p>
-          <a:p>
-            <a:pPr>
-              <a:defRPr sz="900"/>
-            </a:pPr>
-            <a:r>
-              <a:t>・オンライン販売</a:t>
+              <a:defRPr sz="1000">
+                <a:latin typeface="Yu Gothic UI"/>
+              </a:defRPr>
+            </a:pPr>
+            <a:r>
+              <a:t>•直接販売店</a:t>
+            </a:r>
+          </a:p>
+          <a:p>
+            <a:pPr>
+              <a:defRPr sz="1000">
+                <a:latin typeface="Yu Gothic UI"/>
+              </a:defRPr>
+            </a:pPr>
+            <a:r>
+              <a:t>•オンライン販売</a:t>
             </a:r>
           </a:p>
         </p:txBody>
@@ -7243,6 +7619,7 @@
                 <a:solidFill>
                   <a:srgbClr val="008000"/>
                 </a:solidFill>
+                <a:latin typeface="Yu Gothic UI"/>
               </a:defRPr>
             </a:pPr>
             <a:r>
@@ -7251,18 +7628,22 @@
           </a:p>
           <a:p>
             <a:pPr>
-              <a:defRPr sz="900"/>
-            </a:pPr>
-            <a:r>
-              <a:t>・環境に配慮した消費者</a:t>
-            </a:r>
-          </a:p>
-          <a:p>
-            <a:pPr>
-              <a:defRPr sz="900"/>
-            </a:pPr>
-            <a:r>
-              <a:t>・プレミアムセグメントの自動車購入者</a:t>
+              <a:defRPr sz="1000">
+                <a:latin typeface="Yu Gothic UI"/>
+              </a:defRPr>
+            </a:pPr>
+            <a:r>
+              <a:t>•環境に配慮した消費者</a:t>
+            </a:r>
+          </a:p>
+          <a:p>
+            <a:pPr>
+              <a:defRPr sz="1000">
+                <a:latin typeface="Yu Gothic UI"/>
+              </a:defRPr>
+            </a:pPr>
+            <a:r>
+              <a:t>•プレミアムセグメントの自動車購入者</a:t>
             </a:r>
           </a:p>
         </p:txBody>
@@ -7299,6 +7680,7 @@
                 <a:solidFill>
                   <a:srgbClr val="008000"/>
                 </a:solidFill>
+                <a:latin typeface="Yu Gothic UI"/>
               </a:defRPr>
             </a:pPr>
             <a:r>
@@ -7307,26 +7689,32 @@
           </a:p>
           <a:p>
             <a:pPr>
-              <a:defRPr sz="900"/>
-            </a:pPr>
-            <a:r>
-              <a:t>・製造コスト</a:t>
-            </a:r>
-          </a:p>
-          <a:p>
-            <a:pPr>
-              <a:defRPr sz="900"/>
-            </a:pPr>
-            <a:r>
-              <a:t>・研究開発</a:t>
-            </a:r>
-          </a:p>
-          <a:p>
-            <a:pPr>
-              <a:defRPr sz="900"/>
-            </a:pPr>
-            <a:r>
-              <a:t>・営業及び管理費用</a:t>
+              <a:defRPr sz="1000">
+                <a:latin typeface="Yu Gothic UI"/>
+              </a:defRPr>
+            </a:pPr>
+            <a:r>
+              <a:t>•製造コスト</a:t>
+            </a:r>
+          </a:p>
+          <a:p>
+            <a:pPr>
+              <a:defRPr sz="1000">
+                <a:latin typeface="Yu Gothic UI"/>
+              </a:defRPr>
+            </a:pPr>
+            <a:r>
+              <a:t>•研究開発</a:t>
+            </a:r>
+          </a:p>
+          <a:p>
+            <a:pPr>
+              <a:defRPr sz="1000">
+                <a:latin typeface="Yu Gothic UI"/>
+              </a:defRPr>
+            </a:pPr>
+            <a:r>
+              <a:t>•営業及び管理費用</a:t>
             </a:r>
           </a:p>
         </p:txBody>
@@ -7363,6 +7751,7 @@
                 <a:solidFill>
                   <a:srgbClr val="008000"/>
                 </a:solidFill>
+                <a:latin typeface="Yu Gothic UI"/>
               </a:defRPr>
             </a:pPr>
             <a:r>
@@ -7371,18 +7760,22 @@
           </a:p>
           <a:p>
             <a:pPr>
-              <a:defRPr sz="900"/>
-            </a:pPr>
-            <a:r>
-              <a:t>・車両販売</a:t>
-            </a:r>
-          </a:p>
-          <a:p>
-            <a:pPr>
-              <a:defRPr sz="900"/>
-            </a:pPr>
-            <a:r>
-              <a:t>・サービスと付属品</a:t>
+              <a:defRPr sz="1000">
+                <a:latin typeface="Yu Gothic UI"/>
+              </a:defRPr>
+            </a:pPr>
+            <a:r>
+              <a:t>•車両販売</a:t>
+            </a:r>
+          </a:p>
+          <a:p>
+            <a:pPr>
+              <a:defRPr sz="1000">
+                <a:latin typeface="Yu Gothic UI"/>
+              </a:defRPr>
+            </a:pPr>
+            <a:r>
+              <a:t>•サービスと付属品</a:t>
             </a:r>
           </a:p>
         </p:txBody>
@@ -7429,7 +7822,9 @@
           <a:p/>
           <a:p>
             <a:pPr algn="l">
-              <a:defRPr sz="2000"/>
+              <a:defRPr sz="2000">
+                <a:latin typeface="Yu Gothic UI"/>
+              </a:defRPr>
             </a:pPr>
             <a:r>
               <a:t>SpaceX</a:t>
@@ -7461,7 +7856,9 @@
           <a:p/>
           <a:p>
             <a:pPr algn="r">
-              <a:defRPr sz="2000"/>
+              <a:defRPr sz="2000">
+                <a:latin typeface="Yu Gothic UI"/>
+              </a:defRPr>
             </a:pPr>
             <a:r>
               <a:t>2002-03-14</a:t>
@@ -7501,6 +7898,7 @@
                 <a:solidFill>
                   <a:srgbClr val="008000"/>
                 </a:solidFill>
+                <a:latin typeface="Yu Gothic UI"/>
               </a:defRPr>
             </a:pPr>
             <a:r>
@@ -7509,18 +7907,22 @@
           </a:p>
           <a:p>
             <a:pPr>
-              <a:defRPr sz="900"/>
-            </a:pPr>
-            <a:r>
-              <a:t>・高コストの宇宙探査</a:t>
-            </a:r>
-          </a:p>
-          <a:p>
-            <a:pPr>
-              <a:defRPr sz="900"/>
-            </a:pPr>
-            <a:r>
-              <a:t>・再利用不可能なロケット</a:t>
+              <a:defRPr sz="1000">
+                <a:latin typeface="Yu Gothic UI"/>
+              </a:defRPr>
+            </a:pPr>
+            <a:r>
+              <a:t>•高コストの宇宙探査</a:t>
+            </a:r>
+          </a:p>
+          <a:p>
+            <a:pPr>
+              <a:defRPr sz="1000">
+                <a:latin typeface="Yu Gothic UI"/>
+              </a:defRPr>
+            </a:pPr>
+            <a:r>
+              <a:t>•再利用不可能なロケット</a:t>
             </a:r>
           </a:p>
         </p:txBody>
@@ -7557,6 +7959,7 @@
                 <a:solidFill>
                   <a:srgbClr val="008000"/>
                 </a:solidFill>
+                <a:latin typeface="Yu Gothic UI"/>
               </a:defRPr>
             </a:pPr>
             <a:r>
@@ -7565,18 +7968,22 @@
           </a:p>
           <a:p>
             <a:pPr>
-              <a:defRPr sz="900"/>
-            </a:pPr>
-            <a:r>
-              <a:t>・再利用可能なロケットの開発</a:t>
-            </a:r>
-          </a:p>
-          <a:p>
-            <a:pPr>
-              <a:defRPr sz="900"/>
-            </a:pPr>
-            <a:r>
-              <a:t>・低コストの宇宙旅行の実現</a:t>
+              <a:defRPr sz="1000">
+                <a:latin typeface="Yu Gothic UI"/>
+              </a:defRPr>
+            </a:pPr>
+            <a:r>
+              <a:t>•再利用可能なロケットの開発</a:t>
+            </a:r>
+          </a:p>
+          <a:p>
+            <a:pPr>
+              <a:defRPr sz="1000">
+                <a:latin typeface="Yu Gothic UI"/>
+              </a:defRPr>
+            </a:pPr>
+            <a:r>
+              <a:t>•低コストの宇宙旅行の実現</a:t>
             </a:r>
           </a:p>
         </p:txBody>
@@ -7613,6 +8020,7 @@
                 <a:solidFill>
                   <a:srgbClr val="008000"/>
                 </a:solidFill>
+                <a:latin typeface="Yu Gothic UI"/>
               </a:defRPr>
             </a:pPr>
             <a:r>
@@ -7621,26 +8029,32 @@
           </a:p>
           <a:p>
             <a:pPr>
-              <a:defRPr sz="900"/>
-            </a:pPr>
-            <a:r>
-              <a:t>・打ち上げ数</a:t>
-            </a:r>
-          </a:p>
-          <a:p>
-            <a:pPr>
-              <a:defRPr sz="900"/>
-            </a:pPr>
-            <a:r>
-              <a:t>・再利用ロケットの成功回数</a:t>
-            </a:r>
-          </a:p>
-          <a:p>
-            <a:pPr>
-              <a:defRPr sz="900"/>
-            </a:pPr>
-            <a:r>
-              <a:t>・契約数</a:t>
+              <a:defRPr sz="1000">
+                <a:latin typeface="Yu Gothic UI"/>
+              </a:defRPr>
+            </a:pPr>
+            <a:r>
+              <a:t>•打ち上げ数</a:t>
+            </a:r>
+          </a:p>
+          <a:p>
+            <a:pPr>
+              <a:defRPr sz="1000">
+                <a:latin typeface="Yu Gothic UI"/>
+              </a:defRPr>
+            </a:pPr>
+            <a:r>
+              <a:t>•再利用ロケットの成功回数</a:t>
+            </a:r>
+          </a:p>
+          <a:p>
+            <a:pPr>
+              <a:defRPr sz="1000">
+                <a:latin typeface="Yu Gothic UI"/>
+              </a:defRPr>
+            </a:pPr>
+            <a:r>
+              <a:t>•契約数</a:t>
             </a:r>
           </a:p>
         </p:txBody>
@@ -7677,6 +8091,7 @@
                 <a:solidFill>
                   <a:srgbClr val="008000"/>
                 </a:solidFill>
+                <a:latin typeface="Yu Gothic UI"/>
               </a:defRPr>
             </a:pPr>
             <a:r>
@@ -7685,10 +8100,12 @@
           </a:p>
           <a:p>
             <a:pPr>
-              <a:defRPr sz="900"/>
-            </a:pPr>
-            <a:r>
-              <a:t>・人類が宇宙を探査し、他の惑星に住むことを可能にする</a:t>
+              <a:defRPr sz="1000">
+                <a:latin typeface="Yu Gothic UI"/>
+              </a:defRPr>
+            </a:pPr>
+            <a:r>
+              <a:t>•人類が宇宙を探査し、他の惑星に住むことを可能にする</a:t>
             </a:r>
           </a:p>
         </p:txBody>
@@ -7725,6 +8142,7 @@
                 <a:solidFill>
                   <a:srgbClr val="008000"/>
                 </a:solidFill>
+                <a:latin typeface="Yu Gothic UI"/>
               </a:defRPr>
             </a:pPr>
             <a:r>
@@ -7733,18 +8151,22 @@
           </a:p>
           <a:p>
             <a:pPr>
-              <a:defRPr sz="900"/>
-            </a:pPr>
-            <a:r>
-              <a:t>・再利用可能なロケット技術</a:t>
-            </a:r>
-          </a:p>
-          <a:p>
-            <a:pPr>
-              <a:defRPr sz="900"/>
-            </a:pPr>
-            <a:r>
-              <a:t>・強力なブランドとイノベーション</a:t>
+              <a:defRPr sz="1000">
+                <a:latin typeface="Yu Gothic UI"/>
+              </a:defRPr>
+            </a:pPr>
+            <a:r>
+              <a:t>•再利用可能なロケット技術</a:t>
+            </a:r>
+          </a:p>
+          <a:p>
+            <a:pPr>
+              <a:defRPr sz="1000">
+                <a:latin typeface="Yu Gothic UI"/>
+              </a:defRPr>
+            </a:pPr>
+            <a:r>
+              <a:t>•強力なブランドとイノベーション</a:t>
             </a:r>
           </a:p>
         </p:txBody>
@@ -7781,6 +8203,7 @@
                 <a:solidFill>
                   <a:srgbClr val="008000"/>
                 </a:solidFill>
+                <a:latin typeface="Yu Gothic UI"/>
               </a:defRPr>
             </a:pPr>
             <a:r>
@@ -7789,18 +8212,22 @@
           </a:p>
           <a:p>
             <a:pPr>
-              <a:defRPr sz="900"/>
-            </a:pPr>
-            <a:r>
-              <a:t>・政府との契約</a:t>
-            </a:r>
-          </a:p>
-          <a:p>
-            <a:pPr>
-              <a:defRPr sz="900"/>
-            </a:pPr>
-            <a:r>
-              <a:t>・商業打ち上げ契約</a:t>
+              <a:defRPr sz="1000">
+                <a:latin typeface="Yu Gothic UI"/>
+              </a:defRPr>
+            </a:pPr>
+            <a:r>
+              <a:t>•政府との契約</a:t>
+            </a:r>
+          </a:p>
+          <a:p>
+            <a:pPr>
+              <a:defRPr sz="1000">
+                <a:latin typeface="Yu Gothic UI"/>
+              </a:defRPr>
+            </a:pPr>
+            <a:r>
+              <a:t>•商業打ち上げ契約</a:t>
             </a:r>
           </a:p>
         </p:txBody>
@@ -7837,6 +8264,7 @@
                 <a:solidFill>
                   <a:srgbClr val="008000"/>
                 </a:solidFill>
+                <a:latin typeface="Yu Gothic UI"/>
               </a:defRPr>
             </a:pPr>
             <a:r>
@@ -7845,18 +8273,22 @@
           </a:p>
           <a:p>
             <a:pPr>
-              <a:defRPr sz="900"/>
-            </a:pPr>
-            <a:r>
-              <a:t>・政府機関</a:t>
-            </a:r>
-          </a:p>
-          <a:p>
-            <a:pPr>
-              <a:defRPr sz="900"/>
-            </a:pPr>
-            <a:r>
-              <a:t>・衛星会社</a:t>
+              <a:defRPr sz="1000">
+                <a:latin typeface="Yu Gothic UI"/>
+              </a:defRPr>
+            </a:pPr>
+            <a:r>
+              <a:t>•政府機関</a:t>
+            </a:r>
+          </a:p>
+          <a:p>
+            <a:pPr>
+              <a:defRPr sz="1000">
+                <a:latin typeface="Yu Gothic UI"/>
+              </a:defRPr>
+            </a:pPr>
+            <a:r>
+              <a:t>•衛星会社</a:t>
             </a:r>
           </a:p>
         </p:txBody>
@@ -7893,6 +8325,7 @@
                 <a:solidFill>
                   <a:srgbClr val="008000"/>
                 </a:solidFill>
+                <a:latin typeface="Yu Gothic UI"/>
               </a:defRPr>
             </a:pPr>
             <a:r>
@@ -7901,26 +8334,32 @@
           </a:p>
           <a:p>
             <a:pPr>
-              <a:defRPr sz="900"/>
-            </a:pPr>
-            <a:r>
-              <a:t>・ロケットの開発と製造</a:t>
-            </a:r>
-          </a:p>
-          <a:p>
-            <a:pPr>
-              <a:defRPr sz="900"/>
-            </a:pPr>
-            <a:r>
-              <a:t>・打ち上げ費用</a:t>
-            </a:r>
-          </a:p>
-          <a:p>
-            <a:pPr>
-              <a:defRPr sz="900"/>
-            </a:pPr>
-            <a:r>
-              <a:t>・研究開発</a:t>
+              <a:defRPr sz="1000">
+                <a:latin typeface="Yu Gothic UI"/>
+              </a:defRPr>
+            </a:pPr>
+            <a:r>
+              <a:t>•ロケットの開発と製造</a:t>
+            </a:r>
+          </a:p>
+          <a:p>
+            <a:pPr>
+              <a:defRPr sz="1000">
+                <a:latin typeface="Yu Gothic UI"/>
+              </a:defRPr>
+            </a:pPr>
+            <a:r>
+              <a:t>•打ち上げ費用</a:t>
+            </a:r>
+          </a:p>
+          <a:p>
+            <a:pPr>
+              <a:defRPr sz="1000">
+                <a:latin typeface="Yu Gothic UI"/>
+              </a:defRPr>
+            </a:pPr>
+            <a:r>
+              <a:t>•研究開発</a:t>
             </a:r>
           </a:p>
         </p:txBody>
@@ -7957,6 +8396,7 @@
                 <a:solidFill>
                   <a:srgbClr val="008000"/>
                 </a:solidFill>
+                <a:latin typeface="Yu Gothic UI"/>
               </a:defRPr>
             </a:pPr>
             <a:r>
@@ -7965,18 +8405,22 @@
           </a:p>
           <a:p>
             <a:pPr>
-              <a:defRPr sz="900"/>
-            </a:pPr>
-            <a:r>
-              <a:t>・打ち上げ契約</a:t>
-            </a:r>
-          </a:p>
-          <a:p>
-            <a:pPr>
-              <a:defRPr sz="900"/>
-            </a:pPr>
-            <a:r>
-              <a:t>・宇宙旅行の収入</a:t>
+              <a:defRPr sz="1000">
+                <a:latin typeface="Yu Gothic UI"/>
+              </a:defRPr>
+            </a:pPr>
+            <a:r>
+              <a:t>•打ち上げ契約</a:t>
+            </a:r>
+          </a:p>
+          <a:p>
+            <a:pPr>
+              <a:defRPr sz="1000">
+                <a:latin typeface="Yu Gothic UI"/>
+              </a:defRPr>
+            </a:pPr>
+            <a:r>
+              <a:t>•宇宙旅行の収入</a:t>
             </a:r>
           </a:p>
         </p:txBody>
@@ -8023,7 +8467,9 @@
           <a:p/>
           <a:p>
             <a:pPr algn="l">
-              <a:defRPr sz="2000"/>
+              <a:defRPr sz="2000">
+                <a:latin typeface="Yu Gothic UI"/>
+              </a:defRPr>
             </a:pPr>
             <a:r>
               <a:t>Uber (at the beginning)</a:t>
@@ -8055,7 +8501,9 @@
           <a:p/>
           <a:p>
             <a:pPr algn="r">
-              <a:defRPr sz="2000"/>
+              <a:defRPr sz="2000">
+                <a:latin typeface="Yu Gothic UI"/>
+              </a:defRPr>
             </a:pPr>
             <a:r>
               <a:t>2009-03-01</a:t>
@@ -8095,6 +8543,7 @@
                 <a:solidFill>
                   <a:srgbClr val="008000"/>
                 </a:solidFill>
+                <a:latin typeface="Yu Gothic UI"/>
               </a:defRPr>
             </a:pPr>
             <a:r>
@@ -8103,26 +8552,32 @@
           </a:p>
           <a:p>
             <a:pPr>
-              <a:defRPr sz="900"/>
-            </a:pPr>
-            <a:r>
-              <a:t>・タクシーの利用が不便で時間がかかる</a:t>
-            </a:r>
-          </a:p>
-          <a:p>
-            <a:pPr>
-              <a:defRPr sz="900"/>
-            </a:pPr>
-            <a:r>
-              <a:t>・タクシーの料金が高い</a:t>
-            </a:r>
-          </a:p>
-          <a:p>
-            <a:pPr>
-              <a:defRPr sz="900"/>
-            </a:pPr>
-            <a:r>
-              <a:t>・ハイヤー車の予約が難しい</a:t>
+              <a:defRPr sz="1000">
+                <a:latin typeface="Yu Gothic UI"/>
+              </a:defRPr>
+            </a:pPr>
+            <a:r>
+              <a:t>•タクシーの利用が不便で時間がかかる</a:t>
+            </a:r>
+          </a:p>
+          <a:p>
+            <a:pPr>
+              <a:defRPr sz="1000">
+                <a:latin typeface="Yu Gothic UI"/>
+              </a:defRPr>
+            </a:pPr>
+            <a:r>
+              <a:t>•タクシーの料金が高い</a:t>
+            </a:r>
+          </a:p>
+          <a:p>
+            <a:pPr>
+              <a:defRPr sz="1000">
+                <a:latin typeface="Yu Gothic UI"/>
+              </a:defRPr>
+            </a:pPr>
+            <a:r>
+              <a:t>•ハイヤー車の予約が難しい</a:t>
             </a:r>
           </a:p>
         </p:txBody>
@@ -8159,6 +8614,7 @@
                 <a:solidFill>
                   <a:srgbClr val="008000"/>
                 </a:solidFill>
+                <a:latin typeface="Yu Gothic UI"/>
               </a:defRPr>
             </a:pPr>
             <a:r>
@@ -8167,26 +8623,32 @@
           </a:p>
           <a:p>
             <a:pPr>
-              <a:defRPr sz="900"/>
-            </a:pPr>
-            <a:r>
-              <a:t>・スマホアプリを通じてリアルタイムで車を呼べるサービス</a:t>
-            </a:r>
-          </a:p>
-          <a:p>
-            <a:pPr>
-              <a:defRPr sz="900"/>
-            </a:pPr>
-            <a:r>
-              <a:t>・定額制で明確な料金を提示</a:t>
-            </a:r>
-          </a:p>
-          <a:p>
-            <a:pPr>
-              <a:defRPr sz="900"/>
-            </a:pPr>
-            <a:r>
-              <a:t>・プレミアムなハイヤーサービスを提供</a:t>
+              <a:defRPr sz="1000">
+                <a:latin typeface="Yu Gothic UI"/>
+              </a:defRPr>
+            </a:pPr>
+            <a:r>
+              <a:t>•スマホアプリを通じてリアルタイムで車を呼べるサービス</a:t>
+            </a:r>
+          </a:p>
+          <a:p>
+            <a:pPr>
+              <a:defRPr sz="1000">
+                <a:latin typeface="Yu Gothic UI"/>
+              </a:defRPr>
+            </a:pPr>
+            <a:r>
+              <a:t>•定額制で明確な料金を提示</a:t>
+            </a:r>
+          </a:p>
+          <a:p>
+            <a:pPr>
+              <a:defRPr sz="1000">
+                <a:latin typeface="Yu Gothic UI"/>
+              </a:defRPr>
+            </a:pPr>
+            <a:r>
+              <a:t>•プレミアムなハイヤーサービスを提供</a:t>
             </a:r>
           </a:p>
         </p:txBody>
@@ -8223,6 +8685,7 @@
                 <a:solidFill>
                   <a:srgbClr val="008000"/>
                 </a:solidFill>
+                <a:latin typeface="Yu Gothic UI"/>
               </a:defRPr>
             </a:pPr>
             <a:r>
@@ -8231,26 +8694,32 @@
           </a:p>
           <a:p>
             <a:pPr>
-              <a:defRPr sz="900"/>
-            </a:pPr>
-            <a:r>
-              <a:t>・アプリダウンロード数</a:t>
-            </a:r>
-          </a:p>
-          <a:p>
-            <a:pPr>
-              <a:defRPr sz="900"/>
-            </a:pPr>
-            <a:r>
-              <a:t>・乗車回数</a:t>
-            </a:r>
-          </a:p>
-          <a:p>
-            <a:pPr>
-              <a:defRPr sz="900"/>
-            </a:pPr>
-            <a:r>
-              <a:t>・ユーザーフィードバック</a:t>
+              <a:defRPr sz="1000">
+                <a:latin typeface="Yu Gothic UI"/>
+              </a:defRPr>
+            </a:pPr>
+            <a:r>
+              <a:t>•アプリダウンロード数</a:t>
+            </a:r>
+          </a:p>
+          <a:p>
+            <a:pPr>
+              <a:defRPr sz="1000">
+                <a:latin typeface="Yu Gothic UI"/>
+              </a:defRPr>
+            </a:pPr>
+            <a:r>
+              <a:t>•乗車回数</a:t>
+            </a:r>
+          </a:p>
+          <a:p>
+            <a:pPr>
+              <a:defRPr sz="1000">
+                <a:latin typeface="Yu Gothic UI"/>
+              </a:defRPr>
+            </a:pPr>
+            <a:r>
+              <a:t>•ユーザーフィードバック</a:t>
             </a:r>
           </a:p>
         </p:txBody>
@@ -8287,6 +8756,7 @@
                 <a:solidFill>
                   <a:srgbClr val="008000"/>
                 </a:solidFill>
+                <a:latin typeface="Yu Gothic UI"/>
               </a:defRPr>
             </a:pPr>
             <a:r>
@@ -8295,26 +8765,32 @@
           </a:p>
           <a:p>
             <a:pPr>
-              <a:defRPr sz="900"/>
-            </a:pPr>
-            <a:r>
-              <a:t>・タップするだけでどこでも乗車可能</a:t>
-            </a:r>
-          </a:p>
-          <a:p>
-            <a:pPr>
-              <a:defRPr sz="900"/>
-            </a:pPr>
-            <a:r>
-              <a:t>・事前に料金がわかる</a:t>
-            </a:r>
-          </a:p>
-          <a:p>
-            <a:pPr>
-              <a:defRPr sz="900"/>
-            </a:pPr>
-            <a:r>
-              <a:t>・快適な車での移動</a:t>
+              <a:defRPr sz="1000">
+                <a:latin typeface="Yu Gothic UI"/>
+              </a:defRPr>
+            </a:pPr>
+            <a:r>
+              <a:t>•タップするだけでどこでも乗車可能</a:t>
+            </a:r>
+          </a:p>
+          <a:p>
+            <a:pPr>
+              <a:defRPr sz="1000">
+                <a:latin typeface="Yu Gothic UI"/>
+              </a:defRPr>
+            </a:pPr>
+            <a:r>
+              <a:t>•事前に料金がわかる</a:t>
+            </a:r>
+          </a:p>
+          <a:p>
+            <a:pPr>
+              <a:defRPr sz="1000">
+                <a:latin typeface="Yu Gothic UI"/>
+              </a:defRPr>
+            </a:pPr>
+            <a:r>
+              <a:t>•快適な車での移動</a:t>
             </a:r>
           </a:p>
         </p:txBody>
@@ -8351,6 +8827,7 @@
                 <a:solidFill>
                   <a:srgbClr val="008000"/>
                 </a:solidFill>
+                <a:latin typeface="Yu Gothic UI"/>
               </a:defRPr>
             </a:pPr>
             <a:r>
@@ -8359,18 +8836,22 @@
           </a:p>
           <a:p>
             <a:pPr>
-              <a:defRPr sz="900"/>
-            </a:pPr>
-            <a:r>
-              <a:t>・他に同様のサービスが存在しない</a:t>
-            </a:r>
-          </a:p>
-          <a:p>
-            <a:pPr>
-              <a:defRPr sz="900"/>
-            </a:pPr>
-            <a:r>
-              <a:t>・テクノロジーを活用した新たな車両呼び出し体験</a:t>
+              <a:defRPr sz="1000">
+                <a:latin typeface="Yu Gothic UI"/>
+              </a:defRPr>
+            </a:pPr>
+            <a:r>
+              <a:t>•他に同様のサービスが存在しない</a:t>
+            </a:r>
+          </a:p>
+          <a:p>
+            <a:pPr>
+              <a:defRPr sz="1000">
+                <a:latin typeface="Yu Gothic UI"/>
+              </a:defRPr>
+            </a:pPr>
+            <a:r>
+              <a:t>•テクノロジーを活用した新たな車両呼び出し体験</a:t>
             </a:r>
           </a:p>
         </p:txBody>
@@ -8407,6 +8888,7 @@
                 <a:solidFill>
                   <a:srgbClr val="008000"/>
                 </a:solidFill>
+                <a:latin typeface="Yu Gothic UI"/>
               </a:defRPr>
             </a:pPr>
             <a:r>
@@ -8415,26 +8897,32 @@
           </a:p>
           <a:p>
             <a:pPr>
-              <a:defRPr sz="900"/>
-            </a:pPr>
-            <a:r>
-              <a:t>・スマートフォンアプリ</a:t>
-            </a:r>
-          </a:p>
-          <a:p>
-            <a:pPr>
-              <a:defRPr sz="900"/>
-            </a:pPr>
-            <a:r>
-              <a:t>・ワード・オブ・マウス</a:t>
-            </a:r>
-          </a:p>
-          <a:p>
-            <a:pPr>
-              <a:defRPr sz="900"/>
-            </a:pPr>
-            <a:r>
-              <a:t>・メディア露出</a:t>
+              <a:defRPr sz="1000">
+                <a:latin typeface="Yu Gothic UI"/>
+              </a:defRPr>
+            </a:pPr>
+            <a:r>
+              <a:t>•スマートフォンアプリ</a:t>
+            </a:r>
+          </a:p>
+          <a:p>
+            <a:pPr>
+              <a:defRPr sz="1000">
+                <a:latin typeface="Yu Gothic UI"/>
+              </a:defRPr>
+            </a:pPr>
+            <a:r>
+              <a:t>•ワード・オブ・マウス</a:t>
+            </a:r>
+          </a:p>
+          <a:p>
+            <a:pPr>
+              <a:defRPr sz="1000">
+                <a:latin typeface="Yu Gothic UI"/>
+              </a:defRPr>
+            </a:pPr>
+            <a:r>
+              <a:t>•メディア露出</a:t>
             </a:r>
           </a:p>
         </p:txBody>
@@ -8471,6 +8959,7 @@
                 <a:solidFill>
                   <a:srgbClr val="008000"/>
                 </a:solidFill>
+                <a:latin typeface="Yu Gothic UI"/>
               </a:defRPr>
             </a:pPr>
             <a:r>
@@ -8479,18 +8968,22 @@
           </a:p>
           <a:p>
             <a:pPr>
-              <a:defRPr sz="900"/>
-            </a:pPr>
-            <a:r>
-              <a:t>・ハイヤーサービスを求める富裕層</a:t>
-            </a:r>
-          </a:p>
-          <a:p>
-            <a:pPr>
-              <a:defRPr sz="900"/>
-            </a:pPr>
-            <a:r>
-              <a:t>・タクシー利用が頻繁なビジネスマン</a:t>
+              <a:defRPr sz="1000">
+                <a:latin typeface="Yu Gothic UI"/>
+              </a:defRPr>
+            </a:pPr>
+            <a:r>
+              <a:t>•ハイヤーサービスを求める富裕層</a:t>
+            </a:r>
+          </a:p>
+          <a:p>
+            <a:pPr>
+              <a:defRPr sz="1000">
+                <a:latin typeface="Yu Gothic UI"/>
+              </a:defRPr>
+            </a:pPr>
+            <a:r>
+              <a:t>•タクシー利用が頻繁なビジネスマン</a:t>
             </a:r>
           </a:p>
         </p:txBody>
@@ -8527,6 +9020,7 @@
                 <a:solidFill>
                   <a:srgbClr val="008000"/>
                 </a:solidFill>
+                <a:latin typeface="Yu Gothic UI"/>
               </a:defRPr>
             </a:pPr>
             <a:r>
@@ -8535,26 +9029,32 @@
           </a:p>
           <a:p>
             <a:pPr>
-              <a:defRPr sz="900"/>
-            </a:pPr>
-            <a:r>
-              <a:t>・アプリの開発とメンテナンス</a:t>
-            </a:r>
-          </a:p>
-          <a:p>
-            <a:pPr>
-              <a:defRPr sz="900"/>
-            </a:pPr>
-            <a:r>
-              <a:t>・マーケティングとブランド構築</a:t>
-            </a:r>
-          </a:p>
-          <a:p>
-            <a:pPr>
-              <a:defRPr sz="900"/>
-            </a:pPr>
-            <a:r>
-              <a:t>・カスタマーサポート</a:t>
+              <a:defRPr sz="1000">
+                <a:latin typeface="Yu Gothic UI"/>
+              </a:defRPr>
+            </a:pPr>
+            <a:r>
+              <a:t>•アプリの開発とメンテナンス</a:t>
+            </a:r>
+          </a:p>
+          <a:p>
+            <a:pPr>
+              <a:defRPr sz="1000">
+                <a:latin typeface="Yu Gothic UI"/>
+              </a:defRPr>
+            </a:pPr>
+            <a:r>
+              <a:t>•マーケティングとブランド構築</a:t>
+            </a:r>
+          </a:p>
+          <a:p>
+            <a:pPr>
+              <a:defRPr sz="1000">
+                <a:latin typeface="Yu Gothic UI"/>
+              </a:defRPr>
+            </a:pPr>
+            <a:r>
+              <a:t>•カスタマーサポート</a:t>
             </a:r>
           </a:p>
         </p:txBody>
@@ -8591,6 +9091,7 @@
                 <a:solidFill>
                   <a:srgbClr val="008000"/>
                 </a:solidFill>
+                <a:latin typeface="Yu Gothic UI"/>
               </a:defRPr>
             </a:pPr>
             <a:r>
@@ -8599,18 +9100,22 @@
           </a:p>
           <a:p>
             <a:pPr>
-              <a:defRPr sz="900"/>
-            </a:pPr>
-            <a:r>
-              <a:t>・乗車料金</a:t>
-            </a:r>
-          </a:p>
-          <a:p>
-            <a:pPr>
-              <a:defRPr sz="900"/>
-            </a:pPr>
-            <a:r>
-              <a:t>・プレミアムサービスの提供</a:t>
+              <a:defRPr sz="1000">
+                <a:latin typeface="Yu Gothic UI"/>
+              </a:defRPr>
+            </a:pPr>
+            <a:r>
+              <a:t>•乗車料金</a:t>
+            </a:r>
+          </a:p>
+          <a:p>
+            <a:pPr>
+              <a:defRPr sz="1000">
+                <a:latin typeface="Yu Gothic UI"/>
+              </a:defRPr>
+            </a:pPr>
+            <a:r>
+              <a:t>•プレミアムサービスの提供</a:t>
             </a:r>
           </a:p>
         </p:txBody>
@@ -8657,7 +9162,9 @@
           <a:p/>
           <a:p>
             <a:pPr algn="l">
-              <a:defRPr sz="2000"/>
+              <a:defRPr sz="2000">
+                <a:latin typeface="Yu Gothic UI"/>
+              </a:defRPr>
             </a:pPr>
             <a:r>
               <a:t>Pure Storage (at the beginning)</a:t>
@@ -8689,7 +9196,9 @@
           <a:p/>
           <a:p>
             <a:pPr algn="r">
-              <a:defRPr sz="2000"/>
+              <a:defRPr sz="2000">
+                <a:latin typeface="Yu Gothic UI"/>
+              </a:defRPr>
             </a:pPr>
             <a:r>
               <a:t>2009-10-01</a:t>
@@ -8729,6 +9238,7 @@
                 <a:solidFill>
                   <a:srgbClr val="008000"/>
                 </a:solidFill>
+                <a:latin typeface="Yu Gothic UI"/>
               </a:defRPr>
             </a:pPr>
             <a:r>
@@ -8737,18 +9247,22 @@
           </a:p>
           <a:p>
             <a:pPr>
-              <a:defRPr sz="900"/>
-            </a:pPr>
-            <a:r>
-              <a:t>・高価でパフォーマンスの低い伝統的なディスクベースのストレージ</a:t>
-            </a:r>
-          </a:p>
-          <a:p>
-            <a:pPr>
-              <a:defRPr sz="900"/>
-            </a:pPr>
-            <a:r>
-              <a:t>・ストレージ管理が複雑で時間がかかる</a:t>
+              <a:defRPr sz="1000">
+                <a:latin typeface="Yu Gothic UI"/>
+              </a:defRPr>
+            </a:pPr>
+            <a:r>
+              <a:t>•高価でパフォーマンスの低い伝統的なディスクベースのストレージ</a:t>
+            </a:r>
+          </a:p>
+          <a:p>
+            <a:pPr>
+              <a:defRPr sz="1000">
+                <a:latin typeface="Yu Gothic UI"/>
+              </a:defRPr>
+            </a:pPr>
+            <a:r>
+              <a:t>•ストレージ管理が複雑で時間がかかる</a:t>
             </a:r>
           </a:p>
         </p:txBody>
@@ -8785,6 +9299,7 @@
                 <a:solidFill>
                   <a:srgbClr val="008000"/>
                 </a:solidFill>
+                <a:latin typeface="Yu Gothic UI"/>
               </a:defRPr>
             </a:pPr>
             <a:r>
@@ -8793,18 +9308,22 @@
           </a:p>
           <a:p>
             <a:pPr>
-              <a:defRPr sz="900"/>
-            </a:pPr>
-            <a:r>
-              <a:t>・100%フラッシュベースのストレージシステム</a:t>
-            </a:r>
-          </a:p>
-          <a:p>
-            <a:pPr>
-              <a:defRPr sz="900"/>
-            </a:pPr>
-            <a:r>
-              <a:t>・ユーザーフレンドリーな管理インターフェース</a:t>
+              <a:defRPr sz="1000">
+                <a:latin typeface="Yu Gothic UI"/>
+              </a:defRPr>
+            </a:pPr>
+            <a:r>
+              <a:t>•100%フラッシュベースのストレージシステム</a:t>
+            </a:r>
+          </a:p>
+          <a:p>
+            <a:pPr>
+              <a:defRPr sz="1000">
+                <a:latin typeface="Yu Gothic UI"/>
+              </a:defRPr>
+            </a:pPr>
+            <a:r>
+              <a:t>•ユーザーフレンドリーな管理インターフェース</a:t>
             </a:r>
           </a:p>
         </p:txBody>
@@ -8841,6 +9360,7 @@
                 <a:solidFill>
                   <a:srgbClr val="008000"/>
                 </a:solidFill>
+                <a:latin typeface="Yu Gothic UI"/>
               </a:defRPr>
             </a:pPr>
             <a:r>
@@ -8849,26 +9369,32 @@
           </a:p>
           <a:p>
             <a:pPr>
-              <a:defRPr sz="900"/>
-            </a:pPr>
-            <a:r>
-              <a:t>・製品販売数</a:t>
-            </a:r>
-          </a:p>
-          <a:p>
-            <a:pPr>
-              <a:defRPr sz="900"/>
-            </a:pPr>
-            <a:r>
-              <a:t>・新規顧客数</a:t>
-            </a:r>
-          </a:p>
-          <a:p>
-            <a:pPr>
-              <a:defRPr sz="900"/>
-            </a:pPr>
-            <a:r>
-              <a:t>・カスタマーサティスファクション</a:t>
+              <a:defRPr sz="1000">
+                <a:latin typeface="Yu Gothic UI"/>
+              </a:defRPr>
+            </a:pPr>
+            <a:r>
+              <a:t>•製品販売数</a:t>
+            </a:r>
+          </a:p>
+          <a:p>
+            <a:pPr>
+              <a:defRPr sz="1000">
+                <a:latin typeface="Yu Gothic UI"/>
+              </a:defRPr>
+            </a:pPr>
+            <a:r>
+              <a:t>•新規顧客数</a:t>
+            </a:r>
+          </a:p>
+          <a:p>
+            <a:pPr>
+              <a:defRPr sz="1000">
+                <a:latin typeface="Yu Gothic UI"/>
+              </a:defRPr>
+            </a:pPr>
+            <a:r>
+              <a:t>•カスタマーサティスファクション</a:t>
             </a:r>
           </a:p>
         </p:txBody>
@@ -8905,6 +9431,7 @@
                 <a:solidFill>
                   <a:srgbClr val="008000"/>
                 </a:solidFill>
+                <a:latin typeface="Yu Gothic UI"/>
               </a:defRPr>
             </a:pPr>
             <a:r>
@@ -8913,10 +9440,12 @@
           </a:p>
           <a:p>
             <a:pPr>
-              <a:defRPr sz="900"/>
-            </a:pPr>
-            <a:r>
-              <a:t>・高速でシンプルなストレージソリューション</a:t>
+              <a:defRPr sz="1000">
+                <a:latin typeface="Yu Gothic UI"/>
+              </a:defRPr>
+            </a:pPr>
+            <a:r>
+              <a:t>•高速でシンプルなストレージソリューション</a:t>
             </a:r>
           </a:p>
         </p:txBody>
@@ -8953,6 +9482,7 @@
                 <a:solidFill>
                   <a:srgbClr val="008000"/>
                 </a:solidFill>
+                <a:latin typeface="Yu Gothic UI"/>
               </a:defRPr>
             </a:pPr>
             <a:r>
@@ -8961,18 +9491,22 @@
           </a:p>
           <a:p>
             <a:pPr>
-              <a:defRPr sz="900"/>
-            </a:pPr>
-            <a:r>
-              <a:t>・フラッシュストレージに特化した先駆者</a:t>
-            </a:r>
-          </a:p>
-          <a:p>
-            <a:pPr>
-              <a:defRPr sz="900"/>
-            </a:pPr>
-            <a:r>
-              <a:t>・高度なデータ削減技術</a:t>
+              <a:defRPr sz="1000">
+                <a:latin typeface="Yu Gothic UI"/>
+              </a:defRPr>
+            </a:pPr>
+            <a:r>
+              <a:t>•フラッシュストレージに特化した先駆者</a:t>
+            </a:r>
+          </a:p>
+          <a:p>
+            <a:pPr>
+              <a:defRPr sz="1000">
+                <a:latin typeface="Yu Gothic UI"/>
+              </a:defRPr>
+            </a:pPr>
+            <a:r>
+              <a:t>•高度なデータ削減技術</a:t>
             </a:r>
           </a:p>
         </p:txBody>
@@ -9009,6 +9543,7 @@
                 <a:solidFill>
                   <a:srgbClr val="008000"/>
                 </a:solidFill>
+                <a:latin typeface="Yu Gothic UI"/>
               </a:defRPr>
             </a:pPr>
             <a:r>
@@ -9017,18 +9552,22 @@
           </a:p>
           <a:p>
             <a:pPr>
-              <a:defRPr sz="900"/>
-            </a:pPr>
-            <a:r>
-              <a:t>・直販</a:t>
-            </a:r>
-          </a:p>
-          <a:p>
-            <a:pPr>
-              <a:defRPr sz="900"/>
-            </a:pPr>
-            <a:r>
-              <a:t>・パートナー企業</a:t>
+              <a:defRPr sz="1000">
+                <a:latin typeface="Yu Gothic UI"/>
+              </a:defRPr>
+            </a:pPr>
+            <a:r>
+              <a:t>•直販</a:t>
+            </a:r>
+          </a:p>
+          <a:p>
+            <a:pPr>
+              <a:defRPr sz="1000">
+                <a:latin typeface="Yu Gothic UI"/>
+              </a:defRPr>
+            </a:pPr>
+            <a:r>
+              <a:t>•パートナー企業</a:t>
             </a:r>
           </a:p>
         </p:txBody>
@@ -9065,6 +9604,7 @@
                 <a:solidFill>
                   <a:srgbClr val="008000"/>
                 </a:solidFill>
+                <a:latin typeface="Yu Gothic UI"/>
               </a:defRPr>
             </a:pPr>
             <a:r>
@@ -9073,18 +9613,22 @@
           </a:p>
           <a:p>
             <a:pPr>
-              <a:defRPr sz="900"/>
-            </a:pPr>
-            <a:r>
-              <a:t>・データ重視のエンタープライズ</a:t>
-            </a:r>
-          </a:p>
-          <a:p>
-            <a:pPr>
-              <a:defRPr sz="900"/>
-            </a:pPr>
-            <a:r>
-              <a:t>・高性能ストレージを必要とするビジネス</a:t>
+              <a:defRPr sz="1000">
+                <a:latin typeface="Yu Gothic UI"/>
+              </a:defRPr>
+            </a:pPr>
+            <a:r>
+              <a:t>•データ重視のエンタープライズ</a:t>
+            </a:r>
+          </a:p>
+          <a:p>
+            <a:pPr>
+              <a:defRPr sz="1000">
+                <a:latin typeface="Yu Gothic UI"/>
+              </a:defRPr>
+            </a:pPr>
+            <a:r>
+              <a:t>•高性能ストレージを必要とするビジネス</a:t>
             </a:r>
           </a:p>
         </p:txBody>
@@ -9121,6 +9665,7 @@
                 <a:solidFill>
                   <a:srgbClr val="008000"/>
                 </a:solidFill>
+                <a:latin typeface="Yu Gothic UI"/>
               </a:defRPr>
             </a:pPr>
             <a:r>
@@ -9129,26 +9674,32 @@
           </a:p>
           <a:p>
             <a:pPr>
-              <a:defRPr sz="900"/>
-            </a:pPr>
-            <a:r>
-              <a:t>・製品開発と維持</a:t>
-            </a:r>
-          </a:p>
-          <a:p>
-            <a:pPr>
-              <a:defRPr sz="900"/>
-            </a:pPr>
-            <a:r>
-              <a:t>・マーケティングと販売</a:t>
-            </a:r>
-          </a:p>
-          <a:p>
-            <a:pPr>
-              <a:defRPr sz="900"/>
-            </a:pPr>
-            <a:r>
-              <a:t>・顧客サポート</a:t>
+              <a:defRPr sz="1000">
+                <a:latin typeface="Yu Gothic UI"/>
+              </a:defRPr>
+            </a:pPr>
+            <a:r>
+              <a:t>•製品開発と維持</a:t>
+            </a:r>
+          </a:p>
+          <a:p>
+            <a:pPr>
+              <a:defRPr sz="1000">
+                <a:latin typeface="Yu Gothic UI"/>
+              </a:defRPr>
+            </a:pPr>
+            <a:r>
+              <a:t>•マーケティングと販売</a:t>
+            </a:r>
+          </a:p>
+          <a:p>
+            <a:pPr>
+              <a:defRPr sz="1000">
+                <a:latin typeface="Yu Gothic UI"/>
+              </a:defRPr>
+            </a:pPr>
+            <a:r>
+              <a:t>•顧客サポート</a:t>
             </a:r>
           </a:p>
         </p:txBody>
@@ -9185,6 +9736,7 @@
                 <a:solidFill>
                   <a:srgbClr val="008000"/>
                 </a:solidFill>
+                <a:latin typeface="Yu Gothic UI"/>
               </a:defRPr>
             </a:pPr>
             <a:r>
@@ -9193,18 +9745,22 @@
           </a:p>
           <a:p>
             <a:pPr>
-              <a:defRPr sz="900"/>
-            </a:pPr>
-            <a:r>
-              <a:t>・ハードウェアの販売</a:t>
-            </a:r>
-          </a:p>
-          <a:p>
-            <a:pPr>
-              <a:defRPr sz="900"/>
-            </a:pPr>
-            <a:r>
-              <a:t>・サポートとサービスの料金</a:t>
+              <a:defRPr sz="1000">
+                <a:latin typeface="Yu Gothic UI"/>
+              </a:defRPr>
+            </a:pPr>
+            <a:r>
+              <a:t>•ハードウェアの販売</a:t>
+            </a:r>
+          </a:p>
+          <a:p>
+            <a:pPr>
+              <a:defRPr sz="1000">
+                <a:latin typeface="Yu Gothic UI"/>
+              </a:defRPr>
+            </a:pPr>
+            <a:r>
+              <a:t>•サポートとサービスの料金</a:t>
             </a:r>
           </a:p>
         </p:txBody>
@@ -9251,7 +9807,9 @@
           <a:p/>
           <a:p>
             <a:pPr algn="l">
-              <a:defRPr sz="2000"/>
+              <a:defRPr sz="2000">
+                <a:latin typeface="Yu Gothic UI"/>
+              </a:defRPr>
             </a:pPr>
             <a:r>
               <a:t>Pure Storage (current)</a:t>
@@ -9283,7 +9841,9 @@
           <a:p/>
           <a:p>
             <a:pPr algn="r">
-              <a:defRPr sz="2000"/>
+              <a:defRPr sz="2000">
+                <a:latin typeface="Yu Gothic UI"/>
+              </a:defRPr>
             </a:pPr>
             <a:r>
               <a:t>2023-07-08</a:t>
@@ -9323,6 +9883,7 @@
                 <a:solidFill>
                   <a:srgbClr val="008000"/>
                 </a:solidFill>
+                <a:latin typeface="Yu Gothic UI"/>
               </a:defRPr>
             </a:pPr>
             <a:r>
@@ -9331,18 +9892,22 @@
           </a:p>
           <a:p>
             <a:pPr>
-              <a:defRPr sz="900"/>
-            </a:pPr>
-            <a:r>
-              <a:t>・データ量の増加に対応する必要</a:t>
-            </a:r>
-          </a:p>
-          <a:p>
-            <a:pPr>
-              <a:defRPr sz="900"/>
-            </a:pPr>
-            <a:r>
-              <a:t>・マルチクラウド環境でのデータ管理の複雑さ</a:t>
+              <a:defRPr sz="1000">
+                <a:latin typeface="Yu Gothic UI"/>
+              </a:defRPr>
+            </a:pPr>
+            <a:r>
+              <a:t>•データ量の増加に対応する必要</a:t>
+            </a:r>
+          </a:p>
+          <a:p>
+            <a:pPr>
+              <a:defRPr sz="1000">
+                <a:latin typeface="Yu Gothic UI"/>
+              </a:defRPr>
+            </a:pPr>
+            <a:r>
+              <a:t>•マルチクラウド環境でのデータ管理の複雑さ</a:t>
             </a:r>
           </a:p>
         </p:txBody>
@@ -9379,6 +9944,7 @@
                 <a:solidFill>
                   <a:srgbClr val="008000"/>
                 </a:solidFill>
+                <a:latin typeface="Yu Gothic UI"/>
               </a:defRPr>
             </a:pPr>
             <a:r>
@@ -9387,18 +9953,22 @@
           </a:p>
           <a:p>
             <a:pPr>
-              <a:defRPr sz="900"/>
-            </a:pPr>
-            <a:r>
-              <a:t>・スケーラブルなオールフラッシュストレージソリューション</a:t>
-            </a:r>
-          </a:p>
-          <a:p>
-            <a:pPr>
-              <a:defRPr sz="900"/>
-            </a:pPr>
-            <a:r>
-              <a:t>・クラウド対応のデータサービスと統合管理プラットフォーム</a:t>
+              <a:defRPr sz="1000">
+                <a:latin typeface="Yu Gothic UI"/>
+              </a:defRPr>
+            </a:pPr>
+            <a:r>
+              <a:t>•スケーラブルなオールフラッシュストレージソリューション</a:t>
+            </a:r>
+          </a:p>
+          <a:p>
+            <a:pPr>
+              <a:defRPr sz="1000">
+                <a:latin typeface="Yu Gothic UI"/>
+              </a:defRPr>
+            </a:pPr>
+            <a:r>
+              <a:t>•クラウド対応のデータサービスと統合管理プラットフォーム</a:t>
             </a:r>
           </a:p>
         </p:txBody>
@@ -9435,6 +10005,7 @@
                 <a:solidFill>
                   <a:srgbClr val="008000"/>
                 </a:solidFill>
+                <a:latin typeface="Yu Gothic UI"/>
               </a:defRPr>
             </a:pPr>
             <a:r>
@@ -9443,26 +10014,32 @@
           </a:p>
           <a:p>
             <a:pPr>
-              <a:defRPr sz="900"/>
-            </a:pPr>
-            <a:r>
-              <a:t>・製品販売数</a:t>
-            </a:r>
-          </a:p>
-          <a:p>
-            <a:pPr>
-              <a:defRPr sz="900"/>
-            </a:pPr>
-            <a:r>
-              <a:t>・新規顧客数</a:t>
-            </a:r>
-          </a:p>
-          <a:p>
-            <a:pPr>
-              <a:defRPr sz="900"/>
-            </a:pPr>
-            <a:r>
-              <a:t>・クラウドサービスのサブスクリプション数</a:t>
+              <a:defRPr sz="1000">
+                <a:latin typeface="Yu Gothic UI"/>
+              </a:defRPr>
+            </a:pPr>
+            <a:r>
+              <a:t>•製品販売数</a:t>
+            </a:r>
+          </a:p>
+          <a:p>
+            <a:pPr>
+              <a:defRPr sz="1000">
+                <a:latin typeface="Yu Gothic UI"/>
+              </a:defRPr>
+            </a:pPr>
+            <a:r>
+              <a:t>•新規顧客数</a:t>
+            </a:r>
+          </a:p>
+          <a:p>
+            <a:pPr>
+              <a:defRPr sz="1000">
+                <a:latin typeface="Yu Gothic UI"/>
+              </a:defRPr>
+            </a:pPr>
+            <a:r>
+              <a:t>•クラウドサービスのサブスクリプション数</a:t>
             </a:r>
           </a:p>
         </p:txBody>
@@ -9499,6 +10076,7 @@
                 <a:solidFill>
                   <a:srgbClr val="008000"/>
                 </a:solidFill>
+                <a:latin typeface="Yu Gothic UI"/>
               </a:defRPr>
             </a:pPr>
             <a:r>
@@ -9507,10 +10085,12 @@
           </a:p>
           <a:p>
             <a:pPr>
-              <a:defRPr sz="900"/>
-            </a:pPr>
-            <a:r>
-              <a:t>・高速でシンプル、スケーラブルなクラウド対応ストレージソリューション</a:t>
+              <a:defRPr sz="1000">
+                <a:latin typeface="Yu Gothic UI"/>
+              </a:defRPr>
+            </a:pPr>
+            <a:r>
+              <a:t>•高速でシンプル、スケーラブルなクラウド対応ストレージソリューション</a:t>
             </a:r>
           </a:p>
         </p:txBody>
@@ -9547,6 +10127,7 @@
                 <a:solidFill>
                   <a:srgbClr val="008000"/>
                 </a:solidFill>
+                <a:latin typeface="Yu Gothic UI"/>
               </a:defRPr>
             </a:pPr>
             <a:r>
@@ -9555,18 +10136,22 @@
           </a:p>
           <a:p>
             <a:pPr>
-              <a:defRPr sz="900"/>
-            </a:pPr>
-            <a:r>
-              <a:t>・オールフラッシュストレージのパイオニア</a:t>
-            </a:r>
-          </a:p>
-          <a:p>
-            <a:pPr>
-              <a:defRPr sz="900"/>
-            </a:pPr>
-            <a:r>
-              <a:t>・マルチクラウド対応の強力なデータプラットフォーム</a:t>
+              <a:defRPr sz="1000">
+                <a:latin typeface="Yu Gothic UI"/>
+              </a:defRPr>
+            </a:pPr>
+            <a:r>
+              <a:t>•オールフラッシュストレージのパイオニア</a:t>
+            </a:r>
+          </a:p>
+          <a:p>
+            <a:pPr>
+              <a:defRPr sz="1000">
+                <a:latin typeface="Yu Gothic UI"/>
+              </a:defRPr>
+            </a:pPr>
+            <a:r>
+              <a:t>•マルチクラウド対応の強力なデータプラットフォーム</a:t>
             </a:r>
           </a:p>
         </p:txBody>
@@ -9603,6 +10188,7 @@
                 <a:solidFill>
                   <a:srgbClr val="008000"/>
                 </a:solidFill>
+                <a:latin typeface="Yu Gothic UI"/>
               </a:defRPr>
             </a:pPr>
             <a:r>
@@ -9611,26 +10197,32 @@
           </a:p>
           <a:p>
             <a:pPr>
-              <a:defRPr sz="900"/>
-            </a:pPr>
-            <a:r>
-              <a:t>・直販</a:t>
-            </a:r>
-          </a:p>
-          <a:p>
-            <a:pPr>
-              <a:defRPr sz="900"/>
-            </a:pPr>
-            <a:r>
-              <a:t>・パートナー企業</a:t>
-            </a:r>
-          </a:p>
-          <a:p>
-            <a:pPr>
-              <a:defRPr sz="900"/>
-            </a:pPr>
-            <a:r>
-              <a:t>・クラウドマーケットプレイス</a:t>
+              <a:defRPr sz="1000">
+                <a:latin typeface="Yu Gothic UI"/>
+              </a:defRPr>
+            </a:pPr>
+            <a:r>
+              <a:t>•直販</a:t>
+            </a:r>
+          </a:p>
+          <a:p>
+            <a:pPr>
+              <a:defRPr sz="1000">
+                <a:latin typeface="Yu Gothic UI"/>
+              </a:defRPr>
+            </a:pPr>
+            <a:r>
+              <a:t>•パートナー企業</a:t>
+            </a:r>
+          </a:p>
+          <a:p>
+            <a:pPr>
+              <a:defRPr sz="1000">
+                <a:latin typeface="Yu Gothic UI"/>
+              </a:defRPr>
+            </a:pPr>
+            <a:r>
+              <a:t>•クラウドマーケットプレイス</a:t>
             </a:r>
           </a:p>
         </p:txBody>
@@ -9667,6 +10259,7 @@
                 <a:solidFill>
                   <a:srgbClr val="008000"/>
                 </a:solidFill>
+                <a:latin typeface="Yu Gothic UI"/>
               </a:defRPr>
             </a:pPr>
             <a:r>
@@ -9675,18 +10268,22 @@
           </a:p>
           <a:p>
             <a:pPr>
-              <a:defRPr sz="900"/>
-            </a:pPr>
-            <a:r>
-              <a:t>・データ重視のエンタープライズ</a:t>
-            </a:r>
-          </a:p>
-          <a:p>
-            <a:pPr>
-              <a:defRPr sz="900"/>
-            </a:pPr>
-            <a:r>
-              <a:t>・マルチクラウドを使用するビジネス</a:t>
+              <a:defRPr sz="1000">
+                <a:latin typeface="Yu Gothic UI"/>
+              </a:defRPr>
+            </a:pPr>
+            <a:r>
+              <a:t>•データ重視のエンタープライズ</a:t>
+            </a:r>
+          </a:p>
+          <a:p>
+            <a:pPr>
+              <a:defRPr sz="1000">
+                <a:latin typeface="Yu Gothic UI"/>
+              </a:defRPr>
+            </a:pPr>
+            <a:r>
+              <a:t>•マルチクラウドを使用するビジネス</a:t>
             </a:r>
           </a:p>
         </p:txBody>
@@ -9723,6 +10320,7 @@
                 <a:solidFill>
                   <a:srgbClr val="008000"/>
                 </a:solidFill>
+                <a:latin typeface="Yu Gothic UI"/>
               </a:defRPr>
             </a:pPr>
             <a:r>
@@ -9731,26 +10329,32 @@
           </a:p>
           <a:p>
             <a:pPr>
-              <a:defRPr sz="900"/>
-            </a:pPr>
-            <a:r>
-              <a:t>・製品開発と維持</a:t>
-            </a:r>
-          </a:p>
-          <a:p>
-            <a:pPr>
-              <a:defRPr sz="900"/>
-            </a:pPr>
-            <a:r>
-              <a:t>・マーケティングと販売</a:t>
-            </a:r>
-          </a:p>
-          <a:p>
-            <a:pPr>
-              <a:defRPr sz="900"/>
-            </a:pPr>
-            <a:r>
-              <a:t>・顧客サポート</a:t>
+              <a:defRPr sz="1000">
+                <a:latin typeface="Yu Gothic UI"/>
+              </a:defRPr>
+            </a:pPr>
+            <a:r>
+              <a:t>•製品開発と維持</a:t>
+            </a:r>
+          </a:p>
+          <a:p>
+            <a:pPr>
+              <a:defRPr sz="1000">
+                <a:latin typeface="Yu Gothic UI"/>
+              </a:defRPr>
+            </a:pPr>
+            <a:r>
+              <a:t>•マーケティングと販売</a:t>
+            </a:r>
+          </a:p>
+          <a:p>
+            <a:pPr>
+              <a:defRPr sz="1000">
+                <a:latin typeface="Yu Gothic UI"/>
+              </a:defRPr>
+            </a:pPr>
+            <a:r>
+              <a:t>•顧客サポート</a:t>
             </a:r>
           </a:p>
         </p:txBody>
@@ -9787,6 +10391,7 @@
                 <a:solidFill>
                   <a:srgbClr val="008000"/>
                 </a:solidFill>
+                <a:latin typeface="Yu Gothic UI"/>
               </a:defRPr>
             </a:pPr>
             <a:r>
@@ -9795,26 +10400,32 @@
           </a:p>
           <a:p>
             <a:pPr>
-              <a:defRPr sz="900"/>
-            </a:pPr>
-            <a:r>
-              <a:t>・ハードウェアの販売</a:t>
-            </a:r>
-          </a:p>
-          <a:p>
-            <a:pPr>
-              <a:defRPr sz="900"/>
-            </a:pPr>
-            <a:r>
-              <a:t>・クラウドサービスのサブスクリプション</a:t>
-            </a:r>
-          </a:p>
-          <a:p>
-            <a:pPr>
-              <a:defRPr sz="900"/>
-            </a:pPr>
-            <a:r>
-              <a:t>・サポートとサービスの料金</a:t>
+              <a:defRPr sz="1000">
+                <a:latin typeface="Yu Gothic UI"/>
+              </a:defRPr>
+            </a:pPr>
+            <a:r>
+              <a:t>•ハードウェアの販売</a:t>
+            </a:r>
+          </a:p>
+          <a:p>
+            <a:pPr>
+              <a:defRPr sz="1000">
+                <a:latin typeface="Yu Gothic UI"/>
+              </a:defRPr>
+            </a:pPr>
+            <a:r>
+              <a:t>•クラウドサービスのサブスクリプション</a:t>
+            </a:r>
+          </a:p>
+          <a:p>
+            <a:pPr>
+              <a:defRPr sz="1000">
+                <a:latin typeface="Yu Gothic UI"/>
+              </a:defRPr>
+            </a:pPr>
+            <a:r>
+              <a:t>•サポートとサービスの料金</a:t>
             </a:r>
           </a:p>
         </p:txBody>
@@ -9861,7 +10472,9 @@
           <a:p/>
           <a:p>
             <a:pPr algn="l">
-              <a:defRPr sz="2000"/>
+              <a:defRPr sz="2000">
+                <a:latin typeface="Yu Gothic UI"/>
+              </a:defRPr>
             </a:pPr>
             <a:r>
               <a:t>Dell EMC APEX (at the beginning)</a:t>
@@ -9893,7 +10506,9 @@
           <a:p/>
           <a:p>
             <a:pPr algn="r">
-              <a:defRPr sz="2000"/>
+              <a:defRPr sz="2000">
+                <a:latin typeface="Yu Gothic UI"/>
+              </a:defRPr>
             </a:pPr>
             <a:r>
               <a:t>2021-10-01</a:t>
@@ -9933,6 +10548,7 @@
                 <a:solidFill>
                   <a:srgbClr val="008000"/>
                 </a:solidFill>
+                <a:latin typeface="Yu Gothic UI"/>
               </a:defRPr>
             </a:pPr>
             <a:r>
@@ -9941,26 +10557,32 @@
           </a:p>
           <a:p>
             <a:pPr>
-              <a:defRPr sz="900"/>
-            </a:pPr>
-            <a:r>
-              <a:t>・ITインフラの管理が複雑で時間がかかる</a:t>
-            </a:r>
-          </a:p>
-          <a:p>
-            <a:pPr>
-              <a:defRPr sz="900"/>
-            </a:pPr>
-            <a:r>
-              <a:t>・データセンターの拡張やアップグレードが困難</a:t>
-            </a:r>
-          </a:p>
-          <a:p>
-            <a:pPr>
-              <a:defRPr sz="900"/>
-            </a:pPr>
-            <a:r>
-              <a:t>・CAPEXの重荷</a:t>
+              <a:defRPr sz="1000">
+                <a:latin typeface="Yu Gothic UI"/>
+              </a:defRPr>
+            </a:pPr>
+            <a:r>
+              <a:t>•ITインフラの管理が複雑で時間がかかる</a:t>
+            </a:r>
+          </a:p>
+          <a:p>
+            <a:pPr>
+              <a:defRPr sz="1000">
+                <a:latin typeface="Yu Gothic UI"/>
+              </a:defRPr>
+            </a:pPr>
+            <a:r>
+              <a:t>•データセンターの拡張やアップグレードが困難</a:t>
+            </a:r>
+          </a:p>
+          <a:p>
+            <a:pPr>
+              <a:defRPr sz="1000">
+                <a:latin typeface="Yu Gothic UI"/>
+              </a:defRPr>
+            </a:pPr>
+            <a:r>
+              <a:t>•CAPEXの重荷</a:t>
             </a:r>
           </a:p>
         </p:txBody>
@@ -9997,6 +10619,7 @@
                 <a:solidFill>
                   <a:srgbClr val="008000"/>
                 </a:solidFill>
+                <a:latin typeface="Yu Gothic UI"/>
               </a:defRPr>
             </a:pPr>
             <a:r>
@@ -10005,26 +10628,32 @@
           </a:p>
           <a:p>
             <a:pPr>
-              <a:defRPr sz="900"/>
-            </a:pPr>
-            <a:r>
-              <a:t>・一括して提供されるITソリューションのプラットフォーム</a:t>
-            </a:r>
-          </a:p>
-          <a:p>
-            <a:pPr>
-              <a:defRPr sz="900"/>
-            </a:pPr>
-            <a:r>
-              <a:t>・クラウドライクな消費モデル（OPEXベース）</a:t>
-            </a:r>
-          </a:p>
-          <a:p>
-            <a:pPr>
-              <a:defRPr sz="900"/>
-            </a:pPr>
-            <a:r>
-              <a:t>・適用範囲に応じたスケールアップ・スケールダウンが可能</a:t>
+              <a:defRPr sz="1000">
+                <a:latin typeface="Yu Gothic UI"/>
+              </a:defRPr>
+            </a:pPr>
+            <a:r>
+              <a:t>•一括して提供されるITソリューションのプラットフォーム</a:t>
+            </a:r>
+          </a:p>
+          <a:p>
+            <a:pPr>
+              <a:defRPr sz="1000">
+                <a:latin typeface="Yu Gothic UI"/>
+              </a:defRPr>
+            </a:pPr>
+            <a:r>
+              <a:t>•クラウドライクな消費モデル（OPEXベース）</a:t>
+            </a:r>
+          </a:p>
+          <a:p>
+            <a:pPr>
+              <a:defRPr sz="1000">
+                <a:latin typeface="Yu Gothic UI"/>
+              </a:defRPr>
+            </a:pPr>
+            <a:r>
+              <a:t>•適用範囲に応じたスケールアップ・スケールダウンが可能</a:t>
             </a:r>
           </a:p>
         </p:txBody>
@@ -10061,6 +10690,7 @@
                 <a:solidFill>
                   <a:srgbClr val="008000"/>
                 </a:solidFill>
+                <a:latin typeface="Yu Gothic UI"/>
               </a:defRPr>
             </a:pPr>
             <a:r>
@@ -10069,26 +10699,32 @@
           </a:p>
           <a:p>
             <a:pPr>
-              <a:defRPr sz="900"/>
-            </a:pPr>
-            <a:r>
-              <a:t>・使用者数</a:t>
-            </a:r>
-          </a:p>
-          <a:p>
-            <a:pPr>
-              <a:defRPr sz="900"/>
-            </a:pPr>
-            <a:r>
-              <a:t>・総契約額</a:t>
-            </a:r>
-          </a:p>
-          <a:p>
-            <a:pPr>
-              <a:defRPr sz="900"/>
-            </a:pPr>
-            <a:r>
-              <a:t>・サービスのアップタイム</a:t>
+              <a:defRPr sz="1000">
+                <a:latin typeface="Yu Gothic UI"/>
+              </a:defRPr>
+            </a:pPr>
+            <a:r>
+              <a:t>•使用者数</a:t>
+            </a:r>
+          </a:p>
+          <a:p>
+            <a:pPr>
+              <a:defRPr sz="1000">
+                <a:latin typeface="Yu Gothic UI"/>
+              </a:defRPr>
+            </a:pPr>
+            <a:r>
+              <a:t>•総契約額</a:t>
+            </a:r>
+          </a:p>
+          <a:p>
+            <a:pPr>
+              <a:defRPr sz="1000">
+                <a:latin typeface="Yu Gothic UI"/>
+              </a:defRPr>
+            </a:pPr>
+            <a:r>
+              <a:t>•サービスのアップタイム</a:t>
             </a:r>
           </a:p>
         </p:txBody>
@@ -10125,6 +10761,7 @@
                 <a:solidFill>
                   <a:srgbClr val="008000"/>
                 </a:solidFill>
+                <a:latin typeface="Yu Gothic UI"/>
               </a:defRPr>
             </a:pPr>
             <a:r>
@@ -10133,10 +10770,12 @@
           </a:p>
           <a:p>
             <a:pPr>
-              <a:defRPr sz="900"/>
-            </a:pPr>
-            <a:r>
-              <a:t>・シンプルでフレキシブルなITの消費と管理を可能にする</a:t>
+              <a:defRPr sz="1000">
+                <a:latin typeface="Yu Gothic UI"/>
+              </a:defRPr>
+            </a:pPr>
+            <a:r>
+              <a:t>•シンプルでフレキシブルなITの消費と管理を可能にする</a:t>
             </a:r>
           </a:p>
         </p:txBody>
@@ -10173,6 +10812,7 @@
                 <a:solidFill>
                   <a:srgbClr val="008000"/>
                 </a:solidFill>
+                <a:latin typeface="Yu Gothic UI"/>
               </a:defRPr>
             </a:pPr>
             <a:r>
@@ -10181,18 +10821,22 @@
           </a:p>
           <a:p>
             <a:pPr>
-              <a:defRPr sz="900"/>
-            </a:pPr>
-            <a:r>
-              <a:t>・Dell EMCの既存の製品と顧客基盤</a:t>
-            </a:r>
-          </a:p>
-          <a:p>
-            <a:pPr>
-              <a:defRPr sz="900"/>
-            </a:pPr>
-            <a:r>
-              <a:t>・ハードウェアとソフトウェアの統合的な管理</a:t>
+              <a:defRPr sz="1000">
+                <a:latin typeface="Yu Gothic UI"/>
+              </a:defRPr>
+            </a:pPr>
+            <a:r>
+              <a:t>•Dell EMCの既存の製品と顧客基盤</a:t>
+            </a:r>
+          </a:p>
+          <a:p>
+            <a:pPr>
+              <a:defRPr sz="1000">
+                <a:latin typeface="Yu Gothic UI"/>
+              </a:defRPr>
+            </a:pPr>
+            <a:r>
+              <a:t>•ハードウェアとソフトウェアの統合的な管理</a:t>
             </a:r>
           </a:p>
         </p:txBody>
@@ -10229,6 +10873,7 @@
                 <a:solidFill>
                   <a:srgbClr val="008000"/>
                 </a:solidFill>
+                <a:latin typeface="Yu Gothic UI"/>
               </a:defRPr>
             </a:pPr>
             <a:r>
@@ -10237,18 +10882,22 @@
           </a:p>
           <a:p>
             <a:pPr>
-              <a:defRPr sz="900"/>
-            </a:pPr>
-            <a:r>
-              <a:t>・Dell EMCの既存のビジネスチャネル</a:t>
-            </a:r>
-          </a:p>
-          <a:p>
-            <a:pPr>
-              <a:defRPr sz="900"/>
-            </a:pPr>
-            <a:r>
-              <a:t>・ウェブサイト</a:t>
+              <a:defRPr sz="1000">
+                <a:latin typeface="Yu Gothic UI"/>
+              </a:defRPr>
+            </a:pPr>
+            <a:r>
+              <a:t>•Dell EMCの既存のビジネスチャネル</a:t>
+            </a:r>
+          </a:p>
+          <a:p>
+            <a:pPr>
+              <a:defRPr sz="1000">
+                <a:latin typeface="Yu Gothic UI"/>
+              </a:defRPr>
+            </a:pPr>
+            <a:r>
+              <a:t>•ウェブサイト</a:t>
             </a:r>
           </a:p>
         </p:txBody>
@@ -10285,6 +10934,7 @@
                 <a:solidFill>
                   <a:srgbClr val="008000"/>
                 </a:solidFill>
+                <a:latin typeface="Yu Gothic UI"/>
               </a:defRPr>
             </a:pPr>
             <a:r>
@@ -10293,18 +10943,22 @@
           </a:p>
           <a:p>
             <a:pPr>
-              <a:defRPr sz="900"/>
-            </a:pPr>
-            <a:r>
-              <a:t>・中小企業</a:t>
-            </a:r>
-          </a:p>
-          <a:p>
-            <a:pPr>
-              <a:defRPr sz="900"/>
-            </a:pPr>
-            <a:r>
-              <a:t>・エンタープライズ組織</a:t>
+              <a:defRPr sz="1000">
+                <a:latin typeface="Yu Gothic UI"/>
+              </a:defRPr>
+            </a:pPr>
+            <a:r>
+              <a:t>•中小企業</a:t>
+            </a:r>
+          </a:p>
+          <a:p>
+            <a:pPr>
+              <a:defRPr sz="1000">
+                <a:latin typeface="Yu Gothic UI"/>
+              </a:defRPr>
+            </a:pPr>
+            <a:r>
+              <a:t>•エンタープライズ組織</a:t>
             </a:r>
           </a:p>
         </p:txBody>
@@ -10341,6 +10995,7 @@
                 <a:solidFill>
                   <a:srgbClr val="008000"/>
                 </a:solidFill>
+                <a:latin typeface="Yu Gothic UI"/>
               </a:defRPr>
             </a:pPr>
             <a:r>
@@ -10349,26 +11004,32 @@
           </a:p>
           <a:p>
             <a:pPr>
-              <a:defRPr sz="900"/>
-            </a:pPr>
-            <a:r>
-              <a:t>・プラットフォームの開発とメンテナンス</a:t>
-            </a:r>
-          </a:p>
-          <a:p>
-            <a:pPr>
-              <a:defRPr sz="900"/>
-            </a:pPr>
-            <a:r>
-              <a:t>・ハードウェアとソフトウェアのコスト</a:t>
-            </a:r>
-          </a:p>
-          <a:p>
-            <a:pPr>
-              <a:defRPr sz="900"/>
-            </a:pPr>
-            <a:r>
-              <a:t>・マーケティングとプロモーション</a:t>
+              <a:defRPr sz="1000">
+                <a:latin typeface="Yu Gothic UI"/>
+              </a:defRPr>
+            </a:pPr>
+            <a:r>
+              <a:t>•プラットフォームの開発とメンテナンス</a:t>
+            </a:r>
+          </a:p>
+          <a:p>
+            <a:pPr>
+              <a:defRPr sz="1000">
+                <a:latin typeface="Yu Gothic UI"/>
+              </a:defRPr>
+            </a:pPr>
+            <a:r>
+              <a:t>•ハードウェアとソフトウェアのコスト</a:t>
+            </a:r>
+          </a:p>
+          <a:p>
+            <a:pPr>
+              <a:defRPr sz="1000">
+                <a:latin typeface="Yu Gothic UI"/>
+              </a:defRPr>
+            </a:pPr>
+            <a:r>
+              <a:t>•マーケティングとプロモーション</a:t>
             </a:r>
           </a:p>
         </p:txBody>
@@ -10405,6 +11066,7 @@
                 <a:solidFill>
                   <a:srgbClr val="008000"/>
                 </a:solidFill>
+                <a:latin typeface="Yu Gothic UI"/>
               </a:defRPr>
             </a:pPr>
             <a:r>
@@ -10413,18 +11075,22 @@
           </a:p>
           <a:p>
             <a:pPr>
-              <a:defRPr sz="900"/>
-            </a:pPr>
-            <a:r>
-              <a:t>・サブスクリプション料金</a:t>
-            </a:r>
-          </a:p>
-          <a:p>
-            <a:pPr>
-              <a:defRPr sz="900"/>
-            </a:pPr>
-            <a:r>
-              <a:t>・サービスとサポートの料金</a:t>
+              <a:defRPr sz="1000">
+                <a:latin typeface="Yu Gothic UI"/>
+              </a:defRPr>
+            </a:pPr>
+            <a:r>
+              <a:t>•サブスクリプション料金</a:t>
+            </a:r>
+          </a:p>
+          <a:p>
+            <a:pPr>
+              <a:defRPr sz="1000">
+                <a:latin typeface="Yu Gothic UI"/>
+              </a:defRPr>
+            </a:pPr>
+            <a:r>
+              <a:t>•サービスとサポートの料金</a:t>
             </a:r>
           </a:p>
         </p:txBody>
@@ -10471,7 +11137,9 @@
           <a:p/>
           <a:p>
             <a:pPr algn="l">
-              <a:defRPr sz="2000"/>
+              <a:defRPr sz="2000">
+                <a:latin typeface="Yu Gothic UI"/>
+              </a:defRPr>
             </a:pPr>
             <a:r>
               <a:t>OpenShift (at the beginning)</a:t>
@@ -10503,7 +11171,9 @@
           <a:p/>
           <a:p>
             <a:pPr algn="r">
-              <a:defRPr sz="2000"/>
+              <a:defRPr sz="2000">
+                <a:latin typeface="Yu Gothic UI"/>
+              </a:defRPr>
             </a:pPr>
             <a:r>
               <a:t>2011-05-04</a:t>
@@ -10543,6 +11213,7 @@
                 <a:solidFill>
                   <a:srgbClr val="008000"/>
                 </a:solidFill>
+                <a:latin typeface="Yu Gothic UI"/>
               </a:defRPr>
             </a:pPr>
             <a:r>
@@ -10551,26 +11222,32 @@
           </a:p>
           <a:p>
             <a:pPr>
-              <a:defRPr sz="900"/>
-            </a:pPr>
-            <a:r>
-              <a:t>・従来のホスティングサービスは設定と管理が難しい</a:t>
-            </a:r>
-          </a:p>
-          <a:p>
-            <a:pPr>
-              <a:defRPr sz="900"/>
-            </a:pPr>
-            <a:r>
-              <a:t>・オンプレミスのインフラストラクチャはスケーリングが困難</a:t>
-            </a:r>
-          </a:p>
-          <a:p>
-            <a:pPr>
-              <a:defRPr sz="900"/>
-            </a:pPr>
-            <a:r>
-              <a:t>・自身のアプリケーションを迅速にデプロイする方法がない</a:t>
+              <a:defRPr sz="1000">
+                <a:latin typeface="Yu Gothic UI"/>
+              </a:defRPr>
+            </a:pPr>
+            <a:r>
+              <a:t>•従来のホスティングサービスは設定と管理が難しい</a:t>
+            </a:r>
+          </a:p>
+          <a:p>
+            <a:pPr>
+              <a:defRPr sz="1000">
+                <a:latin typeface="Yu Gothic UI"/>
+              </a:defRPr>
+            </a:pPr>
+            <a:r>
+              <a:t>•オンプレミスのインフラストラクチャはスケーリングが困難</a:t>
+            </a:r>
+          </a:p>
+          <a:p>
+            <a:pPr>
+              <a:defRPr sz="1000">
+                <a:latin typeface="Yu Gothic UI"/>
+              </a:defRPr>
+            </a:pPr>
+            <a:r>
+              <a:t>•自身のアプリケーションを迅速にデプロイする方法がない</a:t>
             </a:r>
           </a:p>
         </p:txBody>
@@ -10607,6 +11284,7 @@
                 <a:solidFill>
                   <a:srgbClr val="008000"/>
                 </a:solidFill>
+                <a:latin typeface="Yu Gothic UI"/>
               </a:defRPr>
             </a:pPr>
             <a:r>
@@ -10615,26 +11293,32 @@
           </a:p>
           <a:p>
             <a:pPr>
-              <a:defRPr sz="900"/>
-            </a:pPr>
-            <a:r>
-              <a:t>・クラウドベースのプラットフォームとしてサービスを提供</a:t>
-            </a:r>
-          </a:p>
-          <a:p>
-            <a:pPr>
-              <a:defRPr sz="900"/>
-            </a:pPr>
-            <a:r>
-              <a:t>・自動スケーリングとIaC（Infrastructure as Code）を実現</a:t>
-            </a:r>
-          </a:p>
-          <a:p>
-            <a:pPr>
-              <a:defRPr sz="900"/>
-            </a:pPr>
-            <a:r>
-              <a:t>・容易なアプリケーションデプロイと管理を可能にする</a:t>
+              <a:defRPr sz="1000">
+                <a:latin typeface="Yu Gothic UI"/>
+              </a:defRPr>
+            </a:pPr>
+            <a:r>
+              <a:t>•クラウドベースのプラットフォームとしてサービスを提供</a:t>
+            </a:r>
+          </a:p>
+          <a:p>
+            <a:pPr>
+              <a:defRPr sz="1000">
+                <a:latin typeface="Yu Gothic UI"/>
+              </a:defRPr>
+            </a:pPr>
+            <a:r>
+              <a:t>•自動スケーリングとIaC（Infrastructure as Code）を実現</a:t>
+            </a:r>
+          </a:p>
+          <a:p>
+            <a:pPr>
+              <a:defRPr sz="1000">
+                <a:latin typeface="Yu Gothic UI"/>
+              </a:defRPr>
+            </a:pPr>
+            <a:r>
+              <a:t>•容易なアプリケーションデプロイと管理を可能にする</a:t>
             </a:r>
           </a:p>
         </p:txBody>
@@ -10671,6 +11355,7 @@
                 <a:solidFill>
                   <a:srgbClr val="008000"/>
                 </a:solidFill>
+                <a:latin typeface="Yu Gothic UI"/>
               </a:defRPr>
             </a:pPr>
             <a:r>
@@ -10679,26 +11364,32 @@
           </a:p>
           <a:p>
             <a:pPr>
-              <a:defRPr sz="900"/>
-            </a:pPr>
-            <a:r>
-              <a:t>・使用者数</a:t>
-            </a:r>
-          </a:p>
-          <a:p>
-            <a:pPr>
-              <a:defRPr sz="900"/>
-            </a:pPr>
-            <a:r>
-              <a:t>・デプロイ回数</a:t>
-            </a:r>
-          </a:p>
-          <a:p>
-            <a:pPr>
-              <a:defRPr sz="900"/>
-            </a:pPr>
-            <a:r>
-              <a:t>・平均アップタイム</a:t>
+              <a:defRPr sz="1000">
+                <a:latin typeface="Yu Gothic UI"/>
+              </a:defRPr>
+            </a:pPr>
+            <a:r>
+              <a:t>•使用者数</a:t>
+            </a:r>
+          </a:p>
+          <a:p>
+            <a:pPr>
+              <a:defRPr sz="1000">
+                <a:latin typeface="Yu Gothic UI"/>
+              </a:defRPr>
+            </a:pPr>
+            <a:r>
+              <a:t>•デプロイ回数</a:t>
+            </a:r>
+          </a:p>
+          <a:p>
+            <a:pPr>
+              <a:defRPr sz="1000">
+                <a:latin typeface="Yu Gothic UI"/>
+              </a:defRPr>
+            </a:pPr>
+            <a:r>
+              <a:t>•平均アップタイム</a:t>
             </a:r>
           </a:p>
         </p:txBody>
@@ -10735,6 +11426,7 @@
                 <a:solidFill>
                   <a:srgbClr val="008000"/>
                 </a:solidFill>
+                <a:latin typeface="Yu Gothic UI"/>
               </a:defRPr>
             </a:pPr>
             <a:r>
@@ -10743,10 +11435,12 @@
           </a:p>
           <a:p>
             <a:pPr>
-              <a:defRPr sz="900"/>
-            </a:pPr>
-            <a:r>
-              <a:t>・デプロイからスケーリングまでを簡単に行うクラウドサービス</a:t>
+              <a:defRPr sz="1000">
+                <a:latin typeface="Yu Gothic UI"/>
+              </a:defRPr>
+            </a:pPr>
+            <a:r>
+              <a:t>•デプロイからスケーリングまでを簡単に行うクラウドサービス</a:t>
             </a:r>
           </a:p>
         </p:txBody>
@@ -10783,6 +11477,7 @@
                 <a:solidFill>
                   <a:srgbClr val="008000"/>
                 </a:solidFill>
+                <a:latin typeface="Yu Gothic UI"/>
               </a:defRPr>
             </a:pPr>
             <a:r>
@@ -10791,18 +11486,22 @@
           </a:p>
           <a:p>
             <a:pPr>
-              <a:defRPr sz="900"/>
-            </a:pPr>
-            <a:r>
-              <a:t>・Red Hatの強力なブランドと既存の顧客基盤</a:t>
-            </a:r>
-          </a:p>
-          <a:p>
-            <a:pPr>
-              <a:defRPr sz="900"/>
-            </a:pPr>
-            <a:r>
-              <a:t>・Open sourceという特性から広範なコミュニティサポート</a:t>
+              <a:defRPr sz="1000">
+                <a:latin typeface="Yu Gothic UI"/>
+              </a:defRPr>
+            </a:pPr>
+            <a:r>
+              <a:t>•Red Hatの強力なブランドと既存の顧客基盤</a:t>
+            </a:r>
+          </a:p>
+          <a:p>
+            <a:pPr>
+              <a:defRPr sz="1000">
+                <a:latin typeface="Yu Gothic UI"/>
+              </a:defRPr>
+            </a:pPr>
+            <a:r>
+              <a:t>•Open sourceという特性から広範なコミュニティサポート</a:t>
             </a:r>
           </a:p>
         </p:txBody>
@@ -10839,6 +11538,7 @@
                 <a:solidFill>
                   <a:srgbClr val="008000"/>
                 </a:solidFill>
+                <a:latin typeface="Yu Gothic UI"/>
               </a:defRPr>
             </a:pPr>
             <a:r>
@@ -10847,26 +11547,32 @@
           </a:p>
           <a:p>
             <a:pPr>
-              <a:defRPr sz="900"/>
-            </a:pPr>
-            <a:r>
-              <a:t>・ウェブサイト</a:t>
-            </a:r>
-          </a:p>
-          <a:p>
-            <a:pPr>
-              <a:defRPr sz="900"/>
-            </a:pPr>
-            <a:r>
-              <a:t>・Red Hatの既存のビジネスチャネル</a:t>
-            </a:r>
-          </a:p>
-          <a:p>
-            <a:pPr>
-              <a:defRPr sz="900"/>
-            </a:pPr>
-            <a:r>
-              <a:t>・オープンソースコミュニティ</a:t>
+              <a:defRPr sz="1000">
+                <a:latin typeface="Yu Gothic UI"/>
+              </a:defRPr>
+            </a:pPr>
+            <a:r>
+              <a:t>•ウェブサイト</a:t>
+            </a:r>
+          </a:p>
+          <a:p>
+            <a:pPr>
+              <a:defRPr sz="1000">
+                <a:latin typeface="Yu Gothic UI"/>
+              </a:defRPr>
+            </a:pPr>
+            <a:r>
+              <a:t>•Red Hatの既存のビジネスチャネル</a:t>
+            </a:r>
+          </a:p>
+          <a:p>
+            <a:pPr>
+              <a:defRPr sz="1000">
+                <a:latin typeface="Yu Gothic UI"/>
+              </a:defRPr>
+            </a:pPr>
+            <a:r>
+              <a:t>•オープンソースコミュニティ</a:t>
             </a:r>
           </a:p>
         </p:txBody>
@@ -10903,6 +11609,7 @@
                 <a:solidFill>
                   <a:srgbClr val="008000"/>
                 </a:solidFill>
+                <a:latin typeface="Yu Gothic UI"/>
               </a:defRPr>
             </a:pPr>
             <a:r>
@@ -10911,26 +11618,32 @@
           </a:p>
           <a:p>
             <a:pPr>
-              <a:defRPr sz="900"/>
-            </a:pPr>
-            <a:r>
-              <a:t>・開発者</a:t>
-            </a:r>
-          </a:p>
-          <a:p>
-            <a:pPr>
-              <a:defRPr sz="900"/>
-            </a:pPr>
-            <a:r>
-              <a:t>・中小企業</a:t>
-            </a:r>
-          </a:p>
-          <a:p>
-            <a:pPr>
-              <a:defRPr sz="900"/>
-            </a:pPr>
-            <a:r>
-              <a:t>・エンタープライズ組織</a:t>
+              <a:defRPr sz="1000">
+                <a:latin typeface="Yu Gothic UI"/>
+              </a:defRPr>
+            </a:pPr>
+            <a:r>
+              <a:t>•開発者</a:t>
+            </a:r>
+          </a:p>
+          <a:p>
+            <a:pPr>
+              <a:defRPr sz="1000">
+                <a:latin typeface="Yu Gothic UI"/>
+              </a:defRPr>
+            </a:pPr>
+            <a:r>
+              <a:t>•中小企業</a:t>
+            </a:r>
+          </a:p>
+          <a:p>
+            <a:pPr>
+              <a:defRPr sz="1000">
+                <a:latin typeface="Yu Gothic UI"/>
+              </a:defRPr>
+            </a:pPr>
+            <a:r>
+              <a:t>•エンタープライズ組織</a:t>
             </a:r>
           </a:p>
         </p:txBody>
@@ -10967,6 +11680,7 @@
                 <a:solidFill>
                   <a:srgbClr val="008000"/>
                 </a:solidFill>
+                <a:latin typeface="Yu Gothic UI"/>
               </a:defRPr>
             </a:pPr>
             <a:r>
@@ -10975,26 +11689,32 @@
           </a:p>
           <a:p>
             <a:pPr>
-              <a:defRPr sz="900"/>
-            </a:pPr>
-            <a:r>
-              <a:t>・プラットフォームの開発とメンテナンス</a:t>
-            </a:r>
-          </a:p>
-          <a:p>
-            <a:pPr>
-              <a:defRPr sz="900"/>
-            </a:pPr>
-            <a:r>
-              <a:t>・クラウドインフラストラクチャの維持</a:t>
-            </a:r>
-          </a:p>
-          <a:p>
-            <a:pPr>
-              <a:defRPr sz="900"/>
-            </a:pPr>
-            <a:r>
-              <a:t>・マーケティングとプロモーション</a:t>
+              <a:defRPr sz="1000">
+                <a:latin typeface="Yu Gothic UI"/>
+              </a:defRPr>
+            </a:pPr>
+            <a:r>
+              <a:t>•プラットフォームの開発とメンテナンス</a:t>
+            </a:r>
+          </a:p>
+          <a:p>
+            <a:pPr>
+              <a:defRPr sz="1000">
+                <a:latin typeface="Yu Gothic UI"/>
+              </a:defRPr>
+            </a:pPr>
+            <a:r>
+              <a:t>•クラウドインフラストラクチャの維持</a:t>
+            </a:r>
+          </a:p>
+          <a:p>
+            <a:pPr>
+              <a:defRPr sz="1000">
+                <a:latin typeface="Yu Gothic UI"/>
+              </a:defRPr>
+            </a:pPr>
+            <a:r>
+              <a:t>•マーケティングとプロモーション</a:t>
             </a:r>
           </a:p>
         </p:txBody>
@@ -11031,6 +11751,7 @@
                 <a:solidFill>
                   <a:srgbClr val="008000"/>
                 </a:solidFill>
+                <a:latin typeface="Yu Gothic UI"/>
               </a:defRPr>
             </a:pPr>
             <a:r>
@@ -11039,18 +11760,22 @@
           </a:p>
           <a:p>
             <a:pPr>
-              <a:defRPr sz="900"/>
-            </a:pPr>
-            <a:r>
-              <a:t>・サブスクリプション料金</a:t>
-            </a:r>
-          </a:p>
-          <a:p>
-            <a:pPr>
-              <a:defRPr sz="900"/>
-            </a:pPr>
-            <a:r>
-              <a:t>・サポートとコンサルティング</a:t>
+              <a:defRPr sz="1000">
+                <a:latin typeface="Yu Gothic UI"/>
+              </a:defRPr>
+            </a:pPr>
+            <a:r>
+              <a:t>•サブスクリプション料金</a:t>
+            </a:r>
+          </a:p>
+          <a:p>
+            <a:pPr>
+              <a:defRPr sz="1000">
+                <a:latin typeface="Yu Gothic UI"/>
+              </a:defRPr>
+            </a:pPr>
+            <a:r>
+              <a:t>•サポートとコンサルティング</a:t>
             </a:r>
           </a:p>
         </p:txBody>
@@ -11097,7 +11822,9 @@
           <a:p/>
           <a:p>
             <a:pPr algn="l">
-              <a:defRPr sz="2000"/>
+              <a:defRPr sz="2000">
+                <a:latin typeface="Yu Gothic UI"/>
+              </a:defRPr>
             </a:pPr>
             <a:r>
               <a:t>Kubernetesが存在しない想定でKubernetesを考案しビジネス化</a:t>
@@ -11129,7 +11856,9 @@
           <a:p/>
           <a:p>
             <a:pPr algn="r">
-              <a:defRPr sz="2000"/>
+              <a:defRPr sz="2000">
+                <a:latin typeface="Yu Gothic UI"/>
+              </a:defRPr>
             </a:pPr>
             <a:r>
               <a:t>2023-07-08</a:t>
@@ -11169,6 +11898,7 @@
                 <a:solidFill>
                   <a:srgbClr val="008000"/>
                 </a:solidFill>
+                <a:latin typeface="Yu Gothic UI"/>
               </a:defRPr>
             </a:pPr>
             <a:r>
@@ -11177,34 +11907,42 @@
           </a:p>
           <a:p>
             <a:pPr>
-              <a:defRPr sz="900"/>
-            </a:pPr>
-            <a:r>
-              <a:t>・マイクロサービスの管理が困難</a:t>
-            </a:r>
-          </a:p>
-          <a:p>
-            <a:pPr>
-              <a:defRPr sz="900"/>
-            </a:pPr>
-            <a:r>
-              <a:t>・システムのスケーラビリティと信頼性の確保</a:t>
-            </a:r>
-          </a:p>
-          <a:p>
-            <a:pPr>
-              <a:defRPr sz="900"/>
-            </a:pPr>
-            <a:r>
-              <a:t>・インフラストラクチャの状態管理が複雑</a:t>
-            </a:r>
-          </a:p>
-          <a:p>
-            <a:pPr>
-              <a:defRPr sz="900"/>
-            </a:pPr>
-            <a:r>
-              <a:t>・デプロイメントとローリングアップデートの自動化</a:t>
+              <a:defRPr sz="1000">
+                <a:latin typeface="Yu Gothic UI"/>
+              </a:defRPr>
+            </a:pPr>
+            <a:r>
+              <a:t>•マイクロサービスの管理が困難</a:t>
+            </a:r>
+          </a:p>
+          <a:p>
+            <a:pPr>
+              <a:defRPr sz="1000">
+                <a:latin typeface="Yu Gothic UI"/>
+              </a:defRPr>
+            </a:pPr>
+            <a:r>
+              <a:t>•システムのスケーラビリティと信頼性の確保</a:t>
+            </a:r>
+          </a:p>
+          <a:p>
+            <a:pPr>
+              <a:defRPr sz="1000">
+                <a:latin typeface="Yu Gothic UI"/>
+              </a:defRPr>
+            </a:pPr>
+            <a:r>
+              <a:t>•インフラストラクチャの状態管理が複雑</a:t>
+            </a:r>
+          </a:p>
+          <a:p>
+            <a:pPr>
+              <a:defRPr sz="1000">
+                <a:latin typeface="Yu Gothic UI"/>
+              </a:defRPr>
+            </a:pPr>
+            <a:r>
+              <a:t>•デプロイメントとローリングアップデートの自動化</a:t>
             </a:r>
           </a:p>
         </p:txBody>
@@ -11241,6 +11979,7 @@
                 <a:solidFill>
                   <a:srgbClr val="008000"/>
                 </a:solidFill>
+                <a:latin typeface="Yu Gothic UI"/>
               </a:defRPr>
             </a:pPr>
             <a:r>
@@ -11249,42 +11988,52 @@
           </a:p>
           <a:p>
             <a:pPr>
-              <a:defRPr sz="900"/>
-            </a:pPr>
-            <a:r>
-              <a:t>・Kubernetesのようなオーケストレーションツールの提供</a:t>
-            </a:r>
-          </a:p>
-          <a:p>
-            <a:pPr>
-              <a:defRPr sz="900"/>
-            </a:pPr>
-            <a:r>
-              <a:t>・ロードバランシングとサービスディスカバリ</a:t>
-            </a:r>
-          </a:p>
-          <a:p>
-            <a:pPr>
-              <a:defRPr sz="900"/>
-            </a:pPr>
-            <a:r>
-              <a:t>・インフラストラクチャー・アズ・コード (IaC) で状態を管理</a:t>
-            </a:r>
-          </a:p>
-          <a:p>
-            <a:pPr>
-              <a:defRPr sz="900"/>
-            </a:pPr>
-            <a:r>
-              <a:t>・リコンシリエーション機構による自動修復</a:t>
-            </a:r>
-          </a:p>
-          <a:p>
-            <a:pPr>
-              <a:defRPr sz="900"/>
-            </a:pPr>
-            <a:r>
-              <a:t>・自動化されたロールアウトとロールバック</a:t>
+              <a:defRPr sz="1000">
+                <a:latin typeface="Yu Gothic UI"/>
+              </a:defRPr>
+            </a:pPr>
+            <a:r>
+              <a:t>•Kubernetesのようなオーケストレーションツールの提供</a:t>
+            </a:r>
+          </a:p>
+          <a:p>
+            <a:pPr>
+              <a:defRPr sz="1000">
+                <a:latin typeface="Yu Gothic UI"/>
+              </a:defRPr>
+            </a:pPr>
+            <a:r>
+              <a:t>•ロードバランシングとサービスディスカバリ</a:t>
+            </a:r>
+          </a:p>
+          <a:p>
+            <a:pPr>
+              <a:defRPr sz="1000">
+                <a:latin typeface="Yu Gothic UI"/>
+              </a:defRPr>
+            </a:pPr>
+            <a:r>
+              <a:t>•インフラストラクチャー・アズ・コード (IaC) で状態を管理</a:t>
+            </a:r>
+          </a:p>
+          <a:p>
+            <a:pPr>
+              <a:defRPr sz="1000">
+                <a:latin typeface="Yu Gothic UI"/>
+              </a:defRPr>
+            </a:pPr>
+            <a:r>
+              <a:t>•リコンシリエーション機構による自動修復</a:t>
+            </a:r>
+          </a:p>
+          <a:p>
+            <a:pPr>
+              <a:defRPr sz="1000">
+                <a:latin typeface="Yu Gothic UI"/>
+              </a:defRPr>
+            </a:pPr>
+            <a:r>
+              <a:t>•自動化されたロールアウトとロールバック</a:t>
             </a:r>
           </a:p>
         </p:txBody>
@@ -11321,6 +12070,7 @@
                 <a:solidFill>
                   <a:srgbClr val="008000"/>
                 </a:solidFill>
+                <a:latin typeface="Yu Gothic UI"/>
               </a:defRPr>
             </a:pPr>
             <a:r>
@@ -11329,26 +12079,32 @@
           </a:p>
           <a:p>
             <a:pPr>
-              <a:defRPr sz="900"/>
-            </a:pPr>
-            <a:r>
-              <a:t>・アクティブユーザー数</a:t>
-            </a:r>
-          </a:p>
-          <a:p>
-            <a:pPr>
-              <a:defRPr sz="900"/>
-            </a:pPr>
-            <a:r>
-              <a:t>・デプロイされたアプリケーションの数</a:t>
-            </a:r>
-          </a:p>
-          <a:p>
-            <a:pPr>
-              <a:defRPr sz="900"/>
-            </a:pPr>
-            <a:r>
-              <a:t>・収益</a:t>
+              <a:defRPr sz="1000">
+                <a:latin typeface="Yu Gothic UI"/>
+              </a:defRPr>
+            </a:pPr>
+            <a:r>
+              <a:t>•アクティブユーザー数</a:t>
+            </a:r>
+          </a:p>
+          <a:p>
+            <a:pPr>
+              <a:defRPr sz="1000">
+                <a:latin typeface="Yu Gothic UI"/>
+              </a:defRPr>
+            </a:pPr>
+            <a:r>
+              <a:t>•デプロイされたアプリケーションの数</a:t>
+            </a:r>
+          </a:p>
+          <a:p>
+            <a:pPr>
+              <a:defRPr sz="1000">
+                <a:latin typeface="Yu Gothic UI"/>
+              </a:defRPr>
+            </a:pPr>
+            <a:r>
+              <a:t>•収益</a:t>
             </a:r>
           </a:p>
         </p:txBody>
@@ -11385,6 +12141,7 @@
                 <a:solidFill>
                   <a:srgbClr val="008000"/>
                 </a:solidFill>
+                <a:latin typeface="Yu Gothic UI"/>
               </a:defRPr>
             </a:pPr>
             <a:r>
@@ -11393,26 +12150,32 @@
           </a:p>
           <a:p>
             <a:pPr>
-              <a:defRPr sz="900"/>
-            </a:pPr>
-            <a:r>
-              <a:t>・効率的なマイクロサービス管理を提供</a:t>
-            </a:r>
-          </a:p>
-          <a:p>
-            <a:pPr>
-              <a:defRPr sz="900"/>
-            </a:pPr>
-            <a:r>
-              <a:t>・インフラストラクチャのコード化による管理の簡素化</a:t>
-            </a:r>
-          </a:p>
-          <a:p>
-            <a:pPr>
-              <a:defRPr sz="900"/>
-            </a:pPr>
-            <a:r>
-              <a:t>・リコンシリエーションによる自動修復と信頼性確保</a:t>
+              <a:defRPr sz="1000">
+                <a:latin typeface="Yu Gothic UI"/>
+              </a:defRPr>
+            </a:pPr>
+            <a:r>
+              <a:t>•効率的なマイクロサービス管理を提供</a:t>
+            </a:r>
+          </a:p>
+          <a:p>
+            <a:pPr>
+              <a:defRPr sz="1000">
+                <a:latin typeface="Yu Gothic UI"/>
+              </a:defRPr>
+            </a:pPr>
+            <a:r>
+              <a:t>•インフラストラクチャのコード化による管理の簡素化</a:t>
+            </a:r>
+          </a:p>
+          <a:p>
+            <a:pPr>
+              <a:defRPr sz="1000">
+                <a:latin typeface="Yu Gothic UI"/>
+              </a:defRPr>
+            </a:pPr>
+            <a:r>
+              <a:t>•リコンシリエーションによる自動修復と信頼性確保</a:t>
             </a:r>
           </a:p>
         </p:txBody>
@@ -11449,6 +12212,7 @@
                 <a:solidFill>
                   <a:srgbClr val="008000"/>
                 </a:solidFill>
+                <a:latin typeface="Yu Gothic UI"/>
               </a:defRPr>
             </a:pPr>
             <a:r>
@@ -11457,18 +12221,22 @@
           </a:p>
           <a:p>
             <a:pPr>
-              <a:defRPr sz="900"/>
-            </a:pPr>
-            <a:r>
-              <a:t>・Kubernetesが存在しない時代のための初期アドバンテージ</a:t>
-            </a:r>
-          </a:p>
-          <a:p>
-            <a:pPr>
-              <a:defRPr sz="900"/>
-            </a:pPr>
-            <a:r>
-              <a:t>・深いクラウドネイティブ技術の知識と経験</a:t>
+              <a:defRPr sz="1000">
+                <a:latin typeface="Yu Gothic UI"/>
+              </a:defRPr>
+            </a:pPr>
+            <a:r>
+              <a:t>•Kubernetesが存在しない時代のための初期アドバンテージ</a:t>
+            </a:r>
+          </a:p>
+          <a:p>
+            <a:pPr>
+              <a:defRPr sz="1000">
+                <a:latin typeface="Yu Gothic UI"/>
+              </a:defRPr>
+            </a:pPr>
+            <a:r>
+              <a:t>•深いクラウドネイティブ技術の知識と経験</a:t>
             </a:r>
           </a:p>
         </p:txBody>
@@ -11505,6 +12273,7 @@
                 <a:solidFill>
                   <a:srgbClr val="008000"/>
                 </a:solidFill>
+                <a:latin typeface="Yu Gothic UI"/>
               </a:defRPr>
             </a:pPr>
             <a:r>
@@ -11513,26 +12282,32 @@
           </a:p>
           <a:p>
             <a:pPr>
-              <a:defRPr sz="900"/>
-            </a:pPr>
-            <a:r>
-              <a:t>・ウェブサイト</a:t>
-            </a:r>
-          </a:p>
-          <a:p>
-            <a:pPr>
-              <a:defRPr sz="900"/>
-            </a:pPr>
-            <a:r>
-              <a:t>・クラウドマーケットプレース</a:t>
-            </a:r>
-          </a:p>
-          <a:p>
-            <a:pPr>
-              <a:defRPr sz="900"/>
-            </a:pPr>
-            <a:r>
-              <a:t>・パートナーシップ（クラウドプロバイダー、開発ツール等）</a:t>
+              <a:defRPr sz="1000">
+                <a:latin typeface="Yu Gothic UI"/>
+              </a:defRPr>
+            </a:pPr>
+            <a:r>
+              <a:t>•ウェブサイト</a:t>
+            </a:r>
+          </a:p>
+          <a:p>
+            <a:pPr>
+              <a:defRPr sz="1000">
+                <a:latin typeface="Yu Gothic UI"/>
+              </a:defRPr>
+            </a:pPr>
+            <a:r>
+              <a:t>•クラウドマーケットプレース</a:t>
+            </a:r>
+          </a:p>
+          <a:p>
+            <a:pPr>
+              <a:defRPr sz="1000">
+                <a:latin typeface="Yu Gothic UI"/>
+              </a:defRPr>
+            </a:pPr>
+            <a:r>
+              <a:t>•パートナーシップ（クラウドプロバイダー、開発ツール等）</a:t>
             </a:r>
           </a:p>
         </p:txBody>
@@ -11569,6 +12344,7 @@
                 <a:solidFill>
                   <a:srgbClr val="008000"/>
                 </a:solidFill>
+                <a:latin typeface="Yu Gothic UI"/>
               </a:defRPr>
             </a:pPr>
             <a:r>
@@ -11577,26 +12353,32 @@
           </a:p>
           <a:p>
             <a:pPr>
-              <a:defRPr sz="900"/>
-            </a:pPr>
-            <a:r>
-              <a:t>・マイクロサービスを利用する企業</a:t>
-            </a:r>
-          </a:p>
-          <a:p>
-            <a:pPr>
-              <a:defRPr sz="900"/>
-            </a:pPr>
-            <a:r>
-              <a:t>・スケーラビリティと信頼性を求める開発者</a:t>
-            </a:r>
-          </a:p>
-          <a:p>
-            <a:pPr>
-              <a:defRPr sz="900"/>
-            </a:pPr>
-            <a:r>
-              <a:t>・高度なアプリケーションのデプロイメントを必要とする企業</a:t>
+              <a:defRPr sz="1000">
+                <a:latin typeface="Yu Gothic UI"/>
+              </a:defRPr>
+            </a:pPr>
+            <a:r>
+              <a:t>•マイクロサービスを利用する企業</a:t>
+            </a:r>
+          </a:p>
+          <a:p>
+            <a:pPr>
+              <a:defRPr sz="1000">
+                <a:latin typeface="Yu Gothic UI"/>
+              </a:defRPr>
+            </a:pPr>
+            <a:r>
+              <a:t>•スケーラビリティと信頼性を求める開発者</a:t>
+            </a:r>
+          </a:p>
+          <a:p>
+            <a:pPr>
+              <a:defRPr sz="1000">
+                <a:latin typeface="Yu Gothic UI"/>
+              </a:defRPr>
+            </a:pPr>
+            <a:r>
+              <a:t>•高度なアプリケーションのデプロイメントを必要とする企業</a:t>
             </a:r>
           </a:p>
         </p:txBody>
@@ -11633,6 +12415,7 @@
                 <a:solidFill>
                   <a:srgbClr val="008000"/>
                 </a:solidFill>
+                <a:latin typeface="Yu Gothic UI"/>
               </a:defRPr>
             </a:pPr>
             <a:r>
@@ -11641,26 +12424,32 @@
           </a:p>
           <a:p>
             <a:pPr>
-              <a:defRPr sz="900"/>
-            </a:pPr>
-            <a:r>
-              <a:t>・開発とメンテナンス</a:t>
-            </a:r>
-          </a:p>
-          <a:p>
-            <a:pPr>
-              <a:defRPr sz="900"/>
-            </a:pPr>
-            <a:r>
-              <a:t>・カスタマーサポート</a:t>
-            </a:r>
-          </a:p>
-          <a:p>
-            <a:pPr>
-              <a:defRPr sz="900"/>
-            </a:pPr>
-            <a:r>
-              <a:t>・マーケティングとプロモーション</a:t>
+              <a:defRPr sz="1000">
+                <a:latin typeface="Yu Gothic UI"/>
+              </a:defRPr>
+            </a:pPr>
+            <a:r>
+              <a:t>•開発とメンテナンス</a:t>
+            </a:r>
+          </a:p>
+          <a:p>
+            <a:pPr>
+              <a:defRPr sz="1000">
+                <a:latin typeface="Yu Gothic UI"/>
+              </a:defRPr>
+            </a:pPr>
+            <a:r>
+              <a:t>•カスタマーサポート</a:t>
+            </a:r>
+          </a:p>
+          <a:p>
+            <a:pPr>
+              <a:defRPr sz="1000">
+                <a:latin typeface="Yu Gothic UI"/>
+              </a:defRPr>
+            </a:pPr>
+            <a:r>
+              <a:t>•マーケティングとプロモーション</a:t>
             </a:r>
           </a:p>
         </p:txBody>
@@ -11697,6 +12486,7 @@
                 <a:solidFill>
                   <a:srgbClr val="008000"/>
                 </a:solidFill>
+                <a:latin typeface="Yu Gothic UI"/>
               </a:defRPr>
             </a:pPr>
             <a:r>
@@ -11705,18 +12495,22 @@
           </a:p>
           <a:p>
             <a:pPr>
-              <a:defRPr sz="900"/>
-            </a:pPr>
-            <a:r>
-              <a:t>・システム規模に応じたソフトウェアライセンス料金</a:t>
-            </a:r>
-          </a:p>
-          <a:p>
-            <a:pPr>
-              <a:defRPr sz="900"/>
-            </a:pPr>
-            <a:r>
-              <a:t>・コンサルティングとカスタマイズサービスの手数料</a:t>
+              <a:defRPr sz="1000">
+                <a:latin typeface="Yu Gothic UI"/>
+              </a:defRPr>
+            </a:pPr>
+            <a:r>
+              <a:t>•システム規模に応じたソフトウェアライセンス料金</a:t>
+            </a:r>
+          </a:p>
+          <a:p>
+            <a:pPr>
+              <a:defRPr sz="1000">
+                <a:latin typeface="Yu Gothic UI"/>
+              </a:defRPr>
+            </a:pPr>
+            <a:r>
+              <a:t>•コンサルティングとカスタマイズサービスの手数料</a:t>
             </a:r>
           </a:p>
         </p:txBody>
@@ -11763,7 +12557,9 @@
           <a:p/>
           <a:p>
             <a:pPr algn="l">
-              <a:defRPr sz="2000"/>
+              <a:defRPr sz="2000">
+                <a:latin typeface="Yu Gothic UI"/>
+              </a:defRPr>
             </a:pPr>
             <a:r>
               <a:t>SREという概念が存在しない想定でSREを考案しビジネス化</a:t>
@@ -11795,7 +12591,9 @@
           <a:p/>
           <a:p>
             <a:pPr algn="r">
-              <a:defRPr sz="2000"/>
+              <a:defRPr sz="2000">
+                <a:latin typeface="Yu Gothic UI"/>
+              </a:defRPr>
             </a:pPr>
             <a:r>
               <a:t>2003-08-01</a:t>
@@ -11835,6 +12633,7 @@
                 <a:solidFill>
                   <a:srgbClr val="008000"/>
                 </a:solidFill>
+                <a:latin typeface="Yu Gothic UI"/>
               </a:defRPr>
             </a:pPr>
             <a:r>
@@ -11843,26 +12642,32 @@
           </a:p>
           <a:p>
             <a:pPr>
-              <a:defRPr sz="900"/>
-            </a:pPr>
-            <a:r>
-              <a:t>・システムのダウンタイムが多く、信頼性に欠ける</a:t>
-            </a:r>
-          </a:p>
-          <a:p>
-            <a:pPr>
-              <a:defRPr sz="900"/>
-            </a:pPr>
-            <a:r>
-              <a:t>・開発チームと運用チームの間のギャップ</a:t>
-            </a:r>
-          </a:p>
-          <a:p>
-            <a:pPr>
-              <a:defRPr sz="900"/>
-            </a:pPr>
-            <a:r>
-              <a:t>・新機能のリリースが遅い</a:t>
+              <a:defRPr sz="1000">
+                <a:latin typeface="Yu Gothic UI"/>
+              </a:defRPr>
+            </a:pPr>
+            <a:r>
+              <a:t>•システムのダウンタイムが多く、信頼性に欠ける</a:t>
+            </a:r>
+          </a:p>
+          <a:p>
+            <a:pPr>
+              <a:defRPr sz="1000">
+                <a:latin typeface="Yu Gothic UI"/>
+              </a:defRPr>
+            </a:pPr>
+            <a:r>
+              <a:t>•開発チームと運用チームの間のギャップ</a:t>
+            </a:r>
+          </a:p>
+          <a:p>
+            <a:pPr>
+              <a:defRPr sz="1000">
+                <a:latin typeface="Yu Gothic UI"/>
+              </a:defRPr>
+            </a:pPr>
+            <a:r>
+              <a:t>•新機能のリリースが遅い</a:t>
             </a:r>
           </a:p>
         </p:txBody>
@@ -11899,6 +12704,7 @@
                 <a:solidFill>
                   <a:srgbClr val="008000"/>
                 </a:solidFill>
+                <a:latin typeface="Yu Gothic UI"/>
               </a:defRPr>
             </a:pPr>
             <a:r>
@@ -11907,26 +12713,32 @@
           </a:p>
           <a:p>
             <a:pPr>
-              <a:defRPr sz="900"/>
-            </a:pPr>
-            <a:r>
-              <a:t>・運用と開発を統合する新しいエンジニアリングロール</a:t>
-            </a:r>
-          </a:p>
-          <a:p>
-            <a:pPr>
-              <a:defRPr sz="900"/>
-            </a:pPr>
-            <a:r>
-              <a:t>・ソフトウェアエンジニアリングの原則を適用したシステム運用</a:t>
-            </a:r>
-          </a:p>
-          <a:p>
-            <a:pPr>
-              <a:defRPr sz="900"/>
-            </a:pPr>
-            <a:r>
-              <a:t>・自動化とIaC（Infrastructure as Code）によるリリース速度の向上</a:t>
+              <a:defRPr sz="1000">
+                <a:latin typeface="Yu Gothic UI"/>
+              </a:defRPr>
+            </a:pPr>
+            <a:r>
+              <a:t>•運用と開発を統合する新しいエンジニアリングロール</a:t>
+            </a:r>
+          </a:p>
+          <a:p>
+            <a:pPr>
+              <a:defRPr sz="1000">
+                <a:latin typeface="Yu Gothic UI"/>
+              </a:defRPr>
+            </a:pPr>
+            <a:r>
+              <a:t>•ソフトウェアエンジニアリングの原則を適用したシステム運用</a:t>
+            </a:r>
+          </a:p>
+          <a:p>
+            <a:pPr>
+              <a:defRPr sz="1000">
+                <a:latin typeface="Yu Gothic UI"/>
+              </a:defRPr>
+            </a:pPr>
+            <a:r>
+              <a:t>•自動化とIaC（Infrastructure as Code）によるリリース速度の向上</a:t>
             </a:r>
           </a:p>
         </p:txBody>
@@ -11963,6 +12775,7 @@
                 <a:solidFill>
                   <a:srgbClr val="008000"/>
                 </a:solidFill>
+                <a:latin typeface="Yu Gothic UI"/>
               </a:defRPr>
             </a:pPr>
             <a:r>
@@ -11971,26 +12784,32 @@
           </a:p>
           <a:p>
             <a:pPr>
-              <a:defRPr sz="900"/>
-            </a:pPr>
-            <a:r>
-              <a:t>・ユーザーのシステムダウンタイム</a:t>
-            </a:r>
-          </a:p>
-          <a:p>
-            <a:pPr>
-              <a:defRPr sz="900"/>
-            </a:pPr>
-            <a:r>
-              <a:t>・新機能のリリース速度</a:t>
-            </a:r>
-          </a:p>
-          <a:p>
-            <a:pPr>
-              <a:defRPr sz="900"/>
-            </a:pPr>
-            <a:r>
-              <a:t>・システムの信頼性</a:t>
+              <a:defRPr sz="1000">
+                <a:latin typeface="Yu Gothic UI"/>
+              </a:defRPr>
+            </a:pPr>
+            <a:r>
+              <a:t>•ユーザーのシステムダウンタイム</a:t>
+            </a:r>
+          </a:p>
+          <a:p>
+            <a:pPr>
+              <a:defRPr sz="1000">
+                <a:latin typeface="Yu Gothic UI"/>
+              </a:defRPr>
+            </a:pPr>
+            <a:r>
+              <a:t>•新機能のリリース速度</a:t>
+            </a:r>
+          </a:p>
+          <a:p>
+            <a:pPr>
+              <a:defRPr sz="1000">
+                <a:latin typeface="Yu Gothic UI"/>
+              </a:defRPr>
+            </a:pPr>
+            <a:r>
+              <a:t>•システムの信頼性</a:t>
             </a:r>
           </a:p>
         </p:txBody>
@@ -12027,6 +12846,7 @@
                 <a:solidFill>
                   <a:srgbClr val="008000"/>
                 </a:solidFill>
+                <a:latin typeface="Yu Gothic UI"/>
               </a:defRPr>
             </a:pPr>
             <a:r>
@@ -12035,10 +12855,12 @@
           </a:p>
           <a:p>
             <a:pPr>
-              <a:defRPr sz="900"/>
-            </a:pPr>
-            <a:r>
-              <a:t>・ソフトウェアエンジニアリングの手法を適用した信頼性の高いシステム運用</a:t>
+              <a:defRPr sz="1000">
+                <a:latin typeface="Yu Gothic UI"/>
+              </a:defRPr>
+            </a:pPr>
+            <a:r>
+              <a:t>•ソフトウェアエンジニアリングの手法を適用した信頼性の高いシステム運用</a:t>
             </a:r>
           </a:p>
         </p:txBody>
@@ -12075,6 +12897,7 @@
                 <a:solidFill>
                   <a:srgbClr val="008000"/>
                 </a:solidFill>
+                <a:latin typeface="Yu Gothic UI"/>
               </a:defRPr>
             </a:pPr>
             <a:r>
@@ -12083,18 +12906,22 @@
           </a:p>
           <a:p>
             <a:pPr>
-              <a:defRPr sz="900"/>
-            </a:pPr>
-            <a:r>
-              <a:t>・新しい運用手法のパイオニア</a:t>
-            </a:r>
-          </a:p>
-          <a:p>
-            <a:pPr>
-              <a:defRPr sz="900"/>
-            </a:pPr>
-            <a:r>
-              <a:t>・システムの信頼性と新機能のリリース速度の両方を向上させる能力</a:t>
+              <a:defRPr sz="1000">
+                <a:latin typeface="Yu Gothic UI"/>
+              </a:defRPr>
+            </a:pPr>
+            <a:r>
+              <a:t>•新しい運用手法のパイオニア</a:t>
+            </a:r>
+          </a:p>
+          <a:p>
+            <a:pPr>
+              <a:defRPr sz="1000">
+                <a:latin typeface="Yu Gothic UI"/>
+              </a:defRPr>
+            </a:pPr>
+            <a:r>
+              <a:t>•システムの信頼性と新機能のリリース速度の両方を向上させる能力</a:t>
             </a:r>
           </a:p>
         </p:txBody>
@@ -12131,6 +12958,7 @@
                 <a:solidFill>
                   <a:srgbClr val="008000"/>
                 </a:solidFill>
+                <a:latin typeface="Yu Gothic UI"/>
               </a:defRPr>
             </a:pPr>
             <a:r>
@@ -12139,26 +12967,32 @@
           </a:p>
           <a:p>
             <a:pPr>
-              <a:defRPr sz="900"/>
-            </a:pPr>
-            <a:r>
-              <a:t>・インターネット（ウェブサイト、ブログ、ソーシャルメディア）</a:t>
-            </a:r>
-          </a:p>
-          <a:p>
-            <a:pPr>
-              <a:defRPr sz="900"/>
-            </a:pPr>
-            <a:r>
-              <a:t>・セミナー、カンファレンス</a:t>
-            </a:r>
-          </a:p>
-          <a:p>
-            <a:pPr>
-              <a:defRPr sz="900"/>
-            </a:pPr>
-            <a:r>
-              <a:t>・パートナーシップ（ITコンサルティング会社など）</a:t>
+              <a:defRPr sz="1000">
+                <a:latin typeface="Yu Gothic UI"/>
+              </a:defRPr>
+            </a:pPr>
+            <a:r>
+              <a:t>•インターネット（ウェブサイト、ブログ、ソーシャルメディア）</a:t>
+            </a:r>
+          </a:p>
+          <a:p>
+            <a:pPr>
+              <a:defRPr sz="1000">
+                <a:latin typeface="Yu Gothic UI"/>
+              </a:defRPr>
+            </a:pPr>
+            <a:r>
+              <a:t>•セミナー、カンファレンス</a:t>
+            </a:r>
+          </a:p>
+          <a:p>
+            <a:pPr>
+              <a:defRPr sz="1000">
+                <a:latin typeface="Yu Gothic UI"/>
+              </a:defRPr>
+            </a:pPr>
+            <a:r>
+              <a:t>•パートナーシップ（ITコンサルティング会社など）</a:t>
             </a:r>
           </a:p>
         </p:txBody>
@@ -12195,6 +13029,7 @@
                 <a:solidFill>
                   <a:srgbClr val="008000"/>
                 </a:solidFill>
+                <a:latin typeface="Yu Gothic UI"/>
               </a:defRPr>
             </a:pPr>
             <a:r>
@@ -12203,18 +13038,22 @@
           </a:p>
           <a:p>
             <a:pPr>
-              <a:defRPr sz="900"/>
-            </a:pPr>
-            <a:r>
-              <a:t>・システムのダウンタイムに悩む企業</a:t>
-            </a:r>
-          </a:p>
-          <a:p>
-            <a:pPr>
-              <a:defRPr sz="900"/>
-            </a:pPr>
-            <a:r>
-              <a:t>・新機能のリリースが遅いと感じている企業</a:t>
+              <a:defRPr sz="1000">
+                <a:latin typeface="Yu Gothic UI"/>
+              </a:defRPr>
+            </a:pPr>
+            <a:r>
+              <a:t>•システムのダウンタイムに悩む企業</a:t>
+            </a:r>
+          </a:p>
+          <a:p>
+            <a:pPr>
+              <a:defRPr sz="1000">
+                <a:latin typeface="Yu Gothic UI"/>
+              </a:defRPr>
+            </a:pPr>
+            <a:r>
+              <a:t>•新機能のリリースが遅いと感じている企業</a:t>
             </a:r>
           </a:p>
         </p:txBody>
@@ -12251,6 +13090,7 @@
                 <a:solidFill>
                   <a:srgbClr val="008000"/>
                 </a:solidFill>
+                <a:latin typeface="Yu Gothic UI"/>
               </a:defRPr>
             </a:pPr>
             <a:r>
@@ -12259,26 +13099,32 @@
           </a:p>
           <a:p>
             <a:pPr>
-              <a:defRPr sz="900"/>
-            </a:pPr>
-            <a:r>
-              <a:t>・エンジニアの給与</a:t>
-            </a:r>
-          </a:p>
-          <a:p>
-            <a:pPr>
-              <a:defRPr sz="900"/>
-            </a:pPr>
-            <a:r>
-              <a:t>・マーケティングと営業のコスト</a:t>
-            </a:r>
-          </a:p>
-          <a:p>
-            <a:pPr>
-              <a:defRPr sz="900"/>
-            </a:pPr>
-            <a:r>
-              <a:t>・R&amp;D</a:t>
+              <a:defRPr sz="1000">
+                <a:latin typeface="Yu Gothic UI"/>
+              </a:defRPr>
+            </a:pPr>
+            <a:r>
+              <a:t>•エンジニアの給与</a:t>
+            </a:r>
+          </a:p>
+          <a:p>
+            <a:pPr>
+              <a:defRPr sz="1000">
+                <a:latin typeface="Yu Gothic UI"/>
+              </a:defRPr>
+            </a:pPr>
+            <a:r>
+              <a:t>•マーケティングと営業のコスト</a:t>
+            </a:r>
+          </a:p>
+          <a:p>
+            <a:pPr>
+              <a:defRPr sz="1000">
+                <a:latin typeface="Yu Gothic UI"/>
+              </a:defRPr>
+            </a:pPr>
+            <a:r>
+              <a:t>•R&amp;D</a:t>
             </a:r>
           </a:p>
         </p:txBody>
@@ -12315,6 +13161,7 @@
                 <a:solidFill>
                   <a:srgbClr val="008000"/>
                 </a:solidFill>
+                <a:latin typeface="Yu Gothic UI"/>
               </a:defRPr>
             </a:pPr>
             <a:r>
@@ -12323,26 +13170,32 @@
           </a:p>
           <a:p>
             <a:pPr>
-              <a:defRPr sz="900"/>
-            </a:pPr>
-            <a:r>
-              <a:t>・サービス契約料</a:t>
-            </a:r>
-          </a:p>
-          <a:p>
-            <a:pPr>
-              <a:defRPr sz="900"/>
-            </a:pPr>
-            <a:r>
-              <a:t>・ソフトウェアライセンス料</a:t>
-            </a:r>
-          </a:p>
-          <a:p>
-            <a:pPr>
-              <a:defRPr sz="900"/>
-            </a:pPr>
-            <a:r>
-              <a:t>・コンサルティング料</a:t>
+              <a:defRPr sz="1000">
+                <a:latin typeface="Yu Gothic UI"/>
+              </a:defRPr>
+            </a:pPr>
+            <a:r>
+              <a:t>•サービス契約料</a:t>
+            </a:r>
+          </a:p>
+          <a:p>
+            <a:pPr>
+              <a:defRPr sz="1000">
+                <a:latin typeface="Yu Gothic UI"/>
+              </a:defRPr>
+            </a:pPr>
+            <a:r>
+              <a:t>•ソフトウェアライセンス料</a:t>
+            </a:r>
+          </a:p>
+          <a:p>
+            <a:pPr>
+              <a:defRPr sz="1000">
+                <a:latin typeface="Yu Gothic UI"/>
+              </a:defRPr>
+            </a:pPr>
+            <a:r>
+              <a:t>•コンサルティング料</a:t>
             </a:r>
           </a:p>
         </p:txBody>
@@ -12389,7 +13242,9 @@
           <a:p/>
           <a:p>
             <a:pPr algn="l">
-              <a:defRPr sz="2000"/>
+              <a:defRPr sz="2000">
+                <a:latin typeface="Yu Gothic UI"/>
+              </a:defRPr>
             </a:pPr>
             <a:r>
               <a:t>nCino</a:t>
@@ -12421,7 +13276,9 @@
           <a:p/>
           <a:p>
             <a:pPr algn="r">
-              <a:defRPr sz="2000"/>
+              <a:defRPr sz="2000">
+                <a:latin typeface="Yu Gothic UI"/>
+              </a:defRPr>
             </a:pPr>
             <a:r>
               <a:t>2012-07-12</a:t>
@@ -12461,6 +13318,7 @@
                 <a:solidFill>
                   <a:srgbClr val="008000"/>
                 </a:solidFill>
+                <a:latin typeface="Yu Gothic UI"/>
               </a:defRPr>
             </a:pPr>
             <a:r>
@@ -12469,26 +13327,32 @@
           </a:p>
           <a:p>
             <a:pPr>
-              <a:defRPr sz="900"/>
-            </a:pPr>
-            <a:r>
-              <a:t>・銀行業界のレガシーシステムによる効率の悪さと手続きの遅さ</a:t>
-            </a:r>
-          </a:p>
-          <a:p>
-            <a:pPr>
-              <a:defRPr sz="900"/>
-            </a:pPr>
-            <a:r>
-              <a:t>・顧客体験の低下と満足度の低さ</a:t>
-            </a:r>
-          </a:p>
-          <a:p>
-            <a:pPr>
-              <a:defRPr sz="900"/>
-            </a:pPr>
-            <a:r>
-              <a:t>・規制遵守の困難さ</a:t>
+              <a:defRPr sz="1000">
+                <a:latin typeface="Yu Gothic UI"/>
+              </a:defRPr>
+            </a:pPr>
+            <a:r>
+              <a:t>•銀行業界のレガシーシステムによる効率の悪さと手続きの遅さ</a:t>
+            </a:r>
+          </a:p>
+          <a:p>
+            <a:pPr>
+              <a:defRPr sz="1000">
+                <a:latin typeface="Yu Gothic UI"/>
+              </a:defRPr>
+            </a:pPr>
+            <a:r>
+              <a:t>•顧客体験の低下と満足度の低さ</a:t>
+            </a:r>
+          </a:p>
+          <a:p>
+            <a:pPr>
+              <a:defRPr sz="1000">
+                <a:latin typeface="Yu Gothic UI"/>
+              </a:defRPr>
+            </a:pPr>
+            <a:r>
+              <a:t>•規制遵守の困難さ</a:t>
             </a:r>
           </a:p>
         </p:txBody>
@@ -12525,6 +13389,7 @@
                 <a:solidFill>
                   <a:srgbClr val="008000"/>
                 </a:solidFill>
+                <a:latin typeface="Yu Gothic UI"/>
               </a:defRPr>
             </a:pPr>
             <a:r>
@@ -12533,26 +13398,32 @@
           </a:p>
           <a:p>
             <a:pPr>
-              <a:defRPr sz="900"/>
-            </a:pPr>
-            <a:r>
-              <a:t>・クラウドベースの一元化された銀行オペレーティングシステム</a:t>
-            </a:r>
-          </a:p>
-          <a:p>
-            <a:pPr>
-              <a:defRPr sz="900"/>
-            </a:pPr>
-            <a:r>
-              <a:t>・顧客対応を改善するためのデジタル化</a:t>
-            </a:r>
-          </a:p>
-          <a:p>
-            <a:pPr>
-              <a:defRPr sz="900"/>
-            </a:pPr>
-            <a:r>
-              <a:t>・リアルタイムでの監視とリポーティングを可能にするダッシュボード</a:t>
+              <a:defRPr sz="1000">
+                <a:latin typeface="Yu Gothic UI"/>
+              </a:defRPr>
+            </a:pPr>
+            <a:r>
+              <a:t>•クラウドベースの一元化された銀行オペレーティングシステム</a:t>
+            </a:r>
+          </a:p>
+          <a:p>
+            <a:pPr>
+              <a:defRPr sz="1000">
+                <a:latin typeface="Yu Gothic UI"/>
+              </a:defRPr>
+            </a:pPr>
+            <a:r>
+              <a:t>•顧客対応を改善するためのデジタル化</a:t>
+            </a:r>
+          </a:p>
+          <a:p>
+            <a:pPr>
+              <a:defRPr sz="1000">
+                <a:latin typeface="Yu Gothic UI"/>
+              </a:defRPr>
+            </a:pPr>
+            <a:r>
+              <a:t>•リアルタイムでの監視とリポーティングを可能にするダッシュボード</a:t>
             </a:r>
           </a:p>
         </p:txBody>
@@ -12589,6 +13460,7 @@
                 <a:solidFill>
                   <a:srgbClr val="008000"/>
                 </a:solidFill>
+                <a:latin typeface="Yu Gothic UI"/>
               </a:defRPr>
             </a:pPr>
             <a:r>
@@ -12597,26 +13469,32 @@
           </a:p>
           <a:p>
             <a:pPr>
-              <a:defRPr sz="900"/>
-            </a:pPr>
-            <a:r>
-              <a:t>・プラットフォームへの新規登録銀行数</a:t>
-            </a:r>
-          </a:p>
-          <a:p>
-            <a:pPr>
-              <a:defRPr sz="900"/>
-            </a:pPr>
-            <a:r>
-              <a:t>・銀行による取引量</a:t>
-            </a:r>
-          </a:p>
-          <a:p>
-            <a:pPr>
-              <a:defRPr sz="900"/>
-            </a:pPr>
-            <a:r>
-              <a:t>・顧客満足度</a:t>
+              <a:defRPr sz="1000">
+                <a:latin typeface="Yu Gothic UI"/>
+              </a:defRPr>
+            </a:pPr>
+            <a:r>
+              <a:t>•プラットフォームへの新規登録銀行数</a:t>
+            </a:r>
+          </a:p>
+          <a:p>
+            <a:pPr>
+              <a:defRPr sz="1000">
+                <a:latin typeface="Yu Gothic UI"/>
+              </a:defRPr>
+            </a:pPr>
+            <a:r>
+              <a:t>•銀行による取引量</a:t>
+            </a:r>
+          </a:p>
+          <a:p>
+            <a:pPr>
+              <a:defRPr sz="1000">
+                <a:latin typeface="Yu Gothic UI"/>
+              </a:defRPr>
+            </a:pPr>
+            <a:r>
+              <a:t>•顧客満足度</a:t>
             </a:r>
           </a:p>
         </p:txBody>
@@ -12653,6 +13531,7 @@
                 <a:solidFill>
                   <a:srgbClr val="008000"/>
                 </a:solidFill>
+                <a:latin typeface="Yu Gothic UI"/>
               </a:defRPr>
             </a:pPr>
             <a:r>
@@ -12661,10 +13540,12 @@
           </a:p>
           <a:p>
             <a:pPr>
-              <a:defRPr sz="900"/>
-            </a:pPr>
-            <a:r>
-              <a:t>・銀行のビジネスプロセスをデジタル化し、効率化する一元化されたシステム</a:t>
+              <a:defRPr sz="1000">
+                <a:latin typeface="Yu Gothic UI"/>
+              </a:defRPr>
+            </a:pPr>
+            <a:r>
+              <a:t>•銀行のビジネスプロセスをデジタル化し、効率化する一元化されたシステム</a:t>
             </a:r>
           </a:p>
         </p:txBody>
@@ -12701,6 +13582,7 @@
                 <a:solidFill>
                   <a:srgbClr val="008000"/>
                 </a:solidFill>
+                <a:latin typeface="Yu Gothic UI"/>
               </a:defRPr>
             </a:pPr>
             <a:r>
@@ -12709,18 +13591,22 @@
           </a:p>
           <a:p>
             <a:pPr>
-              <a:defRPr sz="900"/>
-            </a:pPr>
-            <a:r>
-              <a:t>・既存の銀行のレガシーシステムとは異なり、最初からクラウドベースで開発されたプラットフォーム</a:t>
-            </a:r>
-          </a:p>
-          <a:p>
-            <a:pPr>
-              <a:defRPr sz="900"/>
-            </a:pPr>
-            <a:r>
-              <a:t>・Salesforceのエコシステム内に組み込まれたサービス</a:t>
+              <a:defRPr sz="1000">
+                <a:latin typeface="Yu Gothic UI"/>
+              </a:defRPr>
+            </a:pPr>
+            <a:r>
+              <a:t>•既存の銀行のレガシーシステムとは異なり、最初からクラウドベースで開発されたプラットフォーム</a:t>
+            </a:r>
+          </a:p>
+          <a:p>
+            <a:pPr>
+              <a:defRPr sz="1000">
+                <a:latin typeface="Yu Gothic UI"/>
+              </a:defRPr>
+            </a:pPr>
+            <a:r>
+              <a:t>•Salesforceのエコシステム内に組み込まれたサービス</a:t>
             </a:r>
           </a:p>
         </p:txBody>
@@ -12757,6 +13643,7 @@
                 <a:solidFill>
                   <a:srgbClr val="008000"/>
                 </a:solidFill>
+                <a:latin typeface="Yu Gothic UI"/>
               </a:defRPr>
             </a:pPr>
             <a:r>
@@ -12765,18 +13652,22 @@
           </a:p>
           <a:p>
             <a:pPr>
-              <a:defRPr sz="900"/>
-            </a:pPr>
-            <a:r>
-              <a:t>・インターネット（ウェブサイト、ブログ、ソーシャルメディア）</a:t>
-            </a:r>
-          </a:p>
-          <a:p>
-            <a:pPr>
-              <a:defRPr sz="900"/>
-            </a:pPr>
-            <a:r>
-              <a:t>・銀行との直接的なパートナーシップ</a:t>
+              <a:defRPr sz="1000">
+                <a:latin typeface="Yu Gothic UI"/>
+              </a:defRPr>
+            </a:pPr>
+            <a:r>
+              <a:t>•インターネット（ウェブサイト、ブログ、ソーシャルメディア）</a:t>
+            </a:r>
+          </a:p>
+          <a:p>
+            <a:pPr>
+              <a:defRPr sz="1000">
+                <a:latin typeface="Yu Gothic UI"/>
+              </a:defRPr>
+            </a:pPr>
+            <a:r>
+              <a:t>•銀行との直接的なパートナーシップ</a:t>
             </a:r>
           </a:p>
         </p:txBody>
@@ -12813,6 +13704,7 @@
                 <a:solidFill>
                   <a:srgbClr val="008000"/>
                 </a:solidFill>
+                <a:latin typeface="Yu Gothic UI"/>
               </a:defRPr>
             </a:pPr>
             <a:r>
@@ -12821,18 +13713,22 @@
           </a:p>
           <a:p>
             <a:pPr>
-              <a:defRPr sz="900"/>
-            </a:pPr>
-            <a:r>
-              <a:t>・レガシーシステムからの移行を検討している銀行</a:t>
-            </a:r>
-          </a:p>
-          <a:p>
-            <a:pPr>
-              <a:defRPr sz="900"/>
-            </a:pPr>
-            <a:r>
-              <a:t>・顧客体験の改善を求める銀行</a:t>
+              <a:defRPr sz="1000">
+                <a:latin typeface="Yu Gothic UI"/>
+              </a:defRPr>
+            </a:pPr>
+            <a:r>
+              <a:t>•レガシーシステムからの移行を検討している銀行</a:t>
+            </a:r>
+          </a:p>
+          <a:p>
+            <a:pPr>
+              <a:defRPr sz="1000">
+                <a:latin typeface="Yu Gothic UI"/>
+              </a:defRPr>
+            </a:pPr>
+            <a:r>
+              <a:t>•顧客体験の改善を求める銀行</a:t>
             </a:r>
           </a:p>
         </p:txBody>
@@ -12869,6 +13765,7 @@
                 <a:solidFill>
                   <a:srgbClr val="008000"/>
                 </a:solidFill>
+                <a:latin typeface="Yu Gothic UI"/>
               </a:defRPr>
             </a:pPr>
             <a:r>
@@ -12877,26 +13774,32 @@
           </a:p>
           <a:p>
             <a:pPr>
-              <a:defRPr sz="900"/>
-            </a:pPr>
-            <a:r>
-              <a:t>・エンジニアの給与</a:t>
-            </a:r>
-          </a:p>
-          <a:p>
-            <a:pPr>
-              <a:defRPr sz="900"/>
-            </a:pPr>
-            <a:r>
-              <a:t>・クラウドインフラストラクチャの維持費</a:t>
-            </a:r>
-          </a:p>
-          <a:p>
-            <a:pPr>
-              <a:defRPr sz="900"/>
-            </a:pPr>
-            <a:r>
-              <a:t>・マーケティングと営業のコスト</a:t>
+              <a:defRPr sz="1000">
+                <a:latin typeface="Yu Gothic UI"/>
+              </a:defRPr>
+            </a:pPr>
+            <a:r>
+              <a:t>•エンジニアの給与</a:t>
+            </a:r>
+          </a:p>
+          <a:p>
+            <a:pPr>
+              <a:defRPr sz="1000">
+                <a:latin typeface="Yu Gothic UI"/>
+              </a:defRPr>
+            </a:pPr>
+            <a:r>
+              <a:t>•クラウドインフラストラクチャの維持費</a:t>
+            </a:r>
+          </a:p>
+          <a:p>
+            <a:pPr>
+              <a:defRPr sz="1000">
+                <a:latin typeface="Yu Gothic UI"/>
+              </a:defRPr>
+            </a:pPr>
+            <a:r>
+              <a:t>•マーケティングと営業のコスト</a:t>
             </a:r>
           </a:p>
         </p:txBody>
@@ -12933,6 +13836,7 @@
                 <a:solidFill>
                   <a:srgbClr val="008000"/>
                 </a:solidFill>
+                <a:latin typeface="Yu Gothic UI"/>
               </a:defRPr>
             </a:pPr>
             <a:r>
@@ -12941,18 +13845,22 @@
           </a:p>
           <a:p>
             <a:pPr>
-              <a:defRPr sz="900"/>
-            </a:pPr>
-            <a:r>
-              <a:t>・ソフトウェアのサブスクリプション料</a:t>
-            </a:r>
-          </a:p>
-          <a:p>
-            <a:pPr>
-              <a:defRPr sz="900"/>
-            </a:pPr>
-            <a:r>
-              <a:t>・サポートとカスタマイズサービスの料金</a:t>
+              <a:defRPr sz="1000">
+                <a:latin typeface="Yu Gothic UI"/>
+              </a:defRPr>
+            </a:pPr>
+            <a:r>
+              <a:t>•ソフトウェアのサブスクリプション料</a:t>
+            </a:r>
+          </a:p>
+          <a:p>
+            <a:pPr>
+              <a:defRPr sz="1000">
+                <a:latin typeface="Yu Gothic UI"/>
+              </a:defRPr>
+            </a:pPr>
+            <a:r>
+              <a:t>•サポートとカスタマイズサービスの料金</a:t>
             </a:r>
           </a:p>
         </p:txBody>

--- a/sample.pptx
+++ b/sample.pptx
@@ -3112,7 +3112,7 @@
         <p:spPr>
           <a:xfrm>
             <a:off x="457200" y="457200"/>
-            <a:ext cx="11887200" cy="457200"/>
+            <a:ext cx="10972800" cy="457200"/>
           </a:xfrm>
           <a:prstGeom prst="rect">
             <a:avLst/>
@@ -3124,7 +3124,6 @@
             <a:spAutoFit/>
           </a:bodyPr>
           <a:lstStyle/>
-          <a:p/>
           <a:p>
             <a:pPr algn="l">
               <a:defRPr sz="2000">
@@ -3145,8 +3144,8 @@
         </p:nvSpPr>
         <p:spPr>
           <a:xfrm>
-            <a:off x="12801600" y="457200"/>
-            <a:ext cx="914400" cy="457200"/>
+            <a:off x="11887200" y="457200"/>
+            <a:ext cx="1828800" cy="457200"/>
           </a:xfrm>
           <a:prstGeom prst="rect">
             <a:avLst/>
@@ -3158,7 +3157,6 @@
             <a:spAutoFit/>
           </a:bodyPr>
           <a:lstStyle/>
-          <a:p/>
           <a:p>
             <a:pPr algn="r">
               <a:defRPr sz="2000">
@@ -3180,7 +3178,7 @@
         <p:spPr>
           <a:xfrm>
             <a:off x="457200" y="1188720"/>
-            <a:ext cx="2743200" cy="4389120"/>
+            <a:ext cx="2743200" cy="3840480"/>
           </a:xfrm>
           <a:prstGeom prst="rect">
             <a:avLst/>
@@ -3251,7 +3249,7 @@
         <p:spPr>
           <a:xfrm>
             <a:off x="3200400" y="1188720"/>
-            <a:ext cx="2743200" cy="2194560"/>
+            <a:ext cx="2743200" cy="1920240"/>
           </a:xfrm>
           <a:prstGeom prst="rect">
             <a:avLst/>
@@ -3321,8 +3319,8 @@
         </p:nvSpPr>
         <p:spPr>
           <a:xfrm>
-            <a:off x="3200400" y="3383280"/>
-            <a:ext cx="2743200" cy="2194560"/>
+            <a:off x="3200400" y="3108960"/>
+            <a:ext cx="2743200" cy="1920240"/>
           </a:xfrm>
           <a:prstGeom prst="rect">
             <a:avLst/>
@@ -3393,7 +3391,7 @@
         <p:spPr>
           <a:xfrm>
             <a:off x="5943600" y="1188720"/>
-            <a:ext cx="2743200" cy="4389120"/>
+            <a:ext cx="2743200" cy="3840480"/>
           </a:xfrm>
           <a:prstGeom prst="rect">
             <a:avLst/>
@@ -3454,7 +3452,7 @@
         <p:spPr>
           <a:xfrm>
             <a:off x="8686800" y="1188720"/>
-            <a:ext cx="2743200" cy="2194560"/>
+            <a:ext cx="2743200" cy="1920240"/>
           </a:xfrm>
           <a:prstGeom prst="rect">
             <a:avLst/>
@@ -3514,8 +3512,8 @@
         </p:nvSpPr>
         <p:spPr>
           <a:xfrm>
-            <a:off x="8686800" y="3383280"/>
-            <a:ext cx="2743200" cy="2194560"/>
+            <a:off x="8686800" y="3108960"/>
+            <a:ext cx="2743200" cy="1920240"/>
           </a:xfrm>
           <a:prstGeom prst="rect">
             <a:avLst/>
@@ -3586,7 +3584,7 @@
         <p:spPr>
           <a:xfrm>
             <a:off x="11430000" y="1188720"/>
-            <a:ext cx="2743200" cy="4389120"/>
+            <a:ext cx="2743200" cy="3840480"/>
           </a:xfrm>
           <a:prstGeom prst="rect">
             <a:avLst/>
@@ -3646,8 +3644,8 @@
         </p:nvSpPr>
         <p:spPr>
           <a:xfrm>
-            <a:off x="457200" y="5577840"/>
-            <a:ext cx="6858000" cy="2194560"/>
+            <a:off x="457200" y="5029200"/>
+            <a:ext cx="6858000" cy="1920240"/>
           </a:xfrm>
           <a:prstGeom prst="rect">
             <a:avLst/>
@@ -3717,8 +3715,8 @@
         </p:nvSpPr>
         <p:spPr>
           <a:xfrm>
-            <a:off x="7315200" y="5577840"/>
-            <a:ext cx="6858000" cy="2194560"/>
+            <a:off x="7315200" y="5029200"/>
+            <a:ext cx="6858000" cy="1920240"/>
           </a:xfrm>
           <a:prstGeom prst="rect">
             <a:avLst/>
@@ -3787,7 +3785,7 @@
         <p:spPr>
           <a:xfrm>
             <a:off x="457200" y="457200"/>
-            <a:ext cx="11887200" cy="457200"/>
+            <a:ext cx="10972800" cy="457200"/>
           </a:xfrm>
           <a:prstGeom prst="rect">
             <a:avLst/>
@@ -3799,7 +3797,6 @@
             <a:spAutoFit/>
           </a:bodyPr>
           <a:lstStyle/>
-          <a:p/>
           <a:p>
             <a:pPr algn="l">
               <a:defRPr sz="2000">
@@ -3820,8 +3817,8 @@
         </p:nvSpPr>
         <p:spPr>
           <a:xfrm>
-            <a:off x="12801600" y="457200"/>
-            <a:ext cx="914400" cy="457200"/>
+            <a:off x="11887200" y="457200"/>
+            <a:ext cx="1828800" cy="457200"/>
           </a:xfrm>
           <a:prstGeom prst="rect">
             <a:avLst/>
@@ -3833,7 +3830,6 @@
             <a:spAutoFit/>
           </a:bodyPr>
           <a:lstStyle/>
-          <a:p/>
           <a:p>
             <a:pPr algn="r">
               <a:defRPr sz="2000">
@@ -3855,7 +3851,7 @@
         <p:spPr>
           <a:xfrm>
             <a:off x="457200" y="1188720"/>
-            <a:ext cx="2743200" cy="4389120"/>
+            <a:ext cx="2743200" cy="3840480"/>
           </a:xfrm>
           <a:prstGeom prst="rect">
             <a:avLst/>
@@ -3926,7 +3922,7 @@
         <p:spPr>
           <a:xfrm>
             <a:off x="3200400" y="1188720"/>
-            <a:ext cx="2743200" cy="2194560"/>
+            <a:ext cx="2743200" cy="1920240"/>
           </a:xfrm>
           <a:prstGeom prst="rect">
             <a:avLst/>
@@ -3996,8 +3992,8 @@
         </p:nvSpPr>
         <p:spPr>
           <a:xfrm>
-            <a:off x="3200400" y="3383280"/>
-            <a:ext cx="2743200" cy="2194560"/>
+            <a:off x="3200400" y="3108960"/>
+            <a:ext cx="2743200" cy="1920240"/>
           </a:xfrm>
           <a:prstGeom prst="rect">
             <a:avLst/>
@@ -4068,7 +4064,7 @@
         <p:spPr>
           <a:xfrm>
             <a:off x="5943600" y="1188720"/>
-            <a:ext cx="2743200" cy="4389120"/>
+            <a:ext cx="2743200" cy="3840480"/>
           </a:xfrm>
           <a:prstGeom prst="rect">
             <a:avLst/>
@@ -4119,7 +4115,7 @@
         <p:spPr>
           <a:xfrm>
             <a:off x="8686800" y="1188720"/>
-            <a:ext cx="2743200" cy="2194560"/>
+            <a:ext cx="2743200" cy="1920240"/>
           </a:xfrm>
           <a:prstGeom prst="rect">
             <a:avLst/>
@@ -4179,8 +4175,8 @@
         </p:nvSpPr>
         <p:spPr>
           <a:xfrm>
-            <a:off x="8686800" y="3383280"/>
-            <a:ext cx="2743200" cy="2194560"/>
+            <a:off x="8686800" y="3108960"/>
+            <a:ext cx="2743200" cy="1920240"/>
           </a:xfrm>
           <a:prstGeom prst="rect">
             <a:avLst/>
@@ -4251,7 +4247,7 @@
         <p:spPr>
           <a:xfrm>
             <a:off x="11430000" y="1188720"/>
-            <a:ext cx="2743200" cy="4389120"/>
+            <a:ext cx="2743200" cy="3840480"/>
           </a:xfrm>
           <a:prstGeom prst="rect">
             <a:avLst/>
@@ -4321,8 +4317,8 @@
         </p:nvSpPr>
         <p:spPr>
           <a:xfrm>
-            <a:off x="457200" y="5577840"/>
-            <a:ext cx="6858000" cy="2194560"/>
+            <a:off x="457200" y="5029200"/>
+            <a:ext cx="6858000" cy="1920240"/>
           </a:xfrm>
           <a:prstGeom prst="rect">
             <a:avLst/>
@@ -4392,8 +4388,8 @@
         </p:nvSpPr>
         <p:spPr>
           <a:xfrm>
-            <a:off x="7315200" y="5577840"/>
-            <a:ext cx="6858000" cy="2194560"/>
+            <a:off x="7315200" y="5029200"/>
+            <a:ext cx="6858000" cy="1920240"/>
           </a:xfrm>
           <a:prstGeom prst="rect">
             <a:avLst/>
@@ -4451,6 +4447,52 @@
             </a:pPr>
             <a:r>
               <a:t>•AI診断サポートの利用料</a:t>
+            </a:r>
+          </a:p>
+        </p:txBody>
+      </p:sp>
+      <p:sp>
+        <p:nvSpPr>
+          <p:cNvPr id="13" name="TextBox 12"/>
+          <p:cNvSpPr txBox="1"/>
+          <p:nvPr/>
+        </p:nvSpPr>
+        <p:spPr>
+          <a:xfrm>
+            <a:off x="457200" y="6949440"/>
+            <a:ext cx="13716000" cy="1920240"/>
+          </a:xfrm>
+          <a:prstGeom prst="rect">
+            <a:avLst/>
+          </a:prstGeom>
+          <a:noFill/>
+        </p:spPr>
+        <p:txBody>
+          <a:bodyPr wrap="square">
+            <a:noAutofit/>
+          </a:bodyPr>
+          <a:lstStyle/>
+          <a:p>
+            <a:pPr>
+              <a:defRPr sz="1600">
+                <a:solidFill>
+                  <a:srgbClr val="000000"/>
+                </a:solidFill>
+                <a:latin typeface="Yu Gothic UI"/>
+              </a:defRPr>
+            </a:pPr>
+            <a:r>
+              <a:t>Use cases</a:t>
+            </a:r>
+          </a:p>
+          <a:p>
+            <a:pPr>
+              <a:defRPr sz="1000">
+                <a:latin typeface="Yu Gothic UI"/>
+              </a:defRPr>
+            </a:pPr>
+            <a:r>
+              <a:t>•hoge</a:t>
             </a:r>
           </a:p>
         </p:txBody>
@@ -4482,7 +4524,7 @@
         <p:spPr>
           <a:xfrm>
             <a:off x="457200" y="457200"/>
-            <a:ext cx="11887200" cy="457200"/>
+            <a:ext cx="10972800" cy="457200"/>
           </a:xfrm>
           <a:prstGeom prst="rect">
             <a:avLst/>
@@ -4494,7 +4536,6 @@
             <a:spAutoFit/>
           </a:bodyPr>
           <a:lstStyle/>
-          <a:p/>
           <a:p>
             <a:pPr algn="l">
               <a:defRPr sz="2000">
@@ -4515,8 +4556,8 @@
         </p:nvSpPr>
         <p:spPr>
           <a:xfrm>
-            <a:off x="12801600" y="457200"/>
-            <a:ext cx="914400" cy="457200"/>
+            <a:off x="11887200" y="457200"/>
+            <a:ext cx="1828800" cy="457200"/>
           </a:xfrm>
           <a:prstGeom prst="rect">
             <a:avLst/>
@@ -4528,7 +4569,6 @@
             <a:spAutoFit/>
           </a:bodyPr>
           <a:lstStyle/>
-          <a:p/>
           <a:p>
             <a:pPr algn="r">
               <a:defRPr sz="2000">
@@ -4550,7 +4590,7 @@
         <p:spPr>
           <a:xfrm>
             <a:off x="457200" y="1188720"/>
-            <a:ext cx="2743200" cy="4389120"/>
+            <a:ext cx="2743200" cy="3840480"/>
           </a:xfrm>
           <a:prstGeom prst="rect">
             <a:avLst/>
@@ -4621,7 +4661,7 @@
         <p:spPr>
           <a:xfrm>
             <a:off x="3200400" y="1188720"/>
-            <a:ext cx="2743200" cy="2194560"/>
+            <a:ext cx="2743200" cy="1920240"/>
           </a:xfrm>
           <a:prstGeom prst="rect">
             <a:avLst/>
@@ -4691,8 +4731,8 @@
         </p:nvSpPr>
         <p:spPr>
           <a:xfrm>
-            <a:off x="3200400" y="3383280"/>
-            <a:ext cx="2743200" cy="2194560"/>
+            <a:off x="3200400" y="3108960"/>
+            <a:ext cx="2743200" cy="1920240"/>
           </a:xfrm>
           <a:prstGeom prst="rect">
             <a:avLst/>
@@ -4763,7 +4803,7 @@
         <p:spPr>
           <a:xfrm>
             <a:off x="5943600" y="1188720"/>
-            <a:ext cx="2743200" cy="4389120"/>
+            <a:ext cx="2743200" cy="3840480"/>
           </a:xfrm>
           <a:prstGeom prst="rect">
             <a:avLst/>
@@ -4814,7 +4854,7 @@
         <p:spPr>
           <a:xfrm>
             <a:off x="8686800" y="1188720"/>
-            <a:ext cx="2743200" cy="2194560"/>
+            <a:ext cx="2743200" cy="1920240"/>
           </a:xfrm>
           <a:prstGeom prst="rect">
             <a:avLst/>
@@ -4874,8 +4914,8 @@
         </p:nvSpPr>
         <p:spPr>
           <a:xfrm>
-            <a:off x="8686800" y="3383280"/>
-            <a:ext cx="2743200" cy="2194560"/>
+            <a:off x="8686800" y="3108960"/>
+            <a:ext cx="2743200" cy="1920240"/>
           </a:xfrm>
           <a:prstGeom prst="rect">
             <a:avLst/>
@@ -4946,7 +4986,7 @@
         <p:spPr>
           <a:xfrm>
             <a:off x="11430000" y="1188720"/>
-            <a:ext cx="2743200" cy="4389120"/>
+            <a:ext cx="2743200" cy="3840480"/>
           </a:xfrm>
           <a:prstGeom prst="rect">
             <a:avLst/>
@@ -5016,8 +5056,8 @@
         </p:nvSpPr>
         <p:spPr>
           <a:xfrm>
-            <a:off x="457200" y="5577840"/>
-            <a:ext cx="6858000" cy="2194560"/>
+            <a:off x="457200" y="5029200"/>
+            <a:ext cx="6858000" cy="1920240"/>
           </a:xfrm>
           <a:prstGeom prst="rect">
             <a:avLst/>
@@ -5087,8 +5127,8 @@
         </p:nvSpPr>
         <p:spPr>
           <a:xfrm>
-            <a:off x="7315200" y="5577840"/>
-            <a:ext cx="6858000" cy="2194560"/>
+            <a:off x="7315200" y="5029200"/>
+            <a:ext cx="6858000" cy="1920240"/>
           </a:xfrm>
           <a:prstGeom prst="rect">
             <a:avLst/>
@@ -5146,6 +5186,52 @@
             </a:pPr>
             <a:r>
               <a:t>•データ移行やコンサルティングサービスの費用</a:t>
+            </a:r>
+          </a:p>
+        </p:txBody>
+      </p:sp>
+      <p:sp>
+        <p:nvSpPr>
+          <p:cNvPr id="13" name="TextBox 12"/>
+          <p:cNvSpPr txBox="1"/>
+          <p:nvPr/>
+        </p:nvSpPr>
+        <p:spPr>
+          <a:xfrm>
+            <a:off x="457200" y="6949440"/>
+            <a:ext cx="13716000" cy="1920240"/>
+          </a:xfrm>
+          <a:prstGeom prst="rect">
+            <a:avLst/>
+          </a:prstGeom>
+          <a:noFill/>
+        </p:spPr>
+        <p:txBody>
+          <a:bodyPr wrap="square">
+            <a:noAutofit/>
+          </a:bodyPr>
+          <a:lstStyle/>
+          <a:p>
+            <a:pPr>
+              <a:defRPr sz="1600">
+                <a:solidFill>
+                  <a:srgbClr val="000000"/>
+                </a:solidFill>
+                <a:latin typeface="Yu Gothic UI"/>
+              </a:defRPr>
+            </a:pPr>
+            <a:r>
+              <a:t>Use cases</a:t>
+            </a:r>
+          </a:p>
+          <a:p>
+            <a:pPr>
+              <a:defRPr sz="1000">
+                <a:latin typeface="Yu Gothic UI"/>
+              </a:defRPr>
+            </a:pPr>
+            <a:r>
+              <a:t>•hoge</a:t>
             </a:r>
           </a:p>
         </p:txBody>
@@ -5177,7 +5263,7 @@
         <p:spPr>
           <a:xfrm>
             <a:off x="457200" y="457200"/>
-            <a:ext cx="11887200" cy="457200"/>
+            <a:ext cx="10972800" cy="457200"/>
           </a:xfrm>
           <a:prstGeom prst="rect">
             <a:avLst/>
@@ -5189,7 +5275,6 @@
             <a:spAutoFit/>
           </a:bodyPr>
           <a:lstStyle/>
-          <a:p/>
           <a:p>
             <a:pPr algn="l">
               <a:defRPr sz="2000">
@@ -5210,8 +5295,8 @@
         </p:nvSpPr>
         <p:spPr>
           <a:xfrm>
-            <a:off x="12801600" y="457200"/>
-            <a:ext cx="914400" cy="457200"/>
+            <a:off x="11887200" y="457200"/>
+            <a:ext cx="1828800" cy="457200"/>
           </a:xfrm>
           <a:prstGeom prst="rect">
             <a:avLst/>
@@ -5223,7 +5308,6 @@
             <a:spAutoFit/>
           </a:bodyPr>
           <a:lstStyle/>
-          <a:p/>
           <a:p>
             <a:pPr algn="r">
               <a:defRPr sz="2000">
@@ -5245,7 +5329,7 @@
         <p:spPr>
           <a:xfrm>
             <a:off x="457200" y="1188720"/>
-            <a:ext cx="2743200" cy="4389120"/>
+            <a:ext cx="2743200" cy="3840480"/>
           </a:xfrm>
           <a:prstGeom prst="rect">
             <a:avLst/>
@@ -5316,7 +5400,7 @@
         <p:spPr>
           <a:xfrm>
             <a:off x="3200400" y="1188720"/>
-            <a:ext cx="2743200" cy="2194560"/>
+            <a:ext cx="2743200" cy="1920240"/>
           </a:xfrm>
           <a:prstGeom prst="rect">
             <a:avLst/>
@@ -5386,8 +5470,8 @@
         </p:nvSpPr>
         <p:spPr>
           <a:xfrm>
-            <a:off x="3200400" y="3383280"/>
-            <a:ext cx="2743200" cy="2194560"/>
+            <a:off x="3200400" y="3108960"/>
+            <a:ext cx="2743200" cy="1920240"/>
           </a:xfrm>
           <a:prstGeom prst="rect">
             <a:avLst/>
@@ -5458,7 +5542,7 @@
         <p:spPr>
           <a:xfrm>
             <a:off x="5943600" y="1188720"/>
-            <a:ext cx="2743200" cy="4389120"/>
+            <a:ext cx="2743200" cy="3840480"/>
           </a:xfrm>
           <a:prstGeom prst="rect">
             <a:avLst/>
@@ -5509,7 +5593,7 @@
         <p:spPr>
           <a:xfrm>
             <a:off x="8686800" y="1188720"/>
-            <a:ext cx="2743200" cy="2194560"/>
+            <a:ext cx="2743200" cy="1920240"/>
           </a:xfrm>
           <a:prstGeom prst="rect">
             <a:avLst/>
@@ -5569,8 +5653,8 @@
         </p:nvSpPr>
         <p:spPr>
           <a:xfrm>
-            <a:off x="8686800" y="3383280"/>
-            <a:ext cx="2743200" cy="2194560"/>
+            <a:off x="8686800" y="3108960"/>
+            <a:ext cx="2743200" cy="1920240"/>
           </a:xfrm>
           <a:prstGeom prst="rect">
             <a:avLst/>
@@ -5641,7 +5725,7 @@
         <p:spPr>
           <a:xfrm>
             <a:off x="11430000" y="1188720"/>
-            <a:ext cx="2743200" cy="4389120"/>
+            <a:ext cx="2743200" cy="3840480"/>
           </a:xfrm>
           <a:prstGeom prst="rect">
             <a:avLst/>
@@ -5701,8 +5785,8 @@
         </p:nvSpPr>
         <p:spPr>
           <a:xfrm>
-            <a:off x="457200" y="5577840"/>
-            <a:ext cx="6858000" cy="2194560"/>
+            <a:off x="457200" y="5029200"/>
+            <a:ext cx="6858000" cy="1920240"/>
           </a:xfrm>
           <a:prstGeom prst="rect">
             <a:avLst/>
@@ -5772,8 +5856,8 @@
         </p:nvSpPr>
         <p:spPr>
           <a:xfrm>
-            <a:off x="7315200" y="5577840"/>
-            <a:ext cx="6858000" cy="2194560"/>
+            <a:off x="7315200" y="5029200"/>
+            <a:ext cx="6858000" cy="1920240"/>
           </a:xfrm>
           <a:prstGeom prst="rect">
             <a:avLst/>
@@ -5831,6 +5915,52 @@
             </a:pPr>
             <a:r>
               <a:t>•カスタマイズと開発支援の費用</a:t>
+            </a:r>
+          </a:p>
+        </p:txBody>
+      </p:sp>
+      <p:sp>
+        <p:nvSpPr>
+          <p:cNvPr id="13" name="TextBox 12"/>
+          <p:cNvSpPr txBox="1"/>
+          <p:nvPr/>
+        </p:nvSpPr>
+        <p:spPr>
+          <a:xfrm>
+            <a:off x="457200" y="6949440"/>
+            <a:ext cx="13716000" cy="1920240"/>
+          </a:xfrm>
+          <a:prstGeom prst="rect">
+            <a:avLst/>
+          </a:prstGeom>
+          <a:noFill/>
+        </p:spPr>
+        <p:txBody>
+          <a:bodyPr wrap="square">
+            <a:noAutofit/>
+          </a:bodyPr>
+          <a:lstStyle/>
+          <a:p>
+            <a:pPr>
+              <a:defRPr sz="1600">
+                <a:solidFill>
+                  <a:srgbClr val="000000"/>
+                </a:solidFill>
+                <a:latin typeface="Yu Gothic UI"/>
+              </a:defRPr>
+            </a:pPr>
+            <a:r>
+              <a:t>Use cases</a:t>
+            </a:r>
+          </a:p>
+          <a:p>
+            <a:pPr>
+              <a:defRPr sz="1000">
+                <a:latin typeface="Yu Gothic UI"/>
+              </a:defRPr>
+            </a:pPr>
+            <a:r>
+              <a:t>•hoge</a:t>
             </a:r>
           </a:p>
         </p:txBody>
@@ -5862,7 +5992,7 @@
         <p:spPr>
           <a:xfrm>
             <a:off x="457200" y="457200"/>
-            <a:ext cx="11887200" cy="457200"/>
+            <a:ext cx="10972800" cy="457200"/>
           </a:xfrm>
           <a:prstGeom prst="rect">
             <a:avLst/>
@@ -5874,7 +6004,6 @@
             <a:spAutoFit/>
           </a:bodyPr>
           <a:lstStyle/>
-          <a:p/>
           <a:p>
             <a:pPr algn="l">
               <a:defRPr sz="2000">
@@ -5895,8 +6024,8 @@
         </p:nvSpPr>
         <p:spPr>
           <a:xfrm>
-            <a:off x="12801600" y="457200"/>
-            <a:ext cx="914400" cy="457200"/>
+            <a:off x="11887200" y="457200"/>
+            <a:ext cx="1828800" cy="457200"/>
           </a:xfrm>
           <a:prstGeom prst="rect">
             <a:avLst/>
@@ -5908,7 +6037,6 @@
             <a:spAutoFit/>
           </a:bodyPr>
           <a:lstStyle/>
-          <a:p/>
           <a:p>
             <a:pPr algn="r">
               <a:defRPr sz="2000">
@@ -5930,7 +6058,7 @@
         <p:spPr>
           <a:xfrm>
             <a:off x="457200" y="1188720"/>
-            <a:ext cx="2743200" cy="4389120"/>
+            <a:ext cx="2743200" cy="3840480"/>
           </a:xfrm>
           <a:prstGeom prst="rect">
             <a:avLst/>
@@ -5991,7 +6119,7 @@
         <p:spPr>
           <a:xfrm>
             <a:off x="3200400" y="1188720"/>
-            <a:ext cx="2743200" cy="2194560"/>
+            <a:ext cx="2743200" cy="1920240"/>
           </a:xfrm>
           <a:prstGeom prst="rect">
             <a:avLst/>
@@ -6051,8 +6179,8 @@
         </p:nvSpPr>
         <p:spPr>
           <a:xfrm>
-            <a:off x="3200400" y="3383280"/>
-            <a:ext cx="2743200" cy="2194560"/>
+            <a:off x="3200400" y="3108960"/>
+            <a:ext cx="2743200" cy="1920240"/>
           </a:xfrm>
           <a:prstGeom prst="rect">
             <a:avLst/>
@@ -6123,7 +6251,7 @@
         <p:spPr>
           <a:xfrm>
             <a:off x="5943600" y="1188720"/>
-            <a:ext cx="2743200" cy="4389120"/>
+            <a:ext cx="2743200" cy="3840480"/>
           </a:xfrm>
           <a:prstGeom prst="rect">
             <a:avLst/>
@@ -6174,7 +6302,7 @@
         <p:spPr>
           <a:xfrm>
             <a:off x="8686800" y="1188720"/>
-            <a:ext cx="2743200" cy="2194560"/>
+            <a:ext cx="2743200" cy="1920240"/>
           </a:xfrm>
           <a:prstGeom prst="rect">
             <a:avLst/>
@@ -6234,8 +6362,8 @@
         </p:nvSpPr>
         <p:spPr>
           <a:xfrm>
-            <a:off x="8686800" y="3383280"/>
-            <a:ext cx="2743200" cy="2194560"/>
+            <a:off x="8686800" y="3108960"/>
+            <a:ext cx="2743200" cy="1920240"/>
           </a:xfrm>
           <a:prstGeom prst="rect">
             <a:avLst/>
@@ -6296,7 +6424,7 @@
         <p:spPr>
           <a:xfrm>
             <a:off x="11430000" y="1188720"/>
-            <a:ext cx="2743200" cy="4389120"/>
+            <a:ext cx="2743200" cy="3840480"/>
           </a:xfrm>
           <a:prstGeom prst="rect">
             <a:avLst/>
@@ -6356,8 +6484,8 @@
         </p:nvSpPr>
         <p:spPr>
           <a:xfrm>
-            <a:off x="457200" y="5577840"/>
-            <a:ext cx="6858000" cy="2194560"/>
+            <a:off x="457200" y="5029200"/>
+            <a:ext cx="6858000" cy="1920240"/>
           </a:xfrm>
           <a:prstGeom prst="rect">
             <a:avLst/>
@@ -6417,8 +6545,8 @@
         </p:nvSpPr>
         <p:spPr>
           <a:xfrm>
-            <a:off x="7315200" y="5577840"/>
-            <a:ext cx="6858000" cy="2194560"/>
+            <a:off x="7315200" y="5029200"/>
+            <a:ext cx="6858000" cy="1920240"/>
           </a:xfrm>
           <a:prstGeom prst="rect">
             <a:avLst/>
@@ -6476,6 +6604,52 @@
             </a:pPr>
             <a:r>
               <a:t>•Unity Asset Storeからの収益</a:t>
+            </a:r>
+          </a:p>
+        </p:txBody>
+      </p:sp>
+      <p:sp>
+        <p:nvSpPr>
+          <p:cNvPr id="13" name="TextBox 12"/>
+          <p:cNvSpPr txBox="1"/>
+          <p:nvPr/>
+        </p:nvSpPr>
+        <p:spPr>
+          <a:xfrm>
+            <a:off x="457200" y="6949440"/>
+            <a:ext cx="13716000" cy="1920240"/>
+          </a:xfrm>
+          <a:prstGeom prst="rect">
+            <a:avLst/>
+          </a:prstGeom>
+          <a:noFill/>
+        </p:spPr>
+        <p:txBody>
+          <a:bodyPr wrap="square">
+            <a:noAutofit/>
+          </a:bodyPr>
+          <a:lstStyle/>
+          <a:p>
+            <a:pPr>
+              <a:defRPr sz="1600">
+                <a:solidFill>
+                  <a:srgbClr val="000000"/>
+                </a:solidFill>
+                <a:latin typeface="Yu Gothic UI"/>
+              </a:defRPr>
+            </a:pPr>
+            <a:r>
+              <a:t>Use cases</a:t>
+            </a:r>
+          </a:p>
+          <a:p>
+            <a:pPr>
+              <a:defRPr sz="1000">
+                <a:latin typeface="Yu Gothic UI"/>
+              </a:defRPr>
+            </a:pPr>
+            <a:r>
+              <a:t>•hoge</a:t>
             </a:r>
           </a:p>
         </p:txBody>
@@ -6507,7 +6681,7 @@
         <p:spPr>
           <a:xfrm>
             <a:off x="457200" y="457200"/>
-            <a:ext cx="11887200" cy="457200"/>
+            <a:ext cx="10972800" cy="457200"/>
           </a:xfrm>
           <a:prstGeom prst="rect">
             <a:avLst/>
@@ -6519,7 +6693,6 @@
             <a:spAutoFit/>
           </a:bodyPr>
           <a:lstStyle/>
-          <a:p/>
           <a:p>
             <a:pPr algn="l">
               <a:defRPr sz="2000">
@@ -6540,8 +6713,8 @@
         </p:nvSpPr>
         <p:spPr>
           <a:xfrm>
-            <a:off x="12801600" y="457200"/>
-            <a:ext cx="914400" cy="457200"/>
+            <a:off x="11887200" y="457200"/>
+            <a:ext cx="1828800" cy="457200"/>
           </a:xfrm>
           <a:prstGeom prst="rect">
             <a:avLst/>
@@ -6553,7 +6726,6 @@
             <a:spAutoFit/>
           </a:bodyPr>
           <a:lstStyle/>
-          <a:p/>
           <a:p>
             <a:pPr algn="r">
               <a:defRPr sz="2000">
@@ -6575,7 +6747,7 @@
         <p:spPr>
           <a:xfrm>
             <a:off x="457200" y="1188720"/>
-            <a:ext cx="2743200" cy="4389120"/>
+            <a:ext cx="2743200" cy="3840480"/>
           </a:xfrm>
           <a:prstGeom prst="rect">
             <a:avLst/>
@@ -6636,7 +6808,7 @@
         <p:spPr>
           <a:xfrm>
             <a:off x="3200400" y="1188720"/>
-            <a:ext cx="2743200" cy="2194560"/>
+            <a:ext cx="2743200" cy="1920240"/>
           </a:xfrm>
           <a:prstGeom prst="rect">
             <a:avLst/>
@@ -6696,8 +6868,8 @@
         </p:nvSpPr>
         <p:spPr>
           <a:xfrm>
-            <a:off x="3200400" y="3383280"/>
-            <a:ext cx="2743200" cy="2194560"/>
+            <a:off x="3200400" y="3108960"/>
+            <a:ext cx="2743200" cy="1920240"/>
           </a:xfrm>
           <a:prstGeom prst="rect">
             <a:avLst/>
@@ -6768,7 +6940,7 @@
         <p:spPr>
           <a:xfrm>
             <a:off x="5943600" y="1188720"/>
-            <a:ext cx="2743200" cy="4389120"/>
+            <a:ext cx="2743200" cy="3840480"/>
           </a:xfrm>
           <a:prstGeom prst="rect">
             <a:avLst/>
@@ -6819,7 +6991,7 @@
         <p:spPr>
           <a:xfrm>
             <a:off x="8686800" y="1188720"/>
-            <a:ext cx="2743200" cy="2194560"/>
+            <a:ext cx="2743200" cy="1920240"/>
           </a:xfrm>
           <a:prstGeom prst="rect">
             <a:avLst/>
@@ -6879,8 +7051,8 @@
         </p:nvSpPr>
         <p:spPr>
           <a:xfrm>
-            <a:off x="8686800" y="3383280"/>
-            <a:ext cx="2743200" cy="2194560"/>
+            <a:off x="8686800" y="3108960"/>
+            <a:ext cx="2743200" cy="1920240"/>
           </a:xfrm>
           <a:prstGeom prst="rect">
             <a:avLst/>
@@ -6941,7 +7113,7 @@
         <p:spPr>
           <a:xfrm>
             <a:off x="11430000" y="1188720"/>
-            <a:ext cx="2743200" cy="4389120"/>
+            <a:ext cx="2743200" cy="3840480"/>
           </a:xfrm>
           <a:prstGeom prst="rect">
             <a:avLst/>
@@ -7001,8 +7173,8 @@
         </p:nvSpPr>
         <p:spPr>
           <a:xfrm>
-            <a:off x="457200" y="5577840"/>
-            <a:ext cx="6858000" cy="2194560"/>
+            <a:off x="457200" y="5029200"/>
+            <a:ext cx="6858000" cy="1920240"/>
           </a:xfrm>
           <a:prstGeom prst="rect">
             <a:avLst/>
@@ -7072,8 +7244,8 @@
         </p:nvSpPr>
         <p:spPr>
           <a:xfrm>
-            <a:off x="7315200" y="5577840"/>
-            <a:ext cx="6858000" cy="2194560"/>
+            <a:off x="7315200" y="5029200"/>
+            <a:ext cx="6858000" cy="1920240"/>
           </a:xfrm>
           <a:prstGeom prst="rect">
             <a:avLst/>
@@ -7131,6 +7303,52 @@
             </a:pPr>
             <a:r>
               <a:t>•アドバタイジング収益</a:t>
+            </a:r>
+          </a:p>
+        </p:txBody>
+      </p:sp>
+      <p:sp>
+        <p:nvSpPr>
+          <p:cNvPr id="13" name="TextBox 12"/>
+          <p:cNvSpPr txBox="1"/>
+          <p:nvPr/>
+        </p:nvSpPr>
+        <p:spPr>
+          <a:xfrm>
+            <a:off x="457200" y="6949440"/>
+            <a:ext cx="13716000" cy="1920240"/>
+          </a:xfrm>
+          <a:prstGeom prst="rect">
+            <a:avLst/>
+          </a:prstGeom>
+          <a:noFill/>
+        </p:spPr>
+        <p:txBody>
+          <a:bodyPr wrap="square">
+            <a:noAutofit/>
+          </a:bodyPr>
+          <a:lstStyle/>
+          <a:p>
+            <a:pPr>
+              <a:defRPr sz="1600">
+                <a:solidFill>
+                  <a:srgbClr val="000000"/>
+                </a:solidFill>
+                <a:latin typeface="Yu Gothic UI"/>
+              </a:defRPr>
+            </a:pPr>
+            <a:r>
+              <a:t>Use cases</a:t>
+            </a:r>
+          </a:p>
+          <a:p>
+            <a:pPr>
+              <a:defRPr sz="1000">
+                <a:latin typeface="Yu Gothic UI"/>
+              </a:defRPr>
+            </a:pPr>
+            <a:r>
+              <a:t>•hoge</a:t>
             </a:r>
           </a:p>
         </p:txBody>
@@ -7162,7 +7380,7 @@
         <p:spPr>
           <a:xfrm>
             <a:off x="457200" y="457200"/>
-            <a:ext cx="11887200" cy="457200"/>
+            <a:ext cx="10972800" cy="457200"/>
           </a:xfrm>
           <a:prstGeom prst="rect">
             <a:avLst/>
@@ -7174,7 +7392,6 @@
             <a:spAutoFit/>
           </a:bodyPr>
           <a:lstStyle/>
-          <a:p/>
           <a:p>
             <a:pPr algn="l">
               <a:defRPr sz="2000">
@@ -7195,8 +7412,8 @@
         </p:nvSpPr>
         <p:spPr>
           <a:xfrm>
-            <a:off x="12801600" y="457200"/>
-            <a:ext cx="914400" cy="457200"/>
+            <a:off x="11887200" y="457200"/>
+            <a:ext cx="1828800" cy="457200"/>
           </a:xfrm>
           <a:prstGeom prst="rect">
             <a:avLst/>
@@ -7208,7 +7425,6 @@
             <a:spAutoFit/>
           </a:bodyPr>
           <a:lstStyle/>
-          <a:p/>
           <a:p>
             <a:pPr algn="r">
               <a:defRPr sz="2000">
@@ -7230,7 +7446,7 @@
         <p:spPr>
           <a:xfrm>
             <a:off x="457200" y="1188720"/>
-            <a:ext cx="2743200" cy="4389120"/>
+            <a:ext cx="2743200" cy="3840480"/>
           </a:xfrm>
           <a:prstGeom prst="rect">
             <a:avLst/>
@@ -7291,7 +7507,7 @@
         <p:spPr>
           <a:xfrm>
             <a:off x="3200400" y="1188720"/>
-            <a:ext cx="2743200" cy="2194560"/>
+            <a:ext cx="2743200" cy="1920240"/>
           </a:xfrm>
           <a:prstGeom prst="rect">
             <a:avLst/>
@@ -7351,8 +7567,8 @@
         </p:nvSpPr>
         <p:spPr>
           <a:xfrm>
-            <a:off x="3200400" y="3383280"/>
-            <a:ext cx="2743200" cy="2194560"/>
+            <a:off x="3200400" y="3108960"/>
+            <a:ext cx="2743200" cy="1920240"/>
           </a:xfrm>
           <a:prstGeom prst="rect">
             <a:avLst/>
@@ -7423,7 +7639,7 @@
         <p:spPr>
           <a:xfrm>
             <a:off x="5943600" y="1188720"/>
-            <a:ext cx="2743200" cy="4389120"/>
+            <a:ext cx="2743200" cy="3840480"/>
           </a:xfrm>
           <a:prstGeom prst="rect">
             <a:avLst/>
@@ -7474,7 +7690,7 @@
         <p:spPr>
           <a:xfrm>
             <a:off x="8686800" y="1188720"/>
-            <a:ext cx="2743200" cy="2194560"/>
+            <a:ext cx="2743200" cy="1920240"/>
           </a:xfrm>
           <a:prstGeom prst="rect">
             <a:avLst/>
@@ -7534,8 +7750,8 @@
         </p:nvSpPr>
         <p:spPr>
           <a:xfrm>
-            <a:off x="8686800" y="3383280"/>
-            <a:ext cx="2743200" cy="2194560"/>
+            <a:off x="8686800" y="3108960"/>
+            <a:ext cx="2743200" cy="1920240"/>
           </a:xfrm>
           <a:prstGeom prst="rect">
             <a:avLst/>
@@ -7596,7 +7812,7 @@
         <p:spPr>
           <a:xfrm>
             <a:off x="11430000" y="1188720"/>
-            <a:ext cx="2743200" cy="4389120"/>
+            <a:ext cx="2743200" cy="3840480"/>
           </a:xfrm>
           <a:prstGeom prst="rect">
             <a:avLst/>
@@ -7656,8 +7872,8 @@
         </p:nvSpPr>
         <p:spPr>
           <a:xfrm>
-            <a:off x="457200" y="5577840"/>
-            <a:ext cx="6858000" cy="2194560"/>
+            <a:off x="457200" y="5029200"/>
+            <a:ext cx="6858000" cy="1920240"/>
           </a:xfrm>
           <a:prstGeom prst="rect">
             <a:avLst/>
@@ -7727,8 +7943,8 @@
         </p:nvSpPr>
         <p:spPr>
           <a:xfrm>
-            <a:off x="7315200" y="5577840"/>
-            <a:ext cx="6858000" cy="2194560"/>
+            <a:off x="7315200" y="5029200"/>
+            <a:ext cx="6858000" cy="1920240"/>
           </a:xfrm>
           <a:prstGeom prst="rect">
             <a:avLst/>
@@ -7776,6 +7992,52 @@
             </a:pPr>
             <a:r>
               <a:t>•サービスと付属品</a:t>
+            </a:r>
+          </a:p>
+        </p:txBody>
+      </p:sp>
+      <p:sp>
+        <p:nvSpPr>
+          <p:cNvPr id="13" name="TextBox 12"/>
+          <p:cNvSpPr txBox="1"/>
+          <p:nvPr/>
+        </p:nvSpPr>
+        <p:spPr>
+          <a:xfrm>
+            <a:off x="457200" y="6949440"/>
+            <a:ext cx="13716000" cy="1920240"/>
+          </a:xfrm>
+          <a:prstGeom prst="rect">
+            <a:avLst/>
+          </a:prstGeom>
+          <a:noFill/>
+        </p:spPr>
+        <p:txBody>
+          <a:bodyPr wrap="square">
+            <a:noAutofit/>
+          </a:bodyPr>
+          <a:lstStyle/>
+          <a:p>
+            <a:pPr>
+              <a:defRPr sz="1600">
+                <a:solidFill>
+                  <a:srgbClr val="000000"/>
+                </a:solidFill>
+                <a:latin typeface="Yu Gothic UI"/>
+              </a:defRPr>
+            </a:pPr>
+            <a:r>
+              <a:t>Use cases</a:t>
+            </a:r>
+          </a:p>
+          <a:p>
+            <a:pPr>
+              <a:defRPr sz="1000">
+                <a:latin typeface="Yu Gothic UI"/>
+              </a:defRPr>
+            </a:pPr>
+            <a:r>
+              <a:t>•hoge</a:t>
             </a:r>
           </a:p>
         </p:txBody>
@@ -7807,7 +8069,7 @@
         <p:spPr>
           <a:xfrm>
             <a:off x="457200" y="457200"/>
-            <a:ext cx="11887200" cy="457200"/>
+            <a:ext cx="10972800" cy="457200"/>
           </a:xfrm>
           <a:prstGeom prst="rect">
             <a:avLst/>
@@ -7819,7 +8081,6 @@
             <a:spAutoFit/>
           </a:bodyPr>
           <a:lstStyle/>
-          <a:p/>
           <a:p>
             <a:pPr algn="l">
               <a:defRPr sz="2000">
@@ -7840,8 +8101,8 @@
         </p:nvSpPr>
         <p:spPr>
           <a:xfrm>
-            <a:off x="12801600" y="457200"/>
-            <a:ext cx="914400" cy="457200"/>
+            <a:off x="11887200" y="457200"/>
+            <a:ext cx="1828800" cy="457200"/>
           </a:xfrm>
           <a:prstGeom prst="rect">
             <a:avLst/>
@@ -7853,7 +8114,6 @@
             <a:spAutoFit/>
           </a:bodyPr>
           <a:lstStyle/>
-          <a:p/>
           <a:p>
             <a:pPr algn="r">
               <a:defRPr sz="2000">
@@ -7875,7 +8135,7 @@
         <p:spPr>
           <a:xfrm>
             <a:off x="457200" y="1188720"/>
-            <a:ext cx="2743200" cy="4389120"/>
+            <a:ext cx="2743200" cy="3840480"/>
           </a:xfrm>
           <a:prstGeom prst="rect">
             <a:avLst/>
@@ -7936,7 +8196,7 @@
         <p:spPr>
           <a:xfrm>
             <a:off x="3200400" y="1188720"/>
-            <a:ext cx="2743200" cy="2194560"/>
+            <a:ext cx="2743200" cy="1920240"/>
           </a:xfrm>
           <a:prstGeom prst="rect">
             <a:avLst/>
@@ -7996,8 +8256,8 @@
         </p:nvSpPr>
         <p:spPr>
           <a:xfrm>
-            <a:off x="3200400" y="3383280"/>
-            <a:ext cx="2743200" cy="2194560"/>
+            <a:off x="3200400" y="3108960"/>
+            <a:ext cx="2743200" cy="1920240"/>
           </a:xfrm>
           <a:prstGeom prst="rect">
             <a:avLst/>
@@ -8068,7 +8328,7 @@
         <p:spPr>
           <a:xfrm>
             <a:off x="5943600" y="1188720"/>
-            <a:ext cx="2743200" cy="4389120"/>
+            <a:ext cx="2743200" cy="3840480"/>
           </a:xfrm>
           <a:prstGeom prst="rect">
             <a:avLst/>
@@ -8119,7 +8379,7 @@
         <p:spPr>
           <a:xfrm>
             <a:off x="8686800" y="1188720"/>
-            <a:ext cx="2743200" cy="2194560"/>
+            <a:ext cx="2743200" cy="1920240"/>
           </a:xfrm>
           <a:prstGeom prst="rect">
             <a:avLst/>
@@ -8179,8 +8439,8 @@
         </p:nvSpPr>
         <p:spPr>
           <a:xfrm>
-            <a:off x="8686800" y="3383280"/>
-            <a:ext cx="2743200" cy="2194560"/>
+            <a:off x="8686800" y="3108960"/>
+            <a:ext cx="2743200" cy="1920240"/>
           </a:xfrm>
           <a:prstGeom prst="rect">
             <a:avLst/>
@@ -8241,7 +8501,7 @@
         <p:spPr>
           <a:xfrm>
             <a:off x="11430000" y="1188720"/>
-            <a:ext cx="2743200" cy="4389120"/>
+            <a:ext cx="2743200" cy="3840480"/>
           </a:xfrm>
           <a:prstGeom prst="rect">
             <a:avLst/>
@@ -8301,8 +8561,8 @@
         </p:nvSpPr>
         <p:spPr>
           <a:xfrm>
-            <a:off x="457200" y="5577840"/>
-            <a:ext cx="6858000" cy="2194560"/>
+            <a:off x="457200" y="5029200"/>
+            <a:ext cx="6858000" cy="1920240"/>
           </a:xfrm>
           <a:prstGeom prst="rect">
             <a:avLst/>
@@ -8372,8 +8632,8 @@
         </p:nvSpPr>
         <p:spPr>
           <a:xfrm>
-            <a:off x="7315200" y="5577840"/>
-            <a:ext cx="6858000" cy="2194560"/>
+            <a:off x="7315200" y="5029200"/>
+            <a:ext cx="6858000" cy="1920240"/>
           </a:xfrm>
           <a:prstGeom prst="rect">
             <a:avLst/>
@@ -8421,6 +8681,52 @@
             </a:pPr>
             <a:r>
               <a:t>•宇宙旅行の収入</a:t>
+            </a:r>
+          </a:p>
+        </p:txBody>
+      </p:sp>
+      <p:sp>
+        <p:nvSpPr>
+          <p:cNvPr id="13" name="TextBox 12"/>
+          <p:cNvSpPr txBox="1"/>
+          <p:nvPr/>
+        </p:nvSpPr>
+        <p:spPr>
+          <a:xfrm>
+            <a:off x="457200" y="6949440"/>
+            <a:ext cx="13716000" cy="1920240"/>
+          </a:xfrm>
+          <a:prstGeom prst="rect">
+            <a:avLst/>
+          </a:prstGeom>
+          <a:noFill/>
+        </p:spPr>
+        <p:txBody>
+          <a:bodyPr wrap="square">
+            <a:noAutofit/>
+          </a:bodyPr>
+          <a:lstStyle/>
+          <a:p>
+            <a:pPr>
+              <a:defRPr sz="1600">
+                <a:solidFill>
+                  <a:srgbClr val="000000"/>
+                </a:solidFill>
+                <a:latin typeface="Yu Gothic UI"/>
+              </a:defRPr>
+            </a:pPr>
+            <a:r>
+              <a:t>Use cases</a:t>
+            </a:r>
+          </a:p>
+          <a:p>
+            <a:pPr>
+              <a:defRPr sz="1000">
+                <a:latin typeface="Yu Gothic UI"/>
+              </a:defRPr>
+            </a:pPr>
+            <a:r>
+              <a:t>•hoge</a:t>
             </a:r>
           </a:p>
         </p:txBody>
@@ -8452,7 +8758,7 @@
         <p:spPr>
           <a:xfrm>
             <a:off x="457200" y="457200"/>
-            <a:ext cx="11887200" cy="457200"/>
+            <a:ext cx="10972800" cy="457200"/>
           </a:xfrm>
           <a:prstGeom prst="rect">
             <a:avLst/>
@@ -8464,7 +8770,6 @@
             <a:spAutoFit/>
           </a:bodyPr>
           <a:lstStyle/>
-          <a:p/>
           <a:p>
             <a:pPr algn="l">
               <a:defRPr sz="2000">
@@ -8485,8 +8790,8 @@
         </p:nvSpPr>
         <p:spPr>
           <a:xfrm>
-            <a:off x="12801600" y="457200"/>
-            <a:ext cx="914400" cy="457200"/>
+            <a:off x="11887200" y="457200"/>
+            <a:ext cx="1828800" cy="457200"/>
           </a:xfrm>
           <a:prstGeom prst="rect">
             <a:avLst/>
@@ -8498,7 +8803,6 @@
             <a:spAutoFit/>
           </a:bodyPr>
           <a:lstStyle/>
-          <a:p/>
           <a:p>
             <a:pPr algn="r">
               <a:defRPr sz="2000">
@@ -8520,7 +8824,7 @@
         <p:spPr>
           <a:xfrm>
             <a:off x="457200" y="1188720"/>
-            <a:ext cx="2743200" cy="4389120"/>
+            <a:ext cx="2743200" cy="3840480"/>
           </a:xfrm>
           <a:prstGeom prst="rect">
             <a:avLst/>
@@ -8591,7 +8895,7 @@
         <p:spPr>
           <a:xfrm>
             <a:off x="3200400" y="1188720"/>
-            <a:ext cx="2743200" cy="2194560"/>
+            <a:ext cx="2743200" cy="1920240"/>
           </a:xfrm>
           <a:prstGeom prst="rect">
             <a:avLst/>
@@ -8661,8 +8965,8 @@
         </p:nvSpPr>
         <p:spPr>
           <a:xfrm>
-            <a:off x="3200400" y="3383280"/>
-            <a:ext cx="2743200" cy="2194560"/>
+            <a:off x="3200400" y="3108960"/>
+            <a:ext cx="2743200" cy="1920240"/>
           </a:xfrm>
           <a:prstGeom prst="rect">
             <a:avLst/>
@@ -8733,7 +9037,7 @@
         <p:spPr>
           <a:xfrm>
             <a:off x="5943600" y="1188720"/>
-            <a:ext cx="2743200" cy="4389120"/>
+            <a:ext cx="2743200" cy="3840480"/>
           </a:xfrm>
           <a:prstGeom prst="rect">
             <a:avLst/>
@@ -8804,7 +9108,7 @@
         <p:spPr>
           <a:xfrm>
             <a:off x="8686800" y="1188720"/>
-            <a:ext cx="2743200" cy="2194560"/>
+            <a:ext cx="2743200" cy="1920240"/>
           </a:xfrm>
           <a:prstGeom prst="rect">
             <a:avLst/>
@@ -8864,8 +9168,8 @@
         </p:nvSpPr>
         <p:spPr>
           <a:xfrm>
-            <a:off x="8686800" y="3383280"/>
-            <a:ext cx="2743200" cy="2194560"/>
+            <a:off x="8686800" y="3108960"/>
+            <a:ext cx="2743200" cy="1920240"/>
           </a:xfrm>
           <a:prstGeom prst="rect">
             <a:avLst/>
@@ -8936,7 +9240,7 @@
         <p:spPr>
           <a:xfrm>
             <a:off x="11430000" y="1188720"/>
-            <a:ext cx="2743200" cy="4389120"/>
+            <a:ext cx="2743200" cy="3840480"/>
           </a:xfrm>
           <a:prstGeom prst="rect">
             <a:avLst/>
@@ -8996,8 +9300,8 @@
         </p:nvSpPr>
         <p:spPr>
           <a:xfrm>
-            <a:off x="457200" y="5577840"/>
-            <a:ext cx="6858000" cy="2194560"/>
+            <a:off x="457200" y="5029200"/>
+            <a:ext cx="6858000" cy="1920240"/>
           </a:xfrm>
           <a:prstGeom prst="rect">
             <a:avLst/>
@@ -9067,8 +9371,8 @@
         </p:nvSpPr>
         <p:spPr>
           <a:xfrm>
-            <a:off x="7315200" y="5577840"/>
-            <a:ext cx="6858000" cy="2194560"/>
+            <a:off x="7315200" y="5029200"/>
+            <a:ext cx="6858000" cy="1920240"/>
           </a:xfrm>
           <a:prstGeom prst="rect">
             <a:avLst/>
@@ -9116,6 +9420,52 @@
             </a:pPr>
             <a:r>
               <a:t>•プレミアムサービスの提供</a:t>
+            </a:r>
+          </a:p>
+        </p:txBody>
+      </p:sp>
+      <p:sp>
+        <p:nvSpPr>
+          <p:cNvPr id="13" name="TextBox 12"/>
+          <p:cNvSpPr txBox="1"/>
+          <p:nvPr/>
+        </p:nvSpPr>
+        <p:spPr>
+          <a:xfrm>
+            <a:off x="457200" y="6949440"/>
+            <a:ext cx="13716000" cy="1920240"/>
+          </a:xfrm>
+          <a:prstGeom prst="rect">
+            <a:avLst/>
+          </a:prstGeom>
+          <a:noFill/>
+        </p:spPr>
+        <p:txBody>
+          <a:bodyPr wrap="square">
+            <a:noAutofit/>
+          </a:bodyPr>
+          <a:lstStyle/>
+          <a:p>
+            <a:pPr>
+              <a:defRPr sz="1600">
+                <a:solidFill>
+                  <a:srgbClr val="000000"/>
+                </a:solidFill>
+                <a:latin typeface="Yu Gothic UI"/>
+              </a:defRPr>
+            </a:pPr>
+            <a:r>
+              <a:t>Use cases</a:t>
+            </a:r>
+          </a:p>
+          <a:p>
+            <a:pPr>
+              <a:defRPr sz="1000">
+                <a:latin typeface="Yu Gothic UI"/>
+              </a:defRPr>
+            </a:pPr>
+            <a:r>
+              <a:t>•hoge</a:t>
             </a:r>
           </a:p>
         </p:txBody>
@@ -9147,7 +9497,7 @@
         <p:spPr>
           <a:xfrm>
             <a:off x="457200" y="457200"/>
-            <a:ext cx="11887200" cy="457200"/>
+            <a:ext cx="10972800" cy="457200"/>
           </a:xfrm>
           <a:prstGeom prst="rect">
             <a:avLst/>
@@ -9159,7 +9509,6 @@
             <a:spAutoFit/>
           </a:bodyPr>
           <a:lstStyle/>
-          <a:p/>
           <a:p>
             <a:pPr algn="l">
               <a:defRPr sz="2000">
@@ -9180,8 +9529,8 @@
         </p:nvSpPr>
         <p:spPr>
           <a:xfrm>
-            <a:off x="12801600" y="457200"/>
-            <a:ext cx="914400" cy="457200"/>
+            <a:off x="11887200" y="457200"/>
+            <a:ext cx="1828800" cy="457200"/>
           </a:xfrm>
           <a:prstGeom prst="rect">
             <a:avLst/>
@@ -9193,7 +9542,6 @@
             <a:spAutoFit/>
           </a:bodyPr>
           <a:lstStyle/>
-          <a:p/>
           <a:p>
             <a:pPr algn="r">
               <a:defRPr sz="2000">
@@ -9215,7 +9563,7 @@
         <p:spPr>
           <a:xfrm>
             <a:off x="457200" y="1188720"/>
-            <a:ext cx="2743200" cy="4389120"/>
+            <a:ext cx="2743200" cy="3840480"/>
           </a:xfrm>
           <a:prstGeom prst="rect">
             <a:avLst/>
@@ -9276,7 +9624,7 @@
         <p:spPr>
           <a:xfrm>
             <a:off x="3200400" y="1188720"/>
-            <a:ext cx="2743200" cy="2194560"/>
+            <a:ext cx="2743200" cy="1920240"/>
           </a:xfrm>
           <a:prstGeom prst="rect">
             <a:avLst/>
@@ -9336,8 +9684,8 @@
         </p:nvSpPr>
         <p:spPr>
           <a:xfrm>
-            <a:off x="3200400" y="3383280"/>
-            <a:ext cx="2743200" cy="2194560"/>
+            <a:off x="3200400" y="3108960"/>
+            <a:ext cx="2743200" cy="1920240"/>
           </a:xfrm>
           <a:prstGeom prst="rect">
             <a:avLst/>
@@ -9408,7 +9756,7 @@
         <p:spPr>
           <a:xfrm>
             <a:off x="5943600" y="1188720"/>
-            <a:ext cx="2743200" cy="4389120"/>
+            <a:ext cx="2743200" cy="3840480"/>
           </a:xfrm>
           <a:prstGeom prst="rect">
             <a:avLst/>
@@ -9459,7 +9807,7 @@
         <p:spPr>
           <a:xfrm>
             <a:off x="8686800" y="1188720"/>
-            <a:ext cx="2743200" cy="2194560"/>
+            <a:ext cx="2743200" cy="1920240"/>
           </a:xfrm>
           <a:prstGeom prst="rect">
             <a:avLst/>
@@ -9519,8 +9867,8 @@
         </p:nvSpPr>
         <p:spPr>
           <a:xfrm>
-            <a:off x="8686800" y="3383280"/>
-            <a:ext cx="2743200" cy="2194560"/>
+            <a:off x="8686800" y="3108960"/>
+            <a:ext cx="2743200" cy="1920240"/>
           </a:xfrm>
           <a:prstGeom prst="rect">
             <a:avLst/>
@@ -9581,7 +9929,7 @@
         <p:spPr>
           <a:xfrm>
             <a:off x="11430000" y="1188720"/>
-            <a:ext cx="2743200" cy="4389120"/>
+            <a:ext cx="2743200" cy="3840480"/>
           </a:xfrm>
           <a:prstGeom prst="rect">
             <a:avLst/>
@@ -9641,8 +9989,8 @@
         </p:nvSpPr>
         <p:spPr>
           <a:xfrm>
-            <a:off x="457200" y="5577840"/>
-            <a:ext cx="6858000" cy="2194560"/>
+            <a:off x="457200" y="5029200"/>
+            <a:ext cx="6858000" cy="1920240"/>
           </a:xfrm>
           <a:prstGeom prst="rect">
             <a:avLst/>
@@ -9712,8 +10060,8 @@
         </p:nvSpPr>
         <p:spPr>
           <a:xfrm>
-            <a:off x="7315200" y="5577840"/>
-            <a:ext cx="6858000" cy="2194560"/>
+            <a:off x="7315200" y="5029200"/>
+            <a:ext cx="6858000" cy="1920240"/>
           </a:xfrm>
           <a:prstGeom prst="rect">
             <a:avLst/>
@@ -9761,6 +10109,52 @@
             </a:pPr>
             <a:r>
               <a:t>•サポートとサービスの料金</a:t>
+            </a:r>
+          </a:p>
+        </p:txBody>
+      </p:sp>
+      <p:sp>
+        <p:nvSpPr>
+          <p:cNvPr id="13" name="TextBox 12"/>
+          <p:cNvSpPr txBox="1"/>
+          <p:nvPr/>
+        </p:nvSpPr>
+        <p:spPr>
+          <a:xfrm>
+            <a:off x="457200" y="6949440"/>
+            <a:ext cx="13716000" cy="1920240"/>
+          </a:xfrm>
+          <a:prstGeom prst="rect">
+            <a:avLst/>
+          </a:prstGeom>
+          <a:noFill/>
+        </p:spPr>
+        <p:txBody>
+          <a:bodyPr wrap="square">
+            <a:noAutofit/>
+          </a:bodyPr>
+          <a:lstStyle/>
+          <a:p>
+            <a:pPr>
+              <a:defRPr sz="1600">
+                <a:solidFill>
+                  <a:srgbClr val="000000"/>
+                </a:solidFill>
+                <a:latin typeface="Yu Gothic UI"/>
+              </a:defRPr>
+            </a:pPr>
+            <a:r>
+              <a:t>Use cases</a:t>
+            </a:r>
+          </a:p>
+          <a:p>
+            <a:pPr>
+              <a:defRPr sz="1000">
+                <a:latin typeface="Yu Gothic UI"/>
+              </a:defRPr>
+            </a:pPr>
+            <a:r>
+              <a:t>•hoge</a:t>
             </a:r>
           </a:p>
         </p:txBody>
@@ -9792,7 +10186,7 @@
         <p:spPr>
           <a:xfrm>
             <a:off x="457200" y="457200"/>
-            <a:ext cx="11887200" cy="457200"/>
+            <a:ext cx="10972800" cy="457200"/>
           </a:xfrm>
           <a:prstGeom prst="rect">
             <a:avLst/>
@@ -9804,7 +10198,6 @@
             <a:spAutoFit/>
           </a:bodyPr>
           <a:lstStyle/>
-          <a:p/>
           <a:p>
             <a:pPr algn="l">
               <a:defRPr sz="2000">
@@ -9825,8 +10218,8 @@
         </p:nvSpPr>
         <p:spPr>
           <a:xfrm>
-            <a:off x="12801600" y="457200"/>
-            <a:ext cx="914400" cy="457200"/>
+            <a:off x="11887200" y="457200"/>
+            <a:ext cx="1828800" cy="457200"/>
           </a:xfrm>
           <a:prstGeom prst="rect">
             <a:avLst/>
@@ -9838,7 +10231,6 @@
             <a:spAutoFit/>
           </a:bodyPr>
           <a:lstStyle/>
-          <a:p/>
           <a:p>
             <a:pPr algn="r">
               <a:defRPr sz="2000">
@@ -9860,7 +10252,7 @@
         <p:spPr>
           <a:xfrm>
             <a:off x="457200" y="1188720"/>
-            <a:ext cx="2743200" cy="4389120"/>
+            <a:ext cx="2743200" cy="3840480"/>
           </a:xfrm>
           <a:prstGeom prst="rect">
             <a:avLst/>
@@ -9921,7 +10313,7 @@
         <p:spPr>
           <a:xfrm>
             <a:off x="3200400" y="1188720"/>
-            <a:ext cx="2743200" cy="2194560"/>
+            <a:ext cx="2743200" cy="1920240"/>
           </a:xfrm>
           <a:prstGeom prst="rect">
             <a:avLst/>
@@ -9981,8 +10373,8 @@
         </p:nvSpPr>
         <p:spPr>
           <a:xfrm>
-            <a:off x="3200400" y="3383280"/>
-            <a:ext cx="2743200" cy="2194560"/>
+            <a:off x="3200400" y="3108960"/>
+            <a:ext cx="2743200" cy="1920240"/>
           </a:xfrm>
           <a:prstGeom prst="rect">
             <a:avLst/>
@@ -10053,7 +10445,7 @@
         <p:spPr>
           <a:xfrm>
             <a:off x="5943600" y="1188720"/>
-            <a:ext cx="2743200" cy="4389120"/>
+            <a:ext cx="2743200" cy="3840480"/>
           </a:xfrm>
           <a:prstGeom prst="rect">
             <a:avLst/>
@@ -10104,7 +10496,7 @@
         <p:spPr>
           <a:xfrm>
             <a:off x="8686800" y="1188720"/>
-            <a:ext cx="2743200" cy="2194560"/>
+            <a:ext cx="2743200" cy="1920240"/>
           </a:xfrm>
           <a:prstGeom prst="rect">
             <a:avLst/>
@@ -10164,8 +10556,8 @@
         </p:nvSpPr>
         <p:spPr>
           <a:xfrm>
-            <a:off x="8686800" y="3383280"/>
-            <a:ext cx="2743200" cy="2194560"/>
+            <a:off x="8686800" y="3108960"/>
+            <a:ext cx="2743200" cy="1920240"/>
           </a:xfrm>
           <a:prstGeom prst="rect">
             <a:avLst/>
@@ -10236,7 +10628,7 @@
         <p:spPr>
           <a:xfrm>
             <a:off x="11430000" y="1188720"/>
-            <a:ext cx="2743200" cy="4389120"/>
+            <a:ext cx="2743200" cy="3840480"/>
           </a:xfrm>
           <a:prstGeom prst="rect">
             <a:avLst/>
@@ -10296,8 +10688,8 @@
         </p:nvSpPr>
         <p:spPr>
           <a:xfrm>
-            <a:off x="457200" y="5577840"/>
-            <a:ext cx="6858000" cy="2194560"/>
+            <a:off x="457200" y="5029200"/>
+            <a:ext cx="6858000" cy="1920240"/>
           </a:xfrm>
           <a:prstGeom prst="rect">
             <a:avLst/>
@@ -10367,8 +10759,8 @@
         </p:nvSpPr>
         <p:spPr>
           <a:xfrm>
-            <a:off x="7315200" y="5577840"/>
-            <a:ext cx="6858000" cy="2194560"/>
+            <a:off x="7315200" y="5029200"/>
+            <a:ext cx="6858000" cy="1920240"/>
           </a:xfrm>
           <a:prstGeom prst="rect">
             <a:avLst/>
@@ -10426,6 +10818,52 @@
             </a:pPr>
             <a:r>
               <a:t>•サポートとサービスの料金</a:t>
+            </a:r>
+          </a:p>
+        </p:txBody>
+      </p:sp>
+      <p:sp>
+        <p:nvSpPr>
+          <p:cNvPr id="13" name="TextBox 12"/>
+          <p:cNvSpPr txBox="1"/>
+          <p:nvPr/>
+        </p:nvSpPr>
+        <p:spPr>
+          <a:xfrm>
+            <a:off x="457200" y="6949440"/>
+            <a:ext cx="13716000" cy="1920240"/>
+          </a:xfrm>
+          <a:prstGeom prst="rect">
+            <a:avLst/>
+          </a:prstGeom>
+          <a:noFill/>
+        </p:spPr>
+        <p:txBody>
+          <a:bodyPr wrap="square">
+            <a:noAutofit/>
+          </a:bodyPr>
+          <a:lstStyle/>
+          <a:p>
+            <a:pPr>
+              <a:defRPr sz="1600">
+                <a:solidFill>
+                  <a:srgbClr val="000000"/>
+                </a:solidFill>
+                <a:latin typeface="Yu Gothic UI"/>
+              </a:defRPr>
+            </a:pPr>
+            <a:r>
+              <a:t>Use cases</a:t>
+            </a:r>
+          </a:p>
+          <a:p>
+            <a:pPr>
+              <a:defRPr sz="1000">
+                <a:latin typeface="Yu Gothic UI"/>
+              </a:defRPr>
+            </a:pPr>
+            <a:r>
+              <a:t>•hoge</a:t>
             </a:r>
           </a:p>
         </p:txBody>
@@ -10457,7 +10895,7 @@
         <p:spPr>
           <a:xfrm>
             <a:off x="457200" y="457200"/>
-            <a:ext cx="11887200" cy="457200"/>
+            <a:ext cx="10972800" cy="457200"/>
           </a:xfrm>
           <a:prstGeom prst="rect">
             <a:avLst/>
@@ -10469,7 +10907,6 @@
             <a:spAutoFit/>
           </a:bodyPr>
           <a:lstStyle/>
-          <a:p/>
           <a:p>
             <a:pPr algn="l">
               <a:defRPr sz="2000">
@@ -10490,8 +10927,8 @@
         </p:nvSpPr>
         <p:spPr>
           <a:xfrm>
-            <a:off x="12801600" y="457200"/>
-            <a:ext cx="914400" cy="457200"/>
+            <a:off x="11887200" y="457200"/>
+            <a:ext cx="1828800" cy="457200"/>
           </a:xfrm>
           <a:prstGeom prst="rect">
             <a:avLst/>
@@ -10503,7 +10940,6 @@
             <a:spAutoFit/>
           </a:bodyPr>
           <a:lstStyle/>
-          <a:p/>
           <a:p>
             <a:pPr algn="r">
               <a:defRPr sz="2000">
@@ -10525,7 +10961,7 @@
         <p:spPr>
           <a:xfrm>
             <a:off x="457200" y="1188720"/>
-            <a:ext cx="2743200" cy="4389120"/>
+            <a:ext cx="2743200" cy="3840480"/>
           </a:xfrm>
           <a:prstGeom prst="rect">
             <a:avLst/>
@@ -10596,7 +11032,7 @@
         <p:spPr>
           <a:xfrm>
             <a:off x="3200400" y="1188720"/>
-            <a:ext cx="2743200" cy="2194560"/>
+            <a:ext cx="2743200" cy="1920240"/>
           </a:xfrm>
           <a:prstGeom prst="rect">
             <a:avLst/>
@@ -10666,8 +11102,8 @@
         </p:nvSpPr>
         <p:spPr>
           <a:xfrm>
-            <a:off x="3200400" y="3383280"/>
-            <a:ext cx="2743200" cy="2194560"/>
+            <a:off x="3200400" y="3108960"/>
+            <a:ext cx="2743200" cy="1920240"/>
           </a:xfrm>
           <a:prstGeom prst="rect">
             <a:avLst/>
@@ -10738,7 +11174,7 @@
         <p:spPr>
           <a:xfrm>
             <a:off x="5943600" y="1188720"/>
-            <a:ext cx="2743200" cy="4389120"/>
+            <a:ext cx="2743200" cy="3840480"/>
           </a:xfrm>
           <a:prstGeom prst="rect">
             <a:avLst/>
@@ -10789,7 +11225,7 @@
         <p:spPr>
           <a:xfrm>
             <a:off x="8686800" y="1188720"/>
-            <a:ext cx="2743200" cy="2194560"/>
+            <a:ext cx="2743200" cy="1920240"/>
           </a:xfrm>
           <a:prstGeom prst="rect">
             <a:avLst/>
@@ -10849,8 +11285,8 @@
         </p:nvSpPr>
         <p:spPr>
           <a:xfrm>
-            <a:off x="8686800" y="3383280"/>
-            <a:ext cx="2743200" cy="2194560"/>
+            <a:off x="8686800" y="3108960"/>
+            <a:ext cx="2743200" cy="1920240"/>
           </a:xfrm>
           <a:prstGeom prst="rect">
             <a:avLst/>
@@ -10911,7 +11347,7 @@
         <p:spPr>
           <a:xfrm>
             <a:off x="11430000" y="1188720"/>
-            <a:ext cx="2743200" cy="4389120"/>
+            <a:ext cx="2743200" cy="3840480"/>
           </a:xfrm>
           <a:prstGeom prst="rect">
             <a:avLst/>
@@ -10971,8 +11407,8 @@
         </p:nvSpPr>
         <p:spPr>
           <a:xfrm>
-            <a:off x="457200" y="5577840"/>
-            <a:ext cx="6858000" cy="2194560"/>
+            <a:off x="457200" y="5029200"/>
+            <a:ext cx="6858000" cy="1920240"/>
           </a:xfrm>
           <a:prstGeom prst="rect">
             <a:avLst/>
@@ -11042,8 +11478,8 @@
         </p:nvSpPr>
         <p:spPr>
           <a:xfrm>
-            <a:off x="7315200" y="5577840"/>
-            <a:ext cx="6858000" cy="2194560"/>
+            <a:off x="7315200" y="5029200"/>
+            <a:ext cx="6858000" cy="1920240"/>
           </a:xfrm>
           <a:prstGeom prst="rect">
             <a:avLst/>
@@ -11091,6 +11527,52 @@
             </a:pPr>
             <a:r>
               <a:t>•サービスとサポートの料金</a:t>
+            </a:r>
+          </a:p>
+        </p:txBody>
+      </p:sp>
+      <p:sp>
+        <p:nvSpPr>
+          <p:cNvPr id="13" name="TextBox 12"/>
+          <p:cNvSpPr txBox="1"/>
+          <p:nvPr/>
+        </p:nvSpPr>
+        <p:spPr>
+          <a:xfrm>
+            <a:off x="457200" y="6949440"/>
+            <a:ext cx="13716000" cy="1920240"/>
+          </a:xfrm>
+          <a:prstGeom prst="rect">
+            <a:avLst/>
+          </a:prstGeom>
+          <a:noFill/>
+        </p:spPr>
+        <p:txBody>
+          <a:bodyPr wrap="square">
+            <a:noAutofit/>
+          </a:bodyPr>
+          <a:lstStyle/>
+          <a:p>
+            <a:pPr>
+              <a:defRPr sz="1600">
+                <a:solidFill>
+                  <a:srgbClr val="000000"/>
+                </a:solidFill>
+                <a:latin typeface="Yu Gothic UI"/>
+              </a:defRPr>
+            </a:pPr>
+            <a:r>
+              <a:t>Use cases</a:t>
+            </a:r>
+          </a:p>
+          <a:p>
+            <a:pPr>
+              <a:defRPr sz="1000">
+                <a:latin typeface="Yu Gothic UI"/>
+              </a:defRPr>
+            </a:pPr>
+            <a:r>
+              <a:t>•hoge</a:t>
             </a:r>
           </a:p>
         </p:txBody>
@@ -11122,7 +11604,7 @@
         <p:spPr>
           <a:xfrm>
             <a:off x="457200" y="457200"/>
-            <a:ext cx="11887200" cy="457200"/>
+            <a:ext cx="10972800" cy="457200"/>
           </a:xfrm>
           <a:prstGeom prst="rect">
             <a:avLst/>
@@ -11134,7 +11616,6 @@
             <a:spAutoFit/>
           </a:bodyPr>
           <a:lstStyle/>
-          <a:p/>
           <a:p>
             <a:pPr algn="l">
               <a:defRPr sz="2000">
@@ -11155,8 +11636,8 @@
         </p:nvSpPr>
         <p:spPr>
           <a:xfrm>
-            <a:off x="12801600" y="457200"/>
-            <a:ext cx="914400" cy="457200"/>
+            <a:off x="11887200" y="457200"/>
+            <a:ext cx="1828800" cy="457200"/>
           </a:xfrm>
           <a:prstGeom prst="rect">
             <a:avLst/>
@@ -11168,7 +11649,6 @@
             <a:spAutoFit/>
           </a:bodyPr>
           <a:lstStyle/>
-          <a:p/>
           <a:p>
             <a:pPr algn="r">
               <a:defRPr sz="2000">
@@ -11190,7 +11670,7 @@
         <p:spPr>
           <a:xfrm>
             <a:off x="457200" y="1188720"/>
-            <a:ext cx="2743200" cy="4389120"/>
+            <a:ext cx="2743200" cy="3840480"/>
           </a:xfrm>
           <a:prstGeom prst="rect">
             <a:avLst/>
@@ -11261,7 +11741,7 @@
         <p:spPr>
           <a:xfrm>
             <a:off x="3200400" y="1188720"/>
-            <a:ext cx="2743200" cy="2194560"/>
+            <a:ext cx="2743200" cy="1920240"/>
           </a:xfrm>
           <a:prstGeom prst="rect">
             <a:avLst/>
@@ -11331,8 +11811,8 @@
         </p:nvSpPr>
         <p:spPr>
           <a:xfrm>
-            <a:off x="3200400" y="3383280"/>
-            <a:ext cx="2743200" cy="2194560"/>
+            <a:off x="3200400" y="3108960"/>
+            <a:ext cx="2743200" cy="1920240"/>
           </a:xfrm>
           <a:prstGeom prst="rect">
             <a:avLst/>
@@ -11403,7 +11883,7 @@
         <p:spPr>
           <a:xfrm>
             <a:off x="5943600" y="1188720"/>
-            <a:ext cx="2743200" cy="4389120"/>
+            <a:ext cx="2743200" cy="3840480"/>
           </a:xfrm>
           <a:prstGeom prst="rect">
             <a:avLst/>
@@ -11454,7 +11934,7 @@
         <p:spPr>
           <a:xfrm>
             <a:off x="8686800" y="1188720"/>
-            <a:ext cx="2743200" cy="2194560"/>
+            <a:ext cx="2743200" cy="1920240"/>
           </a:xfrm>
           <a:prstGeom prst="rect">
             <a:avLst/>
@@ -11514,8 +11994,8 @@
         </p:nvSpPr>
         <p:spPr>
           <a:xfrm>
-            <a:off x="8686800" y="3383280"/>
-            <a:ext cx="2743200" cy="2194560"/>
+            <a:off x="8686800" y="3108960"/>
+            <a:ext cx="2743200" cy="1920240"/>
           </a:xfrm>
           <a:prstGeom prst="rect">
             <a:avLst/>
@@ -11586,7 +12066,7 @@
         <p:spPr>
           <a:xfrm>
             <a:off x="11430000" y="1188720"/>
-            <a:ext cx="2743200" cy="4389120"/>
+            <a:ext cx="2743200" cy="3840480"/>
           </a:xfrm>
           <a:prstGeom prst="rect">
             <a:avLst/>
@@ -11656,8 +12136,8 @@
         </p:nvSpPr>
         <p:spPr>
           <a:xfrm>
-            <a:off x="457200" y="5577840"/>
-            <a:ext cx="6858000" cy="2194560"/>
+            <a:off x="457200" y="5029200"/>
+            <a:ext cx="6858000" cy="1920240"/>
           </a:xfrm>
           <a:prstGeom prst="rect">
             <a:avLst/>
@@ -11727,8 +12207,8 @@
         </p:nvSpPr>
         <p:spPr>
           <a:xfrm>
-            <a:off x="7315200" y="5577840"/>
-            <a:ext cx="6858000" cy="2194560"/>
+            <a:off x="7315200" y="5029200"/>
+            <a:ext cx="6858000" cy="1920240"/>
           </a:xfrm>
           <a:prstGeom prst="rect">
             <a:avLst/>
@@ -11776,6 +12256,52 @@
             </a:pPr>
             <a:r>
               <a:t>•サポートとコンサルティング</a:t>
+            </a:r>
+          </a:p>
+        </p:txBody>
+      </p:sp>
+      <p:sp>
+        <p:nvSpPr>
+          <p:cNvPr id="13" name="TextBox 12"/>
+          <p:cNvSpPr txBox="1"/>
+          <p:nvPr/>
+        </p:nvSpPr>
+        <p:spPr>
+          <a:xfrm>
+            <a:off x="457200" y="6949440"/>
+            <a:ext cx="13716000" cy="1920240"/>
+          </a:xfrm>
+          <a:prstGeom prst="rect">
+            <a:avLst/>
+          </a:prstGeom>
+          <a:noFill/>
+        </p:spPr>
+        <p:txBody>
+          <a:bodyPr wrap="square">
+            <a:noAutofit/>
+          </a:bodyPr>
+          <a:lstStyle/>
+          <a:p>
+            <a:pPr>
+              <a:defRPr sz="1600">
+                <a:solidFill>
+                  <a:srgbClr val="000000"/>
+                </a:solidFill>
+                <a:latin typeface="Yu Gothic UI"/>
+              </a:defRPr>
+            </a:pPr>
+            <a:r>
+              <a:t>Use cases</a:t>
+            </a:r>
+          </a:p>
+          <a:p>
+            <a:pPr>
+              <a:defRPr sz="1000">
+                <a:latin typeface="Yu Gothic UI"/>
+              </a:defRPr>
+            </a:pPr>
+            <a:r>
+              <a:t>•hoge</a:t>
             </a:r>
           </a:p>
         </p:txBody>
@@ -11807,7 +12333,7 @@
         <p:spPr>
           <a:xfrm>
             <a:off x="457200" y="457200"/>
-            <a:ext cx="11887200" cy="457200"/>
+            <a:ext cx="10972800" cy="457200"/>
           </a:xfrm>
           <a:prstGeom prst="rect">
             <a:avLst/>
@@ -11819,7 +12345,6 @@
             <a:spAutoFit/>
           </a:bodyPr>
           <a:lstStyle/>
-          <a:p/>
           <a:p>
             <a:pPr algn="l">
               <a:defRPr sz="2000">
@@ -11840,8 +12365,8 @@
         </p:nvSpPr>
         <p:spPr>
           <a:xfrm>
-            <a:off x="12801600" y="457200"/>
-            <a:ext cx="914400" cy="457200"/>
+            <a:off x="11887200" y="457200"/>
+            <a:ext cx="1828800" cy="457200"/>
           </a:xfrm>
           <a:prstGeom prst="rect">
             <a:avLst/>
@@ -11853,7 +12378,6 @@
             <a:spAutoFit/>
           </a:bodyPr>
           <a:lstStyle/>
-          <a:p/>
           <a:p>
             <a:pPr algn="r">
               <a:defRPr sz="2000">
@@ -11875,7 +12399,7 @@
         <p:spPr>
           <a:xfrm>
             <a:off x="457200" y="1188720"/>
-            <a:ext cx="2743200" cy="4389120"/>
+            <a:ext cx="2743200" cy="3840480"/>
           </a:xfrm>
           <a:prstGeom prst="rect">
             <a:avLst/>
@@ -11956,7 +12480,7 @@
         <p:spPr>
           <a:xfrm>
             <a:off x="3200400" y="1188720"/>
-            <a:ext cx="2743200" cy="2194560"/>
+            <a:ext cx="2743200" cy="1920240"/>
           </a:xfrm>
           <a:prstGeom prst="rect">
             <a:avLst/>
@@ -12046,8 +12570,8 @@
         </p:nvSpPr>
         <p:spPr>
           <a:xfrm>
-            <a:off x="3200400" y="3383280"/>
-            <a:ext cx="2743200" cy="2194560"/>
+            <a:off x="3200400" y="3108960"/>
+            <a:ext cx="2743200" cy="1920240"/>
           </a:xfrm>
           <a:prstGeom prst="rect">
             <a:avLst/>
@@ -12118,7 +12642,7 @@
         <p:spPr>
           <a:xfrm>
             <a:off x="5943600" y="1188720"/>
-            <a:ext cx="2743200" cy="4389120"/>
+            <a:ext cx="2743200" cy="3840480"/>
           </a:xfrm>
           <a:prstGeom prst="rect">
             <a:avLst/>
@@ -12189,7 +12713,7 @@
         <p:spPr>
           <a:xfrm>
             <a:off x="8686800" y="1188720"/>
-            <a:ext cx="2743200" cy="2194560"/>
+            <a:ext cx="2743200" cy="1920240"/>
           </a:xfrm>
           <a:prstGeom prst="rect">
             <a:avLst/>
@@ -12249,8 +12773,8 @@
         </p:nvSpPr>
         <p:spPr>
           <a:xfrm>
-            <a:off x="8686800" y="3383280"/>
-            <a:ext cx="2743200" cy="2194560"/>
+            <a:off x="8686800" y="3108960"/>
+            <a:ext cx="2743200" cy="1920240"/>
           </a:xfrm>
           <a:prstGeom prst="rect">
             <a:avLst/>
@@ -12321,7 +12845,7 @@
         <p:spPr>
           <a:xfrm>
             <a:off x="11430000" y="1188720"/>
-            <a:ext cx="2743200" cy="4389120"/>
+            <a:ext cx="2743200" cy="3840480"/>
           </a:xfrm>
           <a:prstGeom prst="rect">
             <a:avLst/>
@@ -12391,8 +12915,8 @@
         </p:nvSpPr>
         <p:spPr>
           <a:xfrm>
-            <a:off x="457200" y="5577840"/>
-            <a:ext cx="6858000" cy="2194560"/>
+            <a:off x="457200" y="5029200"/>
+            <a:ext cx="6858000" cy="1920240"/>
           </a:xfrm>
           <a:prstGeom prst="rect">
             <a:avLst/>
@@ -12462,8 +12986,8 @@
         </p:nvSpPr>
         <p:spPr>
           <a:xfrm>
-            <a:off x="7315200" y="5577840"/>
-            <a:ext cx="6858000" cy="2194560"/>
+            <a:off x="7315200" y="5029200"/>
+            <a:ext cx="6858000" cy="1920240"/>
           </a:xfrm>
           <a:prstGeom prst="rect">
             <a:avLst/>
@@ -12511,6 +13035,52 @@
             </a:pPr>
             <a:r>
               <a:t>•コンサルティングとカスタマイズサービスの手数料</a:t>
+            </a:r>
+          </a:p>
+        </p:txBody>
+      </p:sp>
+      <p:sp>
+        <p:nvSpPr>
+          <p:cNvPr id="13" name="TextBox 12"/>
+          <p:cNvSpPr txBox="1"/>
+          <p:nvPr/>
+        </p:nvSpPr>
+        <p:spPr>
+          <a:xfrm>
+            <a:off x="457200" y="6949440"/>
+            <a:ext cx="13716000" cy="1920240"/>
+          </a:xfrm>
+          <a:prstGeom prst="rect">
+            <a:avLst/>
+          </a:prstGeom>
+          <a:noFill/>
+        </p:spPr>
+        <p:txBody>
+          <a:bodyPr wrap="square">
+            <a:noAutofit/>
+          </a:bodyPr>
+          <a:lstStyle/>
+          <a:p>
+            <a:pPr>
+              <a:defRPr sz="1600">
+                <a:solidFill>
+                  <a:srgbClr val="000000"/>
+                </a:solidFill>
+                <a:latin typeface="Yu Gothic UI"/>
+              </a:defRPr>
+            </a:pPr>
+            <a:r>
+              <a:t>Use cases</a:t>
+            </a:r>
+          </a:p>
+          <a:p>
+            <a:pPr>
+              <a:defRPr sz="1000">
+                <a:latin typeface="Yu Gothic UI"/>
+              </a:defRPr>
+            </a:pPr>
+            <a:r>
+              <a:t>•hoge</a:t>
             </a:r>
           </a:p>
         </p:txBody>
@@ -12542,7 +13112,7 @@
         <p:spPr>
           <a:xfrm>
             <a:off x="457200" y="457200"/>
-            <a:ext cx="11887200" cy="457200"/>
+            <a:ext cx="10972800" cy="457200"/>
           </a:xfrm>
           <a:prstGeom prst="rect">
             <a:avLst/>
@@ -12554,7 +13124,6 @@
             <a:spAutoFit/>
           </a:bodyPr>
           <a:lstStyle/>
-          <a:p/>
           <a:p>
             <a:pPr algn="l">
               <a:defRPr sz="2000">
@@ -12575,8 +13144,8 @@
         </p:nvSpPr>
         <p:spPr>
           <a:xfrm>
-            <a:off x="12801600" y="457200"/>
-            <a:ext cx="914400" cy="457200"/>
+            <a:off x="11887200" y="457200"/>
+            <a:ext cx="1828800" cy="457200"/>
           </a:xfrm>
           <a:prstGeom prst="rect">
             <a:avLst/>
@@ -12588,7 +13157,6 @@
             <a:spAutoFit/>
           </a:bodyPr>
           <a:lstStyle/>
-          <a:p/>
           <a:p>
             <a:pPr algn="r">
               <a:defRPr sz="2000">
@@ -12610,7 +13178,7 @@
         <p:spPr>
           <a:xfrm>
             <a:off x="457200" y="1188720"/>
-            <a:ext cx="2743200" cy="4389120"/>
+            <a:ext cx="2743200" cy="3840480"/>
           </a:xfrm>
           <a:prstGeom prst="rect">
             <a:avLst/>
@@ -12681,7 +13249,7 @@
         <p:spPr>
           <a:xfrm>
             <a:off x="3200400" y="1188720"/>
-            <a:ext cx="2743200" cy="2194560"/>
+            <a:ext cx="2743200" cy="1920240"/>
           </a:xfrm>
           <a:prstGeom prst="rect">
             <a:avLst/>
@@ -12751,8 +13319,8 @@
         </p:nvSpPr>
         <p:spPr>
           <a:xfrm>
-            <a:off x="3200400" y="3383280"/>
-            <a:ext cx="2743200" cy="2194560"/>
+            <a:off x="3200400" y="3108960"/>
+            <a:ext cx="2743200" cy="1920240"/>
           </a:xfrm>
           <a:prstGeom prst="rect">
             <a:avLst/>
@@ -12823,7 +13391,7 @@
         <p:spPr>
           <a:xfrm>
             <a:off x="5943600" y="1188720"/>
-            <a:ext cx="2743200" cy="4389120"/>
+            <a:ext cx="2743200" cy="3840480"/>
           </a:xfrm>
           <a:prstGeom prst="rect">
             <a:avLst/>
@@ -12874,7 +13442,7 @@
         <p:spPr>
           <a:xfrm>
             <a:off x="8686800" y="1188720"/>
-            <a:ext cx="2743200" cy="2194560"/>
+            <a:ext cx="2743200" cy="1920240"/>
           </a:xfrm>
           <a:prstGeom prst="rect">
             <a:avLst/>
@@ -12934,8 +13502,8 @@
         </p:nvSpPr>
         <p:spPr>
           <a:xfrm>
-            <a:off x="8686800" y="3383280"/>
-            <a:ext cx="2743200" cy="2194560"/>
+            <a:off x="8686800" y="3108960"/>
+            <a:ext cx="2743200" cy="1920240"/>
           </a:xfrm>
           <a:prstGeom prst="rect">
             <a:avLst/>
@@ -13006,7 +13574,7 @@
         <p:spPr>
           <a:xfrm>
             <a:off x="11430000" y="1188720"/>
-            <a:ext cx="2743200" cy="4389120"/>
+            <a:ext cx="2743200" cy="3840480"/>
           </a:xfrm>
           <a:prstGeom prst="rect">
             <a:avLst/>
@@ -13066,8 +13634,8 @@
         </p:nvSpPr>
         <p:spPr>
           <a:xfrm>
-            <a:off x="457200" y="5577840"/>
-            <a:ext cx="6858000" cy="2194560"/>
+            <a:off x="457200" y="5029200"/>
+            <a:ext cx="6858000" cy="1920240"/>
           </a:xfrm>
           <a:prstGeom prst="rect">
             <a:avLst/>
@@ -13137,8 +13705,8 @@
         </p:nvSpPr>
         <p:spPr>
           <a:xfrm>
-            <a:off x="7315200" y="5577840"/>
-            <a:ext cx="6858000" cy="2194560"/>
+            <a:off x="7315200" y="5029200"/>
+            <a:ext cx="6858000" cy="1920240"/>
           </a:xfrm>
           <a:prstGeom prst="rect">
             <a:avLst/>
@@ -13196,6 +13764,52 @@
             </a:pPr>
             <a:r>
               <a:t>•コンサルティング料</a:t>
+            </a:r>
+          </a:p>
+        </p:txBody>
+      </p:sp>
+      <p:sp>
+        <p:nvSpPr>
+          <p:cNvPr id="13" name="TextBox 12"/>
+          <p:cNvSpPr txBox="1"/>
+          <p:nvPr/>
+        </p:nvSpPr>
+        <p:spPr>
+          <a:xfrm>
+            <a:off x="457200" y="6949440"/>
+            <a:ext cx="13716000" cy="1920240"/>
+          </a:xfrm>
+          <a:prstGeom prst="rect">
+            <a:avLst/>
+          </a:prstGeom>
+          <a:noFill/>
+        </p:spPr>
+        <p:txBody>
+          <a:bodyPr wrap="square">
+            <a:noAutofit/>
+          </a:bodyPr>
+          <a:lstStyle/>
+          <a:p>
+            <a:pPr>
+              <a:defRPr sz="1600">
+                <a:solidFill>
+                  <a:srgbClr val="000000"/>
+                </a:solidFill>
+                <a:latin typeface="Yu Gothic UI"/>
+              </a:defRPr>
+            </a:pPr>
+            <a:r>
+              <a:t>Use cases</a:t>
+            </a:r>
+          </a:p>
+          <a:p>
+            <a:pPr>
+              <a:defRPr sz="1000">
+                <a:latin typeface="Yu Gothic UI"/>
+              </a:defRPr>
+            </a:pPr>
+            <a:r>
+              <a:t>•hoge</a:t>
             </a:r>
           </a:p>
         </p:txBody>
@@ -13227,7 +13841,7 @@
         <p:spPr>
           <a:xfrm>
             <a:off x="457200" y="457200"/>
-            <a:ext cx="11887200" cy="457200"/>
+            <a:ext cx="10972800" cy="457200"/>
           </a:xfrm>
           <a:prstGeom prst="rect">
             <a:avLst/>
@@ -13239,7 +13853,6 @@
             <a:spAutoFit/>
           </a:bodyPr>
           <a:lstStyle/>
-          <a:p/>
           <a:p>
             <a:pPr algn="l">
               <a:defRPr sz="2000">
@@ -13260,8 +13873,8 @@
         </p:nvSpPr>
         <p:spPr>
           <a:xfrm>
-            <a:off x="12801600" y="457200"/>
-            <a:ext cx="914400" cy="457200"/>
+            <a:off x="11887200" y="457200"/>
+            <a:ext cx="1828800" cy="457200"/>
           </a:xfrm>
           <a:prstGeom prst="rect">
             <a:avLst/>
@@ -13273,7 +13886,6 @@
             <a:spAutoFit/>
           </a:bodyPr>
           <a:lstStyle/>
-          <a:p/>
           <a:p>
             <a:pPr algn="r">
               <a:defRPr sz="2000">
@@ -13295,7 +13907,7 @@
         <p:spPr>
           <a:xfrm>
             <a:off x="457200" y="1188720"/>
-            <a:ext cx="2743200" cy="4389120"/>
+            <a:ext cx="2743200" cy="3840480"/>
           </a:xfrm>
           <a:prstGeom prst="rect">
             <a:avLst/>
@@ -13366,7 +13978,7 @@
         <p:spPr>
           <a:xfrm>
             <a:off x="3200400" y="1188720"/>
-            <a:ext cx="2743200" cy="2194560"/>
+            <a:ext cx="2743200" cy="1920240"/>
           </a:xfrm>
           <a:prstGeom prst="rect">
             <a:avLst/>
@@ -13436,8 +14048,8 @@
         </p:nvSpPr>
         <p:spPr>
           <a:xfrm>
-            <a:off x="3200400" y="3383280"/>
-            <a:ext cx="2743200" cy="2194560"/>
+            <a:off x="3200400" y="3108960"/>
+            <a:ext cx="2743200" cy="1920240"/>
           </a:xfrm>
           <a:prstGeom prst="rect">
             <a:avLst/>
@@ -13508,7 +14120,7 @@
         <p:spPr>
           <a:xfrm>
             <a:off x="5943600" y="1188720"/>
-            <a:ext cx="2743200" cy="4389120"/>
+            <a:ext cx="2743200" cy="3840480"/>
           </a:xfrm>
           <a:prstGeom prst="rect">
             <a:avLst/>
@@ -13559,7 +14171,7 @@
         <p:spPr>
           <a:xfrm>
             <a:off x="8686800" y="1188720"/>
-            <a:ext cx="2743200" cy="2194560"/>
+            <a:ext cx="2743200" cy="1920240"/>
           </a:xfrm>
           <a:prstGeom prst="rect">
             <a:avLst/>
@@ -13619,8 +14231,8 @@
         </p:nvSpPr>
         <p:spPr>
           <a:xfrm>
-            <a:off x="8686800" y="3383280"/>
-            <a:ext cx="2743200" cy="2194560"/>
+            <a:off x="8686800" y="3108960"/>
+            <a:ext cx="2743200" cy="1920240"/>
           </a:xfrm>
           <a:prstGeom prst="rect">
             <a:avLst/>
@@ -13681,7 +14293,7 @@
         <p:spPr>
           <a:xfrm>
             <a:off x="11430000" y="1188720"/>
-            <a:ext cx="2743200" cy="4389120"/>
+            <a:ext cx="2743200" cy="3840480"/>
           </a:xfrm>
           <a:prstGeom prst="rect">
             <a:avLst/>
@@ -13741,8 +14353,8 @@
         </p:nvSpPr>
         <p:spPr>
           <a:xfrm>
-            <a:off x="457200" y="5577840"/>
-            <a:ext cx="6858000" cy="2194560"/>
+            <a:off x="457200" y="5029200"/>
+            <a:ext cx="6858000" cy="1920240"/>
           </a:xfrm>
           <a:prstGeom prst="rect">
             <a:avLst/>
@@ -13812,8 +14424,8 @@
         </p:nvSpPr>
         <p:spPr>
           <a:xfrm>
-            <a:off x="7315200" y="5577840"/>
-            <a:ext cx="6858000" cy="2194560"/>
+            <a:off x="7315200" y="5029200"/>
+            <a:ext cx="6858000" cy="1920240"/>
           </a:xfrm>
           <a:prstGeom prst="rect">
             <a:avLst/>
@@ -13861,6 +14473,52 @@
             </a:pPr>
             <a:r>
               <a:t>•サポートとカスタマイズサービスの料金</a:t>
+            </a:r>
+          </a:p>
+        </p:txBody>
+      </p:sp>
+      <p:sp>
+        <p:nvSpPr>
+          <p:cNvPr id="13" name="TextBox 12"/>
+          <p:cNvSpPr txBox="1"/>
+          <p:nvPr/>
+        </p:nvSpPr>
+        <p:spPr>
+          <a:xfrm>
+            <a:off x="457200" y="6949440"/>
+            <a:ext cx="13716000" cy="1920240"/>
+          </a:xfrm>
+          <a:prstGeom prst="rect">
+            <a:avLst/>
+          </a:prstGeom>
+          <a:noFill/>
+        </p:spPr>
+        <p:txBody>
+          <a:bodyPr wrap="square">
+            <a:noAutofit/>
+          </a:bodyPr>
+          <a:lstStyle/>
+          <a:p>
+            <a:pPr>
+              <a:defRPr sz="1600">
+                <a:solidFill>
+                  <a:srgbClr val="000000"/>
+                </a:solidFill>
+                <a:latin typeface="Yu Gothic UI"/>
+              </a:defRPr>
+            </a:pPr>
+            <a:r>
+              <a:t>Use cases</a:t>
+            </a:r>
+          </a:p>
+          <a:p>
+            <a:pPr>
+              <a:defRPr sz="1000">
+                <a:latin typeface="Yu Gothic UI"/>
+              </a:defRPr>
+            </a:pPr>
+            <a:r>
+              <a:t>•hoge</a:t>
             </a:r>
           </a:p>
         </p:txBody>

--- a/sample.pptx
+++ b/sample.pptx
@@ -4451,52 +4451,6 @@
           </a:p>
         </p:txBody>
       </p:sp>
-      <p:sp>
-        <p:nvSpPr>
-          <p:cNvPr id="13" name="TextBox 12"/>
-          <p:cNvSpPr txBox="1"/>
-          <p:nvPr/>
-        </p:nvSpPr>
-        <p:spPr>
-          <a:xfrm>
-            <a:off x="457200" y="6949440"/>
-            <a:ext cx="13716000" cy="1920240"/>
-          </a:xfrm>
-          <a:prstGeom prst="rect">
-            <a:avLst/>
-          </a:prstGeom>
-          <a:noFill/>
-        </p:spPr>
-        <p:txBody>
-          <a:bodyPr wrap="square">
-            <a:noAutofit/>
-          </a:bodyPr>
-          <a:lstStyle/>
-          <a:p>
-            <a:pPr>
-              <a:defRPr sz="1600">
-                <a:solidFill>
-                  <a:srgbClr val="000000"/>
-                </a:solidFill>
-                <a:latin typeface="Yu Gothic UI"/>
-              </a:defRPr>
-            </a:pPr>
-            <a:r>
-              <a:t>Use cases</a:t>
-            </a:r>
-          </a:p>
-          <a:p>
-            <a:pPr>
-              <a:defRPr sz="1000">
-                <a:latin typeface="Yu Gothic UI"/>
-              </a:defRPr>
-            </a:pPr>
-            <a:r>
-              <a:t>•hoge</a:t>
-            </a:r>
-          </a:p>
-        </p:txBody>
-      </p:sp>
     </p:spTree>
   </p:cSld>
   <p:clrMapOvr>
@@ -5190,52 +5144,6 @@
           </a:p>
         </p:txBody>
       </p:sp>
-      <p:sp>
-        <p:nvSpPr>
-          <p:cNvPr id="13" name="TextBox 12"/>
-          <p:cNvSpPr txBox="1"/>
-          <p:nvPr/>
-        </p:nvSpPr>
-        <p:spPr>
-          <a:xfrm>
-            <a:off x="457200" y="6949440"/>
-            <a:ext cx="13716000" cy="1920240"/>
-          </a:xfrm>
-          <a:prstGeom prst="rect">
-            <a:avLst/>
-          </a:prstGeom>
-          <a:noFill/>
-        </p:spPr>
-        <p:txBody>
-          <a:bodyPr wrap="square">
-            <a:noAutofit/>
-          </a:bodyPr>
-          <a:lstStyle/>
-          <a:p>
-            <a:pPr>
-              <a:defRPr sz="1600">
-                <a:solidFill>
-                  <a:srgbClr val="000000"/>
-                </a:solidFill>
-                <a:latin typeface="Yu Gothic UI"/>
-              </a:defRPr>
-            </a:pPr>
-            <a:r>
-              <a:t>Use cases</a:t>
-            </a:r>
-          </a:p>
-          <a:p>
-            <a:pPr>
-              <a:defRPr sz="1000">
-                <a:latin typeface="Yu Gothic UI"/>
-              </a:defRPr>
-            </a:pPr>
-            <a:r>
-              <a:t>•hoge</a:t>
-            </a:r>
-          </a:p>
-        </p:txBody>
-      </p:sp>
     </p:spTree>
   </p:cSld>
   <p:clrMapOvr>
@@ -5919,52 +5827,6 @@
           </a:p>
         </p:txBody>
       </p:sp>
-      <p:sp>
-        <p:nvSpPr>
-          <p:cNvPr id="13" name="TextBox 12"/>
-          <p:cNvSpPr txBox="1"/>
-          <p:nvPr/>
-        </p:nvSpPr>
-        <p:spPr>
-          <a:xfrm>
-            <a:off x="457200" y="6949440"/>
-            <a:ext cx="13716000" cy="1920240"/>
-          </a:xfrm>
-          <a:prstGeom prst="rect">
-            <a:avLst/>
-          </a:prstGeom>
-          <a:noFill/>
-        </p:spPr>
-        <p:txBody>
-          <a:bodyPr wrap="square">
-            <a:noAutofit/>
-          </a:bodyPr>
-          <a:lstStyle/>
-          <a:p>
-            <a:pPr>
-              <a:defRPr sz="1600">
-                <a:solidFill>
-                  <a:srgbClr val="000000"/>
-                </a:solidFill>
-                <a:latin typeface="Yu Gothic UI"/>
-              </a:defRPr>
-            </a:pPr>
-            <a:r>
-              <a:t>Use cases</a:t>
-            </a:r>
-          </a:p>
-          <a:p>
-            <a:pPr>
-              <a:defRPr sz="1000">
-                <a:latin typeface="Yu Gothic UI"/>
-              </a:defRPr>
-            </a:pPr>
-            <a:r>
-              <a:t>•hoge</a:t>
-            </a:r>
-          </a:p>
-        </p:txBody>
-      </p:sp>
     </p:spTree>
   </p:cSld>
   <p:clrMapOvr>
@@ -6608,52 +6470,6 @@
           </a:p>
         </p:txBody>
       </p:sp>
-      <p:sp>
-        <p:nvSpPr>
-          <p:cNvPr id="13" name="TextBox 12"/>
-          <p:cNvSpPr txBox="1"/>
-          <p:nvPr/>
-        </p:nvSpPr>
-        <p:spPr>
-          <a:xfrm>
-            <a:off x="457200" y="6949440"/>
-            <a:ext cx="13716000" cy="1920240"/>
-          </a:xfrm>
-          <a:prstGeom prst="rect">
-            <a:avLst/>
-          </a:prstGeom>
-          <a:noFill/>
-        </p:spPr>
-        <p:txBody>
-          <a:bodyPr wrap="square">
-            <a:noAutofit/>
-          </a:bodyPr>
-          <a:lstStyle/>
-          <a:p>
-            <a:pPr>
-              <a:defRPr sz="1600">
-                <a:solidFill>
-                  <a:srgbClr val="000000"/>
-                </a:solidFill>
-                <a:latin typeface="Yu Gothic UI"/>
-              </a:defRPr>
-            </a:pPr>
-            <a:r>
-              <a:t>Use cases</a:t>
-            </a:r>
-          </a:p>
-          <a:p>
-            <a:pPr>
-              <a:defRPr sz="1000">
-                <a:latin typeface="Yu Gothic UI"/>
-              </a:defRPr>
-            </a:pPr>
-            <a:r>
-              <a:t>•hoge</a:t>
-            </a:r>
-          </a:p>
-        </p:txBody>
-      </p:sp>
     </p:spTree>
   </p:cSld>
   <p:clrMapOvr>
@@ -7307,52 +7123,6 @@
           </a:p>
         </p:txBody>
       </p:sp>
-      <p:sp>
-        <p:nvSpPr>
-          <p:cNvPr id="13" name="TextBox 12"/>
-          <p:cNvSpPr txBox="1"/>
-          <p:nvPr/>
-        </p:nvSpPr>
-        <p:spPr>
-          <a:xfrm>
-            <a:off x="457200" y="6949440"/>
-            <a:ext cx="13716000" cy="1920240"/>
-          </a:xfrm>
-          <a:prstGeom prst="rect">
-            <a:avLst/>
-          </a:prstGeom>
-          <a:noFill/>
-        </p:spPr>
-        <p:txBody>
-          <a:bodyPr wrap="square">
-            <a:noAutofit/>
-          </a:bodyPr>
-          <a:lstStyle/>
-          <a:p>
-            <a:pPr>
-              <a:defRPr sz="1600">
-                <a:solidFill>
-                  <a:srgbClr val="000000"/>
-                </a:solidFill>
-                <a:latin typeface="Yu Gothic UI"/>
-              </a:defRPr>
-            </a:pPr>
-            <a:r>
-              <a:t>Use cases</a:t>
-            </a:r>
-          </a:p>
-          <a:p>
-            <a:pPr>
-              <a:defRPr sz="1000">
-                <a:latin typeface="Yu Gothic UI"/>
-              </a:defRPr>
-            </a:pPr>
-            <a:r>
-              <a:t>•hoge</a:t>
-            </a:r>
-          </a:p>
-        </p:txBody>
-      </p:sp>
     </p:spTree>
   </p:cSld>
   <p:clrMapOvr>
@@ -7996,52 +7766,6 @@
           </a:p>
         </p:txBody>
       </p:sp>
-      <p:sp>
-        <p:nvSpPr>
-          <p:cNvPr id="13" name="TextBox 12"/>
-          <p:cNvSpPr txBox="1"/>
-          <p:nvPr/>
-        </p:nvSpPr>
-        <p:spPr>
-          <a:xfrm>
-            <a:off x="457200" y="6949440"/>
-            <a:ext cx="13716000" cy="1920240"/>
-          </a:xfrm>
-          <a:prstGeom prst="rect">
-            <a:avLst/>
-          </a:prstGeom>
-          <a:noFill/>
-        </p:spPr>
-        <p:txBody>
-          <a:bodyPr wrap="square">
-            <a:noAutofit/>
-          </a:bodyPr>
-          <a:lstStyle/>
-          <a:p>
-            <a:pPr>
-              <a:defRPr sz="1600">
-                <a:solidFill>
-                  <a:srgbClr val="000000"/>
-                </a:solidFill>
-                <a:latin typeface="Yu Gothic UI"/>
-              </a:defRPr>
-            </a:pPr>
-            <a:r>
-              <a:t>Use cases</a:t>
-            </a:r>
-          </a:p>
-          <a:p>
-            <a:pPr>
-              <a:defRPr sz="1000">
-                <a:latin typeface="Yu Gothic UI"/>
-              </a:defRPr>
-            </a:pPr>
-            <a:r>
-              <a:t>•hoge</a:t>
-            </a:r>
-          </a:p>
-        </p:txBody>
-      </p:sp>
     </p:spTree>
   </p:cSld>
   <p:clrMapOvr>
@@ -8685,52 +8409,6 @@
           </a:p>
         </p:txBody>
       </p:sp>
-      <p:sp>
-        <p:nvSpPr>
-          <p:cNvPr id="13" name="TextBox 12"/>
-          <p:cNvSpPr txBox="1"/>
-          <p:nvPr/>
-        </p:nvSpPr>
-        <p:spPr>
-          <a:xfrm>
-            <a:off x="457200" y="6949440"/>
-            <a:ext cx="13716000" cy="1920240"/>
-          </a:xfrm>
-          <a:prstGeom prst="rect">
-            <a:avLst/>
-          </a:prstGeom>
-          <a:noFill/>
-        </p:spPr>
-        <p:txBody>
-          <a:bodyPr wrap="square">
-            <a:noAutofit/>
-          </a:bodyPr>
-          <a:lstStyle/>
-          <a:p>
-            <a:pPr>
-              <a:defRPr sz="1600">
-                <a:solidFill>
-                  <a:srgbClr val="000000"/>
-                </a:solidFill>
-                <a:latin typeface="Yu Gothic UI"/>
-              </a:defRPr>
-            </a:pPr>
-            <a:r>
-              <a:t>Use cases</a:t>
-            </a:r>
-          </a:p>
-          <a:p>
-            <a:pPr>
-              <a:defRPr sz="1000">
-                <a:latin typeface="Yu Gothic UI"/>
-              </a:defRPr>
-            </a:pPr>
-            <a:r>
-              <a:t>•hoge</a:t>
-            </a:r>
-          </a:p>
-        </p:txBody>
-      </p:sp>
     </p:spTree>
   </p:cSld>
   <p:clrMapOvr>
@@ -9424,52 +9102,6 @@
           </a:p>
         </p:txBody>
       </p:sp>
-      <p:sp>
-        <p:nvSpPr>
-          <p:cNvPr id="13" name="TextBox 12"/>
-          <p:cNvSpPr txBox="1"/>
-          <p:nvPr/>
-        </p:nvSpPr>
-        <p:spPr>
-          <a:xfrm>
-            <a:off x="457200" y="6949440"/>
-            <a:ext cx="13716000" cy="1920240"/>
-          </a:xfrm>
-          <a:prstGeom prst="rect">
-            <a:avLst/>
-          </a:prstGeom>
-          <a:noFill/>
-        </p:spPr>
-        <p:txBody>
-          <a:bodyPr wrap="square">
-            <a:noAutofit/>
-          </a:bodyPr>
-          <a:lstStyle/>
-          <a:p>
-            <a:pPr>
-              <a:defRPr sz="1600">
-                <a:solidFill>
-                  <a:srgbClr val="000000"/>
-                </a:solidFill>
-                <a:latin typeface="Yu Gothic UI"/>
-              </a:defRPr>
-            </a:pPr>
-            <a:r>
-              <a:t>Use cases</a:t>
-            </a:r>
-          </a:p>
-          <a:p>
-            <a:pPr>
-              <a:defRPr sz="1000">
-                <a:latin typeface="Yu Gothic UI"/>
-              </a:defRPr>
-            </a:pPr>
-            <a:r>
-              <a:t>•hoge</a:t>
-            </a:r>
-          </a:p>
-        </p:txBody>
-      </p:sp>
     </p:spTree>
   </p:cSld>
   <p:clrMapOvr>
@@ -10113,52 +9745,6 @@
           </a:p>
         </p:txBody>
       </p:sp>
-      <p:sp>
-        <p:nvSpPr>
-          <p:cNvPr id="13" name="TextBox 12"/>
-          <p:cNvSpPr txBox="1"/>
-          <p:nvPr/>
-        </p:nvSpPr>
-        <p:spPr>
-          <a:xfrm>
-            <a:off x="457200" y="6949440"/>
-            <a:ext cx="13716000" cy="1920240"/>
-          </a:xfrm>
-          <a:prstGeom prst="rect">
-            <a:avLst/>
-          </a:prstGeom>
-          <a:noFill/>
-        </p:spPr>
-        <p:txBody>
-          <a:bodyPr wrap="square">
-            <a:noAutofit/>
-          </a:bodyPr>
-          <a:lstStyle/>
-          <a:p>
-            <a:pPr>
-              <a:defRPr sz="1600">
-                <a:solidFill>
-                  <a:srgbClr val="000000"/>
-                </a:solidFill>
-                <a:latin typeface="Yu Gothic UI"/>
-              </a:defRPr>
-            </a:pPr>
-            <a:r>
-              <a:t>Use cases</a:t>
-            </a:r>
-          </a:p>
-          <a:p>
-            <a:pPr>
-              <a:defRPr sz="1000">
-                <a:latin typeface="Yu Gothic UI"/>
-              </a:defRPr>
-            </a:pPr>
-            <a:r>
-              <a:t>•hoge</a:t>
-            </a:r>
-          </a:p>
-        </p:txBody>
-      </p:sp>
     </p:spTree>
   </p:cSld>
   <p:clrMapOvr>
@@ -10822,52 +10408,6 @@
           </a:p>
         </p:txBody>
       </p:sp>
-      <p:sp>
-        <p:nvSpPr>
-          <p:cNvPr id="13" name="TextBox 12"/>
-          <p:cNvSpPr txBox="1"/>
-          <p:nvPr/>
-        </p:nvSpPr>
-        <p:spPr>
-          <a:xfrm>
-            <a:off x="457200" y="6949440"/>
-            <a:ext cx="13716000" cy="1920240"/>
-          </a:xfrm>
-          <a:prstGeom prst="rect">
-            <a:avLst/>
-          </a:prstGeom>
-          <a:noFill/>
-        </p:spPr>
-        <p:txBody>
-          <a:bodyPr wrap="square">
-            <a:noAutofit/>
-          </a:bodyPr>
-          <a:lstStyle/>
-          <a:p>
-            <a:pPr>
-              <a:defRPr sz="1600">
-                <a:solidFill>
-                  <a:srgbClr val="000000"/>
-                </a:solidFill>
-                <a:latin typeface="Yu Gothic UI"/>
-              </a:defRPr>
-            </a:pPr>
-            <a:r>
-              <a:t>Use cases</a:t>
-            </a:r>
-          </a:p>
-          <a:p>
-            <a:pPr>
-              <a:defRPr sz="1000">
-                <a:latin typeface="Yu Gothic UI"/>
-              </a:defRPr>
-            </a:pPr>
-            <a:r>
-              <a:t>•hoge</a:t>
-            </a:r>
-          </a:p>
-        </p:txBody>
-      </p:sp>
     </p:spTree>
   </p:cSld>
   <p:clrMapOvr>
@@ -11531,52 +11071,6 @@
           </a:p>
         </p:txBody>
       </p:sp>
-      <p:sp>
-        <p:nvSpPr>
-          <p:cNvPr id="13" name="TextBox 12"/>
-          <p:cNvSpPr txBox="1"/>
-          <p:nvPr/>
-        </p:nvSpPr>
-        <p:spPr>
-          <a:xfrm>
-            <a:off x="457200" y="6949440"/>
-            <a:ext cx="13716000" cy="1920240"/>
-          </a:xfrm>
-          <a:prstGeom prst="rect">
-            <a:avLst/>
-          </a:prstGeom>
-          <a:noFill/>
-        </p:spPr>
-        <p:txBody>
-          <a:bodyPr wrap="square">
-            <a:noAutofit/>
-          </a:bodyPr>
-          <a:lstStyle/>
-          <a:p>
-            <a:pPr>
-              <a:defRPr sz="1600">
-                <a:solidFill>
-                  <a:srgbClr val="000000"/>
-                </a:solidFill>
-                <a:latin typeface="Yu Gothic UI"/>
-              </a:defRPr>
-            </a:pPr>
-            <a:r>
-              <a:t>Use cases</a:t>
-            </a:r>
-          </a:p>
-          <a:p>
-            <a:pPr>
-              <a:defRPr sz="1000">
-                <a:latin typeface="Yu Gothic UI"/>
-              </a:defRPr>
-            </a:pPr>
-            <a:r>
-              <a:t>•hoge</a:t>
-            </a:r>
-          </a:p>
-        </p:txBody>
-      </p:sp>
     </p:spTree>
   </p:cSld>
   <p:clrMapOvr>
@@ -12260,52 +11754,6 @@
           </a:p>
         </p:txBody>
       </p:sp>
-      <p:sp>
-        <p:nvSpPr>
-          <p:cNvPr id="13" name="TextBox 12"/>
-          <p:cNvSpPr txBox="1"/>
-          <p:nvPr/>
-        </p:nvSpPr>
-        <p:spPr>
-          <a:xfrm>
-            <a:off x="457200" y="6949440"/>
-            <a:ext cx="13716000" cy="1920240"/>
-          </a:xfrm>
-          <a:prstGeom prst="rect">
-            <a:avLst/>
-          </a:prstGeom>
-          <a:noFill/>
-        </p:spPr>
-        <p:txBody>
-          <a:bodyPr wrap="square">
-            <a:noAutofit/>
-          </a:bodyPr>
-          <a:lstStyle/>
-          <a:p>
-            <a:pPr>
-              <a:defRPr sz="1600">
-                <a:solidFill>
-                  <a:srgbClr val="000000"/>
-                </a:solidFill>
-                <a:latin typeface="Yu Gothic UI"/>
-              </a:defRPr>
-            </a:pPr>
-            <a:r>
-              <a:t>Use cases</a:t>
-            </a:r>
-          </a:p>
-          <a:p>
-            <a:pPr>
-              <a:defRPr sz="1000">
-                <a:latin typeface="Yu Gothic UI"/>
-              </a:defRPr>
-            </a:pPr>
-            <a:r>
-              <a:t>•hoge</a:t>
-            </a:r>
-          </a:p>
-        </p:txBody>
-      </p:sp>
     </p:spTree>
   </p:cSld>
   <p:clrMapOvr>
@@ -13039,52 +12487,6 @@
           </a:p>
         </p:txBody>
       </p:sp>
-      <p:sp>
-        <p:nvSpPr>
-          <p:cNvPr id="13" name="TextBox 12"/>
-          <p:cNvSpPr txBox="1"/>
-          <p:nvPr/>
-        </p:nvSpPr>
-        <p:spPr>
-          <a:xfrm>
-            <a:off x="457200" y="6949440"/>
-            <a:ext cx="13716000" cy="1920240"/>
-          </a:xfrm>
-          <a:prstGeom prst="rect">
-            <a:avLst/>
-          </a:prstGeom>
-          <a:noFill/>
-        </p:spPr>
-        <p:txBody>
-          <a:bodyPr wrap="square">
-            <a:noAutofit/>
-          </a:bodyPr>
-          <a:lstStyle/>
-          <a:p>
-            <a:pPr>
-              <a:defRPr sz="1600">
-                <a:solidFill>
-                  <a:srgbClr val="000000"/>
-                </a:solidFill>
-                <a:latin typeface="Yu Gothic UI"/>
-              </a:defRPr>
-            </a:pPr>
-            <a:r>
-              <a:t>Use cases</a:t>
-            </a:r>
-          </a:p>
-          <a:p>
-            <a:pPr>
-              <a:defRPr sz="1000">
-                <a:latin typeface="Yu Gothic UI"/>
-              </a:defRPr>
-            </a:pPr>
-            <a:r>
-              <a:t>•hoge</a:t>
-            </a:r>
-          </a:p>
-        </p:txBody>
-      </p:sp>
     </p:spTree>
   </p:cSld>
   <p:clrMapOvr>
@@ -13768,52 +13170,6 @@
           </a:p>
         </p:txBody>
       </p:sp>
-      <p:sp>
-        <p:nvSpPr>
-          <p:cNvPr id="13" name="TextBox 12"/>
-          <p:cNvSpPr txBox="1"/>
-          <p:nvPr/>
-        </p:nvSpPr>
-        <p:spPr>
-          <a:xfrm>
-            <a:off x="457200" y="6949440"/>
-            <a:ext cx="13716000" cy="1920240"/>
-          </a:xfrm>
-          <a:prstGeom prst="rect">
-            <a:avLst/>
-          </a:prstGeom>
-          <a:noFill/>
-        </p:spPr>
-        <p:txBody>
-          <a:bodyPr wrap="square">
-            <a:noAutofit/>
-          </a:bodyPr>
-          <a:lstStyle/>
-          <a:p>
-            <a:pPr>
-              <a:defRPr sz="1600">
-                <a:solidFill>
-                  <a:srgbClr val="000000"/>
-                </a:solidFill>
-                <a:latin typeface="Yu Gothic UI"/>
-              </a:defRPr>
-            </a:pPr>
-            <a:r>
-              <a:t>Use cases</a:t>
-            </a:r>
-          </a:p>
-          <a:p>
-            <a:pPr>
-              <a:defRPr sz="1000">
-                <a:latin typeface="Yu Gothic UI"/>
-              </a:defRPr>
-            </a:pPr>
-            <a:r>
-              <a:t>•hoge</a:t>
-            </a:r>
-          </a:p>
-        </p:txBody>
-      </p:sp>
     </p:spTree>
   </p:cSld>
   <p:clrMapOvr>
@@ -14473,52 +13829,6 @@
             </a:pPr>
             <a:r>
               <a:t>•サポートとカスタマイズサービスの料金</a:t>
-            </a:r>
-          </a:p>
-        </p:txBody>
-      </p:sp>
-      <p:sp>
-        <p:nvSpPr>
-          <p:cNvPr id="13" name="TextBox 12"/>
-          <p:cNvSpPr txBox="1"/>
-          <p:nvPr/>
-        </p:nvSpPr>
-        <p:spPr>
-          <a:xfrm>
-            <a:off x="457200" y="6949440"/>
-            <a:ext cx="13716000" cy="1920240"/>
-          </a:xfrm>
-          <a:prstGeom prst="rect">
-            <a:avLst/>
-          </a:prstGeom>
-          <a:noFill/>
-        </p:spPr>
-        <p:txBody>
-          <a:bodyPr wrap="square">
-            <a:noAutofit/>
-          </a:bodyPr>
-          <a:lstStyle/>
-          <a:p>
-            <a:pPr>
-              <a:defRPr sz="1600">
-                <a:solidFill>
-                  <a:srgbClr val="000000"/>
-                </a:solidFill>
-                <a:latin typeface="Yu Gothic UI"/>
-              </a:defRPr>
-            </a:pPr>
-            <a:r>
-              <a:t>Use cases</a:t>
-            </a:r>
-          </a:p>
-          <a:p>
-            <a:pPr>
-              <a:defRPr sz="1000">
-                <a:latin typeface="Yu Gothic UI"/>
-              </a:defRPr>
-            </a:pPr>
-            <a:r>
-              <a:t>•hoge</a:t>
             </a:r>
           </a:p>
         </p:txBody>

--- a/sample.pptx
+++ b/sample.pptx
@@ -3205,7 +3205,7 @@
               </a:defRPr>
             </a:pPr>
             <a:r>
-              <a:t>Problem</a:t>
+              <a:t>2. Problem</a:t>
             </a:r>
           </a:p>
           <a:p>
@@ -3276,7 +3276,7 @@
               </a:defRPr>
             </a:pPr>
             <a:r>
-              <a:t>Solution</a:t>
+              <a:t>4. Solution</a:t>
             </a:r>
           </a:p>
           <a:p>
@@ -3347,7 +3347,7 @@
               </a:defRPr>
             </a:pPr>
             <a:r>
-              <a:t>Key Metrics</a:t>
+              <a:t>8. Key Metrics</a:t>
             </a:r>
           </a:p>
           <a:p>
@@ -3418,7 +3418,7 @@
               </a:defRPr>
             </a:pPr>
             <a:r>
-              <a:t>Unique Value Proposition</a:t>
+              <a:t>3. Unique Value Proposition</a:t>
             </a:r>
           </a:p>
           <a:p>
@@ -3479,7 +3479,7 @@
               </a:defRPr>
             </a:pPr>
             <a:r>
-              <a:t>Unfair Advantage</a:t>
+              <a:t>9. Unfair Advantage</a:t>
             </a:r>
           </a:p>
           <a:p>
@@ -3540,7 +3540,7 @@
               </a:defRPr>
             </a:pPr>
             <a:r>
-              <a:t>Channels</a:t>
+              <a:t>5. Channels</a:t>
             </a:r>
           </a:p>
           <a:p>
@@ -3611,7 +3611,7 @@
               </a:defRPr>
             </a:pPr>
             <a:r>
-              <a:t>Customer Segments</a:t>
+              <a:t>1. Customer Segments</a:t>
             </a:r>
           </a:p>
           <a:p>
@@ -3672,7 +3672,7 @@
               </a:defRPr>
             </a:pPr>
             <a:r>
-              <a:t>Cost Structure</a:t>
+              <a:t>7. Cost Structure</a:t>
             </a:r>
           </a:p>
           <a:p>
@@ -3743,7 +3743,7 @@
               </a:defRPr>
             </a:pPr>
             <a:r>
-              <a:t>Revenue Streams</a:t>
+              <a:t>6. Revenue Streams</a:t>
             </a:r>
           </a:p>
           <a:p>
@@ -3878,7 +3878,7 @@
               </a:defRPr>
             </a:pPr>
             <a:r>
-              <a:t>Problem</a:t>
+              <a:t>2. Problem</a:t>
             </a:r>
           </a:p>
           <a:p>
@@ -3949,7 +3949,7 @@
               </a:defRPr>
             </a:pPr>
             <a:r>
-              <a:t>Solution</a:t>
+              <a:t>4. Solution</a:t>
             </a:r>
           </a:p>
           <a:p>
@@ -4020,7 +4020,7 @@
               </a:defRPr>
             </a:pPr>
             <a:r>
-              <a:t>Key Metrics</a:t>
+              <a:t>8. Key Metrics</a:t>
             </a:r>
           </a:p>
           <a:p>
@@ -4091,7 +4091,7 @@
               </a:defRPr>
             </a:pPr>
             <a:r>
-              <a:t>Unique Value Proposition</a:t>
+              <a:t>3. Unique Value Proposition</a:t>
             </a:r>
           </a:p>
           <a:p>
@@ -4142,7 +4142,7 @@
               </a:defRPr>
             </a:pPr>
             <a:r>
-              <a:t>Unfair Advantage</a:t>
+              <a:t>9. Unfair Advantage</a:t>
             </a:r>
           </a:p>
           <a:p>
@@ -4203,7 +4203,7 @@
               </a:defRPr>
             </a:pPr>
             <a:r>
-              <a:t>Channels</a:t>
+              <a:t>5. Channels</a:t>
             </a:r>
           </a:p>
           <a:p>
@@ -4274,7 +4274,7 @@
               </a:defRPr>
             </a:pPr>
             <a:r>
-              <a:t>Customer Segments</a:t>
+              <a:t>1. Customer Segments</a:t>
             </a:r>
           </a:p>
           <a:p>
@@ -4345,7 +4345,7 @@
               </a:defRPr>
             </a:pPr>
             <a:r>
-              <a:t>Cost Structure</a:t>
+              <a:t>7. Cost Structure</a:t>
             </a:r>
           </a:p>
           <a:p>
@@ -4416,7 +4416,7 @@
               </a:defRPr>
             </a:pPr>
             <a:r>
-              <a:t>Revenue Streams</a:t>
+              <a:t>6. Revenue Streams</a:t>
             </a:r>
           </a:p>
           <a:p>
@@ -4571,7 +4571,7 @@
               </a:defRPr>
             </a:pPr>
             <a:r>
-              <a:t>Problem</a:t>
+              <a:t>2. Problem</a:t>
             </a:r>
           </a:p>
           <a:p>
@@ -4642,7 +4642,7 @@
               </a:defRPr>
             </a:pPr>
             <a:r>
-              <a:t>Solution</a:t>
+              <a:t>4. Solution</a:t>
             </a:r>
           </a:p>
           <a:p>
@@ -4713,7 +4713,7 @@
               </a:defRPr>
             </a:pPr>
             <a:r>
-              <a:t>Key Metrics</a:t>
+              <a:t>8. Key Metrics</a:t>
             </a:r>
           </a:p>
           <a:p>
@@ -4784,7 +4784,7 @@
               </a:defRPr>
             </a:pPr>
             <a:r>
-              <a:t>Unique Value Proposition</a:t>
+              <a:t>3. Unique Value Proposition</a:t>
             </a:r>
           </a:p>
           <a:p>
@@ -4835,7 +4835,7 @@
               </a:defRPr>
             </a:pPr>
             <a:r>
-              <a:t>Unfair Advantage</a:t>
+              <a:t>9. Unfair Advantage</a:t>
             </a:r>
           </a:p>
           <a:p>
@@ -4896,7 +4896,7 @@
               </a:defRPr>
             </a:pPr>
             <a:r>
-              <a:t>Channels</a:t>
+              <a:t>5. Channels</a:t>
             </a:r>
           </a:p>
           <a:p>
@@ -4967,7 +4967,7 @@
               </a:defRPr>
             </a:pPr>
             <a:r>
-              <a:t>Customer Segments</a:t>
+              <a:t>1. Customer Segments</a:t>
             </a:r>
           </a:p>
           <a:p>
@@ -5038,7 +5038,7 @@
               </a:defRPr>
             </a:pPr>
             <a:r>
-              <a:t>Cost Structure</a:t>
+              <a:t>7. Cost Structure</a:t>
             </a:r>
           </a:p>
           <a:p>
@@ -5109,7 +5109,7 @@
               </a:defRPr>
             </a:pPr>
             <a:r>
-              <a:t>Revenue Streams</a:t>
+              <a:t>6. Revenue Streams</a:t>
             </a:r>
           </a:p>
           <a:p>
@@ -5264,7 +5264,7 @@
               </a:defRPr>
             </a:pPr>
             <a:r>
-              <a:t>Problem</a:t>
+              <a:t>2. Problem</a:t>
             </a:r>
           </a:p>
           <a:p>
@@ -5335,7 +5335,7 @@
               </a:defRPr>
             </a:pPr>
             <a:r>
-              <a:t>Solution</a:t>
+              <a:t>4. Solution</a:t>
             </a:r>
           </a:p>
           <a:p>
@@ -5406,7 +5406,7 @@
               </a:defRPr>
             </a:pPr>
             <a:r>
-              <a:t>Key Metrics</a:t>
+              <a:t>8. Key Metrics</a:t>
             </a:r>
           </a:p>
           <a:p>
@@ -5477,7 +5477,7 @@
               </a:defRPr>
             </a:pPr>
             <a:r>
-              <a:t>Unique Value Proposition</a:t>
+              <a:t>3. Unique Value Proposition</a:t>
             </a:r>
           </a:p>
           <a:p>
@@ -5528,7 +5528,7 @@
               </a:defRPr>
             </a:pPr>
             <a:r>
-              <a:t>Unfair Advantage</a:t>
+              <a:t>9. Unfair Advantage</a:t>
             </a:r>
           </a:p>
           <a:p>
@@ -5589,7 +5589,7 @@
               </a:defRPr>
             </a:pPr>
             <a:r>
-              <a:t>Channels</a:t>
+              <a:t>5. Channels</a:t>
             </a:r>
           </a:p>
           <a:p>
@@ -5660,7 +5660,7 @@
               </a:defRPr>
             </a:pPr>
             <a:r>
-              <a:t>Customer Segments</a:t>
+              <a:t>1. Customer Segments</a:t>
             </a:r>
           </a:p>
           <a:p>
@@ -5721,7 +5721,7 @@
               </a:defRPr>
             </a:pPr>
             <a:r>
-              <a:t>Cost Structure</a:t>
+              <a:t>7. Cost Structure</a:t>
             </a:r>
           </a:p>
           <a:p>
@@ -5792,7 +5792,7 @@
               </a:defRPr>
             </a:pPr>
             <a:r>
-              <a:t>Revenue Streams</a:t>
+              <a:t>6. Revenue Streams</a:t>
             </a:r>
           </a:p>
           <a:p>
@@ -5947,7 +5947,7 @@
               </a:defRPr>
             </a:pPr>
             <a:r>
-              <a:t>Problem</a:t>
+              <a:t>2. Problem</a:t>
             </a:r>
           </a:p>
           <a:p>
@@ -6008,7 +6008,7 @@
               </a:defRPr>
             </a:pPr>
             <a:r>
-              <a:t>Solution</a:t>
+              <a:t>4. Solution</a:t>
             </a:r>
           </a:p>
           <a:p>
@@ -6069,7 +6069,7 @@
               </a:defRPr>
             </a:pPr>
             <a:r>
-              <a:t>Key Metrics</a:t>
+              <a:t>8. Key Metrics</a:t>
             </a:r>
           </a:p>
           <a:p>
@@ -6140,7 +6140,7 @@
               </a:defRPr>
             </a:pPr>
             <a:r>
-              <a:t>Unique Value Proposition</a:t>
+              <a:t>3. Unique Value Proposition</a:t>
             </a:r>
           </a:p>
           <a:p>
@@ -6191,7 +6191,7 @@
               </a:defRPr>
             </a:pPr>
             <a:r>
-              <a:t>Unfair Advantage</a:t>
+              <a:t>9. Unfair Advantage</a:t>
             </a:r>
           </a:p>
           <a:p>
@@ -6252,7 +6252,7 @@
               </a:defRPr>
             </a:pPr>
             <a:r>
-              <a:t>Channels</a:t>
+              <a:t>5. Channels</a:t>
             </a:r>
           </a:p>
           <a:p>
@@ -6313,7 +6313,7 @@
               </a:defRPr>
             </a:pPr>
             <a:r>
-              <a:t>Customer Segments</a:t>
+              <a:t>1. Customer Segments</a:t>
             </a:r>
           </a:p>
           <a:p>
@@ -6374,7 +6374,7 @@
               </a:defRPr>
             </a:pPr>
             <a:r>
-              <a:t>Cost Structure</a:t>
+              <a:t>7. Cost Structure</a:t>
             </a:r>
           </a:p>
           <a:p>
@@ -6435,7 +6435,7 @@
               </a:defRPr>
             </a:pPr>
             <a:r>
-              <a:t>Revenue Streams</a:t>
+              <a:t>6. Revenue Streams</a:t>
             </a:r>
           </a:p>
           <a:p>
@@ -6590,7 +6590,7 @@
               </a:defRPr>
             </a:pPr>
             <a:r>
-              <a:t>Problem</a:t>
+              <a:t>2. Problem</a:t>
             </a:r>
           </a:p>
           <a:p>
@@ -6651,7 +6651,7 @@
               </a:defRPr>
             </a:pPr>
             <a:r>
-              <a:t>Solution</a:t>
+              <a:t>4. Solution</a:t>
             </a:r>
           </a:p>
           <a:p>
@@ -6712,7 +6712,7 @@
               </a:defRPr>
             </a:pPr>
             <a:r>
-              <a:t>Key Metrics</a:t>
+              <a:t>8. Key Metrics</a:t>
             </a:r>
           </a:p>
           <a:p>
@@ -6783,7 +6783,7 @@
               </a:defRPr>
             </a:pPr>
             <a:r>
-              <a:t>Unique Value Proposition</a:t>
+              <a:t>3. Unique Value Proposition</a:t>
             </a:r>
           </a:p>
           <a:p>
@@ -6834,7 +6834,7 @@
               </a:defRPr>
             </a:pPr>
             <a:r>
-              <a:t>Unfair Advantage</a:t>
+              <a:t>9. Unfair Advantage</a:t>
             </a:r>
           </a:p>
           <a:p>
@@ -6895,7 +6895,7 @@
               </a:defRPr>
             </a:pPr>
             <a:r>
-              <a:t>Channels</a:t>
+              <a:t>5. Channels</a:t>
             </a:r>
           </a:p>
           <a:p>
@@ -6956,7 +6956,7 @@
               </a:defRPr>
             </a:pPr>
             <a:r>
-              <a:t>Customer Segments</a:t>
+              <a:t>1. Customer Segments</a:t>
             </a:r>
           </a:p>
           <a:p>
@@ -7017,7 +7017,7 @@
               </a:defRPr>
             </a:pPr>
             <a:r>
-              <a:t>Cost Structure</a:t>
+              <a:t>7. Cost Structure</a:t>
             </a:r>
           </a:p>
           <a:p>
@@ -7088,7 +7088,7 @@
               </a:defRPr>
             </a:pPr>
             <a:r>
-              <a:t>Revenue Streams</a:t>
+              <a:t>6. Revenue Streams</a:t>
             </a:r>
           </a:p>
           <a:p>
@@ -7243,7 +7243,7 @@
               </a:defRPr>
             </a:pPr>
             <a:r>
-              <a:t>Problem</a:t>
+              <a:t>2. Problem</a:t>
             </a:r>
           </a:p>
           <a:p>
@@ -7304,7 +7304,7 @@
               </a:defRPr>
             </a:pPr>
             <a:r>
-              <a:t>Solution</a:t>
+              <a:t>4. Solution</a:t>
             </a:r>
           </a:p>
           <a:p>
@@ -7365,7 +7365,7 @@
               </a:defRPr>
             </a:pPr>
             <a:r>
-              <a:t>Key Metrics</a:t>
+              <a:t>8. Key Metrics</a:t>
             </a:r>
           </a:p>
           <a:p>
@@ -7436,7 +7436,7 @@
               </a:defRPr>
             </a:pPr>
             <a:r>
-              <a:t>Unique Value Proposition</a:t>
+              <a:t>3. Unique Value Proposition</a:t>
             </a:r>
           </a:p>
           <a:p>
@@ -7487,7 +7487,7 @@
               </a:defRPr>
             </a:pPr>
             <a:r>
-              <a:t>Unfair Advantage</a:t>
+              <a:t>9. Unfair Advantage</a:t>
             </a:r>
           </a:p>
           <a:p>
@@ -7548,7 +7548,7 @@
               </a:defRPr>
             </a:pPr>
             <a:r>
-              <a:t>Channels</a:t>
+              <a:t>5. Channels</a:t>
             </a:r>
           </a:p>
           <a:p>
@@ -7609,7 +7609,7 @@
               </a:defRPr>
             </a:pPr>
             <a:r>
-              <a:t>Customer Segments</a:t>
+              <a:t>1. Customer Segments</a:t>
             </a:r>
           </a:p>
           <a:p>
@@ -7670,7 +7670,7 @@
               </a:defRPr>
             </a:pPr>
             <a:r>
-              <a:t>Cost Structure</a:t>
+              <a:t>7. Cost Structure</a:t>
             </a:r>
           </a:p>
           <a:p>
@@ -7741,7 +7741,7 @@
               </a:defRPr>
             </a:pPr>
             <a:r>
-              <a:t>Revenue Streams</a:t>
+              <a:t>6. Revenue Streams</a:t>
             </a:r>
           </a:p>
           <a:p>
@@ -7886,7 +7886,7 @@
               </a:defRPr>
             </a:pPr>
             <a:r>
-              <a:t>Problem</a:t>
+              <a:t>2. Problem</a:t>
             </a:r>
           </a:p>
           <a:p>
@@ -7947,7 +7947,7 @@
               </a:defRPr>
             </a:pPr>
             <a:r>
-              <a:t>Solution</a:t>
+              <a:t>4. Solution</a:t>
             </a:r>
           </a:p>
           <a:p>
@@ -8008,7 +8008,7 @@
               </a:defRPr>
             </a:pPr>
             <a:r>
-              <a:t>Key Metrics</a:t>
+              <a:t>8. Key Metrics</a:t>
             </a:r>
           </a:p>
           <a:p>
@@ -8079,7 +8079,7 @@
               </a:defRPr>
             </a:pPr>
             <a:r>
-              <a:t>Unique Value Proposition</a:t>
+              <a:t>3. Unique Value Proposition</a:t>
             </a:r>
           </a:p>
           <a:p>
@@ -8130,7 +8130,7 @@
               </a:defRPr>
             </a:pPr>
             <a:r>
-              <a:t>Unfair Advantage</a:t>
+              <a:t>9. Unfair Advantage</a:t>
             </a:r>
           </a:p>
           <a:p>
@@ -8191,7 +8191,7 @@
               </a:defRPr>
             </a:pPr>
             <a:r>
-              <a:t>Channels</a:t>
+              <a:t>5. Channels</a:t>
             </a:r>
           </a:p>
           <a:p>
@@ -8252,7 +8252,7 @@
               </a:defRPr>
             </a:pPr>
             <a:r>
-              <a:t>Customer Segments</a:t>
+              <a:t>1. Customer Segments</a:t>
             </a:r>
           </a:p>
           <a:p>
@@ -8313,7 +8313,7 @@
               </a:defRPr>
             </a:pPr>
             <a:r>
-              <a:t>Cost Structure</a:t>
+              <a:t>7. Cost Structure</a:t>
             </a:r>
           </a:p>
           <a:p>
@@ -8384,7 +8384,7 @@
               </a:defRPr>
             </a:pPr>
             <a:r>
-              <a:t>Revenue Streams</a:t>
+              <a:t>6. Revenue Streams</a:t>
             </a:r>
           </a:p>
           <a:p>
@@ -8529,7 +8529,7 @@
               </a:defRPr>
             </a:pPr>
             <a:r>
-              <a:t>Problem</a:t>
+              <a:t>2. Problem</a:t>
             </a:r>
           </a:p>
           <a:p>
@@ -8600,7 +8600,7 @@
               </a:defRPr>
             </a:pPr>
             <a:r>
-              <a:t>Solution</a:t>
+              <a:t>4. Solution</a:t>
             </a:r>
           </a:p>
           <a:p>
@@ -8671,7 +8671,7 @@
               </a:defRPr>
             </a:pPr>
             <a:r>
-              <a:t>Key Metrics</a:t>
+              <a:t>8. Key Metrics</a:t>
             </a:r>
           </a:p>
           <a:p>
@@ -8742,7 +8742,7 @@
               </a:defRPr>
             </a:pPr>
             <a:r>
-              <a:t>Unique Value Proposition</a:t>
+              <a:t>3. Unique Value Proposition</a:t>
             </a:r>
           </a:p>
           <a:p>
@@ -8813,7 +8813,7 @@
               </a:defRPr>
             </a:pPr>
             <a:r>
-              <a:t>Unfair Advantage</a:t>
+              <a:t>9. Unfair Advantage</a:t>
             </a:r>
           </a:p>
           <a:p>
@@ -8874,7 +8874,7 @@
               </a:defRPr>
             </a:pPr>
             <a:r>
-              <a:t>Channels</a:t>
+              <a:t>5. Channels</a:t>
             </a:r>
           </a:p>
           <a:p>
@@ -8945,7 +8945,7 @@
               </a:defRPr>
             </a:pPr>
             <a:r>
-              <a:t>Customer Segments</a:t>
+              <a:t>1. Customer Segments</a:t>
             </a:r>
           </a:p>
           <a:p>
@@ -9006,7 +9006,7 @@
               </a:defRPr>
             </a:pPr>
             <a:r>
-              <a:t>Cost Structure</a:t>
+              <a:t>7. Cost Structure</a:t>
             </a:r>
           </a:p>
           <a:p>
@@ -9077,7 +9077,7 @@
               </a:defRPr>
             </a:pPr>
             <a:r>
-              <a:t>Revenue Streams</a:t>
+              <a:t>6. Revenue Streams</a:t>
             </a:r>
           </a:p>
           <a:p>
@@ -9222,7 +9222,7 @@
               </a:defRPr>
             </a:pPr>
             <a:r>
-              <a:t>Problem</a:t>
+              <a:t>2. Problem</a:t>
             </a:r>
           </a:p>
           <a:p>
@@ -9283,7 +9283,7 @@
               </a:defRPr>
             </a:pPr>
             <a:r>
-              <a:t>Solution</a:t>
+              <a:t>4. Solution</a:t>
             </a:r>
           </a:p>
           <a:p>
@@ -9344,7 +9344,7 @@
               </a:defRPr>
             </a:pPr>
             <a:r>
-              <a:t>Key Metrics</a:t>
+              <a:t>8. Key Metrics</a:t>
             </a:r>
           </a:p>
           <a:p>
@@ -9415,7 +9415,7 @@
               </a:defRPr>
             </a:pPr>
             <a:r>
-              <a:t>Unique Value Proposition</a:t>
+              <a:t>3. Unique Value Proposition</a:t>
             </a:r>
           </a:p>
           <a:p>
@@ -9466,7 +9466,7 @@
               </a:defRPr>
             </a:pPr>
             <a:r>
-              <a:t>Unfair Advantage</a:t>
+              <a:t>9. Unfair Advantage</a:t>
             </a:r>
           </a:p>
           <a:p>
@@ -9527,7 +9527,7 @@
               </a:defRPr>
             </a:pPr>
             <a:r>
-              <a:t>Channels</a:t>
+              <a:t>5. Channels</a:t>
             </a:r>
           </a:p>
           <a:p>
@@ -9588,7 +9588,7 @@
               </a:defRPr>
             </a:pPr>
             <a:r>
-              <a:t>Customer Segments</a:t>
+              <a:t>1. Customer Segments</a:t>
             </a:r>
           </a:p>
           <a:p>
@@ -9649,7 +9649,7 @@
               </a:defRPr>
             </a:pPr>
             <a:r>
-              <a:t>Cost Structure</a:t>
+              <a:t>7. Cost Structure</a:t>
             </a:r>
           </a:p>
           <a:p>
@@ -9720,7 +9720,7 @@
               </a:defRPr>
             </a:pPr>
             <a:r>
-              <a:t>Revenue Streams</a:t>
+              <a:t>6. Revenue Streams</a:t>
             </a:r>
           </a:p>
           <a:p>
@@ -9865,7 +9865,7 @@
               </a:defRPr>
             </a:pPr>
             <a:r>
-              <a:t>Problem</a:t>
+              <a:t>2. Problem</a:t>
             </a:r>
           </a:p>
           <a:p>
@@ -9926,7 +9926,7 @@
               </a:defRPr>
             </a:pPr>
             <a:r>
-              <a:t>Solution</a:t>
+              <a:t>4. Solution</a:t>
             </a:r>
           </a:p>
           <a:p>
@@ -9987,7 +9987,7 @@
               </a:defRPr>
             </a:pPr>
             <a:r>
-              <a:t>Key Metrics</a:t>
+              <a:t>8. Key Metrics</a:t>
             </a:r>
           </a:p>
           <a:p>
@@ -10058,7 +10058,7 @@
               </a:defRPr>
             </a:pPr>
             <a:r>
-              <a:t>Unique Value Proposition</a:t>
+              <a:t>3. Unique Value Proposition</a:t>
             </a:r>
           </a:p>
           <a:p>
@@ -10109,7 +10109,7 @@
               </a:defRPr>
             </a:pPr>
             <a:r>
-              <a:t>Unfair Advantage</a:t>
+              <a:t>9. Unfair Advantage</a:t>
             </a:r>
           </a:p>
           <a:p>
@@ -10170,7 +10170,7 @@
               </a:defRPr>
             </a:pPr>
             <a:r>
-              <a:t>Channels</a:t>
+              <a:t>5. Channels</a:t>
             </a:r>
           </a:p>
           <a:p>
@@ -10241,7 +10241,7 @@
               </a:defRPr>
             </a:pPr>
             <a:r>
-              <a:t>Customer Segments</a:t>
+              <a:t>1. Customer Segments</a:t>
             </a:r>
           </a:p>
           <a:p>
@@ -10302,7 +10302,7 @@
               </a:defRPr>
             </a:pPr>
             <a:r>
-              <a:t>Cost Structure</a:t>
+              <a:t>7. Cost Structure</a:t>
             </a:r>
           </a:p>
           <a:p>
@@ -10373,7 +10373,7 @@
               </a:defRPr>
             </a:pPr>
             <a:r>
-              <a:t>Revenue Streams</a:t>
+              <a:t>6. Revenue Streams</a:t>
             </a:r>
           </a:p>
           <a:p>
@@ -10528,7 +10528,7 @@
               </a:defRPr>
             </a:pPr>
             <a:r>
-              <a:t>Problem</a:t>
+              <a:t>2. Problem</a:t>
             </a:r>
           </a:p>
           <a:p>
@@ -10599,7 +10599,7 @@
               </a:defRPr>
             </a:pPr>
             <a:r>
-              <a:t>Solution</a:t>
+              <a:t>4. Solution</a:t>
             </a:r>
           </a:p>
           <a:p>
@@ -10670,7 +10670,7 @@
               </a:defRPr>
             </a:pPr>
             <a:r>
-              <a:t>Key Metrics</a:t>
+              <a:t>8. Key Metrics</a:t>
             </a:r>
           </a:p>
           <a:p>
@@ -10741,7 +10741,7 @@
               </a:defRPr>
             </a:pPr>
             <a:r>
-              <a:t>Unique Value Proposition</a:t>
+              <a:t>3. Unique Value Proposition</a:t>
             </a:r>
           </a:p>
           <a:p>
@@ -10792,7 +10792,7 @@
               </a:defRPr>
             </a:pPr>
             <a:r>
-              <a:t>Unfair Advantage</a:t>
+              <a:t>9. Unfair Advantage</a:t>
             </a:r>
           </a:p>
           <a:p>
@@ -10853,7 +10853,7 @@
               </a:defRPr>
             </a:pPr>
             <a:r>
-              <a:t>Channels</a:t>
+              <a:t>5. Channels</a:t>
             </a:r>
           </a:p>
           <a:p>
@@ -10914,7 +10914,7 @@
               </a:defRPr>
             </a:pPr>
             <a:r>
-              <a:t>Customer Segments</a:t>
+              <a:t>1. Customer Segments</a:t>
             </a:r>
           </a:p>
           <a:p>
@@ -10975,7 +10975,7 @@
               </a:defRPr>
             </a:pPr>
             <a:r>
-              <a:t>Cost Structure</a:t>
+              <a:t>7. Cost Structure</a:t>
             </a:r>
           </a:p>
           <a:p>
@@ -11046,7 +11046,7 @@
               </a:defRPr>
             </a:pPr>
             <a:r>
-              <a:t>Revenue Streams</a:t>
+              <a:t>6. Revenue Streams</a:t>
             </a:r>
           </a:p>
           <a:p>
@@ -11191,7 +11191,7 @@
               </a:defRPr>
             </a:pPr>
             <a:r>
-              <a:t>Problem</a:t>
+              <a:t>2. Problem</a:t>
             </a:r>
           </a:p>
           <a:p>
@@ -11262,7 +11262,7 @@
               </a:defRPr>
             </a:pPr>
             <a:r>
-              <a:t>Solution</a:t>
+              <a:t>4. Solution</a:t>
             </a:r>
           </a:p>
           <a:p>
@@ -11333,7 +11333,7 @@
               </a:defRPr>
             </a:pPr>
             <a:r>
-              <a:t>Key Metrics</a:t>
+              <a:t>8. Key Metrics</a:t>
             </a:r>
           </a:p>
           <a:p>
@@ -11404,7 +11404,7 @@
               </a:defRPr>
             </a:pPr>
             <a:r>
-              <a:t>Unique Value Proposition</a:t>
+              <a:t>3. Unique Value Proposition</a:t>
             </a:r>
           </a:p>
           <a:p>
@@ -11455,7 +11455,7 @@
               </a:defRPr>
             </a:pPr>
             <a:r>
-              <a:t>Unfair Advantage</a:t>
+              <a:t>9. Unfair Advantage</a:t>
             </a:r>
           </a:p>
           <a:p>
@@ -11516,7 +11516,7 @@
               </a:defRPr>
             </a:pPr>
             <a:r>
-              <a:t>Channels</a:t>
+              <a:t>5. Channels</a:t>
             </a:r>
           </a:p>
           <a:p>
@@ -11587,7 +11587,7 @@
               </a:defRPr>
             </a:pPr>
             <a:r>
-              <a:t>Customer Segments</a:t>
+              <a:t>1. Customer Segments</a:t>
             </a:r>
           </a:p>
           <a:p>
@@ -11658,7 +11658,7 @@
               </a:defRPr>
             </a:pPr>
             <a:r>
-              <a:t>Cost Structure</a:t>
+              <a:t>7. Cost Structure</a:t>
             </a:r>
           </a:p>
           <a:p>
@@ -11729,7 +11729,7 @@
               </a:defRPr>
             </a:pPr>
             <a:r>
-              <a:t>Revenue Streams</a:t>
+              <a:t>6. Revenue Streams</a:t>
             </a:r>
           </a:p>
           <a:p>
@@ -11874,7 +11874,7 @@
               </a:defRPr>
             </a:pPr>
             <a:r>
-              <a:t>Problem</a:t>
+              <a:t>2. Problem</a:t>
             </a:r>
           </a:p>
           <a:p>
@@ -11955,7 +11955,7 @@
               </a:defRPr>
             </a:pPr>
             <a:r>
-              <a:t>Solution</a:t>
+              <a:t>4. Solution</a:t>
             </a:r>
           </a:p>
           <a:p>
@@ -12046,7 +12046,7 @@
               </a:defRPr>
             </a:pPr>
             <a:r>
-              <a:t>Key Metrics</a:t>
+              <a:t>8. Key Metrics</a:t>
             </a:r>
           </a:p>
           <a:p>
@@ -12117,7 +12117,7 @@
               </a:defRPr>
             </a:pPr>
             <a:r>
-              <a:t>Unique Value Proposition</a:t>
+              <a:t>3. Unique Value Proposition</a:t>
             </a:r>
           </a:p>
           <a:p>
@@ -12188,7 +12188,7 @@
               </a:defRPr>
             </a:pPr>
             <a:r>
-              <a:t>Unfair Advantage</a:t>
+              <a:t>9. Unfair Advantage</a:t>
             </a:r>
           </a:p>
           <a:p>
@@ -12249,7 +12249,7 @@
               </a:defRPr>
             </a:pPr>
             <a:r>
-              <a:t>Channels</a:t>
+              <a:t>5. Channels</a:t>
             </a:r>
           </a:p>
           <a:p>
@@ -12320,7 +12320,7 @@
               </a:defRPr>
             </a:pPr>
             <a:r>
-              <a:t>Customer Segments</a:t>
+              <a:t>1. Customer Segments</a:t>
             </a:r>
           </a:p>
           <a:p>
@@ -12391,7 +12391,7 @@
               </a:defRPr>
             </a:pPr>
             <a:r>
-              <a:t>Cost Structure</a:t>
+              <a:t>7. Cost Structure</a:t>
             </a:r>
           </a:p>
           <a:p>
@@ -12462,7 +12462,7 @@
               </a:defRPr>
             </a:pPr>
             <a:r>
-              <a:t>Revenue Streams</a:t>
+              <a:t>6. Revenue Streams</a:t>
             </a:r>
           </a:p>
           <a:p>
@@ -12607,7 +12607,7 @@
               </a:defRPr>
             </a:pPr>
             <a:r>
-              <a:t>Problem</a:t>
+              <a:t>2. Problem</a:t>
             </a:r>
           </a:p>
           <a:p>
@@ -12678,7 +12678,7 @@
               </a:defRPr>
             </a:pPr>
             <a:r>
-              <a:t>Solution</a:t>
+              <a:t>4. Solution</a:t>
             </a:r>
           </a:p>
           <a:p>
@@ -12749,7 +12749,7 @@
               </a:defRPr>
             </a:pPr>
             <a:r>
-              <a:t>Key Metrics</a:t>
+              <a:t>8. Key Metrics</a:t>
             </a:r>
           </a:p>
           <a:p>
@@ -12820,7 +12820,7 @@
               </a:defRPr>
             </a:pPr>
             <a:r>
-              <a:t>Unique Value Proposition</a:t>
+              <a:t>3. Unique Value Proposition</a:t>
             </a:r>
           </a:p>
           <a:p>
@@ -12871,7 +12871,7 @@
               </a:defRPr>
             </a:pPr>
             <a:r>
-              <a:t>Unfair Advantage</a:t>
+              <a:t>9. Unfair Advantage</a:t>
             </a:r>
           </a:p>
           <a:p>
@@ -12932,7 +12932,7 @@
               </a:defRPr>
             </a:pPr>
             <a:r>
-              <a:t>Channels</a:t>
+              <a:t>5. Channels</a:t>
             </a:r>
           </a:p>
           <a:p>
@@ -13003,7 +13003,7 @@
               </a:defRPr>
             </a:pPr>
             <a:r>
-              <a:t>Customer Segments</a:t>
+              <a:t>1. Customer Segments</a:t>
             </a:r>
           </a:p>
           <a:p>
@@ -13064,7 +13064,7 @@
               </a:defRPr>
             </a:pPr>
             <a:r>
-              <a:t>Cost Structure</a:t>
+              <a:t>7. Cost Structure</a:t>
             </a:r>
           </a:p>
           <a:p>
@@ -13135,7 +13135,7 @@
               </a:defRPr>
             </a:pPr>
             <a:r>
-              <a:t>Revenue Streams</a:t>
+              <a:t>6. Revenue Streams</a:t>
             </a:r>
           </a:p>
           <a:p>
@@ -13290,7 +13290,7 @@
               </a:defRPr>
             </a:pPr>
             <a:r>
-              <a:t>Problem</a:t>
+              <a:t>2. Problem</a:t>
             </a:r>
           </a:p>
           <a:p>
@@ -13361,7 +13361,7 @@
               </a:defRPr>
             </a:pPr>
             <a:r>
-              <a:t>Solution</a:t>
+              <a:t>4. Solution</a:t>
             </a:r>
           </a:p>
           <a:p>
@@ -13432,7 +13432,7 @@
               </a:defRPr>
             </a:pPr>
             <a:r>
-              <a:t>Key Metrics</a:t>
+              <a:t>8. Key Metrics</a:t>
             </a:r>
           </a:p>
           <a:p>
@@ -13503,7 +13503,7 @@
               </a:defRPr>
             </a:pPr>
             <a:r>
-              <a:t>Unique Value Proposition</a:t>
+              <a:t>3. Unique Value Proposition</a:t>
             </a:r>
           </a:p>
           <a:p>
@@ -13554,7 +13554,7 @@
               </a:defRPr>
             </a:pPr>
             <a:r>
-              <a:t>Unfair Advantage</a:t>
+              <a:t>9. Unfair Advantage</a:t>
             </a:r>
           </a:p>
           <a:p>
@@ -13615,7 +13615,7 @@
               </a:defRPr>
             </a:pPr>
             <a:r>
-              <a:t>Channels</a:t>
+              <a:t>5. Channels</a:t>
             </a:r>
           </a:p>
           <a:p>
@@ -13676,7 +13676,7 @@
               </a:defRPr>
             </a:pPr>
             <a:r>
-              <a:t>Customer Segments</a:t>
+              <a:t>1. Customer Segments</a:t>
             </a:r>
           </a:p>
           <a:p>
@@ -13737,7 +13737,7 @@
               </a:defRPr>
             </a:pPr>
             <a:r>
-              <a:t>Cost Structure</a:t>
+              <a:t>7. Cost Structure</a:t>
             </a:r>
           </a:p>
           <a:p>
@@ -13808,7 +13808,7 @@
               </a:defRPr>
             </a:pPr>
             <a:r>
-              <a:t>Revenue Streams</a:t>
+              <a:t>6. Revenue Streams</a:t>
             </a:r>
           </a:p>
           <a:p>

--- a/sample.pptx
+++ b/sample.pptx
@@ -3127,6 +3127,9 @@
           <a:p>
             <a:pPr algn="l">
               <a:defRPr sz="2000">
+                <a:solidFill>
+                  <a:srgbClr val="000000"/>
+                </a:solidFill>
                 <a:latin typeface="Yu Gothic UI"/>
               </a:defRPr>
             </a:pPr>
@@ -3160,6 +3163,9 @@
           <a:p>
             <a:pPr algn="r">
               <a:defRPr sz="2000">
+                <a:solidFill>
+                  <a:srgbClr val="000000"/>
+                </a:solidFill>
                 <a:latin typeface="Yu Gothic UI"/>
               </a:defRPr>
             </a:pPr>
@@ -3211,6 +3217,9 @@
           <a:p>
             <a:pPr>
               <a:defRPr sz="1000">
+                <a:solidFill>
+                  <a:srgbClr val="000000"/>
+                </a:solidFill>
                 <a:latin typeface="Yu Gothic UI"/>
               </a:defRPr>
             </a:pPr>
@@ -3221,6 +3230,9 @@
           <a:p>
             <a:pPr>
               <a:defRPr sz="1000">
+                <a:solidFill>
+                  <a:srgbClr val="000000"/>
+                </a:solidFill>
                 <a:latin typeface="Yu Gothic UI"/>
               </a:defRPr>
             </a:pPr>
@@ -3231,6 +3243,9 @@
           <a:p>
             <a:pPr>
               <a:defRPr sz="1000">
+                <a:solidFill>
+                  <a:srgbClr val="000000"/>
+                </a:solidFill>
                 <a:latin typeface="Yu Gothic UI"/>
               </a:defRPr>
             </a:pPr>
@@ -3282,6 +3297,9 @@
           <a:p>
             <a:pPr>
               <a:defRPr sz="1000">
+                <a:solidFill>
+                  <a:srgbClr val="000000"/>
+                </a:solidFill>
                 <a:latin typeface="Yu Gothic UI"/>
               </a:defRPr>
             </a:pPr>
@@ -3292,6 +3310,9 @@
           <a:p>
             <a:pPr>
               <a:defRPr sz="1000">
+                <a:solidFill>
+                  <a:srgbClr val="000000"/>
+                </a:solidFill>
                 <a:latin typeface="Yu Gothic UI"/>
               </a:defRPr>
             </a:pPr>
@@ -3302,6 +3323,9 @@
           <a:p>
             <a:pPr>
               <a:defRPr sz="1000">
+                <a:solidFill>
+                  <a:srgbClr val="000000"/>
+                </a:solidFill>
                 <a:latin typeface="Yu Gothic UI"/>
               </a:defRPr>
             </a:pPr>
@@ -3353,6 +3377,9 @@
           <a:p>
             <a:pPr>
               <a:defRPr sz="1000">
+                <a:solidFill>
+                  <a:srgbClr val="000000"/>
+                </a:solidFill>
                 <a:latin typeface="Yu Gothic UI"/>
               </a:defRPr>
             </a:pPr>
@@ -3363,6 +3390,9 @@
           <a:p>
             <a:pPr>
               <a:defRPr sz="1000">
+                <a:solidFill>
+                  <a:srgbClr val="000000"/>
+                </a:solidFill>
                 <a:latin typeface="Yu Gothic UI"/>
               </a:defRPr>
             </a:pPr>
@@ -3373,6 +3403,9 @@
           <a:p>
             <a:pPr>
               <a:defRPr sz="1000">
+                <a:solidFill>
+                  <a:srgbClr val="000000"/>
+                </a:solidFill>
                 <a:latin typeface="Yu Gothic UI"/>
               </a:defRPr>
             </a:pPr>
@@ -3424,6 +3457,9 @@
           <a:p>
             <a:pPr>
               <a:defRPr sz="1000">
+                <a:solidFill>
+                  <a:srgbClr val="000000"/>
+                </a:solidFill>
                 <a:latin typeface="Yu Gothic UI"/>
               </a:defRPr>
             </a:pPr>
@@ -3434,6 +3470,9 @@
           <a:p>
             <a:pPr>
               <a:defRPr sz="1000">
+                <a:solidFill>
+                  <a:srgbClr val="000000"/>
+                </a:solidFill>
                 <a:latin typeface="Yu Gothic UI"/>
               </a:defRPr>
             </a:pPr>
@@ -3485,6 +3524,9 @@
           <a:p>
             <a:pPr>
               <a:defRPr sz="1000">
+                <a:solidFill>
+                  <a:srgbClr val="000000"/>
+                </a:solidFill>
                 <a:latin typeface="Yu Gothic UI"/>
               </a:defRPr>
             </a:pPr>
@@ -3495,6 +3537,9 @@
           <a:p>
             <a:pPr>
               <a:defRPr sz="1000">
+                <a:solidFill>
+                  <a:srgbClr val="000000"/>
+                </a:solidFill>
                 <a:latin typeface="Yu Gothic UI"/>
               </a:defRPr>
             </a:pPr>
@@ -3546,6 +3591,9 @@
           <a:p>
             <a:pPr>
               <a:defRPr sz="1000">
+                <a:solidFill>
+                  <a:srgbClr val="000000"/>
+                </a:solidFill>
                 <a:latin typeface="Yu Gothic UI"/>
               </a:defRPr>
             </a:pPr>
@@ -3556,6 +3604,9 @@
           <a:p>
             <a:pPr>
               <a:defRPr sz="1000">
+                <a:solidFill>
+                  <a:srgbClr val="000000"/>
+                </a:solidFill>
                 <a:latin typeface="Yu Gothic UI"/>
               </a:defRPr>
             </a:pPr>
@@ -3566,6 +3617,9 @@
           <a:p>
             <a:pPr>
               <a:defRPr sz="1000">
+                <a:solidFill>
+                  <a:srgbClr val="000000"/>
+                </a:solidFill>
                 <a:latin typeface="Yu Gothic UI"/>
               </a:defRPr>
             </a:pPr>
@@ -3617,6 +3671,9 @@
           <a:p>
             <a:pPr>
               <a:defRPr sz="1000">
+                <a:solidFill>
+                  <a:srgbClr val="000000"/>
+                </a:solidFill>
                 <a:latin typeface="Yu Gothic UI"/>
               </a:defRPr>
             </a:pPr>
@@ -3627,6 +3684,9 @@
           <a:p>
             <a:pPr>
               <a:defRPr sz="1000">
+                <a:solidFill>
+                  <a:srgbClr val="000000"/>
+                </a:solidFill>
                 <a:latin typeface="Yu Gothic UI"/>
               </a:defRPr>
             </a:pPr>
@@ -3678,6 +3738,9 @@
           <a:p>
             <a:pPr>
               <a:defRPr sz="1000">
+                <a:solidFill>
+                  <a:srgbClr val="000000"/>
+                </a:solidFill>
                 <a:latin typeface="Yu Gothic UI"/>
               </a:defRPr>
             </a:pPr>
@@ -3688,6 +3751,9 @@
           <a:p>
             <a:pPr>
               <a:defRPr sz="1000">
+                <a:solidFill>
+                  <a:srgbClr val="000000"/>
+                </a:solidFill>
                 <a:latin typeface="Yu Gothic UI"/>
               </a:defRPr>
             </a:pPr>
@@ -3698,6 +3764,9 @@
           <a:p>
             <a:pPr>
               <a:defRPr sz="1000">
+                <a:solidFill>
+                  <a:srgbClr val="000000"/>
+                </a:solidFill>
                 <a:latin typeface="Yu Gothic UI"/>
               </a:defRPr>
             </a:pPr>
@@ -3749,6 +3818,9 @@
           <a:p>
             <a:pPr>
               <a:defRPr sz="1000">
+                <a:solidFill>
+                  <a:srgbClr val="000000"/>
+                </a:solidFill>
                 <a:latin typeface="Yu Gothic UI"/>
               </a:defRPr>
             </a:pPr>
@@ -3800,6 +3872,9 @@
           <a:p>
             <a:pPr algn="l">
               <a:defRPr sz="2000">
+                <a:solidFill>
+                  <a:srgbClr val="000000"/>
+                </a:solidFill>
                 <a:latin typeface="Yu Gothic UI"/>
               </a:defRPr>
             </a:pPr>
@@ -3833,6 +3908,9 @@
           <a:p>
             <a:pPr algn="r">
               <a:defRPr sz="2000">
+                <a:solidFill>
+                  <a:srgbClr val="000000"/>
+                </a:solidFill>
                 <a:latin typeface="Yu Gothic UI"/>
               </a:defRPr>
             </a:pPr>
@@ -3884,6 +3962,9 @@
           <a:p>
             <a:pPr>
               <a:defRPr sz="1000">
+                <a:solidFill>
+                  <a:srgbClr val="000000"/>
+                </a:solidFill>
                 <a:latin typeface="Yu Gothic UI"/>
               </a:defRPr>
             </a:pPr>
@@ -3894,6 +3975,9 @@
           <a:p>
             <a:pPr>
               <a:defRPr sz="1000">
+                <a:solidFill>
+                  <a:srgbClr val="000000"/>
+                </a:solidFill>
                 <a:latin typeface="Yu Gothic UI"/>
               </a:defRPr>
             </a:pPr>
@@ -3904,6 +3988,9 @@
           <a:p>
             <a:pPr>
               <a:defRPr sz="1000">
+                <a:solidFill>
+                  <a:srgbClr val="000000"/>
+                </a:solidFill>
                 <a:latin typeface="Yu Gothic UI"/>
               </a:defRPr>
             </a:pPr>
@@ -3955,6 +4042,9 @@
           <a:p>
             <a:pPr>
               <a:defRPr sz="1000">
+                <a:solidFill>
+                  <a:srgbClr val="000000"/>
+                </a:solidFill>
                 <a:latin typeface="Yu Gothic UI"/>
               </a:defRPr>
             </a:pPr>
@@ -3965,6 +4055,9 @@
           <a:p>
             <a:pPr>
               <a:defRPr sz="1000">
+                <a:solidFill>
+                  <a:srgbClr val="000000"/>
+                </a:solidFill>
                 <a:latin typeface="Yu Gothic UI"/>
               </a:defRPr>
             </a:pPr>
@@ -3975,6 +4068,9 @@
           <a:p>
             <a:pPr>
               <a:defRPr sz="1000">
+                <a:solidFill>
+                  <a:srgbClr val="000000"/>
+                </a:solidFill>
                 <a:latin typeface="Yu Gothic UI"/>
               </a:defRPr>
             </a:pPr>
@@ -4026,6 +4122,9 @@
           <a:p>
             <a:pPr>
               <a:defRPr sz="1000">
+                <a:solidFill>
+                  <a:srgbClr val="000000"/>
+                </a:solidFill>
                 <a:latin typeface="Yu Gothic UI"/>
               </a:defRPr>
             </a:pPr>
@@ -4036,6 +4135,9 @@
           <a:p>
             <a:pPr>
               <a:defRPr sz="1000">
+                <a:solidFill>
+                  <a:srgbClr val="000000"/>
+                </a:solidFill>
                 <a:latin typeface="Yu Gothic UI"/>
               </a:defRPr>
             </a:pPr>
@@ -4046,6 +4148,9 @@
           <a:p>
             <a:pPr>
               <a:defRPr sz="1000">
+                <a:solidFill>
+                  <a:srgbClr val="000000"/>
+                </a:solidFill>
                 <a:latin typeface="Yu Gothic UI"/>
               </a:defRPr>
             </a:pPr>
@@ -4097,6 +4202,9 @@
           <a:p>
             <a:pPr>
               <a:defRPr sz="1000">
+                <a:solidFill>
+                  <a:srgbClr val="000000"/>
+                </a:solidFill>
                 <a:latin typeface="Yu Gothic UI"/>
               </a:defRPr>
             </a:pPr>
@@ -4148,6 +4256,9 @@
           <a:p>
             <a:pPr>
               <a:defRPr sz="1000">
+                <a:solidFill>
+                  <a:srgbClr val="000000"/>
+                </a:solidFill>
                 <a:latin typeface="Yu Gothic UI"/>
               </a:defRPr>
             </a:pPr>
@@ -4158,6 +4269,9 @@
           <a:p>
             <a:pPr>
               <a:defRPr sz="1000">
+                <a:solidFill>
+                  <a:srgbClr val="000000"/>
+                </a:solidFill>
                 <a:latin typeface="Yu Gothic UI"/>
               </a:defRPr>
             </a:pPr>
@@ -4209,6 +4323,9 @@
           <a:p>
             <a:pPr>
               <a:defRPr sz="1000">
+                <a:solidFill>
+                  <a:srgbClr val="000000"/>
+                </a:solidFill>
                 <a:latin typeface="Yu Gothic UI"/>
               </a:defRPr>
             </a:pPr>
@@ -4219,6 +4336,9 @@
           <a:p>
             <a:pPr>
               <a:defRPr sz="1000">
+                <a:solidFill>
+                  <a:srgbClr val="000000"/>
+                </a:solidFill>
                 <a:latin typeface="Yu Gothic UI"/>
               </a:defRPr>
             </a:pPr>
@@ -4229,6 +4349,9 @@
           <a:p>
             <a:pPr>
               <a:defRPr sz="1000">
+                <a:solidFill>
+                  <a:srgbClr val="000000"/>
+                </a:solidFill>
                 <a:latin typeface="Yu Gothic UI"/>
               </a:defRPr>
             </a:pPr>
@@ -4280,6 +4403,9 @@
           <a:p>
             <a:pPr>
               <a:defRPr sz="1000">
+                <a:solidFill>
+                  <a:srgbClr val="000000"/>
+                </a:solidFill>
                 <a:latin typeface="Yu Gothic UI"/>
               </a:defRPr>
             </a:pPr>
@@ -4290,6 +4416,9 @@
           <a:p>
             <a:pPr>
               <a:defRPr sz="1000">
+                <a:solidFill>
+                  <a:srgbClr val="000000"/>
+                </a:solidFill>
                 <a:latin typeface="Yu Gothic UI"/>
               </a:defRPr>
             </a:pPr>
@@ -4300,6 +4429,9 @@
           <a:p>
             <a:pPr>
               <a:defRPr sz="1000">
+                <a:solidFill>
+                  <a:srgbClr val="000000"/>
+                </a:solidFill>
                 <a:latin typeface="Yu Gothic UI"/>
               </a:defRPr>
             </a:pPr>
@@ -4351,6 +4483,9 @@
           <a:p>
             <a:pPr>
               <a:defRPr sz="1000">
+                <a:solidFill>
+                  <a:srgbClr val="000000"/>
+                </a:solidFill>
                 <a:latin typeface="Yu Gothic UI"/>
               </a:defRPr>
             </a:pPr>
@@ -4361,6 +4496,9 @@
           <a:p>
             <a:pPr>
               <a:defRPr sz="1000">
+                <a:solidFill>
+                  <a:srgbClr val="000000"/>
+                </a:solidFill>
                 <a:latin typeface="Yu Gothic UI"/>
               </a:defRPr>
             </a:pPr>
@@ -4371,6 +4509,9 @@
           <a:p>
             <a:pPr>
               <a:defRPr sz="1000">
+                <a:solidFill>
+                  <a:srgbClr val="000000"/>
+                </a:solidFill>
                 <a:latin typeface="Yu Gothic UI"/>
               </a:defRPr>
             </a:pPr>
@@ -4422,6 +4563,9 @@
           <a:p>
             <a:pPr>
               <a:defRPr sz="1000">
+                <a:solidFill>
+                  <a:srgbClr val="000000"/>
+                </a:solidFill>
                 <a:latin typeface="Yu Gothic UI"/>
               </a:defRPr>
             </a:pPr>
@@ -4432,6 +4576,9 @@
           <a:p>
             <a:pPr>
               <a:defRPr sz="1000">
+                <a:solidFill>
+                  <a:srgbClr val="000000"/>
+                </a:solidFill>
                 <a:latin typeface="Yu Gothic UI"/>
               </a:defRPr>
             </a:pPr>
@@ -4442,6 +4589,9 @@
           <a:p>
             <a:pPr>
               <a:defRPr sz="1000">
+                <a:solidFill>
+                  <a:srgbClr val="000000"/>
+                </a:solidFill>
                 <a:latin typeface="Yu Gothic UI"/>
               </a:defRPr>
             </a:pPr>
@@ -4493,6 +4643,9 @@
           <a:p>
             <a:pPr algn="l">
               <a:defRPr sz="2000">
+                <a:solidFill>
+                  <a:srgbClr val="000000"/>
+                </a:solidFill>
                 <a:latin typeface="Yu Gothic UI"/>
               </a:defRPr>
             </a:pPr>
@@ -4526,6 +4679,9 @@
           <a:p>
             <a:pPr algn="r">
               <a:defRPr sz="2000">
+                <a:solidFill>
+                  <a:srgbClr val="000000"/>
+                </a:solidFill>
                 <a:latin typeface="Yu Gothic UI"/>
               </a:defRPr>
             </a:pPr>
@@ -4577,6 +4733,9 @@
           <a:p>
             <a:pPr>
               <a:defRPr sz="1000">
+                <a:solidFill>
+                  <a:srgbClr val="000000"/>
+                </a:solidFill>
                 <a:latin typeface="Yu Gothic UI"/>
               </a:defRPr>
             </a:pPr>
@@ -4587,6 +4746,9 @@
           <a:p>
             <a:pPr>
               <a:defRPr sz="1000">
+                <a:solidFill>
+                  <a:srgbClr val="000000"/>
+                </a:solidFill>
                 <a:latin typeface="Yu Gothic UI"/>
               </a:defRPr>
             </a:pPr>
@@ -4597,6 +4759,9 @@
           <a:p>
             <a:pPr>
               <a:defRPr sz="1000">
+                <a:solidFill>
+                  <a:srgbClr val="000000"/>
+                </a:solidFill>
                 <a:latin typeface="Yu Gothic UI"/>
               </a:defRPr>
             </a:pPr>
@@ -4648,6 +4813,9 @@
           <a:p>
             <a:pPr>
               <a:defRPr sz="1000">
+                <a:solidFill>
+                  <a:srgbClr val="000000"/>
+                </a:solidFill>
                 <a:latin typeface="Yu Gothic UI"/>
               </a:defRPr>
             </a:pPr>
@@ -4658,6 +4826,9 @@
           <a:p>
             <a:pPr>
               <a:defRPr sz="1000">
+                <a:solidFill>
+                  <a:srgbClr val="000000"/>
+                </a:solidFill>
                 <a:latin typeface="Yu Gothic UI"/>
               </a:defRPr>
             </a:pPr>
@@ -4668,6 +4839,9 @@
           <a:p>
             <a:pPr>
               <a:defRPr sz="1000">
+                <a:solidFill>
+                  <a:srgbClr val="000000"/>
+                </a:solidFill>
                 <a:latin typeface="Yu Gothic UI"/>
               </a:defRPr>
             </a:pPr>
@@ -4719,6 +4893,9 @@
           <a:p>
             <a:pPr>
               <a:defRPr sz="1000">
+                <a:solidFill>
+                  <a:srgbClr val="000000"/>
+                </a:solidFill>
                 <a:latin typeface="Yu Gothic UI"/>
               </a:defRPr>
             </a:pPr>
@@ -4729,6 +4906,9 @@
           <a:p>
             <a:pPr>
               <a:defRPr sz="1000">
+                <a:solidFill>
+                  <a:srgbClr val="000000"/>
+                </a:solidFill>
                 <a:latin typeface="Yu Gothic UI"/>
               </a:defRPr>
             </a:pPr>
@@ -4739,6 +4919,9 @@
           <a:p>
             <a:pPr>
               <a:defRPr sz="1000">
+                <a:solidFill>
+                  <a:srgbClr val="000000"/>
+                </a:solidFill>
                 <a:latin typeface="Yu Gothic UI"/>
               </a:defRPr>
             </a:pPr>
@@ -4790,6 +4973,9 @@
           <a:p>
             <a:pPr>
               <a:defRPr sz="1000">
+                <a:solidFill>
+                  <a:srgbClr val="000000"/>
+                </a:solidFill>
                 <a:latin typeface="Yu Gothic UI"/>
               </a:defRPr>
             </a:pPr>
@@ -4841,6 +5027,9 @@
           <a:p>
             <a:pPr>
               <a:defRPr sz="1000">
+                <a:solidFill>
+                  <a:srgbClr val="000000"/>
+                </a:solidFill>
                 <a:latin typeface="Yu Gothic UI"/>
               </a:defRPr>
             </a:pPr>
@@ -4851,6 +5040,9 @@
           <a:p>
             <a:pPr>
               <a:defRPr sz="1000">
+                <a:solidFill>
+                  <a:srgbClr val="000000"/>
+                </a:solidFill>
                 <a:latin typeface="Yu Gothic UI"/>
               </a:defRPr>
             </a:pPr>
@@ -4902,6 +5094,9 @@
           <a:p>
             <a:pPr>
               <a:defRPr sz="1000">
+                <a:solidFill>
+                  <a:srgbClr val="000000"/>
+                </a:solidFill>
                 <a:latin typeface="Yu Gothic UI"/>
               </a:defRPr>
             </a:pPr>
@@ -4912,6 +5107,9 @@
           <a:p>
             <a:pPr>
               <a:defRPr sz="1000">
+                <a:solidFill>
+                  <a:srgbClr val="000000"/>
+                </a:solidFill>
                 <a:latin typeface="Yu Gothic UI"/>
               </a:defRPr>
             </a:pPr>
@@ -4922,6 +5120,9 @@
           <a:p>
             <a:pPr>
               <a:defRPr sz="1000">
+                <a:solidFill>
+                  <a:srgbClr val="000000"/>
+                </a:solidFill>
                 <a:latin typeface="Yu Gothic UI"/>
               </a:defRPr>
             </a:pPr>
@@ -4973,6 +5174,9 @@
           <a:p>
             <a:pPr>
               <a:defRPr sz="1000">
+                <a:solidFill>
+                  <a:srgbClr val="000000"/>
+                </a:solidFill>
                 <a:latin typeface="Yu Gothic UI"/>
               </a:defRPr>
             </a:pPr>
@@ -4983,6 +5187,9 @@
           <a:p>
             <a:pPr>
               <a:defRPr sz="1000">
+                <a:solidFill>
+                  <a:srgbClr val="000000"/>
+                </a:solidFill>
                 <a:latin typeface="Yu Gothic UI"/>
               </a:defRPr>
             </a:pPr>
@@ -4993,6 +5200,9 @@
           <a:p>
             <a:pPr>
               <a:defRPr sz="1000">
+                <a:solidFill>
+                  <a:srgbClr val="000000"/>
+                </a:solidFill>
                 <a:latin typeface="Yu Gothic UI"/>
               </a:defRPr>
             </a:pPr>
@@ -5044,6 +5254,9 @@
           <a:p>
             <a:pPr>
               <a:defRPr sz="1000">
+                <a:solidFill>
+                  <a:srgbClr val="000000"/>
+                </a:solidFill>
                 <a:latin typeface="Yu Gothic UI"/>
               </a:defRPr>
             </a:pPr>
@@ -5054,6 +5267,9 @@
           <a:p>
             <a:pPr>
               <a:defRPr sz="1000">
+                <a:solidFill>
+                  <a:srgbClr val="000000"/>
+                </a:solidFill>
                 <a:latin typeface="Yu Gothic UI"/>
               </a:defRPr>
             </a:pPr>
@@ -5064,6 +5280,9 @@
           <a:p>
             <a:pPr>
               <a:defRPr sz="1000">
+                <a:solidFill>
+                  <a:srgbClr val="000000"/>
+                </a:solidFill>
                 <a:latin typeface="Yu Gothic UI"/>
               </a:defRPr>
             </a:pPr>
@@ -5115,6 +5334,9 @@
           <a:p>
             <a:pPr>
               <a:defRPr sz="1000">
+                <a:solidFill>
+                  <a:srgbClr val="000000"/>
+                </a:solidFill>
                 <a:latin typeface="Yu Gothic UI"/>
               </a:defRPr>
             </a:pPr>
@@ -5125,6 +5347,9 @@
           <a:p>
             <a:pPr>
               <a:defRPr sz="1000">
+                <a:solidFill>
+                  <a:srgbClr val="000000"/>
+                </a:solidFill>
                 <a:latin typeface="Yu Gothic UI"/>
               </a:defRPr>
             </a:pPr>
@@ -5135,6 +5360,9 @@
           <a:p>
             <a:pPr>
               <a:defRPr sz="1000">
+                <a:solidFill>
+                  <a:srgbClr val="000000"/>
+                </a:solidFill>
                 <a:latin typeface="Yu Gothic UI"/>
               </a:defRPr>
             </a:pPr>
@@ -5186,6 +5414,9 @@
           <a:p>
             <a:pPr algn="l">
               <a:defRPr sz="2000">
+                <a:solidFill>
+                  <a:srgbClr val="000000"/>
+                </a:solidFill>
                 <a:latin typeface="Yu Gothic UI"/>
               </a:defRPr>
             </a:pPr>
@@ -5219,6 +5450,9 @@
           <a:p>
             <a:pPr algn="r">
               <a:defRPr sz="2000">
+                <a:solidFill>
+                  <a:srgbClr val="000000"/>
+                </a:solidFill>
                 <a:latin typeface="Yu Gothic UI"/>
               </a:defRPr>
             </a:pPr>
@@ -5270,6 +5504,9 @@
           <a:p>
             <a:pPr>
               <a:defRPr sz="1000">
+                <a:solidFill>
+                  <a:srgbClr val="000000"/>
+                </a:solidFill>
                 <a:latin typeface="Yu Gothic UI"/>
               </a:defRPr>
             </a:pPr>
@@ -5280,6 +5517,9 @@
           <a:p>
             <a:pPr>
               <a:defRPr sz="1000">
+                <a:solidFill>
+                  <a:srgbClr val="000000"/>
+                </a:solidFill>
                 <a:latin typeface="Yu Gothic UI"/>
               </a:defRPr>
             </a:pPr>
@@ -5290,6 +5530,9 @@
           <a:p>
             <a:pPr>
               <a:defRPr sz="1000">
+                <a:solidFill>
+                  <a:srgbClr val="000000"/>
+                </a:solidFill>
                 <a:latin typeface="Yu Gothic UI"/>
               </a:defRPr>
             </a:pPr>
@@ -5341,6 +5584,9 @@
           <a:p>
             <a:pPr>
               <a:defRPr sz="1000">
+                <a:solidFill>
+                  <a:srgbClr val="000000"/>
+                </a:solidFill>
                 <a:latin typeface="Yu Gothic UI"/>
               </a:defRPr>
             </a:pPr>
@@ -5351,6 +5597,9 @@
           <a:p>
             <a:pPr>
               <a:defRPr sz="1000">
+                <a:solidFill>
+                  <a:srgbClr val="000000"/>
+                </a:solidFill>
                 <a:latin typeface="Yu Gothic UI"/>
               </a:defRPr>
             </a:pPr>
@@ -5361,6 +5610,9 @@
           <a:p>
             <a:pPr>
               <a:defRPr sz="1000">
+                <a:solidFill>
+                  <a:srgbClr val="000000"/>
+                </a:solidFill>
                 <a:latin typeface="Yu Gothic UI"/>
               </a:defRPr>
             </a:pPr>
@@ -5412,6 +5664,9 @@
           <a:p>
             <a:pPr>
               <a:defRPr sz="1000">
+                <a:solidFill>
+                  <a:srgbClr val="000000"/>
+                </a:solidFill>
                 <a:latin typeface="Yu Gothic UI"/>
               </a:defRPr>
             </a:pPr>
@@ -5422,6 +5677,9 @@
           <a:p>
             <a:pPr>
               <a:defRPr sz="1000">
+                <a:solidFill>
+                  <a:srgbClr val="000000"/>
+                </a:solidFill>
                 <a:latin typeface="Yu Gothic UI"/>
               </a:defRPr>
             </a:pPr>
@@ -5432,6 +5690,9 @@
           <a:p>
             <a:pPr>
               <a:defRPr sz="1000">
+                <a:solidFill>
+                  <a:srgbClr val="000000"/>
+                </a:solidFill>
                 <a:latin typeface="Yu Gothic UI"/>
               </a:defRPr>
             </a:pPr>
@@ -5483,6 +5744,9 @@
           <a:p>
             <a:pPr>
               <a:defRPr sz="1000">
+                <a:solidFill>
+                  <a:srgbClr val="000000"/>
+                </a:solidFill>
                 <a:latin typeface="Yu Gothic UI"/>
               </a:defRPr>
             </a:pPr>
@@ -5534,6 +5798,9 @@
           <a:p>
             <a:pPr>
               <a:defRPr sz="1000">
+                <a:solidFill>
+                  <a:srgbClr val="000000"/>
+                </a:solidFill>
                 <a:latin typeface="Yu Gothic UI"/>
               </a:defRPr>
             </a:pPr>
@@ -5544,6 +5811,9 @@
           <a:p>
             <a:pPr>
               <a:defRPr sz="1000">
+                <a:solidFill>
+                  <a:srgbClr val="000000"/>
+                </a:solidFill>
                 <a:latin typeface="Yu Gothic UI"/>
               </a:defRPr>
             </a:pPr>
@@ -5595,6 +5865,9 @@
           <a:p>
             <a:pPr>
               <a:defRPr sz="1000">
+                <a:solidFill>
+                  <a:srgbClr val="000000"/>
+                </a:solidFill>
                 <a:latin typeface="Yu Gothic UI"/>
               </a:defRPr>
             </a:pPr>
@@ -5605,6 +5878,9 @@
           <a:p>
             <a:pPr>
               <a:defRPr sz="1000">
+                <a:solidFill>
+                  <a:srgbClr val="000000"/>
+                </a:solidFill>
                 <a:latin typeface="Yu Gothic UI"/>
               </a:defRPr>
             </a:pPr>
@@ -5615,6 +5891,9 @@
           <a:p>
             <a:pPr>
               <a:defRPr sz="1000">
+                <a:solidFill>
+                  <a:srgbClr val="000000"/>
+                </a:solidFill>
                 <a:latin typeface="Yu Gothic UI"/>
               </a:defRPr>
             </a:pPr>
@@ -5666,6 +5945,9 @@
           <a:p>
             <a:pPr>
               <a:defRPr sz="1000">
+                <a:solidFill>
+                  <a:srgbClr val="000000"/>
+                </a:solidFill>
                 <a:latin typeface="Yu Gothic UI"/>
               </a:defRPr>
             </a:pPr>
@@ -5676,6 +5958,9 @@
           <a:p>
             <a:pPr>
               <a:defRPr sz="1000">
+                <a:solidFill>
+                  <a:srgbClr val="000000"/>
+                </a:solidFill>
                 <a:latin typeface="Yu Gothic UI"/>
               </a:defRPr>
             </a:pPr>
@@ -5727,6 +6012,9 @@
           <a:p>
             <a:pPr>
               <a:defRPr sz="1000">
+                <a:solidFill>
+                  <a:srgbClr val="000000"/>
+                </a:solidFill>
                 <a:latin typeface="Yu Gothic UI"/>
               </a:defRPr>
             </a:pPr>
@@ -5737,6 +6025,9 @@
           <a:p>
             <a:pPr>
               <a:defRPr sz="1000">
+                <a:solidFill>
+                  <a:srgbClr val="000000"/>
+                </a:solidFill>
                 <a:latin typeface="Yu Gothic UI"/>
               </a:defRPr>
             </a:pPr>
@@ -5747,6 +6038,9 @@
           <a:p>
             <a:pPr>
               <a:defRPr sz="1000">
+                <a:solidFill>
+                  <a:srgbClr val="000000"/>
+                </a:solidFill>
                 <a:latin typeface="Yu Gothic UI"/>
               </a:defRPr>
             </a:pPr>
@@ -5798,6 +6092,9 @@
           <a:p>
             <a:pPr>
               <a:defRPr sz="1000">
+                <a:solidFill>
+                  <a:srgbClr val="000000"/>
+                </a:solidFill>
                 <a:latin typeface="Yu Gothic UI"/>
               </a:defRPr>
             </a:pPr>
@@ -5808,6 +6105,9 @@
           <a:p>
             <a:pPr>
               <a:defRPr sz="1000">
+                <a:solidFill>
+                  <a:srgbClr val="000000"/>
+                </a:solidFill>
                 <a:latin typeface="Yu Gothic UI"/>
               </a:defRPr>
             </a:pPr>
@@ -5818,6 +6118,9 @@
           <a:p>
             <a:pPr>
               <a:defRPr sz="1000">
+                <a:solidFill>
+                  <a:srgbClr val="000000"/>
+                </a:solidFill>
                 <a:latin typeface="Yu Gothic UI"/>
               </a:defRPr>
             </a:pPr>
@@ -5869,6 +6172,9 @@
           <a:p>
             <a:pPr algn="l">
               <a:defRPr sz="2000">
+                <a:solidFill>
+                  <a:srgbClr val="000000"/>
+                </a:solidFill>
                 <a:latin typeface="Yu Gothic UI"/>
               </a:defRPr>
             </a:pPr>
@@ -5902,6 +6208,9 @@
           <a:p>
             <a:pPr algn="r">
               <a:defRPr sz="2000">
+                <a:solidFill>
+                  <a:srgbClr val="000000"/>
+                </a:solidFill>
                 <a:latin typeface="Yu Gothic UI"/>
               </a:defRPr>
             </a:pPr>
@@ -5953,6 +6262,9 @@
           <a:p>
             <a:pPr>
               <a:defRPr sz="1000">
+                <a:solidFill>
+                  <a:srgbClr val="000000"/>
+                </a:solidFill>
                 <a:latin typeface="Yu Gothic UI"/>
               </a:defRPr>
             </a:pPr>
@@ -5963,6 +6275,9 @@
           <a:p>
             <a:pPr>
               <a:defRPr sz="1000">
+                <a:solidFill>
+                  <a:srgbClr val="000000"/>
+                </a:solidFill>
                 <a:latin typeface="Yu Gothic UI"/>
               </a:defRPr>
             </a:pPr>
@@ -6014,6 +6329,9 @@
           <a:p>
             <a:pPr>
               <a:defRPr sz="1000">
+                <a:solidFill>
+                  <a:srgbClr val="000000"/>
+                </a:solidFill>
                 <a:latin typeface="Yu Gothic UI"/>
               </a:defRPr>
             </a:pPr>
@@ -6024,6 +6342,9 @@
           <a:p>
             <a:pPr>
               <a:defRPr sz="1000">
+                <a:solidFill>
+                  <a:srgbClr val="000000"/>
+                </a:solidFill>
                 <a:latin typeface="Yu Gothic UI"/>
               </a:defRPr>
             </a:pPr>
@@ -6075,6 +6396,9 @@
           <a:p>
             <a:pPr>
               <a:defRPr sz="1000">
+                <a:solidFill>
+                  <a:srgbClr val="000000"/>
+                </a:solidFill>
                 <a:latin typeface="Yu Gothic UI"/>
               </a:defRPr>
             </a:pPr>
@@ -6085,6 +6409,9 @@
           <a:p>
             <a:pPr>
               <a:defRPr sz="1000">
+                <a:solidFill>
+                  <a:srgbClr val="000000"/>
+                </a:solidFill>
                 <a:latin typeface="Yu Gothic UI"/>
               </a:defRPr>
             </a:pPr>
@@ -6095,6 +6422,9 @@
           <a:p>
             <a:pPr>
               <a:defRPr sz="1000">
+                <a:solidFill>
+                  <a:srgbClr val="000000"/>
+                </a:solidFill>
                 <a:latin typeface="Yu Gothic UI"/>
               </a:defRPr>
             </a:pPr>
@@ -6146,6 +6476,9 @@
           <a:p>
             <a:pPr>
               <a:defRPr sz="1000">
+                <a:solidFill>
+                  <a:srgbClr val="000000"/>
+                </a:solidFill>
                 <a:latin typeface="Yu Gothic UI"/>
               </a:defRPr>
             </a:pPr>
@@ -6197,6 +6530,9 @@
           <a:p>
             <a:pPr>
               <a:defRPr sz="1000">
+                <a:solidFill>
+                  <a:srgbClr val="000000"/>
+                </a:solidFill>
                 <a:latin typeface="Yu Gothic UI"/>
               </a:defRPr>
             </a:pPr>
@@ -6207,6 +6543,9 @@
           <a:p>
             <a:pPr>
               <a:defRPr sz="1000">
+                <a:solidFill>
+                  <a:srgbClr val="000000"/>
+                </a:solidFill>
                 <a:latin typeface="Yu Gothic UI"/>
               </a:defRPr>
             </a:pPr>
@@ -6258,6 +6597,9 @@
           <a:p>
             <a:pPr>
               <a:defRPr sz="1000">
+                <a:solidFill>
+                  <a:srgbClr val="000000"/>
+                </a:solidFill>
                 <a:latin typeface="Yu Gothic UI"/>
               </a:defRPr>
             </a:pPr>
@@ -6268,6 +6610,9 @@
           <a:p>
             <a:pPr>
               <a:defRPr sz="1000">
+                <a:solidFill>
+                  <a:srgbClr val="000000"/>
+                </a:solidFill>
                 <a:latin typeface="Yu Gothic UI"/>
               </a:defRPr>
             </a:pPr>
@@ -6319,6 +6664,9 @@
           <a:p>
             <a:pPr>
               <a:defRPr sz="1000">
+                <a:solidFill>
+                  <a:srgbClr val="000000"/>
+                </a:solidFill>
                 <a:latin typeface="Yu Gothic UI"/>
               </a:defRPr>
             </a:pPr>
@@ -6329,6 +6677,9 @@
           <a:p>
             <a:pPr>
               <a:defRPr sz="1000">
+                <a:solidFill>
+                  <a:srgbClr val="000000"/>
+                </a:solidFill>
                 <a:latin typeface="Yu Gothic UI"/>
               </a:defRPr>
             </a:pPr>
@@ -6380,6 +6731,9 @@
           <a:p>
             <a:pPr>
               <a:defRPr sz="1000">
+                <a:solidFill>
+                  <a:srgbClr val="000000"/>
+                </a:solidFill>
                 <a:latin typeface="Yu Gothic UI"/>
               </a:defRPr>
             </a:pPr>
@@ -6390,6 +6744,9 @@
           <a:p>
             <a:pPr>
               <a:defRPr sz="1000">
+                <a:solidFill>
+                  <a:srgbClr val="000000"/>
+                </a:solidFill>
                 <a:latin typeface="Yu Gothic UI"/>
               </a:defRPr>
             </a:pPr>
@@ -6441,6 +6798,9 @@
           <a:p>
             <a:pPr>
               <a:defRPr sz="1000">
+                <a:solidFill>
+                  <a:srgbClr val="000000"/>
+                </a:solidFill>
                 <a:latin typeface="Yu Gothic UI"/>
               </a:defRPr>
             </a:pPr>
@@ -6451,6 +6811,9 @@
           <a:p>
             <a:pPr>
               <a:defRPr sz="1000">
+                <a:solidFill>
+                  <a:srgbClr val="000000"/>
+                </a:solidFill>
                 <a:latin typeface="Yu Gothic UI"/>
               </a:defRPr>
             </a:pPr>
@@ -6461,6 +6824,9 @@
           <a:p>
             <a:pPr>
               <a:defRPr sz="1000">
+                <a:solidFill>
+                  <a:srgbClr val="000000"/>
+                </a:solidFill>
                 <a:latin typeface="Yu Gothic UI"/>
               </a:defRPr>
             </a:pPr>
@@ -6512,6 +6878,9 @@
           <a:p>
             <a:pPr algn="l">
               <a:defRPr sz="2000">
+                <a:solidFill>
+                  <a:srgbClr val="000000"/>
+                </a:solidFill>
                 <a:latin typeface="Yu Gothic UI"/>
               </a:defRPr>
             </a:pPr>
@@ -6545,6 +6914,9 @@
           <a:p>
             <a:pPr algn="r">
               <a:defRPr sz="2000">
+                <a:solidFill>
+                  <a:srgbClr val="000000"/>
+                </a:solidFill>
                 <a:latin typeface="Yu Gothic UI"/>
               </a:defRPr>
             </a:pPr>
@@ -6596,6 +6968,9 @@
           <a:p>
             <a:pPr>
               <a:defRPr sz="1000">
+                <a:solidFill>
+                  <a:srgbClr val="000000"/>
+                </a:solidFill>
                 <a:latin typeface="Yu Gothic UI"/>
               </a:defRPr>
             </a:pPr>
@@ -6606,6 +6981,9 @@
           <a:p>
             <a:pPr>
               <a:defRPr sz="1000">
+                <a:solidFill>
+                  <a:srgbClr val="000000"/>
+                </a:solidFill>
                 <a:latin typeface="Yu Gothic UI"/>
               </a:defRPr>
             </a:pPr>
@@ -6657,6 +7035,9 @@
           <a:p>
             <a:pPr>
               <a:defRPr sz="1000">
+                <a:solidFill>
+                  <a:srgbClr val="000000"/>
+                </a:solidFill>
                 <a:latin typeface="Yu Gothic UI"/>
               </a:defRPr>
             </a:pPr>
@@ -6667,6 +7048,9 @@
           <a:p>
             <a:pPr>
               <a:defRPr sz="1000">
+                <a:solidFill>
+                  <a:srgbClr val="000000"/>
+                </a:solidFill>
                 <a:latin typeface="Yu Gothic UI"/>
               </a:defRPr>
             </a:pPr>
@@ -6718,6 +7102,9 @@
           <a:p>
             <a:pPr>
               <a:defRPr sz="1000">
+                <a:solidFill>
+                  <a:srgbClr val="000000"/>
+                </a:solidFill>
                 <a:latin typeface="Yu Gothic UI"/>
               </a:defRPr>
             </a:pPr>
@@ -6728,6 +7115,9 @@
           <a:p>
             <a:pPr>
               <a:defRPr sz="1000">
+                <a:solidFill>
+                  <a:srgbClr val="000000"/>
+                </a:solidFill>
                 <a:latin typeface="Yu Gothic UI"/>
               </a:defRPr>
             </a:pPr>
@@ -6738,6 +7128,9 @@
           <a:p>
             <a:pPr>
               <a:defRPr sz="1000">
+                <a:solidFill>
+                  <a:srgbClr val="000000"/>
+                </a:solidFill>
                 <a:latin typeface="Yu Gothic UI"/>
               </a:defRPr>
             </a:pPr>
@@ -6789,6 +7182,9 @@
           <a:p>
             <a:pPr>
               <a:defRPr sz="1000">
+                <a:solidFill>
+                  <a:srgbClr val="000000"/>
+                </a:solidFill>
                 <a:latin typeface="Yu Gothic UI"/>
               </a:defRPr>
             </a:pPr>
@@ -6840,6 +7236,9 @@
           <a:p>
             <a:pPr>
               <a:defRPr sz="1000">
+                <a:solidFill>
+                  <a:srgbClr val="000000"/>
+                </a:solidFill>
                 <a:latin typeface="Yu Gothic UI"/>
               </a:defRPr>
             </a:pPr>
@@ -6850,6 +7249,9 @@
           <a:p>
             <a:pPr>
               <a:defRPr sz="1000">
+                <a:solidFill>
+                  <a:srgbClr val="000000"/>
+                </a:solidFill>
                 <a:latin typeface="Yu Gothic UI"/>
               </a:defRPr>
             </a:pPr>
@@ -6901,6 +7303,9 @@
           <a:p>
             <a:pPr>
               <a:defRPr sz="1000">
+                <a:solidFill>
+                  <a:srgbClr val="000000"/>
+                </a:solidFill>
                 <a:latin typeface="Yu Gothic UI"/>
               </a:defRPr>
             </a:pPr>
@@ -6911,6 +7316,9 @@
           <a:p>
             <a:pPr>
               <a:defRPr sz="1000">
+                <a:solidFill>
+                  <a:srgbClr val="000000"/>
+                </a:solidFill>
                 <a:latin typeface="Yu Gothic UI"/>
               </a:defRPr>
             </a:pPr>
@@ -6962,6 +7370,9 @@
           <a:p>
             <a:pPr>
               <a:defRPr sz="1000">
+                <a:solidFill>
+                  <a:srgbClr val="000000"/>
+                </a:solidFill>
                 <a:latin typeface="Yu Gothic UI"/>
               </a:defRPr>
             </a:pPr>
@@ -6972,6 +7383,9 @@
           <a:p>
             <a:pPr>
               <a:defRPr sz="1000">
+                <a:solidFill>
+                  <a:srgbClr val="000000"/>
+                </a:solidFill>
                 <a:latin typeface="Yu Gothic UI"/>
               </a:defRPr>
             </a:pPr>
@@ -7023,6 +7437,9 @@
           <a:p>
             <a:pPr>
               <a:defRPr sz="1000">
+                <a:solidFill>
+                  <a:srgbClr val="000000"/>
+                </a:solidFill>
                 <a:latin typeface="Yu Gothic UI"/>
               </a:defRPr>
             </a:pPr>
@@ -7033,6 +7450,9 @@
           <a:p>
             <a:pPr>
               <a:defRPr sz="1000">
+                <a:solidFill>
+                  <a:srgbClr val="000000"/>
+                </a:solidFill>
                 <a:latin typeface="Yu Gothic UI"/>
               </a:defRPr>
             </a:pPr>
@@ -7043,6 +7463,9 @@
           <a:p>
             <a:pPr>
               <a:defRPr sz="1000">
+                <a:solidFill>
+                  <a:srgbClr val="000000"/>
+                </a:solidFill>
                 <a:latin typeface="Yu Gothic UI"/>
               </a:defRPr>
             </a:pPr>
@@ -7094,6 +7517,9 @@
           <a:p>
             <a:pPr>
               <a:defRPr sz="1000">
+                <a:solidFill>
+                  <a:srgbClr val="000000"/>
+                </a:solidFill>
                 <a:latin typeface="Yu Gothic UI"/>
               </a:defRPr>
             </a:pPr>
@@ -7104,6 +7530,9 @@
           <a:p>
             <a:pPr>
               <a:defRPr sz="1000">
+                <a:solidFill>
+                  <a:srgbClr val="000000"/>
+                </a:solidFill>
                 <a:latin typeface="Yu Gothic UI"/>
               </a:defRPr>
             </a:pPr>
@@ -7114,6 +7543,9 @@
           <a:p>
             <a:pPr>
               <a:defRPr sz="1000">
+                <a:solidFill>
+                  <a:srgbClr val="000000"/>
+                </a:solidFill>
                 <a:latin typeface="Yu Gothic UI"/>
               </a:defRPr>
             </a:pPr>
@@ -7165,6 +7597,9 @@
           <a:p>
             <a:pPr algn="l">
               <a:defRPr sz="2000">
+                <a:solidFill>
+                  <a:srgbClr val="000000"/>
+                </a:solidFill>
                 <a:latin typeface="Yu Gothic UI"/>
               </a:defRPr>
             </a:pPr>
@@ -7198,6 +7633,9 @@
           <a:p>
             <a:pPr algn="r">
               <a:defRPr sz="2000">
+                <a:solidFill>
+                  <a:srgbClr val="000000"/>
+                </a:solidFill>
                 <a:latin typeface="Yu Gothic UI"/>
               </a:defRPr>
             </a:pPr>
@@ -7249,6 +7687,9 @@
           <a:p>
             <a:pPr>
               <a:defRPr sz="1000">
+                <a:solidFill>
+                  <a:srgbClr val="000000"/>
+                </a:solidFill>
                 <a:latin typeface="Yu Gothic UI"/>
               </a:defRPr>
             </a:pPr>
@@ -7259,6 +7700,9 @@
           <a:p>
             <a:pPr>
               <a:defRPr sz="1000">
+                <a:solidFill>
+                  <a:srgbClr val="000000"/>
+                </a:solidFill>
                 <a:latin typeface="Yu Gothic UI"/>
               </a:defRPr>
             </a:pPr>
@@ -7310,6 +7754,9 @@
           <a:p>
             <a:pPr>
               <a:defRPr sz="1000">
+                <a:solidFill>
+                  <a:srgbClr val="000000"/>
+                </a:solidFill>
                 <a:latin typeface="Yu Gothic UI"/>
               </a:defRPr>
             </a:pPr>
@@ -7320,6 +7767,9 @@
           <a:p>
             <a:pPr>
               <a:defRPr sz="1000">
+                <a:solidFill>
+                  <a:srgbClr val="000000"/>
+                </a:solidFill>
                 <a:latin typeface="Yu Gothic UI"/>
               </a:defRPr>
             </a:pPr>
@@ -7371,6 +7821,9 @@
           <a:p>
             <a:pPr>
               <a:defRPr sz="1000">
+                <a:solidFill>
+                  <a:srgbClr val="000000"/>
+                </a:solidFill>
                 <a:latin typeface="Yu Gothic UI"/>
               </a:defRPr>
             </a:pPr>
@@ -7381,6 +7834,9 @@
           <a:p>
             <a:pPr>
               <a:defRPr sz="1000">
+                <a:solidFill>
+                  <a:srgbClr val="000000"/>
+                </a:solidFill>
                 <a:latin typeface="Yu Gothic UI"/>
               </a:defRPr>
             </a:pPr>
@@ -7391,6 +7847,9 @@
           <a:p>
             <a:pPr>
               <a:defRPr sz="1000">
+                <a:solidFill>
+                  <a:srgbClr val="000000"/>
+                </a:solidFill>
                 <a:latin typeface="Yu Gothic UI"/>
               </a:defRPr>
             </a:pPr>
@@ -7442,6 +7901,9 @@
           <a:p>
             <a:pPr>
               <a:defRPr sz="1000">
+                <a:solidFill>
+                  <a:srgbClr val="000000"/>
+                </a:solidFill>
                 <a:latin typeface="Yu Gothic UI"/>
               </a:defRPr>
             </a:pPr>
@@ -7493,6 +7955,9 @@
           <a:p>
             <a:pPr>
               <a:defRPr sz="1000">
+                <a:solidFill>
+                  <a:srgbClr val="000000"/>
+                </a:solidFill>
                 <a:latin typeface="Yu Gothic UI"/>
               </a:defRPr>
             </a:pPr>
@@ -7503,6 +7968,9 @@
           <a:p>
             <a:pPr>
               <a:defRPr sz="1000">
+                <a:solidFill>
+                  <a:srgbClr val="000000"/>
+                </a:solidFill>
                 <a:latin typeface="Yu Gothic UI"/>
               </a:defRPr>
             </a:pPr>
@@ -7554,6 +8022,9 @@
           <a:p>
             <a:pPr>
               <a:defRPr sz="1000">
+                <a:solidFill>
+                  <a:srgbClr val="000000"/>
+                </a:solidFill>
                 <a:latin typeface="Yu Gothic UI"/>
               </a:defRPr>
             </a:pPr>
@@ -7564,6 +8035,9 @@
           <a:p>
             <a:pPr>
               <a:defRPr sz="1000">
+                <a:solidFill>
+                  <a:srgbClr val="000000"/>
+                </a:solidFill>
                 <a:latin typeface="Yu Gothic UI"/>
               </a:defRPr>
             </a:pPr>
@@ -7615,6 +8089,9 @@
           <a:p>
             <a:pPr>
               <a:defRPr sz="1000">
+                <a:solidFill>
+                  <a:srgbClr val="000000"/>
+                </a:solidFill>
                 <a:latin typeface="Yu Gothic UI"/>
               </a:defRPr>
             </a:pPr>
@@ -7625,6 +8102,9 @@
           <a:p>
             <a:pPr>
               <a:defRPr sz="1000">
+                <a:solidFill>
+                  <a:srgbClr val="000000"/>
+                </a:solidFill>
                 <a:latin typeface="Yu Gothic UI"/>
               </a:defRPr>
             </a:pPr>
@@ -7676,6 +8156,9 @@
           <a:p>
             <a:pPr>
               <a:defRPr sz="1000">
+                <a:solidFill>
+                  <a:srgbClr val="000000"/>
+                </a:solidFill>
                 <a:latin typeface="Yu Gothic UI"/>
               </a:defRPr>
             </a:pPr>
@@ -7686,6 +8169,9 @@
           <a:p>
             <a:pPr>
               <a:defRPr sz="1000">
+                <a:solidFill>
+                  <a:srgbClr val="000000"/>
+                </a:solidFill>
                 <a:latin typeface="Yu Gothic UI"/>
               </a:defRPr>
             </a:pPr>
@@ -7696,6 +8182,9 @@
           <a:p>
             <a:pPr>
               <a:defRPr sz="1000">
+                <a:solidFill>
+                  <a:srgbClr val="000000"/>
+                </a:solidFill>
                 <a:latin typeface="Yu Gothic UI"/>
               </a:defRPr>
             </a:pPr>
@@ -7747,6 +8236,9 @@
           <a:p>
             <a:pPr>
               <a:defRPr sz="1000">
+                <a:solidFill>
+                  <a:srgbClr val="000000"/>
+                </a:solidFill>
                 <a:latin typeface="Yu Gothic UI"/>
               </a:defRPr>
             </a:pPr>
@@ -7757,6 +8249,9 @@
           <a:p>
             <a:pPr>
               <a:defRPr sz="1000">
+                <a:solidFill>
+                  <a:srgbClr val="000000"/>
+                </a:solidFill>
                 <a:latin typeface="Yu Gothic UI"/>
               </a:defRPr>
             </a:pPr>
@@ -7808,6 +8303,9 @@
           <a:p>
             <a:pPr algn="l">
               <a:defRPr sz="2000">
+                <a:solidFill>
+                  <a:srgbClr val="000000"/>
+                </a:solidFill>
                 <a:latin typeface="Yu Gothic UI"/>
               </a:defRPr>
             </a:pPr>
@@ -7841,6 +8339,9 @@
           <a:p>
             <a:pPr algn="r">
               <a:defRPr sz="2000">
+                <a:solidFill>
+                  <a:srgbClr val="000000"/>
+                </a:solidFill>
                 <a:latin typeface="Yu Gothic UI"/>
               </a:defRPr>
             </a:pPr>
@@ -7892,6 +8393,9 @@
           <a:p>
             <a:pPr>
               <a:defRPr sz="1000">
+                <a:solidFill>
+                  <a:srgbClr val="000000"/>
+                </a:solidFill>
                 <a:latin typeface="Yu Gothic UI"/>
               </a:defRPr>
             </a:pPr>
@@ -7902,6 +8406,9 @@
           <a:p>
             <a:pPr>
               <a:defRPr sz="1000">
+                <a:solidFill>
+                  <a:srgbClr val="000000"/>
+                </a:solidFill>
                 <a:latin typeface="Yu Gothic UI"/>
               </a:defRPr>
             </a:pPr>
@@ -7953,6 +8460,9 @@
           <a:p>
             <a:pPr>
               <a:defRPr sz="1000">
+                <a:solidFill>
+                  <a:srgbClr val="000000"/>
+                </a:solidFill>
                 <a:latin typeface="Yu Gothic UI"/>
               </a:defRPr>
             </a:pPr>
@@ -7963,6 +8473,9 @@
           <a:p>
             <a:pPr>
               <a:defRPr sz="1000">
+                <a:solidFill>
+                  <a:srgbClr val="000000"/>
+                </a:solidFill>
                 <a:latin typeface="Yu Gothic UI"/>
               </a:defRPr>
             </a:pPr>
@@ -8014,6 +8527,9 @@
           <a:p>
             <a:pPr>
               <a:defRPr sz="1000">
+                <a:solidFill>
+                  <a:srgbClr val="000000"/>
+                </a:solidFill>
                 <a:latin typeface="Yu Gothic UI"/>
               </a:defRPr>
             </a:pPr>
@@ -8024,6 +8540,9 @@
           <a:p>
             <a:pPr>
               <a:defRPr sz="1000">
+                <a:solidFill>
+                  <a:srgbClr val="000000"/>
+                </a:solidFill>
                 <a:latin typeface="Yu Gothic UI"/>
               </a:defRPr>
             </a:pPr>
@@ -8034,6 +8553,9 @@
           <a:p>
             <a:pPr>
               <a:defRPr sz="1000">
+                <a:solidFill>
+                  <a:srgbClr val="000000"/>
+                </a:solidFill>
                 <a:latin typeface="Yu Gothic UI"/>
               </a:defRPr>
             </a:pPr>
@@ -8085,6 +8607,9 @@
           <a:p>
             <a:pPr>
               <a:defRPr sz="1000">
+                <a:solidFill>
+                  <a:srgbClr val="000000"/>
+                </a:solidFill>
                 <a:latin typeface="Yu Gothic UI"/>
               </a:defRPr>
             </a:pPr>
@@ -8136,6 +8661,9 @@
           <a:p>
             <a:pPr>
               <a:defRPr sz="1000">
+                <a:solidFill>
+                  <a:srgbClr val="000000"/>
+                </a:solidFill>
                 <a:latin typeface="Yu Gothic UI"/>
               </a:defRPr>
             </a:pPr>
@@ -8146,6 +8674,9 @@
           <a:p>
             <a:pPr>
               <a:defRPr sz="1000">
+                <a:solidFill>
+                  <a:srgbClr val="000000"/>
+                </a:solidFill>
                 <a:latin typeface="Yu Gothic UI"/>
               </a:defRPr>
             </a:pPr>
@@ -8197,6 +8728,9 @@
           <a:p>
             <a:pPr>
               <a:defRPr sz="1000">
+                <a:solidFill>
+                  <a:srgbClr val="000000"/>
+                </a:solidFill>
                 <a:latin typeface="Yu Gothic UI"/>
               </a:defRPr>
             </a:pPr>
@@ -8207,6 +8741,9 @@
           <a:p>
             <a:pPr>
               <a:defRPr sz="1000">
+                <a:solidFill>
+                  <a:srgbClr val="000000"/>
+                </a:solidFill>
                 <a:latin typeface="Yu Gothic UI"/>
               </a:defRPr>
             </a:pPr>
@@ -8258,6 +8795,9 @@
           <a:p>
             <a:pPr>
               <a:defRPr sz="1000">
+                <a:solidFill>
+                  <a:srgbClr val="000000"/>
+                </a:solidFill>
                 <a:latin typeface="Yu Gothic UI"/>
               </a:defRPr>
             </a:pPr>
@@ -8268,6 +8808,9 @@
           <a:p>
             <a:pPr>
               <a:defRPr sz="1000">
+                <a:solidFill>
+                  <a:srgbClr val="000000"/>
+                </a:solidFill>
                 <a:latin typeface="Yu Gothic UI"/>
               </a:defRPr>
             </a:pPr>
@@ -8319,6 +8862,9 @@
           <a:p>
             <a:pPr>
               <a:defRPr sz="1000">
+                <a:solidFill>
+                  <a:srgbClr val="000000"/>
+                </a:solidFill>
                 <a:latin typeface="Yu Gothic UI"/>
               </a:defRPr>
             </a:pPr>
@@ -8329,6 +8875,9 @@
           <a:p>
             <a:pPr>
               <a:defRPr sz="1000">
+                <a:solidFill>
+                  <a:srgbClr val="000000"/>
+                </a:solidFill>
                 <a:latin typeface="Yu Gothic UI"/>
               </a:defRPr>
             </a:pPr>
@@ -8339,6 +8888,9 @@
           <a:p>
             <a:pPr>
               <a:defRPr sz="1000">
+                <a:solidFill>
+                  <a:srgbClr val="000000"/>
+                </a:solidFill>
                 <a:latin typeface="Yu Gothic UI"/>
               </a:defRPr>
             </a:pPr>
@@ -8390,6 +8942,9 @@
           <a:p>
             <a:pPr>
               <a:defRPr sz="1000">
+                <a:solidFill>
+                  <a:srgbClr val="000000"/>
+                </a:solidFill>
                 <a:latin typeface="Yu Gothic UI"/>
               </a:defRPr>
             </a:pPr>
@@ -8400,6 +8955,9 @@
           <a:p>
             <a:pPr>
               <a:defRPr sz="1000">
+                <a:solidFill>
+                  <a:srgbClr val="000000"/>
+                </a:solidFill>
                 <a:latin typeface="Yu Gothic UI"/>
               </a:defRPr>
             </a:pPr>
@@ -8451,6 +9009,9 @@
           <a:p>
             <a:pPr algn="l">
               <a:defRPr sz="2000">
+                <a:solidFill>
+                  <a:srgbClr val="000000"/>
+                </a:solidFill>
                 <a:latin typeface="Yu Gothic UI"/>
               </a:defRPr>
             </a:pPr>
@@ -8484,6 +9045,9 @@
           <a:p>
             <a:pPr algn="r">
               <a:defRPr sz="2000">
+                <a:solidFill>
+                  <a:srgbClr val="000000"/>
+                </a:solidFill>
                 <a:latin typeface="Yu Gothic UI"/>
               </a:defRPr>
             </a:pPr>
@@ -8535,6 +9099,9 @@
           <a:p>
             <a:pPr>
               <a:defRPr sz="1000">
+                <a:solidFill>
+                  <a:srgbClr val="000000"/>
+                </a:solidFill>
                 <a:latin typeface="Yu Gothic UI"/>
               </a:defRPr>
             </a:pPr>
@@ -8545,6 +9112,9 @@
           <a:p>
             <a:pPr>
               <a:defRPr sz="1000">
+                <a:solidFill>
+                  <a:srgbClr val="000000"/>
+                </a:solidFill>
                 <a:latin typeface="Yu Gothic UI"/>
               </a:defRPr>
             </a:pPr>
@@ -8555,6 +9125,9 @@
           <a:p>
             <a:pPr>
               <a:defRPr sz="1000">
+                <a:solidFill>
+                  <a:srgbClr val="000000"/>
+                </a:solidFill>
                 <a:latin typeface="Yu Gothic UI"/>
               </a:defRPr>
             </a:pPr>
@@ -8606,6 +9179,9 @@
           <a:p>
             <a:pPr>
               <a:defRPr sz="1000">
+                <a:solidFill>
+                  <a:srgbClr val="000000"/>
+                </a:solidFill>
                 <a:latin typeface="Yu Gothic UI"/>
               </a:defRPr>
             </a:pPr>
@@ -8616,6 +9192,9 @@
           <a:p>
             <a:pPr>
               <a:defRPr sz="1000">
+                <a:solidFill>
+                  <a:srgbClr val="000000"/>
+                </a:solidFill>
                 <a:latin typeface="Yu Gothic UI"/>
               </a:defRPr>
             </a:pPr>
@@ -8626,6 +9205,9 @@
           <a:p>
             <a:pPr>
               <a:defRPr sz="1000">
+                <a:solidFill>
+                  <a:srgbClr val="000000"/>
+                </a:solidFill>
                 <a:latin typeface="Yu Gothic UI"/>
               </a:defRPr>
             </a:pPr>
@@ -8677,6 +9259,9 @@
           <a:p>
             <a:pPr>
               <a:defRPr sz="1000">
+                <a:solidFill>
+                  <a:srgbClr val="000000"/>
+                </a:solidFill>
                 <a:latin typeface="Yu Gothic UI"/>
               </a:defRPr>
             </a:pPr>
@@ -8687,6 +9272,9 @@
           <a:p>
             <a:pPr>
               <a:defRPr sz="1000">
+                <a:solidFill>
+                  <a:srgbClr val="000000"/>
+                </a:solidFill>
                 <a:latin typeface="Yu Gothic UI"/>
               </a:defRPr>
             </a:pPr>
@@ -8697,6 +9285,9 @@
           <a:p>
             <a:pPr>
               <a:defRPr sz="1000">
+                <a:solidFill>
+                  <a:srgbClr val="000000"/>
+                </a:solidFill>
                 <a:latin typeface="Yu Gothic UI"/>
               </a:defRPr>
             </a:pPr>
@@ -8748,6 +9339,9 @@
           <a:p>
             <a:pPr>
               <a:defRPr sz="1000">
+                <a:solidFill>
+                  <a:srgbClr val="000000"/>
+                </a:solidFill>
                 <a:latin typeface="Yu Gothic UI"/>
               </a:defRPr>
             </a:pPr>
@@ -8758,6 +9352,9 @@
           <a:p>
             <a:pPr>
               <a:defRPr sz="1000">
+                <a:solidFill>
+                  <a:srgbClr val="000000"/>
+                </a:solidFill>
                 <a:latin typeface="Yu Gothic UI"/>
               </a:defRPr>
             </a:pPr>
@@ -8768,6 +9365,9 @@
           <a:p>
             <a:pPr>
               <a:defRPr sz="1000">
+                <a:solidFill>
+                  <a:srgbClr val="000000"/>
+                </a:solidFill>
                 <a:latin typeface="Yu Gothic UI"/>
               </a:defRPr>
             </a:pPr>
@@ -8819,6 +9419,9 @@
           <a:p>
             <a:pPr>
               <a:defRPr sz="1000">
+                <a:solidFill>
+                  <a:srgbClr val="000000"/>
+                </a:solidFill>
                 <a:latin typeface="Yu Gothic UI"/>
               </a:defRPr>
             </a:pPr>
@@ -8829,6 +9432,9 @@
           <a:p>
             <a:pPr>
               <a:defRPr sz="1000">
+                <a:solidFill>
+                  <a:srgbClr val="000000"/>
+                </a:solidFill>
                 <a:latin typeface="Yu Gothic UI"/>
               </a:defRPr>
             </a:pPr>
@@ -8880,6 +9486,9 @@
           <a:p>
             <a:pPr>
               <a:defRPr sz="1000">
+                <a:solidFill>
+                  <a:srgbClr val="000000"/>
+                </a:solidFill>
                 <a:latin typeface="Yu Gothic UI"/>
               </a:defRPr>
             </a:pPr>
@@ -8890,6 +9499,9 @@
           <a:p>
             <a:pPr>
               <a:defRPr sz="1000">
+                <a:solidFill>
+                  <a:srgbClr val="000000"/>
+                </a:solidFill>
                 <a:latin typeface="Yu Gothic UI"/>
               </a:defRPr>
             </a:pPr>
@@ -8900,6 +9512,9 @@
           <a:p>
             <a:pPr>
               <a:defRPr sz="1000">
+                <a:solidFill>
+                  <a:srgbClr val="000000"/>
+                </a:solidFill>
                 <a:latin typeface="Yu Gothic UI"/>
               </a:defRPr>
             </a:pPr>
@@ -8951,6 +9566,9 @@
           <a:p>
             <a:pPr>
               <a:defRPr sz="1000">
+                <a:solidFill>
+                  <a:srgbClr val="000000"/>
+                </a:solidFill>
                 <a:latin typeface="Yu Gothic UI"/>
               </a:defRPr>
             </a:pPr>
@@ -8961,6 +9579,9 @@
           <a:p>
             <a:pPr>
               <a:defRPr sz="1000">
+                <a:solidFill>
+                  <a:srgbClr val="000000"/>
+                </a:solidFill>
                 <a:latin typeface="Yu Gothic UI"/>
               </a:defRPr>
             </a:pPr>
@@ -9012,6 +9633,9 @@
           <a:p>
             <a:pPr>
               <a:defRPr sz="1000">
+                <a:solidFill>
+                  <a:srgbClr val="000000"/>
+                </a:solidFill>
                 <a:latin typeface="Yu Gothic UI"/>
               </a:defRPr>
             </a:pPr>
@@ -9022,6 +9646,9 @@
           <a:p>
             <a:pPr>
               <a:defRPr sz="1000">
+                <a:solidFill>
+                  <a:srgbClr val="000000"/>
+                </a:solidFill>
                 <a:latin typeface="Yu Gothic UI"/>
               </a:defRPr>
             </a:pPr>
@@ -9032,6 +9659,9 @@
           <a:p>
             <a:pPr>
               <a:defRPr sz="1000">
+                <a:solidFill>
+                  <a:srgbClr val="000000"/>
+                </a:solidFill>
                 <a:latin typeface="Yu Gothic UI"/>
               </a:defRPr>
             </a:pPr>
@@ -9083,6 +9713,9 @@
           <a:p>
             <a:pPr>
               <a:defRPr sz="1000">
+                <a:solidFill>
+                  <a:srgbClr val="000000"/>
+                </a:solidFill>
                 <a:latin typeface="Yu Gothic UI"/>
               </a:defRPr>
             </a:pPr>
@@ -9093,6 +9726,9 @@
           <a:p>
             <a:pPr>
               <a:defRPr sz="1000">
+                <a:solidFill>
+                  <a:srgbClr val="000000"/>
+                </a:solidFill>
                 <a:latin typeface="Yu Gothic UI"/>
               </a:defRPr>
             </a:pPr>
@@ -9144,6 +9780,9 @@
           <a:p>
             <a:pPr algn="l">
               <a:defRPr sz="2000">
+                <a:solidFill>
+                  <a:srgbClr val="000000"/>
+                </a:solidFill>
                 <a:latin typeface="Yu Gothic UI"/>
               </a:defRPr>
             </a:pPr>
@@ -9177,6 +9816,9 @@
           <a:p>
             <a:pPr algn="r">
               <a:defRPr sz="2000">
+                <a:solidFill>
+                  <a:srgbClr val="000000"/>
+                </a:solidFill>
                 <a:latin typeface="Yu Gothic UI"/>
               </a:defRPr>
             </a:pPr>
@@ -9228,6 +9870,9 @@
           <a:p>
             <a:pPr>
               <a:defRPr sz="1000">
+                <a:solidFill>
+                  <a:srgbClr val="000000"/>
+                </a:solidFill>
                 <a:latin typeface="Yu Gothic UI"/>
               </a:defRPr>
             </a:pPr>
@@ -9238,6 +9883,9 @@
           <a:p>
             <a:pPr>
               <a:defRPr sz="1000">
+                <a:solidFill>
+                  <a:srgbClr val="000000"/>
+                </a:solidFill>
                 <a:latin typeface="Yu Gothic UI"/>
               </a:defRPr>
             </a:pPr>
@@ -9289,6 +9937,9 @@
           <a:p>
             <a:pPr>
               <a:defRPr sz="1000">
+                <a:solidFill>
+                  <a:srgbClr val="000000"/>
+                </a:solidFill>
                 <a:latin typeface="Yu Gothic UI"/>
               </a:defRPr>
             </a:pPr>
@@ -9299,6 +9950,9 @@
           <a:p>
             <a:pPr>
               <a:defRPr sz="1000">
+                <a:solidFill>
+                  <a:srgbClr val="000000"/>
+                </a:solidFill>
                 <a:latin typeface="Yu Gothic UI"/>
               </a:defRPr>
             </a:pPr>
@@ -9350,6 +10004,9 @@
           <a:p>
             <a:pPr>
               <a:defRPr sz="1000">
+                <a:solidFill>
+                  <a:srgbClr val="000000"/>
+                </a:solidFill>
                 <a:latin typeface="Yu Gothic UI"/>
               </a:defRPr>
             </a:pPr>
@@ -9360,6 +10017,9 @@
           <a:p>
             <a:pPr>
               <a:defRPr sz="1000">
+                <a:solidFill>
+                  <a:srgbClr val="000000"/>
+                </a:solidFill>
                 <a:latin typeface="Yu Gothic UI"/>
               </a:defRPr>
             </a:pPr>
@@ -9370,6 +10030,9 @@
           <a:p>
             <a:pPr>
               <a:defRPr sz="1000">
+                <a:solidFill>
+                  <a:srgbClr val="000000"/>
+                </a:solidFill>
                 <a:latin typeface="Yu Gothic UI"/>
               </a:defRPr>
             </a:pPr>
@@ -9421,6 +10084,9 @@
           <a:p>
             <a:pPr>
               <a:defRPr sz="1000">
+                <a:solidFill>
+                  <a:srgbClr val="000000"/>
+                </a:solidFill>
                 <a:latin typeface="Yu Gothic UI"/>
               </a:defRPr>
             </a:pPr>
@@ -9472,6 +10138,9 @@
           <a:p>
             <a:pPr>
               <a:defRPr sz="1000">
+                <a:solidFill>
+                  <a:srgbClr val="000000"/>
+                </a:solidFill>
                 <a:latin typeface="Yu Gothic UI"/>
               </a:defRPr>
             </a:pPr>
@@ -9482,6 +10151,9 @@
           <a:p>
             <a:pPr>
               <a:defRPr sz="1000">
+                <a:solidFill>
+                  <a:srgbClr val="000000"/>
+                </a:solidFill>
                 <a:latin typeface="Yu Gothic UI"/>
               </a:defRPr>
             </a:pPr>
@@ -9533,6 +10205,9 @@
           <a:p>
             <a:pPr>
               <a:defRPr sz="1000">
+                <a:solidFill>
+                  <a:srgbClr val="000000"/>
+                </a:solidFill>
                 <a:latin typeface="Yu Gothic UI"/>
               </a:defRPr>
             </a:pPr>
@@ -9543,6 +10218,9 @@
           <a:p>
             <a:pPr>
               <a:defRPr sz="1000">
+                <a:solidFill>
+                  <a:srgbClr val="000000"/>
+                </a:solidFill>
                 <a:latin typeface="Yu Gothic UI"/>
               </a:defRPr>
             </a:pPr>
@@ -9594,6 +10272,9 @@
           <a:p>
             <a:pPr>
               <a:defRPr sz="1000">
+                <a:solidFill>
+                  <a:srgbClr val="000000"/>
+                </a:solidFill>
                 <a:latin typeface="Yu Gothic UI"/>
               </a:defRPr>
             </a:pPr>
@@ -9604,6 +10285,9 @@
           <a:p>
             <a:pPr>
               <a:defRPr sz="1000">
+                <a:solidFill>
+                  <a:srgbClr val="000000"/>
+                </a:solidFill>
                 <a:latin typeface="Yu Gothic UI"/>
               </a:defRPr>
             </a:pPr>
@@ -9655,6 +10339,9 @@
           <a:p>
             <a:pPr>
               <a:defRPr sz="1000">
+                <a:solidFill>
+                  <a:srgbClr val="000000"/>
+                </a:solidFill>
                 <a:latin typeface="Yu Gothic UI"/>
               </a:defRPr>
             </a:pPr>
@@ -9665,6 +10352,9 @@
           <a:p>
             <a:pPr>
               <a:defRPr sz="1000">
+                <a:solidFill>
+                  <a:srgbClr val="000000"/>
+                </a:solidFill>
                 <a:latin typeface="Yu Gothic UI"/>
               </a:defRPr>
             </a:pPr>
@@ -9675,6 +10365,9 @@
           <a:p>
             <a:pPr>
               <a:defRPr sz="1000">
+                <a:solidFill>
+                  <a:srgbClr val="000000"/>
+                </a:solidFill>
                 <a:latin typeface="Yu Gothic UI"/>
               </a:defRPr>
             </a:pPr>
@@ -9726,6 +10419,9 @@
           <a:p>
             <a:pPr>
               <a:defRPr sz="1000">
+                <a:solidFill>
+                  <a:srgbClr val="000000"/>
+                </a:solidFill>
                 <a:latin typeface="Yu Gothic UI"/>
               </a:defRPr>
             </a:pPr>
@@ -9736,6 +10432,9 @@
           <a:p>
             <a:pPr>
               <a:defRPr sz="1000">
+                <a:solidFill>
+                  <a:srgbClr val="000000"/>
+                </a:solidFill>
                 <a:latin typeface="Yu Gothic UI"/>
               </a:defRPr>
             </a:pPr>
@@ -9787,6 +10486,9 @@
           <a:p>
             <a:pPr algn="l">
               <a:defRPr sz="2000">
+                <a:solidFill>
+                  <a:srgbClr val="000000"/>
+                </a:solidFill>
                 <a:latin typeface="Yu Gothic UI"/>
               </a:defRPr>
             </a:pPr>
@@ -9820,6 +10522,9 @@
           <a:p>
             <a:pPr algn="r">
               <a:defRPr sz="2000">
+                <a:solidFill>
+                  <a:srgbClr val="000000"/>
+                </a:solidFill>
                 <a:latin typeface="Yu Gothic UI"/>
               </a:defRPr>
             </a:pPr>
@@ -9871,6 +10576,9 @@
           <a:p>
             <a:pPr>
               <a:defRPr sz="1000">
+                <a:solidFill>
+                  <a:srgbClr val="000000"/>
+                </a:solidFill>
                 <a:latin typeface="Yu Gothic UI"/>
               </a:defRPr>
             </a:pPr>
@@ -9881,6 +10589,9 @@
           <a:p>
             <a:pPr>
               <a:defRPr sz="1000">
+                <a:solidFill>
+                  <a:srgbClr val="000000"/>
+                </a:solidFill>
                 <a:latin typeface="Yu Gothic UI"/>
               </a:defRPr>
             </a:pPr>
@@ -9932,6 +10643,9 @@
           <a:p>
             <a:pPr>
               <a:defRPr sz="1000">
+                <a:solidFill>
+                  <a:srgbClr val="000000"/>
+                </a:solidFill>
                 <a:latin typeface="Yu Gothic UI"/>
               </a:defRPr>
             </a:pPr>
@@ -9942,6 +10656,9 @@
           <a:p>
             <a:pPr>
               <a:defRPr sz="1000">
+                <a:solidFill>
+                  <a:srgbClr val="000000"/>
+                </a:solidFill>
                 <a:latin typeface="Yu Gothic UI"/>
               </a:defRPr>
             </a:pPr>
@@ -9993,6 +10710,9 @@
           <a:p>
             <a:pPr>
               <a:defRPr sz="1000">
+                <a:solidFill>
+                  <a:srgbClr val="000000"/>
+                </a:solidFill>
                 <a:latin typeface="Yu Gothic UI"/>
               </a:defRPr>
             </a:pPr>
@@ -10003,6 +10723,9 @@
           <a:p>
             <a:pPr>
               <a:defRPr sz="1000">
+                <a:solidFill>
+                  <a:srgbClr val="000000"/>
+                </a:solidFill>
                 <a:latin typeface="Yu Gothic UI"/>
               </a:defRPr>
             </a:pPr>
@@ -10013,6 +10736,9 @@
           <a:p>
             <a:pPr>
               <a:defRPr sz="1000">
+                <a:solidFill>
+                  <a:srgbClr val="000000"/>
+                </a:solidFill>
                 <a:latin typeface="Yu Gothic UI"/>
               </a:defRPr>
             </a:pPr>
@@ -10064,6 +10790,9 @@
           <a:p>
             <a:pPr>
               <a:defRPr sz="1000">
+                <a:solidFill>
+                  <a:srgbClr val="000000"/>
+                </a:solidFill>
                 <a:latin typeface="Yu Gothic UI"/>
               </a:defRPr>
             </a:pPr>
@@ -10115,6 +10844,9 @@
           <a:p>
             <a:pPr>
               <a:defRPr sz="1000">
+                <a:solidFill>
+                  <a:srgbClr val="000000"/>
+                </a:solidFill>
                 <a:latin typeface="Yu Gothic UI"/>
               </a:defRPr>
             </a:pPr>
@@ -10125,6 +10857,9 @@
           <a:p>
             <a:pPr>
               <a:defRPr sz="1000">
+                <a:solidFill>
+                  <a:srgbClr val="000000"/>
+                </a:solidFill>
                 <a:latin typeface="Yu Gothic UI"/>
               </a:defRPr>
             </a:pPr>
@@ -10176,6 +10911,9 @@
           <a:p>
             <a:pPr>
               <a:defRPr sz="1000">
+                <a:solidFill>
+                  <a:srgbClr val="000000"/>
+                </a:solidFill>
                 <a:latin typeface="Yu Gothic UI"/>
               </a:defRPr>
             </a:pPr>
@@ -10186,6 +10924,9 @@
           <a:p>
             <a:pPr>
               <a:defRPr sz="1000">
+                <a:solidFill>
+                  <a:srgbClr val="000000"/>
+                </a:solidFill>
                 <a:latin typeface="Yu Gothic UI"/>
               </a:defRPr>
             </a:pPr>
@@ -10196,6 +10937,9 @@
           <a:p>
             <a:pPr>
               <a:defRPr sz="1000">
+                <a:solidFill>
+                  <a:srgbClr val="000000"/>
+                </a:solidFill>
                 <a:latin typeface="Yu Gothic UI"/>
               </a:defRPr>
             </a:pPr>
@@ -10247,6 +10991,9 @@
           <a:p>
             <a:pPr>
               <a:defRPr sz="1000">
+                <a:solidFill>
+                  <a:srgbClr val="000000"/>
+                </a:solidFill>
                 <a:latin typeface="Yu Gothic UI"/>
               </a:defRPr>
             </a:pPr>
@@ -10257,6 +11004,9 @@
           <a:p>
             <a:pPr>
               <a:defRPr sz="1000">
+                <a:solidFill>
+                  <a:srgbClr val="000000"/>
+                </a:solidFill>
                 <a:latin typeface="Yu Gothic UI"/>
               </a:defRPr>
             </a:pPr>
@@ -10308,6 +11058,9 @@
           <a:p>
             <a:pPr>
               <a:defRPr sz="1000">
+                <a:solidFill>
+                  <a:srgbClr val="000000"/>
+                </a:solidFill>
                 <a:latin typeface="Yu Gothic UI"/>
               </a:defRPr>
             </a:pPr>
@@ -10318,6 +11071,9 @@
           <a:p>
             <a:pPr>
               <a:defRPr sz="1000">
+                <a:solidFill>
+                  <a:srgbClr val="000000"/>
+                </a:solidFill>
                 <a:latin typeface="Yu Gothic UI"/>
               </a:defRPr>
             </a:pPr>
@@ -10328,6 +11084,9 @@
           <a:p>
             <a:pPr>
               <a:defRPr sz="1000">
+                <a:solidFill>
+                  <a:srgbClr val="000000"/>
+                </a:solidFill>
                 <a:latin typeface="Yu Gothic UI"/>
               </a:defRPr>
             </a:pPr>
@@ -10379,6 +11138,9 @@
           <a:p>
             <a:pPr>
               <a:defRPr sz="1000">
+                <a:solidFill>
+                  <a:srgbClr val="000000"/>
+                </a:solidFill>
                 <a:latin typeface="Yu Gothic UI"/>
               </a:defRPr>
             </a:pPr>
@@ -10389,6 +11151,9 @@
           <a:p>
             <a:pPr>
               <a:defRPr sz="1000">
+                <a:solidFill>
+                  <a:srgbClr val="000000"/>
+                </a:solidFill>
                 <a:latin typeface="Yu Gothic UI"/>
               </a:defRPr>
             </a:pPr>
@@ -10399,6 +11164,9 @@
           <a:p>
             <a:pPr>
               <a:defRPr sz="1000">
+                <a:solidFill>
+                  <a:srgbClr val="000000"/>
+                </a:solidFill>
                 <a:latin typeface="Yu Gothic UI"/>
               </a:defRPr>
             </a:pPr>
@@ -10450,6 +11218,9 @@
           <a:p>
             <a:pPr algn="l">
               <a:defRPr sz="2000">
+                <a:solidFill>
+                  <a:srgbClr val="000000"/>
+                </a:solidFill>
                 <a:latin typeface="Yu Gothic UI"/>
               </a:defRPr>
             </a:pPr>
@@ -10483,6 +11254,9 @@
           <a:p>
             <a:pPr algn="r">
               <a:defRPr sz="2000">
+                <a:solidFill>
+                  <a:srgbClr val="000000"/>
+                </a:solidFill>
                 <a:latin typeface="Yu Gothic UI"/>
               </a:defRPr>
             </a:pPr>
@@ -10534,6 +11308,9 @@
           <a:p>
             <a:pPr>
               <a:defRPr sz="1000">
+                <a:solidFill>
+                  <a:srgbClr val="000000"/>
+                </a:solidFill>
                 <a:latin typeface="Yu Gothic UI"/>
               </a:defRPr>
             </a:pPr>
@@ -10544,6 +11321,9 @@
           <a:p>
             <a:pPr>
               <a:defRPr sz="1000">
+                <a:solidFill>
+                  <a:srgbClr val="000000"/>
+                </a:solidFill>
                 <a:latin typeface="Yu Gothic UI"/>
               </a:defRPr>
             </a:pPr>
@@ -10554,6 +11334,9 @@
           <a:p>
             <a:pPr>
               <a:defRPr sz="1000">
+                <a:solidFill>
+                  <a:srgbClr val="000000"/>
+                </a:solidFill>
                 <a:latin typeface="Yu Gothic UI"/>
               </a:defRPr>
             </a:pPr>
@@ -10605,6 +11388,9 @@
           <a:p>
             <a:pPr>
               <a:defRPr sz="1000">
+                <a:solidFill>
+                  <a:srgbClr val="000000"/>
+                </a:solidFill>
                 <a:latin typeface="Yu Gothic UI"/>
               </a:defRPr>
             </a:pPr>
@@ -10615,6 +11401,9 @@
           <a:p>
             <a:pPr>
               <a:defRPr sz="1000">
+                <a:solidFill>
+                  <a:srgbClr val="000000"/>
+                </a:solidFill>
                 <a:latin typeface="Yu Gothic UI"/>
               </a:defRPr>
             </a:pPr>
@@ -10625,6 +11414,9 @@
           <a:p>
             <a:pPr>
               <a:defRPr sz="1000">
+                <a:solidFill>
+                  <a:srgbClr val="000000"/>
+                </a:solidFill>
                 <a:latin typeface="Yu Gothic UI"/>
               </a:defRPr>
             </a:pPr>
@@ -10676,6 +11468,9 @@
           <a:p>
             <a:pPr>
               <a:defRPr sz="1000">
+                <a:solidFill>
+                  <a:srgbClr val="000000"/>
+                </a:solidFill>
                 <a:latin typeface="Yu Gothic UI"/>
               </a:defRPr>
             </a:pPr>
@@ -10686,6 +11481,9 @@
           <a:p>
             <a:pPr>
               <a:defRPr sz="1000">
+                <a:solidFill>
+                  <a:srgbClr val="000000"/>
+                </a:solidFill>
                 <a:latin typeface="Yu Gothic UI"/>
               </a:defRPr>
             </a:pPr>
@@ -10696,6 +11494,9 @@
           <a:p>
             <a:pPr>
               <a:defRPr sz="1000">
+                <a:solidFill>
+                  <a:srgbClr val="000000"/>
+                </a:solidFill>
                 <a:latin typeface="Yu Gothic UI"/>
               </a:defRPr>
             </a:pPr>
@@ -10747,6 +11548,9 @@
           <a:p>
             <a:pPr>
               <a:defRPr sz="1000">
+                <a:solidFill>
+                  <a:srgbClr val="000000"/>
+                </a:solidFill>
                 <a:latin typeface="Yu Gothic UI"/>
               </a:defRPr>
             </a:pPr>
@@ -10798,6 +11602,9 @@
           <a:p>
             <a:pPr>
               <a:defRPr sz="1000">
+                <a:solidFill>
+                  <a:srgbClr val="000000"/>
+                </a:solidFill>
                 <a:latin typeface="Yu Gothic UI"/>
               </a:defRPr>
             </a:pPr>
@@ -10808,6 +11615,9 @@
           <a:p>
             <a:pPr>
               <a:defRPr sz="1000">
+                <a:solidFill>
+                  <a:srgbClr val="000000"/>
+                </a:solidFill>
                 <a:latin typeface="Yu Gothic UI"/>
               </a:defRPr>
             </a:pPr>
@@ -10859,6 +11669,9 @@
           <a:p>
             <a:pPr>
               <a:defRPr sz="1000">
+                <a:solidFill>
+                  <a:srgbClr val="000000"/>
+                </a:solidFill>
                 <a:latin typeface="Yu Gothic UI"/>
               </a:defRPr>
             </a:pPr>
@@ -10869,6 +11682,9 @@
           <a:p>
             <a:pPr>
               <a:defRPr sz="1000">
+                <a:solidFill>
+                  <a:srgbClr val="000000"/>
+                </a:solidFill>
                 <a:latin typeface="Yu Gothic UI"/>
               </a:defRPr>
             </a:pPr>
@@ -10920,6 +11736,9 @@
           <a:p>
             <a:pPr>
               <a:defRPr sz="1000">
+                <a:solidFill>
+                  <a:srgbClr val="000000"/>
+                </a:solidFill>
                 <a:latin typeface="Yu Gothic UI"/>
               </a:defRPr>
             </a:pPr>
@@ -10930,6 +11749,9 @@
           <a:p>
             <a:pPr>
               <a:defRPr sz="1000">
+                <a:solidFill>
+                  <a:srgbClr val="000000"/>
+                </a:solidFill>
                 <a:latin typeface="Yu Gothic UI"/>
               </a:defRPr>
             </a:pPr>
@@ -10981,6 +11803,9 @@
           <a:p>
             <a:pPr>
               <a:defRPr sz="1000">
+                <a:solidFill>
+                  <a:srgbClr val="000000"/>
+                </a:solidFill>
                 <a:latin typeface="Yu Gothic UI"/>
               </a:defRPr>
             </a:pPr>
@@ -10991,6 +11816,9 @@
           <a:p>
             <a:pPr>
               <a:defRPr sz="1000">
+                <a:solidFill>
+                  <a:srgbClr val="000000"/>
+                </a:solidFill>
                 <a:latin typeface="Yu Gothic UI"/>
               </a:defRPr>
             </a:pPr>
@@ -11001,6 +11829,9 @@
           <a:p>
             <a:pPr>
               <a:defRPr sz="1000">
+                <a:solidFill>
+                  <a:srgbClr val="000000"/>
+                </a:solidFill>
                 <a:latin typeface="Yu Gothic UI"/>
               </a:defRPr>
             </a:pPr>
@@ -11052,6 +11883,9 @@
           <a:p>
             <a:pPr>
               <a:defRPr sz="1000">
+                <a:solidFill>
+                  <a:srgbClr val="000000"/>
+                </a:solidFill>
                 <a:latin typeface="Yu Gothic UI"/>
               </a:defRPr>
             </a:pPr>
@@ -11062,6 +11896,9 @@
           <a:p>
             <a:pPr>
               <a:defRPr sz="1000">
+                <a:solidFill>
+                  <a:srgbClr val="000000"/>
+                </a:solidFill>
                 <a:latin typeface="Yu Gothic UI"/>
               </a:defRPr>
             </a:pPr>
@@ -11113,6 +11950,9 @@
           <a:p>
             <a:pPr algn="l">
               <a:defRPr sz="2000">
+                <a:solidFill>
+                  <a:srgbClr val="000000"/>
+                </a:solidFill>
                 <a:latin typeface="Yu Gothic UI"/>
               </a:defRPr>
             </a:pPr>
@@ -11146,6 +11986,9 @@
           <a:p>
             <a:pPr algn="r">
               <a:defRPr sz="2000">
+                <a:solidFill>
+                  <a:srgbClr val="000000"/>
+                </a:solidFill>
                 <a:latin typeface="Yu Gothic UI"/>
               </a:defRPr>
             </a:pPr>
@@ -11197,6 +12040,9 @@
           <a:p>
             <a:pPr>
               <a:defRPr sz="1000">
+                <a:solidFill>
+                  <a:srgbClr val="000000"/>
+                </a:solidFill>
                 <a:latin typeface="Yu Gothic UI"/>
               </a:defRPr>
             </a:pPr>
@@ -11207,6 +12053,9 @@
           <a:p>
             <a:pPr>
               <a:defRPr sz="1000">
+                <a:solidFill>
+                  <a:srgbClr val="000000"/>
+                </a:solidFill>
                 <a:latin typeface="Yu Gothic UI"/>
               </a:defRPr>
             </a:pPr>
@@ -11217,6 +12066,9 @@
           <a:p>
             <a:pPr>
               <a:defRPr sz="1000">
+                <a:solidFill>
+                  <a:srgbClr val="000000"/>
+                </a:solidFill>
                 <a:latin typeface="Yu Gothic UI"/>
               </a:defRPr>
             </a:pPr>
@@ -11268,6 +12120,9 @@
           <a:p>
             <a:pPr>
               <a:defRPr sz="1000">
+                <a:solidFill>
+                  <a:srgbClr val="000000"/>
+                </a:solidFill>
                 <a:latin typeface="Yu Gothic UI"/>
               </a:defRPr>
             </a:pPr>
@@ -11278,6 +12133,9 @@
           <a:p>
             <a:pPr>
               <a:defRPr sz="1000">
+                <a:solidFill>
+                  <a:srgbClr val="000000"/>
+                </a:solidFill>
                 <a:latin typeface="Yu Gothic UI"/>
               </a:defRPr>
             </a:pPr>
@@ -11288,6 +12146,9 @@
           <a:p>
             <a:pPr>
               <a:defRPr sz="1000">
+                <a:solidFill>
+                  <a:srgbClr val="000000"/>
+                </a:solidFill>
                 <a:latin typeface="Yu Gothic UI"/>
               </a:defRPr>
             </a:pPr>
@@ -11339,6 +12200,9 @@
           <a:p>
             <a:pPr>
               <a:defRPr sz="1000">
+                <a:solidFill>
+                  <a:srgbClr val="000000"/>
+                </a:solidFill>
                 <a:latin typeface="Yu Gothic UI"/>
               </a:defRPr>
             </a:pPr>
@@ -11349,6 +12213,9 @@
           <a:p>
             <a:pPr>
               <a:defRPr sz="1000">
+                <a:solidFill>
+                  <a:srgbClr val="000000"/>
+                </a:solidFill>
                 <a:latin typeface="Yu Gothic UI"/>
               </a:defRPr>
             </a:pPr>
@@ -11359,6 +12226,9 @@
           <a:p>
             <a:pPr>
               <a:defRPr sz="1000">
+                <a:solidFill>
+                  <a:srgbClr val="000000"/>
+                </a:solidFill>
                 <a:latin typeface="Yu Gothic UI"/>
               </a:defRPr>
             </a:pPr>
@@ -11410,6 +12280,9 @@
           <a:p>
             <a:pPr>
               <a:defRPr sz="1000">
+                <a:solidFill>
+                  <a:srgbClr val="000000"/>
+                </a:solidFill>
                 <a:latin typeface="Yu Gothic UI"/>
               </a:defRPr>
             </a:pPr>
@@ -11461,6 +12334,9 @@
           <a:p>
             <a:pPr>
               <a:defRPr sz="1000">
+                <a:solidFill>
+                  <a:srgbClr val="000000"/>
+                </a:solidFill>
                 <a:latin typeface="Yu Gothic UI"/>
               </a:defRPr>
             </a:pPr>
@@ -11471,6 +12347,9 @@
           <a:p>
             <a:pPr>
               <a:defRPr sz="1000">
+                <a:solidFill>
+                  <a:srgbClr val="000000"/>
+                </a:solidFill>
                 <a:latin typeface="Yu Gothic UI"/>
               </a:defRPr>
             </a:pPr>
@@ -11522,6 +12401,9 @@
           <a:p>
             <a:pPr>
               <a:defRPr sz="1000">
+                <a:solidFill>
+                  <a:srgbClr val="000000"/>
+                </a:solidFill>
                 <a:latin typeface="Yu Gothic UI"/>
               </a:defRPr>
             </a:pPr>
@@ -11532,6 +12414,9 @@
           <a:p>
             <a:pPr>
               <a:defRPr sz="1000">
+                <a:solidFill>
+                  <a:srgbClr val="000000"/>
+                </a:solidFill>
                 <a:latin typeface="Yu Gothic UI"/>
               </a:defRPr>
             </a:pPr>
@@ -11542,6 +12427,9 @@
           <a:p>
             <a:pPr>
               <a:defRPr sz="1000">
+                <a:solidFill>
+                  <a:srgbClr val="000000"/>
+                </a:solidFill>
                 <a:latin typeface="Yu Gothic UI"/>
               </a:defRPr>
             </a:pPr>
@@ -11593,6 +12481,9 @@
           <a:p>
             <a:pPr>
               <a:defRPr sz="1000">
+                <a:solidFill>
+                  <a:srgbClr val="000000"/>
+                </a:solidFill>
                 <a:latin typeface="Yu Gothic UI"/>
               </a:defRPr>
             </a:pPr>
@@ -11603,6 +12494,9 @@
           <a:p>
             <a:pPr>
               <a:defRPr sz="1000">
+                <a:solidFill>
+                  <a:srgbClr val="000000"/>
+                </a:solidFill>
                 <a:latin typeface="Yu Gothic UI"/>
               </a:defRPr>
             </a:pPr>
@@ -11613,6 +12507,9 @@
           <a:p>
             <a:pPr>
               <a:defRPr sz="1000">
+                <a:solidFill>
+                  <a:srgbClr val="000000"/>
+                </a:solidFill>
                 <a:latin typeface="Yu Gothic UI"/>
               </a:defRPr>
             </a:pPr>
@@ -11664,6 +12561,9 @@
           <a:p>
             <a:pPr>
               <a:defRPr sz="1000">
+                <a:solidFill>
+                  <a:srgbClr val="000000"/>
+                </a:solidFill>
                 <a:latin typeface="Yu Gothic UI"/>
               </a:defRPr>
             </a:pPr>
@@ -11674,6 +12574,9 @@
           <a:p>
             <a:pPr>
               <a:defRPr sz="1000">
+                <a:solidFill>
+                  <a:srgbClr val="000000"/>
+                </a:solidFill>
                 <a:latin typeface="Yu Gothic UI"/>
               </a:defRPr>
             </a:pPr>
@@ -11684,6 +12587,9 @@
           <a:p>
             <a:pPr>
               <a:defRPr sz="1000">
+                <a:solidFill>
+                  <a:srgbClr val="000000"/>
+                </a:solidFill>
                 <a:latin typeface="Yu Gothic UI"/>
               </a:defRPr>
             </a:pPr>
@@ -11735,6 +12641,9 @@
           <a:p>
             <a:pPr>
               <a:defRPr sz="1000">
+                <a:solidFill>
+                  <a:srgbClr val="000000"/>
+                </a:solidFill>
                 <a:latin typeface="Yu Gothic UI"/>
               </a:defRPr>
             </a:pPr>
@@ -11745,6 +12654,9 @@
           <a:p>
             <a:pPr>
               <a:defRPr sz="1000">
+                <a:solidFill>
+                  <a:srgbClr val="000000"/>
+                </a:solidFill>
                 <a:latin typeface="Yu Gothic UI"/>
               </a:defRPr>
             </a:pPr>
@@ -11796,6 +12708,9 @@
           <a:p>
             <a:pPr algn="l">
               <a:defRPr sz="2000">
+                <a:solidFill>
+                  <a:srgbClr val="000000"/>
+                </a:solidFill>
                 <a:latin typeface="Yu Gothic UI"/>
               </a:defRPr>
             </a:pPr>
@@ -11829,6 +12744,9 @@
           <a:p>
             <a:pPr algn="r">
               <a:defRPr sz="2000">
+                <a:solidFill>
+                  <a:srgbClr val="000000"/>
+                </a:solidFill>
                 <a:latin typeface="Yu Gothic UI"/>
               </a:defRPr>
             </a:pPr>
@@ -11880,6 +12798,9 @@
           <a:p>
             <a:pPr>
               <a:defRPr sz="1000">
+                <a:solidFill>
+                  <a:srgbClr val="000000"/>
+                </a:solidFill>
                 <a:latin typeface="Yu Gothic UI"/>
               </a:defRPr>
             </a:pPr>
@@ -11890,6 +12811,9 @@
           <a:p>
             <a:pPr>
               <a:defRPr sz="1000">
+                <a:solidFill>
+                  <a:srgbClr val="000000"/>
+                </a:solidFill>
                 <a:latin typeface="Yu Gothic UI"/>
               </a:defRPr>
             </a:pPr>
@@ -11900,6 +12824,9 @@
           <a:p>
             <a:pPr>
               <a:defRPr sz="1000">
+                <a:solidFill>
+                  <a:srgbClr val="000000"/>
+                </a:solidFill>
                 <a:latin typeface="Yu Gothic UI"/>
               </a:defRPr>
             </a:pPr>
@@ -11910,6 +12837,9 @@
           <a:p>
             <a:pPr>
               <a:defRPr sz="1000">
+                <a:solidFill>
+                  <a:srgbClr val="000000"/>
+                </a:solidFill>
                 <a:latin typeface="Yu Gothic UI"/>
               </a:defRPr>
             </a:pPr>
@@ -11961,6 +12891,9 @@
           <a:p>
             <a:pPr>
               <a:defRPr sz="1000">
+                <a:solidFill>
+                  <a:srgbClr val="000000"/>
+                </a:solidFill>
                 <a:latin typeface="Yu Gothic UI"/>
               </a:defRPr>
             </a:pPr>
@@ -11971,6 +12904,9 @@
           <a:p>
             <a:pPr>
               <a:defRPr sz="1000">
+                <a:solidFill>
+                  <a:srgbClr val="000000"/>
+                </a:solidFill>
                 <a:latin typeface="Yu Gothic UI"/>
               </a:defRPr>
             </a:pPr>
@@ -11981,6 +12917,9 @@
           <a:p>
             <a:pPr>
               <a:defRPr sz="1000">
+                <a:solidFill>
+                  <a:srgbClr val="000000"/>
+                </a:solidFill>
                 <a:latin typeface="Yu Gothic UI"/>
               </a:defRPr>
             </a:pPr>
@@ -11991,6 +12930,9 @@
           <a:p>
             <a:pPr>
               <a:defRPr sz="1000">
+                <a:solidFill>
+                  <a:srgbClr val="000000"/>
+                </a:solidFill>
                 <a:latin typeface="Yu Gothic UI"/>
               </a:defRPr>
             </a:pPr>
@@ -12001,6 +12943,9 @@
           <a:p>
             <a:pPr>
               <a:defRPr sz="1000">
+                <a:solidFill>
+                  <a:srgbClr val="000000"/>
+                </a:solidFill>
                 <a:latin typeface="Yu Gothic UI"/>
               </a:defRPr>
             </a:pPr>
@@ -12052,6 +12997,9 @@
           <a:p>
             <a:pPr>
               <a:defRPr sz="1000">
+                <a:solidFill>
+                  <a:srgbClr val="000000"/>
+                </a:solidFill>
                 <a:latin typeface="Yu Gothic UI"/>
               </a:defRPr>
             </a:pPr>
@@ -12062,6 +13010,9 @@
           <a:p>
             <a:pPr>
               <a:defRPr sz="1000">
+                <a:solidFill>
+                  <a:srgbClr val="000000"/>
+                </a:solidFill>
                 <a:latin typeface="Yu Gothic UI"/>
               </a:defRPr>
             </a:pPr>
@@ -12072,6 +13023,9 @@
           <a:p>
             <a:pPr>
               <a:defRPr sz="1000">
+                <a:solidFill>
+                  <a:srgbClr val="000000"/>
+                </a:solidFill>
                 <a:latin typeface="Yu Gothic UI"/>
               </a:defRPr>
             </a:pPr>
@@ -12123,6 +13077,9 @@
           <a:p>
             <a:pPr>
               <a:defRPr sz="1000">
+                <a:solidFill>
+                  <a:srgbClr val="000000"/>
+                </a:solidFill>
                 <a:latin typeface="Yu Gothic UI"/>
               </a:defRPr>
             </a:pPr>
@@ -12133,6 +13090,9 @@
           <a:p>
             <a:pPr>
               <a:defRPr sz="1000">
+                <a:solidFill>
+                  <a:srgbClr val="000000"/>
+                </a:solidFill>
                 <a:latin typeface="Yu Gothic UI"/>
               </a:defRPr>
             </a:pPr>
@@ -12143,6 +13103,9 @@
           <a:p>
             <a:pPr>
               <a:defRPr sz="1000">
+                <a:solidFill>
+                  <a:srgbClr val="000000"/>
+                </a:solidFill>
                 <a:latin typeface="Yu Gothic UI"/>
               </a:defRPr>
             </a:pPr>
@@ -12194,6 +13157,9 @@
           <a:p>
             <a:pPr>
               <a:defRPr sz="1000">
+                <a:solidFill>
+                  <a:srgbClr val="000000"/>
+                </a:solidFill>
                 <a:latin typeface="Yu Gothic UI"/>
               </a:defRPr>
             </a:pPr>
@@ -12204,6 +13170,9 @@
           <a:p>
             <a:pPr>
               <a:defRPr sz="1000">
+                <a:solidFill>
+                  <a:srgbClr val="000000"/>
+                </a:solidFill>
                 <a:latin typeface="Yu Gothic UI"/>
               </a:defRPr>
             </a:pPr>
@@ -12255,6 +13224,9 @@
           <a:p>
             <a:pPr>
               <a:defRPr sz="1000">
+                <a:solidFill>
+                  <a:srgbClr val="000000"/>
+                </a:solidFill>
                 <a:latin typeface="Yu Gothic UI"/>
               </a:defRPr>
             </a:pPr>
@@ -12265,6 +13237,9 @@
           <a:p>
             <a:pPr>
               <a:defRPr sz="1000">
+                <a:solidFill>
+                  <a:srgbClr val="000000"/>
+                </a:solidFill>
                 <a:latin typeface="Yu Gothic UI"/>
               </a:defRPr>
             </a:pPr>
@@ -12275,6 +13250,9 @@
           <a:p>
             <a:pPr>
               <a:defRPr sz="1000">
+                <a:solidFill>
+                  <a:srgbClr val="000000"/>
+                </a:solidFill>
                 <a:latin typeface="Yu Gothic UI"/>
               </a:defRPr>
             </a:pPr>
@@ -12326,6 +13304,9 @@
           <a:p>
             <a:pPr>
               <a:defRPr sz="1000">
+                <a:solidFill>
+                  <a:srgbClr val="000000"/>
+                </a:solidFill>
                 <a:latin typeface="Yu Gothic UI"/>
               </a:defRPr>
             </a:pPr>
@@ -12336,6 +13317,9 @@
           <a:p>
             <a:pPr>
               <a:defRPr sz="1000">
+                <a:solidFill>
+                  <a:srgbClr val="000000"/>
+                </a:solidFill>
                 <a:latin typeface="Yu Gothic UI"/>
               </a:defRPr>
             </a:pPr>
@@ -12346,6 +13330,9 @@
           <a:p>
             <a:pPr>
               <a:defRPr sz="1000">
+                <a:solidFill>
+                  <a:srgbClr val="000000"/>
+                </a:solidFill>
                 <a:latin typeface="Yu Gothic UI"/>
               </a:defRPr>
             </a:pPr>
@@ -12397,6 +13384,9 @@
           <a:p>
             <a:pPr>
               <a:defRPr sz="1000">
+                <a:solidFill>
+                  <a:srgbClr val="000000"/>
+                </a:solidFill>
                 <a:latin typeface="Yu Gothic UI"/>
               </a:defRPr>
             </a:pPr>
@@ -12407,6 +13397,9 @@
           <a:p>
             <a:pPr>
               <a:defRPr sz="1000">
+                <a:solidFill>
+                  <a:srgbClr val="000000"/>
+                </a:solidFill>
                 <a:latin typeface="Yu Gothic UI"/>
               </a:defRPr>
             </a:pPr>
@@ -12417,6 +13410,9 @@
           <a:p>
             <a:pPr>
               <a:defRPr sz="1000">
+                <a:solidFill>
+                  <a:srgbClr val="000000"/>
+                </a:solidFill>
                 <a:latin typeface="Yu Gothic UI"/>
               </a:defRPr>
             </a:pPr>
@@ -12468,6 +13464,9 @@
           <a:p>
             <a:pPr>
               <a:defRPr sz="1000">
+                <a:solidFill>
+                  <a:srgbClr val="000000"/>
+                </a:solidFill>
                 <a:latin typeface="Yu Gothic UI"/>
               </a:defRPr>
             </a:pPr>
@@ -12478,6 +13477,9 @@
           <a:p>
             <a:pPr>
               <a:defRPr sz="1000">
+                <a:solidFill>
+                  <a:srgbClr val="000000"/>
+                </a:solidFill>
                 <a:latin typeface="Yu Gothic UI"/>
               </a:defRPr>
             </a:pPr>
@@ -12529,6 +13531,9 @@
           <a:p>
             <a:pPr algn="l">
               <a:defRPr sz="2000">
+                <a:solidFill>
+                  <a:srgbClr val="000000"/>
+                </a:solidFill>
                 <a:latin typeface="Yu Gothic UI"/>
               </a:defRPr>
             </a:pPr>
@@ -12562,6 +13567,9 @@
           <a:p>
             <a:pPr algn="r">
               <a:defRPr sz="2000">
+                <a:solidFill>
+                  <a:srgbClr val="000000"/>
+                </a:solidFill>
                 <a:latin typeface="Yu Gothic UI"/>
               </a:defRPr>
             </a:pPr>
@@ -12613,6 +13621,9 @@
           <a:p>
             <a:pPr>
               <a:defRPr sz="1000">
+                <a:solidFill>
+                  <a:srgbClr val="000000"/>
+                </a:solidFill>
                 <a:latin typeface="Yu Gothic UI"/>
               </a:defRPr>
             </a:pPr>
@@ -12623,6 +13634,9 @@
           <a:p>
             <a:pPr>
               <a:defRPr sz="1000">
+                <a:solidFill>
+                  <a:srgbClr val="000000"/>
+                </a:solidFill>
                 <a:latin typeface="Yu Gothic UI"/>
               </a:defRPr>
             </a:pPr>
@@ -12633,6 +13647,9 @@
           <a:p>
             <a:pPr>
               <a:defRPr sz="1000">
+                <a:solidFill>
+                  <a:srgbClr val="000000"/>
+                </a:solidFill>
                 <a:latin typeface="Yu Gothic UI"/>
               </a:defRPr>
             </a:pPr>
@@ -12684,6 +13701,9 @@
           <a:p>
             <a:pPr>
               <a:defRPr sz="1000">
+                <a:solidFill>
+                  <a:srgbClr val="000000"/>
+                </a:solidFill>
                 <a:latin typeface="Yu Gothic UI"/>
               </a:defRPr>
             </a:pPr>
@@ -12694,6 +13714,9 @@
           <a:p>
             <a:pPr>
               <a:defRPr sz="1000">
+                <a:solidFill>
+                  <a:srgbClr val="000000"/>
+                </a:solidFill>
                 <a:latin typeface="Yu Gothic UI"/>
               </a:defRPr>
             </a:pPr>
@@ -12704,6 +13727,9 @@
           <a:p>
             <a:pPr>
               <a:defRPr sz="1000">
+                <a:solidFill>
+                  <a:srgbClr val="000000"/>
+                </a:solidFill>
                 <a:latin typeface="Yu Gothic UI"/>
               </a:defRPr>
             </a:pPr>
@@ -12755,6 +13781,9 @@
           <a:p>
             <a:pPr>
               <a:defRPr sz="1000">
+                <a:solidFill>
+                  <a:srgbClr val="000000"/>
+                </a:solidFill>
                 <a:latin typeface="Yu Gothic UI"/>
               </a:defRPr>
             </a:pPr>
@@ -12765,6 +13794,9 @@
           <a:p>
             <a:pPr>
               <a:defRPr sz="1000">
+                <a:solidFill>
+                  <a:srgbClr val="000000"/>
+                </a:solidFill>
                 <a:latin typeface="Yu Gothic UI"/>
               </a:defRPr>
             </a:pPr>
@@ -12775,6 +13807,9 @@
           <a:p>
             <a:pPr>
               <a:defRPr sz="1000">
+                <a:solidFill>
+                  <a:srgbClr val="000000"/>
+                </a:solidFill>
                 <a:latin typeface="Yu Gothic UI"/>
               </a:defRPr>
             </a:pPr>
@@ -12826,6 +13861,9 @@
           <a:p>
             <a:pPr>
               <a:defRPr sz="1000">
+                <a:solidFill>
+                  <a:srgbClr val="000000"/>
+                </a:solidFill>
                 <a:latin typeface="Yu Gothic UI"/>
               </a:defRPr>
             </a:pPr>
@@ -12877,6 +13915,9 @@
           <a:p>
             <a:pPr>
               <a:defRPr sz="1000">
+                <a:solidFill>
+                  <a:srgbClr val="000000"/>
+                </a:solidFill>
                 <a:latin typeface="Yu Gothic UI"/>
               </a:defRPr>
             </a:pPr>
@@ -12887,6 +13928,9 @@
           <a:p>
             <a:pPr>
               <a:defRPr sz="1000">
+                <a:solidFill>
+                  <a:srgbClr val="000000"/>
+                </a:solidFill>
                 <a:latin typeface="Yu Gothic UI"/>
               </a:defRPr>
             </a:pPr>
@@ -12938,6 +13982,9 @@
           <a:p>
             <a:pPr>
               <a:defRPr sz="1000">
+                <a:solidFill>
+                  <a:srgbClr val="000000"/>
+                </a:solidFill>
                 <a:latin typeface="Yu Gothic UI"/>
               </a:defRPr>
             </a:pPr>
@@ -12948,6 +13995,9 @@
           <a:p>
             <a:pPr>
               <a:defRPr sz="1000">
+                <a:solidFill>
+                  <a:srgbClr val="000000"/>
+                </a:solidFill>
                 <a:latin typeface="Yu Gothic UI"/>
               </a:defRPr>
             </a:pPr>
@@ -12958,6 +14008,9 @@
           <a:p>
             <a:pPr>
               <a:defRPr sz="1000">
+                <a:solidFill>
+                  <a:srgbClr val="000000"/>
+                </a:solidFill>
                 <a:latin typeface="Yu Gothic UI"/>
               </a:defRPr>
             </a:pPr>
@@ -13009,6 +14062,9 @@
           <a:p>
             <a:pPr>
               <a:defRPr sz="1000">
+                <a:solidFill>
+                  <a:srgbClr val="000000"/>
+                </a:solidFill>
                 <a:latin typeface="Yu Gothic UI"/>
               </a:defRPr>
             </a:pPr>
@@ -13019,6 +14075,9 @@
           <a:p>
             <a:pPr>
               <a:defRPr sz="1000">
+                <a:solidFill>
+                  <a:srgbClr val="000000"/>
+                </a:solidFill>
                 <a:latin typeface="Yu Gothic UI"/>
               </a:defRPr>
             </a:pPr>
@@ -13070,6 +14129,9 @@
           <a:p>
             <a:pPr>
               <a:defRPr sz="1000">
+                <a:solidFill>
+                  <a:srgbClr val="000000"/>
+                </a:solidFill>
                 <a:latin typeface="Yu Gothic UI"/>
               </a:defRPr>
             </a:pPr>
@@ -13080,6 +14142,9 @@
           <a:p>
             <a:pPr>
               <a:defRPr sz="1000">
+                <a:solidFill>
+                  <a:srgbClr val="000000"/>
+                </a:solidFill>
                 <a:latin typeface="Yu Gothic UI"/>
               </a:defRPr>
             </a:pPr>
@@ -13090,6 +14155,9 @@
           <a:p>
             <a:pPr>
               <a:defRPr sz="1000">
+                <a:solidFill>
+                  <a:srgbClr val="000000"/>
+                </a:solidFill>
                 <a:latin typeface="Yu Gothic UI"/>
               </a:defRPr>
             </a:pPr>
@@ -13141,6 +14209,9 @@
           <a:p>
             <a:pPr>
               <a:defRPr sz="1000">
+                <a:solidFill>
+                  <a:srgbClr val="000000"/>
+                </a:solidFill>
                 <a:latin typeface="Yu Gothic UI"/>
               </a:defRPr>
             </a:pPr>
@@ -13151,6 +14222,9 @@
           <a:p>
             <a:pPr>
               <a:defRPr sz="1000">
+                <a:solidFill>
+                  <a:srgbClr val="000000"/>
+                </a:solidFill>
                 <a:latin typeface="Yu Gothic UI"/>
               </a:defRPr>
             </a:pPr>
@@ -13161,6 +14235,9 @@
           <a:p>
             <a:pPr>
               <a:defRPr sz="1000">
+                <a:solidFill>
+                  <a:srgbClr val="000000"/>
+                </a:solidFill>
                 <a:latin typeface="Yu Gothic UI"/>
               </a:defRPr>
             </a:pPr>
@@ -13212,6 +14289,9 @@
           <a:p>
             <a:pPr algn="l">
               <a:defRPr sz="2000">
+                <a:solidFill>
+                  <a:srgbClr val="000000"/>
+                </a:solidFill>
                 <a:latin typeface="Yu Gothic UI"/>
               </a:defRPr>
             </a:pPr>
@@ -13245,6 +14325,9 @@
           <a:p>
             <a:pPr algn="r">
               <a:defRPr sz="2000">
+                <a:solidFill>
+                  <a:srgbClr val="000000"/>
+                </a:solidFill>
                 <a:latin typeface="Yu Gothic UI"/>
               </a:defRPr>
             </a:pPr>
@@ -13296,6 +14379,9 @@
           <a:p>
             <a:pPr>
               <a:defRPr sz="1000">
+                <a:solidFill>
+                  <a:srgbClr val="000000"/>
+                </a:solidFill>
                 <a:latin typeface="Yu Gothic UI"/>
               </a:defRPr>
             </a:pPr>
@@ -13306,6 +14392,9 @@
           <a:p>
             <a:pPr>
               <a:defRPr sz="1000">
+                <a:solidFill>
+                  <a:srgbClr val="000000"/>
+                </a:solidFill>
                 <a:latin typeface="Yu Gothic UI"/>
               </a:defRPr>
             </a:pPr>
@@ -13316,6 +14405,9 @@
           <a:p>
             <a:pPr>
               <a:defRPr sz="1000">
+                <a:solidFill>
+                  <a:srgbClr val="000000"/>
+                </a:solidFill>
                 <a:latin typeface="Yu Gothic UI"/>
               </a:defRPr>
             </a:pPr>
@@ -13367,6 +14459,9 @@
           <a:p>
             <a:pPr>
               <a:defRPr sz="1000">
+                <a:solidFill>
+                  <a:srgbClr val="000000"/>
+                </a:solidFill>
                 <a:latin typeface="Yu Gothic UI"/>
               </a:defRPr>
             </a:pPr>
@@ -13377,6 +14472,9 @@
           <a:p>
             <a:pPr>
               <a:defRPr sz="1000">
+                <a:solidFill>
+                  <a:srgbClr val="000000"/>
+                </a:solidFill>
                 <a:latin typeface="Yu Gothic UI"/>
               </a:defRPr>
             </a:pPr>
@@ -13387,6 +14485,9 @@
           <a:p>
             <a:pPr>
               <a:defRPr sz="1000">
+                <a:solidFill>
+                  <a:srgbClr val="000000"/>
+                </a:solidFill>
                 <a:latin typeface="Yu Gothic UI"/>
               </a:defRPr>
             </a:pPr>
@@ -13438,6 +14539,9 @@
           <a:p>
             <a:pPr>
               <a:defRPr sz="1000">
+                <a:solidFill>
+                  <a:srgbClr val="000000"/>
+                </a:solidFill>
                 <a:latin typeface="Yu Gothic UI"/>
               </a:defRPr>
             </a:pPr>
@@ -13448,6 +14552,9 @@
           <a:p>
             <a:pPr>
               <a:defRPr sz="1000">
+                <a:solidFill>
+                  <a:srgbClr val="000000"/>
+                </a:solidFill>
                 <a:latin typeface="Yu Gothic UI"/>
               </a:defRPr>
             </a:pPr>
@@ -13458,6 +14565,9 @@
           <a:p>
             <a:pPr>
               <a:defRPr sz="1000">
+                <a:solidFill>
+                  <a:srgbClr val="000000"/>
+                </a:solidFill>
                 <a:latin typeface="Yu Gothic UI"/>
               </a:defRPr>
             </a:pPr>
@@ -13509,6 +14619,9 @@
           <a:p>
             <a:pPr>
               <a:defRPr sz="1000">
+                <a:solidFill>
+                  <a:srgbClr val="000000"/>
+                </a:solidFill>
                 <a:latin typeface="Yu Gothic UI"/>
               </a:defRPr>
             </a:pPr>
@@ -13560,6 +14673,9 @@
           <a:p>
             <a:pPr>
               <a:defRPr sz="1000">
+                <a:solidFill>
+                  <a:srgbClr val="000000"/>
+                </a:solidFill>
                 <a:latin typeface="Yu Gothic UI"/>
               </a:defRPr>
             </a:pPr>
@@ -13570,6 +14686,9 @@
           <a:p>
             <a:pPr>
               <a:defRPr sz="1000">
+                <a:solidFill>
+                  <a:srgbClr val="000000"/>
+                </a:solidFill>
                 <a:latin typeface="Yu Gothic UI"/>
               </a:defRPr>
             </a:pPr>
@@ -13621,6 +14740,9 @@
           <a:p>
             <a:pPr>
               <a:defRPr sz="1000">
+                <a:solidFill>
+                  <a:srgbClr val="000000"/>
+                </a:solidFill>
                 <a:latin typeface="Yu Gothic UI"/>
               </a:defRPr>
             </a:pPr>
@@ -13631,6 +14753,9 @@
           <a:p>
             <a:pPr>
               <a:defRPr sz="1000">
+                <a:solidFill>
+                  <a:srgbClr val="000000"/>
+                </a:solidFill>
                 <a:latin typeface="Yu Gothic UI"/>
               </a:defRPr>
             </a:pPr>
@@ -13682,6 +14807,9 @@
           <a:p>
             <a:pPr>
               <a:defRPr sz="1000">
+                <a:solidFill>
+                  <a:srgbClr val="000000"/>
+                </a:solidFill>
                 <a:latin typeface="Yu Gothic UI"/>
               </a:defRPr>
             </a:pPr>
@@ -13692,6 +14820,9 @@
           <a:p>
             <a:pPr>
               <a:defRPr sz="1000">
+                <a:solidFill>
+                  <a:srgbClr val="000000"/>
+                </a:solidFill>
                 <a:latin typeface="Yu Gothic UI"/>
               </a:defRPr>
             </a:pPr>
@@ -13743,6 +14874,9 @@
           <a:p>
             <a:pPr>
               <a:defRPr sz="1000">
+                <a:solidFill>
+                  <a:srgbClr val="000000"/>
+                </a:solidFill>
                 <a:latin typeface="Yu Gothic UI"/>
               </a:defRPr>
             </a:pPr>
@@ -13753,6 +14887,9 @@
           <a:p>
             <a:pPr>
               <a:defRPr sz="1000">
+                <a:solidFill>
+                  <a:srgbClr val="000000"/>
+                </a:solidFill>
                 <a:latin typeface="Yu Gothic UI"/>
               </a:defRPr>
             </a:pPr>
@@ -13763,6 +14900,9 @@
           <a:p>
             <a:pPr>
               <a:defRPr sz="1000">
+                <a:solidFill>
+                  <a:srgbClr val="000000"/>
+                </a:solidFill>
                 <a:latin typeface="Yu Gothic UI"/>
               </a:defRPr>
             </a:pPr>
@@ -13814,6 +14954,9 @@
           <a:p>
             <a:pPr>
               <a:defRPr sz="1000">
+                <a:solidFill>
+                  <a:srgbClr val="000000"/>
+                </a:solidFill>
                 <a:latin typeface="Yu Gothic UI"/>
               </a:defRPr>
             </a:pPr>
@@ -13824,6 +14967,9 @@
           <a:p>
             <a:pPr>
               <a:defRPr sz="1000">
+                <a:solidFill>
+                  <a:srgbClr val="000000"/>
+                </a:solidFill>
                 <a:latin typeface="Yu Gothic UI"/>
               </a:defRPr>
             </a:pPr>
